--- a/doc/Group9_Presentation.pptx
+++ b/doc/Group9_Presentation.pptx
@@ -2002,7 +2002,7 @@
               <a:defRPr/>
             </a:pPr>
             <a:r>
-              <a:rPr lang="en-US" sz="1100" smtClean="0">
+              <a:rPr lang="en-US" sz="1100">
                 <a:solidFill>
                   <a:schemeClr val="tx1"/>
                 </a:solidFill>
@@ -14517,14 +14517,6 @@
               </a:rPr>
               <a:t>Model Selection</a:t>
             </a:r>
-            <a:r>
-              <a:rPr lang="en-US" dirty="0">
-                <a:solidFill>
-                  <a:srgbClr val="00B0F0"/>
-                </a:solidFill>
-              </a:rPr>
-              <a:t/>
-            </a:r>
             <a:br>
               <a:rPr lang="en-US" dirty="0">
                 <a:solidFill>
@@ -14539,14 +14531,6 @@
                 </a:solidFill>
               </a:rPr>
               <a:t>—— Dogs, Fried Chicken or Blueberry Muffins?</a:t>
-            </a:r>
-            <a:r>
-              <a:rPr lang="en-US" dirty="0">
-                <a:solidFill>
-                  <a:srgbClr val="00B0F0"/>
-                </a:solidFill>
-              </a:rPr>
-              <a:t/>
             </a:r>
             <a:br>
               <a:rPr lang="en-US" dirty="0">
@@ -14628,7 +14612,7 @@
           <p:cNvPr id="6" name="Shape 467">
             <a:extLst>
               <a:ext uri="{FF2B5EF4-FFF2-40B4-BE49-F238E27FC236}">
-                <a16:creationId xmlns="" xmlns:a16="http://schemas.microsoft.com/office/drawing/2014/main" id="{1685D1D0-19B9-C044-824E-693C7330FD1B}"/>
+                <a16:creationId xmlns:a16="http://schemas.microsoft.com/office/drawing/2014/main" id="{1685D1D0-19B9-C044-824E-693C7330FD1B}"/>
               </a:ext>
             </a:extLst>
           </p:cNvPr>
@@ -14936,18 +14920,7 @@
                 <a:ea typeface="Arial" charset="0"/>
                 <a:cs typeface="Arial" charset="0"/>
               </a:rPr>
-              <a:t>Fan </a:t>
-            </a:r>
-            <a:r>
-              <a:rPr lang="en-US" sz="1400" dirty="0" smtClean="0">
-                <a:solidFill>
-                  <a:schemeClr val="tx1"/>
-                </a:solidFill>
-                <a:latin typeface="Arial" charset="0"/>
-                <a:ea typeface="Arial" charset="0"/>
-                <a:cs typeface="Arial" charset="0"/>
-              </a:rPr>
-              <a:t>Yang</a:t>
+              <a:t>Fan Yang</a:t>
             </a:r>
           </a:p>
           <a:p>
@@ -14960,7 +14933,7 @@
               <a:buNone/>
             </a:pPr>
             <a:r>
-              <a:rPr lang="en-US" sz="1400" dirty="0" err="1" smtClean="0">
+              <a:rPr lang="en-US" sz="1400" dirty="0" err="1">
                 <a:solidFill>
                   <a:schemeClr val="tx1"/>
                 </a:solidFill>
@@ -14971,7 +14944,7 @@
               <a:t>Yiran</a:t>
             </a:r>
             <a:r>
-              <a:rPr lang="en-US" sz="1400" dirty="0" smtClean="0">
+              <a:rPr lang="en-US" sz="1400" dirty="0">
                 <a:solidFill>
                   <a:schemeClr val="tx1"/>
                 </a:solidFill>
@@ -14992,7 +14965,7 @@
               <a:buNone/>
             </a:pPr>
             <a:r>
-              <a:rPr lang="en-US" sz="1400" dirty="0" smtClean="0">
+              <a:rPr lang="en-US" sz="1400" dirty="0">
                 <a:solidFill>
                   <a:schemeClr val="tx1"/>
                 </a:solidFill>
@@ -15022,18 +14995,7 @@
                 <a:ea typeface="Arial" charset="0"/>
                 <a:cs typeface="Arial" charset="0"/>
               </a:rPr>
-              <a:t> </a:t>
-            </a:r>
-            <a:r>
-              <a:rPr lang="en-US" sz="1400" dirty="0" smtClean="0">
-                <a:solidFill>
-                  <a:schemeClr val="tx1"/>
-                </a:solidFill>
-                <a:latin typeface="Arial" charset="0"/>
-                <a:ea typeface="Arial" charset="0"/>
-                <a:cs typeface="Arial" charset="0"/>
-              </a:rPr>
-              <a:t>Li</a:t>
+              <a:t> Li</a:t>
             </a:r>
           </a:p>
           <a:p>
@@ -15046,17 +15008,6 @@
               <a:buNone/>
             </a:pPr>
             <a:r>
-              <a:rPr lang="en-US" sz="1400" dirty="0" smtClean="0">
-                <a:solidFill>
-                  <a:schemeClr val="tx1"/>
-                </a:solidFill>
-                <a:latin typeface="Arial" charset="0"/>
-                <a:ea typeface="Arial" charset="0"/>
-                <a:cs typeface="Arial" charset="0"/>
-              </a:rPr>
-              <a:t>Jingyi </a:t>
-            </a:r>
-            <a:r>
               <a:rPr lang="en-US" sz="1400" dirty="0">
                 <a:solidFill>
                   <a:schemeClr val="tx1"/>
@@ -15065,7 +15016,7 @@
                 <a:ea typeface="Arial" charset="0"/>
                 <a:cs typeface="Arial" charset="0"/>
               </a:rPr>
-              <a:t>Wang</a:t>
+              <a:t>Jingyi Wang</a:t>
             </a:r>
             <a:endParaRPr lang="en-US" sz="2400" b="1" dirty="0">
               <a:solidFill>
@@ -15143,7 +15094,7 @@
               <a:buNone/>
             </a:pPr>
             <a:r>
-              <a:rPr lang="en-US" dirty="0" smtClean="0"/>
+              <a:rPr lang="en-US" dirty="0"/>
               <a:t>Model Evaluation </a:t>
             </a:r>
             <a:endParaRPr dirty="0"/>
@@ -15212,13 +15163,6 @@
   <p:clrMapOvr>
     <a:masterClrMapping/>
   </p:clrMapOvr>
-  <p:timing>
-    <p:tnLst>
-      <p:par>
-        <p:cTn id="1" dur="indefinite" restart="never" nodeType="tmRoot"/>
-      </p:par>
-    </p:tnLst>
-  </p:timing>
 </p:sld>
 </file>
 
@@ -15267,35 +15211,35 @@
                 <a:gridCol w="2122374">
                   <a:extLst>
                     <a:ext uri="{9D8B030D-6E8A-4147-A177-3AD203B41FA5}">
-                      <a16:colId xmlns="" xmlns:a16="http://schemas.microsoft.com/office/drawing/2014/main" val="20000"/>
+                      <a16:colId xmlns:a16="http://schemas.microsoft.com/office/drawing/2014/main" val="20000"/>
                     </a:ext>
                   </a:extLst>
                 </a:gridCol>
                 <a:gridCol w="1308797">
                   <a:extLst>
                     <a:ext uri="{9D8B030D-6E8A-4147-A177-3AD203B41FA5}">
-                      <a16:colId xmlns="" xmlns:a16="http://schemas.microsoft.com/office/drawing/2014/main" val="20001"/>
+                      <a16:colId xmlns:a16="http://schemas.microsoft.com/office/drawing/2014/main" val="20001"/>
                     </a:ext>
                   </a:extLst>
                 </a:gridCol>
                 <a:gridCol w="1308797">
                   <a:extLst>
                     <a:ext uri="{9D8B030D-6E8A-4147-A177-3AD203B41FA5}">
-                      <a16:colId xmlns="" xmlns:a16="http://schemas.microsoft.com/office/drawing/2014/main" val="20002"/>
+                      <a16:colId xmlns:a16="http://schemas.microsoft.com/office/drawing/2014/main" val="20002"/>
                     </a:ext>
                   </a:extLst>
                 </a:gridCol>
                 <a:gridCol w="871855">
                   <a:extLst>
                     <a:ext uri="{9D8B030D-6E8A-4147-A177-3AD203B41FA5}">
-                      <a16:colId xmlns="" xmlns:a16="http://schemas.microsoft.com/office/drawing/2014/main" val="698607680"/>
+                      <a16:colId xmlns:a16="http://schemas.microsoft.com/office/drawing/2014/main" val="698607680"/>
                     </a:ext>
                   </a:extLst>
                 </a:gridCol>
                 <a:gridCol w="1255303">
                   <a:extLst>
                     <a:ext uri="{9D8B030D-6E8A-4147-A177-3AD203B41FA5}">
-                      <a16:colId xmlns="" xmlns:a16="http://schemas.microsoft.com/office/drawing/2014/main" val="1331669779"/>
+                      <a16:colId xmlns:a16="http://schemas.microsoft.com/office/drawing/2014/main" val="1331669779"/>
                     </a:ext>
                   </a:extLst>
                 </a:gridCol>
@@ -15385,7 +15329,7 @@
                 </a:tc>
                 <a:extLst>
                   <a:ext uri="{0D108BD9-81ED-4DB2-BD59-A6C34878D82A}">
-                    <a16:rowId xmlns="" xmlns:a16="http://schemas.microsoft.com/office/drawing/2014/main" val="10000"/>
+                    <a16:rowId xmlns:a16="http://schemas.microsoft.com/office/drawing/2014/main" val="10000"/>
                   </a:ext>
                 </a:extLst>
               </a:tr>
@@ -15510,7 +15454,7 @@
                 </a:tc>
                 <a:extLst>
                   <a:ext uri="{0D108BD9-81ED-4DB2-BD59-A6C34878D82A}">
-                    <a16:rowId xmlns="" xmlns:a16="http://schemas.microsoft.com/office/drawing/2014/main" val="10001"/>
+                    <a16:rowId xmlns:a16="http://schemas.microsoft.com/office/drawing/2014/main" val="10001"/>
                   </a:ext>
                 </a:extLst>
               </a:tr>
@@ -15631,7 +15575,7 @@
                 </a:tc>
                 <a:extLst>
                   <a:ext uri="{0D108BD9-81ED-4DB2-BD59-A6C34878D82A}">
-                    <a16:rowId xmlns="" xmlns:a16="http://schemas.microsoft.com/office/drawing/2014/main" val="10002"/>
+                    <a16:rowId xmlns:a16="http://schemas.microsoft.com/office/drawing/2014/main" val="10002"/>
                   </a:ext>
                 </a:extLst>
               </a:tr>
@@ -15790,7 +15734,7 @@
                 </a:tc>
                 <a:extLst>
                   <a:ext uri="{0D108BD9-81ED-4DB2-BD59-A6C34878D82A}">
-                    <a16:rowId xmlns="" xmlns:a16="http://schemas.microsoft.com/office/drawing/2014/main" val="10003"/>
+                    <a16:rowId xmlns:a16="http://schemas.microsoft.com/office/drawing/2014/main" val="10003"/>
                   </a:ext>
                 </a:extLst>
               </a:tr>
@@ -15932,7 +15876,7 @@
                 </a:tc>
                 <a:extLst>
                   <a:ext uri="{0D108BD9-81ED-4DB2-BD59-A6C34878D82A}">
-                    <a16:rowId xmlns="" xmlns:a16="http://schemas.microsoft.com/office/drawing/2014/main" val="10004"/>
+                    <a16:rowId xmlns:a16="http://schemas.microsoft.com/office/drawing/2014/main" val="10004"/>
                   </a:ext>
                 </a:extLst>
               </a:tr>
@@ -16035,7 +15979,7 @@
                 </a:tc>
                 <a:extLst>
                   <a:ext uri="{0D108BD9-81ED-4DB2-BD59-A6C34878D82A}">
-                    <a16:rowId xmlns="" xmlns:a16="http://schemas.microsoft.com/office/drawing/2014/main" val="10005"/>
+                    <a16:rowId xmlns:a16="http://schemas.microsoft.com/office/drawing/2014/main" val="10005"/>
                   </a:ext>
                 </a:extLst>
               </a:tr>
@@ -16140,7 +16084,7 @@
                 </a:tc>
                 <a:extLst>
                   <a:ext uri="{0D108BD9-81ED-4DB2-BD59-A6C34878D82A}">
-                    <a16:rowId xmlns="" xmlns:a16="http://schemas.microsoft.com/office/drawing/2014/main" val="10006"/>
+                    <a16:rowId xmlns:a16="http://schemas.microsoft.com/office/drawing/2014/main" val="10006"/>
                   </a:ext>
                 </a:extLst>
               </a:tr>
@@ -16295,7 +16239,7 @@
                 </a:tc>
                 <a:extLst>
                   <a:ext uri="{0D108BD9-81ED-4DB2-BD59-A6C34878D82A}">
-                    <a16:rowId xmlns="" xmlns:a16="http://schemas.microsoft.com/office/drawing/2014/main" val="10007"/>
+                    <a16:rowId xmlns:a16="http://schemas.microsoft.com/office/drawing/2014/main" val="10007"/>
                   </a:ext>
                 </a:extLst>
               </a:tr>
@@ -16432,7 +16376,7 @@
                 </a:tc>
                 <a:extLst>
                   <a:ext uri="{0D108BD9-81ED-4DB2-BD59-A6C34878D82A}">
-                    <a16:rowId xmlns="" xmlns:a16="http://schemas.microsoft.com/office/drawing/2014/main" val="10008"/>
+                    <a16:rowId xmlns:a16="http://schemas.microsoft.com/office/drawing/2014/main" val="10008"/>
                   </a:ext>
                 </a:extLst>
               </a:tr>
@@ -16530,7 +16474,7 @@
                 </a:tc>
                 <a:extLst>
                   <a:ext uri="{0D108BD9-81ED-4DB2-BD59-A6C34878D82A}">
-                    <a16:rowId xmlns="" xmlns:a16="http://schemas.microsoft.com/office/drawing/2014/main" val="10009"/>
+                    <a16:rowId xmlns:a16="http://schemas.microsoft.com/office/drawing/2014/main" val="10009"/>
                   </a:ext>
                 </a:extLst>
               </a:tr>
@@ -16636,7 +16580,7 @@
                 </a:tc>
                 <a:extLst>
                   <a:ext uri="{0D108BD9-81ED-4DB2-BD59-A6C34878D82A}">
-                    <a16:rowId xmlns="" xmlns:a16="http://schemas.microsoft.com/office/drawing/2014/main" val="10010"/>
+                    <a16:rowId xmlns:a16="http://schemas.microsoft.com/office/drawing/2014/main" val="10010"/>
                   </a:ext>
                 </a:extLst>
               </a:tr>
@@ -16725,7 +16669,7 @@
                 </a:tc>
                 <a:extLst>
                   <a:ext uri="{0D108BD9-81ED-4DB2-BD59-A6C34878D82A}">
-                    <a16:rowId xmlns="" xmlns:a16="http://schemas.microsoft.com/office/drawing/2014/main" val="10011"/>
+                    <a16:rowId xmlns:a16="http://schemas.microsoft.com/office/drawing/2014/main" val="10011"/>
                   </a:ext>
                 </a:extLst>
               </a:tr>
@@ -16804,7 +16748,7 @@
                 </a:tc>
                 <a:extLst>
                   <a:ext uri="{0D108BD9-81ED-4DB2-BD59-A6C34878D82A}">
-                    <a16:rowId xmlns="" xmlns:a16="http://schemas.microsoft.com/office/drawing/2014/main" val="10012"/>
+                    <a16:rowId xmlns:a16="http://schemas.microsoft.com/office/drawing/2014/main" val="10012"/>
                   </a:ext>
                 </a:extLst>
               </a:tr>
@@ -16817,7 +16761,7 @@
           <p:cNvPr id="3" name="Rectangle 2">
             <a:extLst>
               <a:ext uri="{FF2B5EF4-FFF2-40B4-BE49-F238E27FC236}">
-                <a16:creationId xmlns="" xmlns:a16="http://schemas.microsoft.com/office/drawing/2014/main" id="{BE49DAFA-6BC3-FE47-B67A-5E0EBE2385B6}"/>
+                <a16:creationId xmlns:a16="http://schemas.microsoft.com/office/drawing/2014/main" id="{BE49DAFA-6BC3-FE47-B67A-5E0EBE2385B6}"/>
               </a:ext>
             </a:extLst>
           </p:cNvPr>
@@ -16867,7 +16811,7 @@
           <p:cNvPr id="4" name="Rectangle 3">
             <a:extLst>
               <a:ext uri="{FF2B5EF4-FFF2-40B4-BE49-F238E27FC236}">
-                <a16:creationId xmlns="" xmlns:a16="http://schemas.microsoft.com/office/drawing/2014/main" id="{91DDDFBC-6FB4-6D49-838F-2DF302BE1468}"/>
+                <a16:creationId xmlns:a16="http://schemas.microsoft.com/office/drawing/2014/main" id="{91DDDFBC-6FB4-6D49-838F-2DF302BE1468}"/>
               </a:ext>
             </a:extLst>
           </p:cNvPr>
@@ -16935,20 +16879,12 @@
           <a:lstStyle/>
           <a:p>
             <a:r>
-              <a:rPr lang="en-US" sz="1000" dirty="0" smtClean="0">
-                <a:solidFill>
-                  <a:schemeClr val="bg1"/>
-                </a:solidFill>
-              </a:rPr>
-              <a:t>Notes: Test </a:t>
-            </a:r>
-            <a:r>
               <a:rPr lang="en-US" sz="1000" dirty="0">
                 <a:solidFill>
                   <a:schemeClr val="bg1"/>
                 </a:solidFill>
               </a:rPr>
-              <a:t>Error got by first randomly select 30% image in training set as “test set”, then calculate test set estimates of the misclassification rate</a:t>
+              <a:t>Notes: Test Error got by first randomly select 30% image in training set as “test set”, then calculate test set estimates of the misclassification rate</a:t>
             </a:r>
           </a:p>
           <a:p>
@@ -16970,13 +16906,6 @@
   <p:clrMapOvr>
     <a:masterClrMapping/>
   </p:clrMapOvr>
-  <p:timing>
-    <p:tnLst>
-      <p:par>
-        <p:cTn id="1" dur="indefinite" restart="never" nodeType="tmRoot"/>
-      </p:par>
-    </p:tnLst>
-  </p:timing>
 </p:sld>
 </file>
 
@@ -17052,35 +16981,35 @@
                 <a:gridCol w="1577340">
                   <a:extLst>
                     <a:ext uri="{9D8B030D-6E8A-4147-A177-3AD203B41FA5}">
-                      <a16:colId xmlns="" xmlns:a16="http://schemas.microsoft.com/office/drawing/2014/main" val="20000"/>
+                      <a16:colId xmlns:a16="http://schemas.microsoft.com/office/drawing/2014/main" val="20000"/>
                     </a:ext>
                   </a:extLst>
                 </a:gridCol>
                 <a:gridCol w="1577340">
                   <a:extLst>
                     <a:ext uri="{9D8B030D-6E8A-4147-A177-3AD203B41FA5}">
-                      <a16:colId xmlns="" xmlns:a16="http://schemas.microsoft.com/office/drawing/2014/main" val="20001"/>
+                      <a16:colId xmlns:a16="http://schemas.microsoft.com/office/drawing/2014/main" val="20001"/>
                     </a:ext>
                   </a:extLst>
                 </a:gridCol>
                 <a:gridCol w="1577340">
                   <a:extLst>
                     <a:ext uri="{9D8B030D-6E8A-4147-A177-3AD203B41FA5}">
-                      <a16:colId xmlns="" xmlns:a16="http://schemas.microsoft.com/office/drawing/2014/main" val="20002"/>
+                      <a16:colId xmlns:a16="http://schemas.microsoft.com/office/drawing/2014/main" val="20002"/>
                     </a:ext>
                   </a:extLst>
                 </a:gridCol>
                 <a:gridCol w="1577340">
                   <a:extLst>
                     <a:ext uri="{9D8B030D-6E8A-4147-A177-3AD203B41FA5}">
-                      <a16:colId xmlns="" xmlns:a16="http://schemas.microsoft.com/office/drawing/2014/main" val="20003"/>
+                      <a16:colId xmlns:a16="http://schemas.microsoft.com/office/drawing/2014/main" val="20003"/>
                     </a:ext>
                   </a:extLst>
                 </a:gridCol>
                 <a:gridCol w="1577340">
                   <a:extLst>
                     <a:ext uri="{9D8B030D-6E8A-4147-A177-3AD203B41FA5}">
-                      <a16:colId xmlns="" xmlns:a16="http://schemas.microsoft.com/office/drawing/2014/main" val="20004"/>
+                      <a16:colId xmlns:a16="http://schemas.microsoft.com/office/drawing/2014/main" val="20004"/>
                     </a:ext>
                   </a:extLst>
                 </a:gridCol>
@@ -17152,7 +17081,7 @@
                 </a:tc>
                 <a:extLst>
                   <a:ext uri="{0D108BD9-81ED-4DB2-BD59-A6C34878D82A}">
-                    <a16:rowId xmlns="" xmlns:a16="http://schemas.microsoft.com/office/drawing/2014/main" val="10000"/>
+                    <a16:rowId xmlns:a16="http://schemas.microsoft.com/office/drawing/2014/main" val="10000"/>
                   </a:ext>
                 </a:extLst>
               </a:tr>
@@ -17246,7 +17175,7 @@
                 </a:tc>
                 <a:extLst>
                   <a:ext uri="{0D108BD9-81ED-4DB2-BD59-A6C34878D82A}">
-                    <a16:rowId xmlns="" xmlns:a16="http://schemas.microsoft.com/office/drawing/2014/main" val="10005"/>
+                    <a16:rowId xmlns:a16="http://schemas.microsoft.com/office/drawing/2014/main" val="10005"/>
                   </a:ext>
                 </a:extLst>
               </a:tr>
@@ -17339,7 +17268,7 @@
                 </a:tc>
                 <a:extLst>
                   <a:ext uri="{0D108BD9-81ED-4DB2-BD59-A6C34878D82A}">
-                    <a16:rowId xmlns="" xmlns:a16="http://schemas.microsoft.com/office/drawing/2014/main" val="10001"/>
+                    <a16:rowId xmlns:a16="http://schemas.microsoft.com/office/drawing/2014/main" val="10001"/>
                   </a:ext>
                 </a:extLst>
               </a:tr>
@@ -17430,7 +17359,7 @@
                 </a:tc>
                 <a:extLst>
                   <a:ext uri="{0D108BD9-81ED-4DB2-BD59-A6C34878D82A}">
-                    <a16:rowId xmlns="" xmlns:a16="http://schemas.microsoft.com/office/drawing/2014/main" val="10002"/>
+                    <a16:rowId xmlns:a16="http://schemas.microsoft.com/office/drawing/2014/main" val="10002"/>
                   </a:ext>
                 </a:extLst>
               </a:tr>
@@ -17526,7 +17455,7 @@
                 </a:tc>
                 <a:extLst>
                   <a:ext uri="{0D108BD9-81ED-4DB2-BD59-A6C34878D82A}">
-                    <a16:rowId xmlns="" xmlns:a16="http://schemas.microsoft.com/office/drawing/2014/main" val="10006"/>
+                    <a16:rowId xmlns:a16="http://schemas.microsoft.com/office/drawing/2014/main" val="10006"/>
                   </a:ext>
                 </a:extLst>
               </a:tr>
@@ -17627,7 +17556,7 @@
                 </a:tc>
                 <a:extLst>
                   <a:ext uri="{0D108BD9-81ED-4DB2-BD59-A6C34878D82A}">
-                    <a16:rowId xmlns="" xmlns:a16="http://schemas.microsoft.com/office/drawing/2014/main" val="10003"/>
+                    <a16:rowId xmlns:a16="http://schemas.microsoft.com/office/drawing/2014/main" val="10003"/>
                   </a:ext>
                 </a:extLst>
               </a:tr>
@@ -17719,7 +17648,7 @@
                 </a:tc>
                 <a:extLst>
                   <a:ext uri="{0D108BD9-81ED-4DB2-BD59-A6C34878D82A}">
-                    <a16:rowId xmlns="" xmlns:a16="http://schemas.microsoft.com/office/drawing/2014/main" val="10004"/>
+                    <a16:rowId xmlns:a16="http://schemas.microsoft.com/office/drawing/2014/main" val="10004"/>
                   </a:ext>
                 </a:extLst>
               </a:tr>
@@ -17762,7 +17691,7 @@
           <p:cNvPr id="7" name="Title 1">
             <a:extLst>
               <a:ext uri="{FF2B5EF4-FFF2-40B4-BE49-F238E27FC236}">
-                <a16:creationId xmlns="" xmlns:a16="http://schemas.microsoft.com/office/drawing/2014/main" id="{88BA3341-7B27-AC4A-8F4A-2A3298C9BC0D}"/>
+                <a16:creationId xmlns:a16="http://schemas.microsoft.com/office/drawing/2014/main" id="{88BA3341-7B27-AC4A-8F4A-2A3298C9BC0D}"/>
               </a:ext>
             </a:extLst>
           </p:cNvPr>
@@ -17799,7 +17728,7 @@
           <p:cNvPr id="8" name="Content Placeholder 5">
             <a:extLst>
               <a:ext uri="{FF2B5EF4-FFF2-40B4-BE49-F238E27FC236}">
-                <a16:creationId xmlns="" xmlns:a16="http://schemas.microsoft.com/office/drawing/2014/main" id="{0845D312-87B0-954C-B208-E6576F3D6410}"/>
+                <a16:creationId xmlns:a16="http://schemas.microsoft.com/office/drawing/2014/main" id="{0845D312-87B0-954C-B208-E6576F3D6410}"/>
               </a:ext>
             </a:extLst>
           </p:cNvPr>
@@ -17835,7 +17764,7 @@
           <p:cNvPr id="9" name="Content Placeholder 9">
             <a:extLst>
               <a:ext uri="{FF2B5EF4-FFF2-40B4-BE49-F238E27FC236}">
-                <a16:creationId xmlns="" xmlns:a16="http://schemas.microsoft.com/office/drawing/2014/main" id="{084226EB-EEAB-404D-A7D1-A3D4C727F42C}"/>
+                <a16:creationId xmlns:a16="http://schemas.microsoft.com/office/drawing/2014/main" id="{084226EB-EEAB-404D-A7D1-A3D4C727F42C}"/>
               </a:ext>
             </a:extLst>
           </p:cNvPr>
@@ -17864,7 +17793,7 @@
           <p:cNvPr id="11" name="Title 1">
             <a:extLst>
               <a:ext uri="{FF2B5EF4-FFF2-40B4-BE49-F238E27FC236}">
-                <a16:creationId xmlns="" xmlns:a16="http://schemas.microsoft.com/office/drawing/2014/main" id="{2415DD61-ACC0-5646-BE79-F68DA3266154}"/>
+                <a16:creationId xmlns:a16="http://schemas.microsoft.com/office/drawing/2014/main" id="{2415DD61-ACC0-5646-BE79-F68DA3266154}"/>
               </a:ext>
             </a:extLst>
           </p:cNvPr>
@@ -18157,7 +18086,7 @@
           <p:cNvPr id="12" name="Title 1">
             <a:extLst>
               <a:ext uri="{FF2B5EF4-FFF2-40B4-BE49-F238E27FC236}">
-                <a16:creationId xmlns="" xmlns:a16="http://schemas.microsoft.com/office/drawing/2014/main" id="{60A2FD62-40BC-C94E-AD65-0764E277DD1E}"/>
+                <a16:creationId xmlns:a16="http://schemas.microsoft.com/office/drawing/2014/main" id="{60A2FD62-40BC-C94E-AD65-0764E277DD1E}"/>
               </a:ext>
             </a:extLst>
           </p:cNvPr>
@@ -18484,7 +18413,7 @@
           <p:nvPr>
             <p:extLst>
               <p:ext uri="{D42A27DB-BD31-4B8C-83A1-F6EECF244321}">
-                <p14:modId xmlns:p14="http://schemas.microsoft.com/office/powerpoint/2010/main" val="3054080225"/>
+                <p14:modId xmlns:p14="http://schemas.microsoft.com/office/powerpoint/2010/main" val="790472418"/>
               </p:ext>
             </p:extLst>
           </p:nvPr>
@@ -18503,35 +18432,35 @@
                 <a:gridCol w="1128950">
                   <a:extLst>
                     <a:ext uri="{9D8B030D-6E8A-4147-A177-3AD203B41FA5}">
-                      <a16:colId xmlns="" xmlns:a16="http://schemas.microsoft.com/office/drawing/2014/main" val="20000"/>
+                      <a16:colId xmlns:a16="http://schemas.microsoft.com/office/drawing/2014/main" val="20000"/>
                     </a:ext>
                   </a:extLst>
                 </a:gridCol>
                 <a:gridCol w="1125897">
                   <a:extLst>
                     <a:ext uri="{9D8B030D-6E8A-4147-A177-3AD203B41FA5}">
-                      <a16:colId xmlns="" xmlns:a16="http://schemas.microsoft.com/office/drawing/2014/main" val="20001"/>
+                      <a16:colId xmlns:a16="http://schemas.microsoft.com/office/drawing/2014/main" val="20001"/>
                     </a:ext>
                   </a:extLst>
                 </a:gridCol>
                 <a:gridCol w="924535">
                   <a:extLst>
                     <a:ext uri="{9D8B030D-6E8A-4147-A177-3AD203B41FA5}">
-                      <a16:colId xmlns="" xmlns:a16="http://schemas.microsoft.com/office/drawing/2014/main" val="20002"/>
+                      <a16:colId xmlns:a16="http://schemas.microsoft.com/office/drawing/2014/main" val="20002"/>
                     </a:ext>
                   </a:extLst>
                 </a:gridCol>
                 <a:gridCol w="1142827">
                   <a:extLst>
                     <a:ext uri="{9D8B030D-6E8A-4147-A177-3AD203B41FA5}">
-                      <a16:colId xmlns="" xmlns:a16="http://schemas.microsoft.com/office/drawing/2014/main" val="20003"/>
+                      <a16:colId xmlns:a16="http://schemas.microsoft.com/office/drawing/2014/main" val="20003"/>
                     </a:ext>
                   </a:extLst>
                 </a:gridCol>
                 <a:gridCol w="1014418">
                   <a:extLst>
                     <a:ext uri="{9D8B030D-6E8A-4147-A177-3AD203B41FA5}">
-                      <a16:colId xmlns="" xmlns:a16="http://schemas.microsoft.com/office/drawing/2014/main" val="20004"/>
+                      <a16:colId xmlns:a16="http://schemas.microsoft.com/office/drawing/2014/main" val="20004"/>
                     </a:ext>
                   </a:extLst>
                 </a:gridCol>
@@ -18606,7 +18535,7 @@
                 </a:tc>
                 <a:extLst>
                   <a:ext uri="{0D108BD9-81ED-4DB2-BD59-A6C34878D82A}">
-                    <a16:rowId xmlns="" xmlns:a16="http://schemas.microsoft.com/office/drawing/2014/main" val="10000"/>
+                    <a16:rowId xmlns:a16="http://schemas.microsoft.com/office/drawing/2014/main" val="10000"/>
                   </a:ext>
                 </a:extLst>
               </a:tr>
@@ -18692,7 +18621,7 @@
                 </a:tc>
                 <a:extLst>
                   <a:ext uri="{0D108BD9-81ED-4DB2-BD59-A6C34878D82A}">
-                    <a16:rowId xmlns="" xmlns:a16="http://schemas.microsoft.com/office/drawing/2014/main" val="2455327945"/>
+                    <a16:rowId xmlns:a16="http://schemas.microsoft.com/office/drawing/2014/main" val="2455327945"/>
                   </a:ext>
                 </a:extLst>
               </a:tr>
@@ -18802,8 +18731,16 @@
                         <a:defRPr/>
                       </a:pPr>
                       <a:r>
-                        <a:rPr lang="en-US" sz="1100" b="0"/>
-                        <a:t>9.69%</a:t>
+                        <a:rPr lang="en-US" sz="1100" b="0" dirty="0"/>
+                        <a:t>9.</a:t>
+                      </a:r>
+                      <a:r>
+                        <a:rPr lang="en-US" altLang="zh-Hans" sz="1100" b="0" dirty="0"/>
+                        <a:t>13</a:t>
+                      </a:r>
+                      <a:r>
+                        <a:rPr lang="en-US" sz="1100" b="0" dirty="0"/>
+                        <a:t>%</a:t>
                       </a:r>
                     </a:p>
                   </a:txBody>
@@ -18811,7 +18748,7 @@
                 </a:tc>
                 <a:extLst>
                   <a:ext uri="{0D108BD9-81ED-4DB2-BD59-A6C34878D82A}">
-                    <a16:rowId xmlns="" xmlns:a16="http://schemas.microsoft.com/office/drawing/2014/main" val="4280216352"/>
+                    <a16:rowId xmlns:a16="http://schemas.microsoft.com/office/drawing/2014/main" val="4280216352"/>
                   </a:ext>
                 </a:extLst>
               </a:tr>
@@ -18929,7 +18866,7 @@
                 </a:tc>
                 <a:extLst>
                   <a:ext uri="{0D108BD9-81ED-4DB2-BD59-A6C34878D82A}">
-                    <a16:rowId xmlns="" xmlns:a16="http://schemas.microsoft.com/office/drawing/2014/main" val="2414580013"/>
+                    <a16:rowId xmlns:a16="http://schemas.microsoft.com/office/drawing/2014/main" val="2414580013"/>
                   </a:ext>
                 </a:extLst>
               </a:tr>
@@ -19003,7 +18940,7 @@
                 </a:tc>
                 <a:extLst>
                   <a:ext uri="{0D108BD9-81ED-4DB2-BD59-A6C34878D82A}">
-                    <a16:rowId xmlns="" xmlns:a16="http://schemas.microsoft.com/office/drawing/2014/main" val="10001"/>
+                    <a16:rowId xmlns:a16="http://schemas.microsoft.com/office/drawing/2014/main" val="10001"/>
                   </a:ext>
                 </a:extLst>
               </a:tr>
@@ -19079,7 +19016,7 @@
                     <a:p>
                       <a:pPr algn="ctr"/>
                       <a:r>
-                        <a:rPr lang="en-US" sz="1100"/>
+                        <a:rPr lang="en-US" sz="1100" dirty="0"/>
                         <a:t>9.77%</a:t>
                       </a:r>
                     </a:p>
@@ -19088,7 +19025,7 @@
                 </a:tc>
                 <a:extLst>
                   <a:ext uri="{0D108BD9-81ED-4DB2-BD59-A6C34878D82A}">
-                    <a16:rowId xmlns="" xmlns:a16="http://schemas.microsoft.com/office/drawing/2014/main" val="10002"/>
+                    <a16:rowId xmlns:a16="http://schemas.microsoft.com/office/drawing/2014/main" val="10002"/>
                   </a:ext>
                 </a:extLst>
               </a:tr>
@@ -19101,7 +19038,7 @@
           <p:cNvPr id="8" name="Rectangle 7">
             <a:extLst>
               <a:ext uri="{FF2B5EF4-FFF2-40B4-BE49-F238E27FC236}">
-                <a16:creationId xmlns="" xmlns:a16="http://schemas.microsoft.com/office/drawing/2014/main" id="{EBC808F9-3742-5842-971E-EE42B23054E3}"/>
+                <a16:creationId xmlns:a16="http://schemas.microsoft.com/office/drawing/2014/main" id="{EBC808F9-3742-5842-971E-EE42B23054E3}"/>
               </a:ext>
             </a:extLst>
           </p:cNvPr>
@@ -19217,7 +19154,7 @@
           <p:cNvPr id="7" name="Title 1">
             <a:extLst>
               <a:ext uri="{FF2B5EF4-FFF2-40B4-BE49-F238E27FC236}">
-                <a16:creationId xmlns="" xmlns:a16="http://schemas.microsoft.com/office/drawing/2014/main" id="{88BA3341-7B27-AC4A-8F4A-2A3298C9BC0D}"/>
+                <a16:creationId xmlns:a16="http://schemas.microsoft.com/office/drawing/2014/main" id="{88BA3341-7B27-AC4A-8F4A-2A3298C9BC0D}"/>
               </a:ext>
             </a:extLst>
           </p:cNvPr>
@@ -19254,7 +19191,7 @@
           <p:cNvPr id="11" name="Title 1">
             <a:extLst>
               <a:ext uri="{FF2B5EF4-FFF2-40B4-BE49-F238E27FC236}">
-                <a16:creationId xmlns="" xmlns:a16="http://schemas.microsoft.com/office/drawing/2014/main" id="{2415DD61-ACC0-5646-BE79-F68DA3266154}"/>
+                <a16:creationId xmlns:a16="http://schemas.microsoft.com/office/drawing/2014/main" id="{2415DD61-ACC0-5646-BE79-F68DA3266154}"/>
               </a:ext>
             </a:extLst>
           </p:cNvPr>
@@ -19547,7 +19484,7 @@
           <p:cNvPr id="3" name="Picture 2">
             <a:extLst>
               <a:ext uri="{FF2B5EF4-FFF2-40B4-BE49-F238E27FC236}">
-                <a16:creationId xmlns="" xmlns:a16="http://schemas.microsoft.com/office/drawing/2014/main" id="{132436B6-661F-D74E-8CBF-2750430282D3}"/>
+                <a16:creationId xmlns:a16="http://schemas.microsoft.com/office/drawing/2014/main" id="{132436B6-661F-D74E-8CBF-2750430282D3}"/>
               </a:ext>
             </a:extLst>
           </p:cNvPr>
@@ -19576,7 +19513,7 @@
           <p:cNvPr id="13" name="Title 1">
             <a:extLst>
               <a:ext uri="{FF2B5EF4-FFF2-40B4-BE49-F238E27FC236}">
-                <a16:creationId xmlns="" xmlns:a16="http://schemas.microsoft.com/office/drawing/2014/main" id="{DB90A835-4B77-7D47-8701-DA7D8879668D}"/>
+                <a16:creationId xmlns:a16="http://schemas.microsoft.com/office/drawing/2014/main" id="{DB90A835-4B77-7D47-8701-DA7D8879668D}"/>
               </a:ext>
             </a:extLst>
           </p:cNvPr>
@@ -19869,7 +19806,7 @@
           <p:cNvPr id="14" name="Title 1">
             <a:extLst>
               <a:ext uri="{FF2B5EF4-FFF2-40B4-BE49-F238E27FC236}">
-                <a16:creationId xmlns="" xmlns:a16="http://schemas.microsoft.com/office/drawing/2014/main" id="{6C23DFD3-9579-C741-8BB9-4B41C0C7D0FB}"/>
+                <a16:creationId xmlns:a16="http://schemas.microsoft.com/office/drawing/2014/main" id="{6C23DFD3-9579-C741-8BB9-4B41C0C7D0FB}"/>
               </a:ext>
             </a:extLst>
           </p:cNvPr>
@@ -20162,7 +20099,7 @@
           <p:cNvPr id="5" name="Picture 4">
             <a:extLst>
               <a:ext uri="{FF2B5EF4-FFF2-40B4-BE49-F238E27FC236}">
-                <a16:creationId xmlns="" xmlns:a16="http://schemas.microsoft.com/office/drawing/2014/main" id="{5A084DF1-2885-6946-BAE1-FC7490DEECA2}"/>
+                <a16:creationId xmlns:a16="http://schemas.microsoft.com/office/drawing/2014/main" id="{5A084DF1-2885-6946-BAE1-FC7490DEECA2}"/>
               </a:ext>
             </a:extLst>
           </p:cNvPr>
@@ -20191,7 +20128,7 @@
           <p:cNvPr id="15" name="Picture 14">
             <a:extLst>
               <a:ext uri="{FF2B5EF4-FFF2-40B4-BE49-F238E27FC236}">
-                <a16:creationId xmlns="" xmlns:a16="http://schemas.microsoft.com/office/drawing/2014/main" id="{2A049C45-D0BE-C849-B355-25DF28D9061D}"/>
+                <a16:creationId xmlns:a16="http://schemas.microsoft.com/office/drawing/2014/main" id="{2A049C45-D0BE-C849-B355-25DF28D9061D}"/>
               </a:ext>
             </a:extLst>
           </p:cNvPr>
@@ -20251,7 +20188,7 @@
           <p:cNvPr id="7" name="Title 1">
             <a:extLst>
               <a:ext uri="{FF2B5EF4-FFF2-40B4-BE49-F238E27FC236}">
-                <a16:creationId xmlns="" xmlns:a16="http://schemas.microsoft.com/office/drawing/2014/main" id="{88BA3341-7B27-AC4A-8F4A-2A3298C9BC0D}"/>
+                <a16:creationId xmlns:a16="http://schemas.microsoft.com/office/drawing/2014/main" id="{88BA3341-7B27-AC4A-8F4A-2A3298C9BC0D}"/>
               </a:ext>
             </a:extLst>
           </p:cNvPr>
@@ -20288,7 +20225,7 @@
           <p:cNvPr id="4" name="Picture 3">
             <a:extLst>
               <a:ext uri="{FF2B5EF4-FFF2-40B4-BE49-F238E27FC236}">
-                <a16:creationId xmlns="" xmlns:a16="http://schemas.microsoft.com/office/drawing/2014/main" id="{8FD9F724-56D1-D542-A70E-B103BBC3C903}"/>
+                <a16:creationId xmlns:a16="http://schemas.microsoft.com/office/drawing/2014/main" id="{8FD9F724-56D1-D542-A70E-B103BBC3C903}"/>
               </a:ext>
             </a:extLst>
           </p:cNvPr>
@@ -20317,7 +20254,7 @@
           <p:cNvPr id="5" name="TextBox 4">
             <a:extLst>
               <a:ext uri="{FF2B5EF4-FFF2-40B4-BE49-F238E27FC236}">
-                <a16:creationId xmlns="" xmlns:a16="http://schemas.microsoft.com/office/drawing/2014/main" id="{372A79CB-F766-094F-97A4-1456BD043C65}"/>
+                <a16:creationId xmlns:a16="http://schemas.microsoft.com/office/drawing/2014/main" id="{372A79CB-F766-094F-97A4-1456BD043C65}"/>
               </a:ext>
             </a:extLst>
           </p:cNvPr>
@@ -20478,13 +20415,6 @@
   <p:clrMapOvr>
     <a:masterClrMapping/>
   </p:clrMapOvr>
-  <p:timing>
-    <p:tnLst>
-      <p:par>
-        <p:cTn id="1" dur="indefinite" restart="never" nodeType="tmRoot"/>
-      </p:par>
-    </p:tnLst>
-  </p:timing>
 </p:sld>
 </file>
 
@@ -20512,7 +20442,11 @@
             <a:graphicFrameLocks noGrp="1"/>
           </p:cNvGraphicFramePr>
           <p:nvPr>
-            <p:extLst/>
+            <p:extLst>
+              <p:ext uri="{D42A27DB-BD31-4B8C-83A1-F6EECF244321}">
+                <p14:modId xmlns:p14="http://schemas.microsoft.com/office/powerpoint/2010/main" val="3251138877"/>
+              </p:ext>
+            </p:extLst>
           </p:nvPr>
         </p:nvGraphicFramePr>
         <p:xfrm>
@@ -20529,56 +20463,56 @@
                 <a:gridCol w="1206941">
                   <a:extLst>
                     <a:ext uri="{9D8B030D-6E8A-4147-A177-3AD203B41FA5}">
-                      <a16:colId xmlns="" xmlns:a16="http://schemas.microsoft.com/office/drawing/2014/main" val="20000"/>
+                      <a16:colId xmlns:a16="http://schemas.microsoft.com/office/drawing/2014/main" val="20000"/>
                     </a:ext>
                   </a:extLst>
                 </a:gridCol>
                 <a:gridCol w="826649">
                   <a:extLst>
                     <a:ext uri="{9D8B030D-6E8A-4147-A177-3AD203B41FA5}">
-                      <a16:colId xmlns="" xmlns:a16="http://schemas.microsoft.com/office/drawing/2014/main" val="20001"/>
+                      <a16:colId xmlns:a16="http://schemas.microsoft.com/office/drawing/2014/main" val="20001"/>
                     </a:ext>
                   </a:extLst>
                 </a:gridCol>
                 <a:gridCol w="678806">
                   <a:extLst>
                     <a:ext uri="{9D8B030D-6E8A-4147-A177-3AD203B41FA5}">
-                      <a16:colId xmlns="" xmlns:a16="http://schemas.microsoft.com/office/drawing/2014/main" val="20002"/>
+                      <a16:colId xmlns:a16="http://schemas.microsoft.com/office/drawing/2014/main" val="20002"/>
                     </a:ext>
                   </a:extLst>
                 </a:gridCol>
                 <a:gridCol w="839080">
                   <a:extLst>
                     <a:ext uri="{9D8B030D-6E8A-4147-A177-3AD203B41FA5}">
-                      <a16:colId xmlns="" xmlns:a16="http://schemas.microsoft.com/office/drawing/2014/main" val="20003"/>
+                      <a16:colId xmlns:a16="http://schemas.microsoft.com/office/drawing/2014/main" val="20003"/>
                     </a:ext>
                   </a:extLst>
                 </a:gridCol>
                 <a:gridCol w="744800">
                   <a:extLst>
                     <a:ext uri="{9D8B030D-6E8A-4147-A177-3AD203B41FA5}">
-                      <a16:colId xmlns="" xmlns:a16="http://schemas.microsoft.com/office/drawing/2014/main" val="20004"/>
+                      <a16:colId xmlns:a16="http://schemas.microsoft.com/office/drawing/2014/main" val="20004"/>
                     </a:ext>
                   </a:extLst>
                 </a:gridCol>
                 <a:gridCol w="1037065">
                   <a:extLst>
                     <a:ext uri="{9D8B030D-6E8A-4147-A177-3AD203B41FA5}">
-                      <a16:colId xmlns="" xmlns:a16="http://schemas.microsoft.com/office/drawing/2014/main" val="20005"/>
+                      <a16:colId xmlns:a16="http://schemas.microsoft.com/office/drawing/2014/main" val="20005"/>
                     </a:ext>
                   </a:extLst>
                 </a:gridCol>
                 <a:gridCol w="1046492">
                   <a:extLst>
                     <a:ext uri="{9D8B030D-6E8A-4147-A177-3AD203B41FA5}">
-                      <a16:colId xmlns="" xmlns:a16="http://schemas.microsoft.com/office/drawing/2014/main" val="410906251"/>
+                      <a16:colId xmlns:a16="http://schemas.microsoft.com/office/drawing/2014/main" val="410906251"/>
                     </a:ext>
                   </a:extLst>
                 </a:gridCol>
                 <a:gridCol w="1395322">
                   <a:extLst>
                     <a:ext uri="{9D8B030D-6E8A-4147-A177-3AD203B41FA5}">
-                      <a16:colId xmlns="" xmlns:a16="http://schemas.microsoft.com/office/drawing/2014/main" val="20006"/>
+                      <a16:colId xmlns:a16="http://schemas.microsoft.com/office/drawing/2014/main" val="20006"/>
                     </a:ext>
                   </a:extLst>
                 </a:gridCol>
@@ -20786,7 +20720,7 @@
                 </a:tc>
                 <a:extLst>
                   <a:ext uri="{0D108BD9-81ED-4DB2-BD59-A6C34878D82A}">
-                    <a16:rowId xmlns="" xmlns:a16="http://schemas.microsoft.com/office/drawing/2014/main" val="10000"/>
+                    <a16:rowId xmlns:a16="http://schemas.microsoft.com/office/drawing/2014/main" val="10000"/>
                   </a:ext>
                 </a:extLst>
               </a:tr>
@@ -20876,12 +20810,12 @@
                     <a:lstStyle/>
                     <a:p>
                       <a:pPr algn="ctr"/>
-                      <a:endParaRPr lang="en-US" sz="1100"/>
+                      <a:endParaRPr lang="en-US" sz="1100" dirty="0"/>
                     </a:p>
                     <a:p>
                       <a:pPr algn="ctr"/>
                       <a:r>
-                        <a:rPr lang="en-US" sz="1100"/>
+                        <a:rPr lang="en-US" sz="1100" dirty="0"/>
                         <a:t>1512</a:t>
                       </a:r>
                     </a:p>
@@ -20926,7 +20860,7 @@
                 </a:tc>
                 <a:extLst>
                   <a:ext uri="{0D108BD9-81ED-4DB2-BD59-A6C34878D82A}">
-                    <a16:rowId xmlns="" xmlns:a16="http://schemas.microsoft.com/office/drawing/2014/main" val="2455327945"/>
+                    <a16:rowId xmlns:a16="http://schemas.microsoft.com/office/drawing/2014/main" val="2455327945"/>
                   </a:ext>
                 </a:extLst>
               </a:tr>
@@ -21036,8 +20970,16 @@
                         <a:defRPr/>
                       </a:pPr>
                       <a:r>
-                        <a:rPr lang="en-US" sz="1100" b="0"/>
-                        <a:t>9.69%</a:t>
+                        <a:rPr lang="en-US" sz="1100" b="0" dirty="0"/>
+                        <a:t>9.</a:t>
+                      </a:r>
+                      <a:r>
+                        <a:rPr lang="en-US" altLang="zh-Hans" sz="1100" b="0" dirty="0"/>
+                        <a:t>13</a:t>
+                      </a:r>
+                      <a:r>
+                        <a:rPr lang="en-US" sz="1100" b="0" dirty="0"/>
+                        <a:t>%</a:t>
                       </a:r>
                     </a:p>
                   </a:txBody>
@@ -21078,7 +21020,7 @@
                     <a:p>
                       <a:pPr algn="ctr"/>
                       <a:r>
-                        <a:rPr lang="en-US" sz="1100" b="0"/>
+                        <a:rPr lang="en-US" sz="1100" b="0" dirty="0"/>
                         <a:t>8.93%</a:t>
                       </a:r>
                     </a:p>
@@ -21087,7 +21029,7 @@
                 </a:tc>
                 <a:extLst>
                   <a:ext uri="{0D108BD9-81ED-4DB2-BD59-A6C34878D82A}">
-                    <a16:rowId xmlns="" xmlns:a16="http://schemas.microsoft.com/office/drawing/2014/main" val="4280216352"/>
+                    <a16:rowId xmlns:a16="http://schemas.microsoft.com/office/drawing/2014/main" val="4280216352"/>
                   </a:ext>
                 </a:extLst>
               </a:tr>
@@ -21196,7 +21138,7 @@
                         <a:defRPr/>
                       </a:pPr>
                       <a:r>
-                        <a:rPr lang="en-US" sz="1100" b="0"/>
+                        <a:rPr lang="en-US" sz="1100" b="0" dirty="0"/>
                         <a:t>0.0064</a:t>
                       </a:r>
                     </a:p>
@@ -21210,7 +21152,7 @@
                     <a:p>
                       <a:pPr algn="ctr"/>
                       <a:r>
-                        <a:rPr lang="en-US" sz="1100" b="0"/>
+                        <a:rPr lang="en-US" sz="1100" b="0" dirty="0"/>
                         <a:t>0.0086</a:t>
                       </a:r>
                     </a:p>
@@ -21247,7 +21189,7 @@
                 </a:tc>
                 <a:extLst>
                   <a:ext uri="{0D108BD9-81ED-4DB2-BD59-A6C34878D82A}">
-                    <a16:rowId xmlns="" xmlns:a16="http://schemas.microsoft.com/office/drawing/2014/main" val="2414580013"/>
+                    <a16:rowId xmlns:a16="http://schemas.microsoft.com/office/drawing/2014/main" val="2414580013"/>
                   </a:ext>
                 </a:extLst>
               </a:tr>
@@ -21364,7 +21306,7 @@
                 </a:tc>
                 <a:extLst>
                   <a:ext uri="{0D108BD9-81ED-4DB2-BD59-A6C34878D82A}">
-                    <a16:rowId xmlns="" xmlns:a16="http://schemas.microsoft.com/office/drawing/2014/main" val="10001"/>
+                    <a16:rowId xmlns:a16="http://schemas.microsoft.com/office/drawing/2014/main" val="10001"/>
                   </a:ext>
                 </a:extLst>
               </a:tr>
@@ -21491,7 +21433,7 @@
                 </a:tc>
                 <a:extLst>
                   <a:ext uri="{0D108BD9-81ED-4DB2-BD59-A6C34878D82A}">
-                    <a16:rowId xmlns="" xmlns:a16="http://schemas.microsoft.com/office/drawing/2014/main" val="10002"/>
+                    <a16:rowId xmlns:a16="http://schemas.microsoft.com/office/drawing/2014/main" val="10002"/>
                   </a:ext>
                 </a:extLst>
               </a:tr>
@@ -21540,7 +21482,7 @@
           <p:cNvPr id="5" name="Rectangle 4">
             <a:extLst>
               <a:ext uri="{FF2B5EF4-FFF2-40B4-BE49-F238E27FC236}">
-                <a16:creationId xmlns="" xmlns:a16="http://schemas.microsoft.com/office/drawing/2014/main" id="{080B599E-CFE2-3243-87DC-64185954EE5E}"/>
+                <a16:creationId xmlns:a16="http://schemas.microsoft.com/office/drawing/2014/main" id="{080B599E-CFE2-3243-87DC-64185954EE5E}"/>
               </a:ext>
             </a:extLst>
           </p:cNvPr>
@@ -21686,7 +21628,7 @@
               <a:buChar char="◉"/>
             </a:pPr>
             <a:r>
-              <a:rPr lang="it-IT" sz="2000" b="1" dirty="0" err="1" smtClean="0">
+              <a:rPr lang="it-IT" sz="2000" b="1" dirty="0" err="1">
                 <a:solidFill>
                   <a:srgbClr val="00B0F0"/>
                 </a:solidFill>
@@ -21694,28 +21636,12 @@
               <a:t>Final</a:t>
             </a:r>
             <a:r>
-              <a:rPr lang="it-IT" sz="2000" b="1" dirty="0" smtClean="0">
-                <a:solidFill>
-                  <a:srgbClr val="00B0F0"/>
-                </a:solidFill>
-              </a:rPr>
-              <a:t> </a:t>
-            </a:r>
-            <a:r>
               <a:rPr lang="it-IT" sz="2000" b="1" dirty="0">
                 <a:solidFill>
                   <a:srgbClr val="00B0F0"/>
                 </a:solidFill>
               </a:rPr>
-              <a:t>Model</a:t>
-            </a:r>
-            <a:r>
-              <a:rPr lang="it-IT" sz="2000" b="1" dirty="0" smtClean="0">
-                <a:solidFill>
-                  <a:srgbClr val="00B0F0"/>
-                </a:solidFill>
-              </a:rPr>
-              <a:t>:</a:t>
+              <a:t> Model:</a:t>
             </a:r>
           </a:p>
           <a:p>
@@ -21805,7 +21731,7 @@
               <a:buChar char="◉"/>
             </a:pPr>
             <a:r>
-              <a:rPr lang="en-US" sz="2000" b="1" smtClean="0">
+              <a:rPr lang="en-US" sz="2000" b="1">
                 <a:solidFill>
                   <a:srgbClr val="00B0F0"/>
                 </a:solidFill>
@@ -21813,7 +21739,7 @@
               <a:t>Classification Model</a:t>
             </a:r>
             <a:r>
-              <a:rPr lang="it-IT" sz="2000" b="1" smtClean="0">
+              <a:rPr lang="it-IT" sz="2000" b="1">
                 <a:solidFill>
                   <a:srgbClr val="00B0F0"/>
                 </a:solidFill>
@@ -21846,7 +21772,7 @@
               <a:buFont typeface="Source Sans Pro"/>
               <a:buChar char="◉"/>
             </a:pPr>
-            <a:endParaRPr lang="it-IT" sz="2000" b="1" dirty="0" smtClean="0">
+            <a:endParaRPr lang="it-IT" sz="2000" b="1" dirty="0">
               <a:solidFill>
                 <a:srgbClr val="00B0F0"/>
               </a:solidFill>
@@ -21869,7 +21795,7 @@
               <a:buChar char="◉"/>
             </a:pPr>
             <a:r>
-              <a:rPr lang="it-IT" sz="2000" b="1" dirty="0" smtClean="0">
+              <a:rPr lang="it-IT" sz="2000" b="1" dirty="0">
                 <a:solidFill>
                   <a:srgbClr val="00B0F0"/>
                 </a:solidFill>
@@ -21881,7 +21807,7 @@
               <a:t>Test </a:t>
             </a:r>
             <a:r>
-              <a:rPr lang="it-IT" sz="2000" b="1" dirty="0" err="1" smtClean="0">
+              <a:rPr lang="it-IT" sz="2000" b="1" dirty="0" err="1">
                 <a:solidFill>
                   <a:srgbClr val="00B0F0"/>
                 </a:solidFill>
@@ -21893,7 +21819,7 @@
               <a:t>Error</a:t>
             </a:r>
             <a:r>
-              <a:rPr lang="it-IT" sz="2000" b="1" dirty="0" smtClean="0">
+              <a:rPr lang="it-IT" sz="2000" b="1" dirty="0">
                 <a:solidFill>
                   <a:srgbClr val="00B0F0"/>
                 </a:solidFill>
@@ -21918,7 +21844,7 @@
               <a:buChar char="◉"/>
             </a:pPr>
             <a:r>
-              <a:rPr lang="it-IT" sz="2000" b="1" dirty="0" err="1" smtClean="0">
+              <a:rPr lang="it-IT" sz="2000" b="1" dirty="0" err="1">
                 <a:solidFill>
                   <a:srgbClr val="00B0F0"/>
                 </a:solidFill>
@@ -21930,7 +21856,7 @@
               <a:t>Running</a:t>
             </a:r>
             <a:r>
-              <a:rPr lang="it-IT" sz="2000" b="1" dirty="0" smtClean="0">
+              <a:rPr lang="it-IT" sz="2000" b="1" dirty="0">
                 <a:solidFill>
                   <a:srgbClr val="00B0F0"/>
                 </a:solidFill>
@@ -21954,7 +21880,7 @@
               <a:t> </a:t>
             </a:r>
             <a:r>
-              <a:rPr lang="cs-CZ" sz="2000" b="1" dirty="0" smtClean="0">
+              <a:rPr lang="cs-CZ" sz="2000" b="1" dirty="0">
                 <a:solidFill>
                   <a:srgbClr val="00B0F0"/>
                 </a:solidFill>
@@ -21965,15 +21891,6 @@
               </a:rPr>
               <a:t>83.249</a:t>
             </a:r>
-            <a:endParaRPr lang="cs-CZ" sz="2000" b="1" dirty="0">
-              <a:solidFill>
-                <a:srgbClr val="00B0F0"/>
-              </a:solidFill>
-              <a:latin typeface="Source Sans Pro"/>
-              <a:ea typeface="Source Sans Pro"/>
-              <a:cs typeface="Source Sans Pro"/>
-              <a:sym typeface="Source Sans Pro"/>
-            </a:endParaRPr>
           </a:p>
         </p:txBody>
       </p:sp>
@@ -22035,23 +21952,7 @@
                   <a:schemeClr val="bg1"/>
                 </a:solidFill>
               </a:rPr>
-              <a:t>In this project,  we </a:t>
-            </a:r>
-            <a:r>
-              <a:rPr lang="en-US" b="1" dirty="0" smtClean="0">
-                <a:solidFill>
-                  <a:schemeClr val="bg1"/>
-                </a:solidFill>
-              </a:rPr>
-              <a:t>carry </a:t>
-            </a:r>
-            <a:r>
-              <a:rPr lang="en-US" b="1" dirty="0">
-                <a:solidFill>
-                  <a:schemeClr val="bg1"/>
-                </a:solidFill>
-              </a:rPr>
-              <a:t>out model </a:t>
+              <a:t>In this project,  we carry out model </a:t>
             </a:r>
             <a:r>
               <a:rPr lang="en-US" b="1" u="sng" dirty="0">
@@ -22083,80 +21984,7 @@
                   <a:schemeClr val="bg1"/>
                 </a:solidFill>
               </a:rPr>
-              <a:t> for predictive analytics on image </a:t>
-            </a:r>
-            <a:r>
-              <a:rPr lang="en-US" b="1" dirty="0" smtClean="0">
-                <a:solidFill>
-                  <a:schemeClr val="bg1"/>
-                </a:solidFill>
-              </a:rPr>
-              <a:t>data.  </a:t>
-            </a:r>
-          </a:p>
-          <a:p>
-            <a:endParaRPr lang="en-US" b="1" dirty="0" smtClean="0">
-              <a:solidFill>
-                <a:schemeClr val="bg1"/>
-              </a:solidFill>
-            </a:endParaRPr>
-          </a:p>
-          <a:p>
-            <a:r>
-              <a:rPr lang="en-US" b="1" dirty="0" smtClean="0">
-                <a:solidFill>
-                  <a:schemeClr val="bg1"/>
-                </a:solidFill>
-              </a:rPr>
-              <a:t>The training image data consists </a:t>
-            </a:r>
-            <a:r>
-              <a:rPr lang="en-US" b="1" dirty="0">
-                <a:solidFill>
-                  <a:schemeClr val="bg1"/>
-                </a:solidFill>
-              </a:rPr>
-              <a:t>a set of 3000 images of </a:t>
-            </a:r>
-            <a:r>
-              <a:rPr lang="en-US" b="1" dirty="0" smtClean="0">
-                <a:solidFill>
-                  <a:schemeClr val="bg1"/>
-                </a:solidFill>
-              </a:rPr>
-              <a:t>dogs </a:t>
-            </a:r>
-            <a:r>
-              <a:rPr lang="en-US" b="1" dirty="0">
-                <a:solidFill>
-                  <a:schemeClr val="bg1"/>
-                </a:solidFill>
-              </a:rPr>
-              <a:t>(poodles and </a:t>
-            </a:r>
-            <a:r>
-              <a:rPr lang="en-US" b="1" dirty="0" smtClean="0">
-                <a:solidFill>
-                  <a:schemeClr val="bg1"/>
-                </a:solidFill>
-              </a:rPr>
-              <a:t>Chihuahuas), </a:t>
-            </a:r>
-            <a:r>
-              <a:rPr lang="en-US" b="1" dirty="0">
-                <a:solidFill>
-                  <a:schemeClr val="bg1"/>
-                </a:solidFill>
-              </a:rPr>
-              <a:t>fried chicken and blueberry muffins</a:t>
-            </a:r>
-            <a:r>
-              <a:rPr lang="en-US" b="1" dirty="0" smtClean="0">
-                <a:solidFill>
-                  <a:schemeClr val="bg1"/>
-                </a:solidFill>
-              </a:rPr>
-              <a:t>. </a:t>
+              <a:t> for predictive analytics on image data.  </a:t>
             </a:r>
           </a:p>
           <a:p>
@@ -22168,40 +21996,16 @@
           </a:p>
           <a:p>
             <a:r>
-              <a:rPr lang="en-US" b="1" dirty="0" smtClean="0">
-                <a:solidFill>
-                  <a:schemeClr val="bg1"/>
-                </a:solidFill>
-              </a:rPr>
-              <a:t>The baseline model uses</a:t>
-            </a:r>
-            <a:r>
               <a:rPr lang="en-US" b="1" dirty="0">
                 <a:solidFill>
                   <a:schemeClr val="bg1"/>
                 </a:solidFill>
               </a:rPr>
-              <a:t> </a:t>
-            </a:r>
-            <a:r>
-              <a:rPr lang="en-US" b="1" dirty="0" smtClean="0">
-                <a:solidFill>
-                  <a:schemeClr val="bg1"/>
-                </a:solidFill>
-              </a:rPr>
-              <a:t>boosted</a:t>
-            </a:r>
-            <a:r>
-              <a:rPr lang="en-US" b="1" dirty="0">
-                <a:solidFill>
-                  <a:schemeClr val="bg1"/>
-                </a:solidFill>
-              </a:rPr>
-              <a:t> decision stumps on SIFT features. </a:t>
+              <a:t>The training image data consists a set of 3000 images of dogs (poodles and Chihuahuas), fried chicken and blueberry muffins. </a:t>
             </a:r>
           </a:p>
           <a:p>
-            <a:endParaRPr lang="en-US" b="1" dirty="0" smtClean="0">
+            <a:endParaRPr lang="en-US" b="1" dirty="0">
               <a:solidFill>
                 <a:schemeClr val="bg1"/>
               </a:solidFill>
@@ -22209,20 +22013,29 @@
           </a:p>
           <a:p>
             <a:r>
-              <a:rPr lang="en-US" b="1" dirty="0" smtClean="0">
+              <a:rPr lang="en-US" b="1" dirty="0">
                 <a:solidFill>
                   <a:schemeClr val="bg1"/>
                 </a:solidFill>
               </a:rPr>
-              <a:t>The goal is to </a:t>
+              <a:t>The baseline model uses boosted decision stumps on SIFT features. </a:t>
             </a:r>
+          </a:p>
+          <a:p>
+            <a:endParaRPr lang="en-US" b="1" dirty="0">
+              <a:solidFill>
+                <a:schemeClr val="bg1"/>
+              </a:solidFill>
+            </a:endParaRPr>
+          </a:p>
+          <a:p>
             <a:r>
               <a:rPr lang="en-US" b="1" dirty="0">
                 <a:solidFill>
                   <a:schemeClr val="bg1"/>
                 </a:solidFill>
               </a:rPr>
-              <a:t>propose a feasible improvement over the current practice in terms of running cost (storage, memory and time) and prediction accuracy.</a:t>
+              <a:t>The goal is to propose a feasible improvement over the current practice in terms of running cost (storage, memory and time) and prediction accuracy.</a:t>
             </a:r>
           </a:p>
           <a:p>
@@ -22264,7 +22077,7 @@
           <a:p>
             <a:pPr algn="ctr"/>
             <a:r>
-              <a:rPr lang="en-US" sz="4800" b="1" smtClean="0">
+              <a:rPr lang="en-US" sz="4800" b="1">
                 <a:solidFill>
                   <a:srgbClr val="00B0F0"/>
                 </a:solidFill>
@@ -22633,7 +22446,7 @@
               <a:buNone/>
             </a:pPr>
             <a:r>
-              <a:rPr lang="en" b="1" dirty="0" smtClean="0">
+              <a:rPr lang="en" b="1" dirty="0">
                 <a:latin typeface="Arial" charset="0"/>
                 <a:ea typeface="Arial" charset="0"/>
                 <a:cs typeface="Arial" charset="0"/>
@@ -22647,14 +22460,14 @@
               <a:buNone/>
             </a:pPr>
             <a:r>
-              <a:rPr lang="en" b="1" dirty="0" smtClean="0">
+              <a:rPr lang="en" b="1" dirty="0">
                 <a:latin typeface="Arial" charset="0"/>
                 <a:ea typeface="Arial" charset="0"/>
                 <a:cs typeface="Arial" charset="0"/>
               </a:rPr>
               <a:t>You can find me at</a:t>
             </a:r>
-            <a:endParaRPr lang="en-US" b="1" dirty="0" smtClean="0">
+            <a:endParaRPr lang="en-US" b="1" dirty="0">
               <a:latin typeface="Arial" charset="0"/>
               <a:ea typeface="Arial" charset="0"/>
               <a:cs typeface="Arial" charset="0"/>
@@ -22665,30 +22478,14 @@
               <a:buNone/>
             </a:pPr>
             <a:r>
-              <a:rPr lang="en-US" sz="1600" dirty="0" smtClean="0">
-                <a:latin typeface="Arial" charset="0"/>
-                <a:ea typeface="Arial" charset="0"/>
-                <a:cs typeface="Arial" charset="0"/>
-              </a:rPr>
-              <a:t>Fan </a:t>
-            </a:r>
-            <a:r>
               <a:rPr lang="en-US" sz="1600" dirty="0">
                 <a:latin typeface="Arial" charset="0"/>
                 <a:ea typeface="Arial" charset="0"/>
                 <a:cs typeface="Arial" charset="0"/>
               </a:rPr>
-              <a:t>Yang: </a:t>
+              <a:t>Fan Yang: fy2232@columbia.edu</a:t>
             </a:r>
-            <a:r>
-              <a:rPr lang="en-US" sz="1600" dirty="0" smtClean="0">
-                <a:latin typeface="Arial" charset="0"/>
-                <a:ea typeface="Arial" charset="0"/>
-                <a:cs typeface="Arial" charset="0"/>
-              </a:rPr>
-              <a:t>fy2232@columbia.edu</a:t>
-            </a:r>
-            <a:endParaRPr lang="en" sz="1600" dirty="0" smtClean="0">
+            <a:endParaRPr lang="en" sz="1600" dirty="0">
               <a:latin typeface="Arial" charset="0"/>
               <a:ea typeface="Arial" charset="0"/>
               <a:cs typeface="Arial" charset="0"/>
@@ -22700,7 +22497,7 @@
               <a:buNone/>
             </a:pPr>
             <a:r>
-              <a:rPr lang="en-US" sz="1600" dirty="0" smtClean="0">
+              <a:rPr lang="en-US" sz="1600" dirty="0">
                 <a:latin typeface="Arial" charset="0"/>
                 <a:ea typeface="Arial" charset="0"/>
                 <a:cs typeface="Arial" charset="0"/>
@@ -22713,7 +22510,7 @@
               <a:buNone/>
             </a:pPr>
             <a:r>
-              <a:rPr lang="en-US" sz="1600" dirty="0" err="1" smtClean="0">
+              <a:rPr lang="en-US" sz="1600" dirty="0" err="1">
                 <a:latin typeface="Arial" charset="0"/>
                 <a:ea typeface="Arial" charset="0"/>
                 <a:cs typeface="Arial" charset="0"/>
@@ -22728,18 +22525,13 @@
               </a:rPr>
               <a:t> Jiang: yj2462@columbia.edu</a:t>
             </a:r>
-            <a:endParaRPr lang="en-US" sz="1600" dirty="0" smtClean="0">
-              <a:latin typeface="Arial" charset="0"/>
-              <a:ea typeface="Arial" charset="0"/>
-              <a:cs typeface="Arial" charset="0"/>
-            </a:endParaRPr>
           </a:p>
           <a:p>
             <a:pPr marL="0" indent="0" algn="ctr">
               <a:buNone/>
             </a:pPr>
             <a:r>
-              <a:rPr lang="en-US" sz="1600" dirty="0" err="1" smtClean="0">
+              <a:rPr lang="en-US" sz="1600" dirty="0" err="1">
                 <a:latin typeface="Arial" charset="0"/>
                 <a:ea typeface="Arial" charset="0"/>
                 <a:cs typeface="Arial" charset="0"/>
@@ -22754,7 +22546,7 @@
               </a:rPr>
               <a:t> Li: xl2719@columbia.edu</a:t>
             </a:r>
-            <a:endParaRPr lang="en" sz="1600" dirty="0" smtClean="0">
+            <a:endParaRPr lang="en" sz="1600" dirty="0">
               <a:latin typeface="Arial" charset="0"/>
               <a:ea typeface="Arial" charset="0"/>
               <a:cs typeface="Arial" charset="0"/>
@@ -22971,7 +22763,7 @@
           <p:cNvPr id="7" name="Shape 667">
             <a:extLst>
               <a:ext uri="{FF2B5EF4-FFF2-40B4-BE49-F238E27FC236}">
-                <a16:creationId xmlns="" xmlns:a16="http://schemas.microsoft.com/office/drawing/2014/main" id="{4ED33EE4-9A90-BA4F-9887-E6159A3C4FD9}"/>
+                <a16:creationId xmlns:a16="http://schemas.microsoft.com/office/drawing/2014/main" id="{4ED33EE4-9A90-BA4F-9887-E6159A3C4FD9}"/>
               </a:ext>
             </a:extLst>
           </p:cNvPr>
@@ -23298,7 +23090,7 @@
           <p:cNvPr id="8" name="Shape 667">
             <a:extLst>
               <a:ext uri="{FF2B5EF4-FFF2-40B4-BE49-F238E27FC236}">
-                <a16:creationId xmlns="" xmlns:a16="http://schemas.microsoft.com/office/drawing/2014/main" id="{6D9FDE64-5BCC-7B4B-8CDC-391E76042333}"/>
+                <a16:creationId xmlns:a16="http://schemas.microsoft.com/office/drawing/2014/main" id="{6D9FDE64-5BCC-7B4B-8CDC-391E76042333}"/>
               </a:ext>
             </a:extLst>
           </p:cNvPr>
@@ -23642,7 +23434,7 @@
           <a:p>
             <a:pPr lvl="0" algn="ctr"/>
             <a:r>
-              <a:rPr lang="en-US" sz="2800" b="1" dirty="0" smtClean="0">
+              <a:rPr lang="en-US" sz="2800" b="1" dirty="0">
                 <a:solidFill>
                   <a:srgbClr val="00B0F0"/>
                 </a:solidFill>
@@ -23725,18 +23517,13 @@
           <a:lstStyle/>
           <a:p>
             <a:r>
-              <a:rPr lang="en-US" sz="4800" dirty="0" smtClean="0">
+              <a:rPr lang="en-US" sz="4800" dirty="0">
                 <a:solidFill>
                   <a:srgbClr val="00B0F0"/>
                 </a:solidFill>
               </a:rPr>
               <a:t>Performance</a:t>
             </a:r>
-            <a:endParaRPr lang="en-US" sz="4800" dirty="0">
-              <a:solidFill>
-                <a:srgbClr val="00B0F0"/>
-              </a:solidFill>
-            </a:endParaRPr>
           </a:p>
         </p:txBody>
       </p:sp>
@@ -23803,21 +23590,8 @@
                   <a:srgbClr val="00B0F0"/>
                 </a:solidFill>
               </a:rPr>
-              <a:t> Time:  </a:t>
+              <a:t> Time:  44.32s</a:t>
             </a:r>
-            <a:r>
-              <a:rPr lang="it-IT" b="1" dirty="0" smtClean="0">
-                <a:solidFill>
-                  <a:srgbClr val="00B0F0"/>
-                </a:solidFill>
-              </a:rPr>
-              <a:t>44.32s</a:t>
-            </a:r>
-            <a:endParaRPr lang="it-IT" b="1" dirty="0">
-              <a:solidFill>
-                <a:srgbClr val="00B0F0"/>
-              </a:solidFill>
-            </a:endParaRPr>
           </a:p>
         </p:txBody>
       </p:sp>
@@ -23928,16 +23702,8 @@
               <a:buNone/>
             </a:pPr>
             <a:r>
-              <a:rPr lang="en-US" sz="1800" dirty="0" smtClean="0"/>
-              <a:t>SIFT</a:t>
-            </a:r>
-            <a:r>
               <a:rPr lang="en-US" sz="1800" dirty="0"/>
-              <a:t>, GIST, </a:t>
-            </a:r>
-            <a:r>
-              <a:rPr lang="en-US" sz="1800" dirty="0" smtClean="0"/>
-              <a:t>RGB</a:t>
+              <a:t>SIFT, GIST, RGB</a:t>
             </a:r>
           </a:p>
           <a:p>
@@ -24048,13 +23814,6 @@
   <p:clrMapOvr>
     <a:masterClrMapping/>
   </p:clrMapOvr>
-  <p:timing>
-    <p:tnLst>
-      <p:par>
-        <p:cTn id="1" dur="indefinite" restart="never" nodeType="tmRoot"/>
-      </p:par>
-    </p:tnLst>
-  </p:timing>
 </p:sld>
 </file>
 
@@ -24100,19 +23859,31 @@
                 <a:tableStyleId>{5C22544A-7EE6-4342-B048-85BDC9FD1C3A}</a:tableStyleId>
               </a:tblPr>
               <a:tblGrid>
-                <a:gridCol w="1587501"/>
-                <a:gridCol w="2855163"/>
+                <a:gridCol w="1587501">
+                  <a:extLst>
+                    <a:ext uri="{9D8B030D-6E8A-4147-A177-3AD203B41FA5}">
+                      <a16:colId xmlns:a16="http://schemas.microsoft.com/office/drawing/2014/main" val="20000"/>
+                    </a:ext>
+                  </a:extLst>
+                </a:gridCol>
+                <a:gridCol w="2855163">
+                  <a:extLst>
+                    <a:ext uri="{9D8B030D-6E8A-4147-A177-3AD203B41FA5}">
+                      <a16:colId xmlns:a16="http://schemas.microsoft.com/office/drawing/2014/main" val="20001"/>
+                    </a:ext>
+                  </a:extLst>
+                </a:gridCol>
                 <a:gridCol w="1759759">
                   <a:extLst>
                     <a:ext uri="{9D8B030D-6E8A-4147-A177-3AD203B41FA5}">
-                      <a16:colId xmlns="" xmlns:a16="http://schemas.microsoft.com/office/drawing/2014/main" val="20002"/>
+                      <a16:colId xmlns:a16="http://schemas.microsoft.com/office/drawing/2014/main" val="20002"/>
                     </a:ext>
                   </a:extLst>
                 </a:gridCol>
                 <a:gridCol w="2268478">
                   <a:extLst>
                     <a:ext uri="{9D8B030D-6E8A-4147-A177-3AD203B41FA5}">
-                      <a16:colId xmlns="" xmlns:a16="http://schemas.microsoft.com/office/drawing/2014/main" val="20004"/>
+                      <a16:colId xmlns:a16="http://schemas.microsoft.com/office/drawing/2014/main" val="20004"/>
                     </a:ext>
                   </a:extLst>
                 </a:gridCol>
@@ -24140,7 +23911,7 @@
                     <a:p>
                       <a:pPr algn="ctr"/>
                       <a:r>
-                        <a:rPr lang="en-US" sz="1200" b="1" i="0" u="none" strike="noStrike" cap="none" dirty="0" smtClean="0">
+                        <a:rPr lang="en-US" sz="1200" b="1" i="0" u="none" strike="noStrike" cap="none" dirty="0">
                           <a:solidFill>
                             <a:schemeClr val="bg1"/>
                           </a:solidFill>
@@ -24185,7 +23956,7 @@
                         <a:defRPr/>
                       </a:pPr>
                       <a:r>
-                        <a:rPr lang="en-US" sz="1200" b="1" i="0" u="none" strike="noStrike" cap="none" dirty="0" smtClean="0">
+                        <a:rPr lang="en-US" sz="1200" b="1" i="0" u="none" strike="noStrike" cap="none" dirty="0">
                           <a:solidFill>
                             <a:schemeClr val="bg1"/>
                           </a:solidFill>
@@ -24196,7 +23967,7 @@
                         </a:rPr>
                         <a:t>disadvantages</a:t>
                       </a:r>
-                      <a:endParaRPr lang="en-US" sz="1200" b="0" dirty="0" smtClean="0">
+                      <a:endParaRPr lang="en-US" sz="1200" b="0" dirty="0">
                         <a:solidFill>
                           <a:schemeClr val="bg1"/>
                         </a:solidFill>
@@ -24212,7 +23983,7 @@
                     <a:p>
                       <a:pPr algn="ctr"/>
                       <a:r>
-                        <a:rPr lang="en-US" sz="1200" b="1" i="0" u="none" strike="noStrike" cap="none" dirty="0" smtClean="0">
+                        <a:rPr lang="en-US" sz="1200" b="1" i="0" u="none" strike="noStrike" cap="none" dirty="0">
                           <a:solidFill>
                             <a:schemeClr val="bg1"/>
                           </a:solidFill>
@@ -24234,7 +24005,7 @@
                 </a:tc>
                 <a:extLst>
                   <a:ext uri="{0D108BD9-81ED-4DB2-BD59-A6C34878D82A}">
-                    <a16:rowId xmlns="" xmlns:a16="http://schemas.microsoft.com/office/drawing/2014/main" val="10000"/>
+                    <a16:rowId xmlns:a16="http://schemas.microsoft.com/office/drawing/2014/main" val="10000"/>
                   </a:ext>
                 </a:extLst>
               </a:tr>
@@ -24264,7 +24035,7 @@
                         <a:defRPr/>
                       </a:pPr>
                       <a:r>
-                        <a:rPr lang="en-US" sz="1100" b="1" i="0" u="none" strike="noStrike" cap="none" dirty="0" smtClean="0">
+                        <a:rPr lang="en-US" sz="1100" b="1" i="0" u="none" strike="noStrike" cap="none" dirty="0">
                           <a:solidFill>
                             <a:schemeClr val="tx1"/>
                           </a:solidFill>
@@ -24309,7 +24080,7 @@
                         <a:defRPr/>
                       </a:pPr>
                       <a:r>
-                        <a:rPr lang="en-US" sz="1100" b="1" i="0" u="none" strike="noStrike" cap="none" dirty="0" smtClean="0">
+                        <a:rPr lang="en-US" sz="1100" b="1" i="0" u="none" strike="noStrike" cap="none" dirty="0">
                           <a:solidFill>
                             <a:schemeClr val="tx1"/>
                           </a:solidFill>
@@ -24321,7 +24092,7 @@
                         <a:t>I</a:t>
                       </a:r>
                       <a:r>
-                        <a:rPr lang="en-US" sz="1100" b="0" i="0" u="none" strike="noStrike" cap="none" dirty="0" smtClean="0">
+                        <a:rPr lang="en-US" sz="1100" b="0" i="0" u="none" strike="noStrike" cap="none" dirty="0">
                           <a:solidFill>
                             <a:schemeClr val="tx1"/>
                           </a:solidFill>
@@ -24332,7 +24103,7 @@
                         </a:rPr>
                         <a:t>nvariant to image scaling and rotation, and partially invariant to change in illumination and 3D camera viewpoint. </a:t>
                       </a:r>
-                      <a:endParaRPr lang="en-US" sz="1100" b="1" i="0" u="none" strike="noStrike" cap="none" dirty="0" smtClean="0">
+                      <a:endParaRPr lang="en-US" sz="1100" b="1" i="0" u="none" strike="noStrike" cap="none" dirty="0">
                         <a:solidFill>
                           <a:schemeClr val="tx1"/>
                         </a:solidFill>
@@ -24378,7 +24149,7 @@
                         <a:defRPr/>
                       </a:pPr>
                       <a:r>
-                        <a:rPr lang="en-US" sz="1100" b="0" i="0" u="none" strike="noStrike" cap="none" dirty="0" smtClean="0">
+                        <a:rPr lang="en-US" sz="1100" b="0" i="0" u="none" strike="noStrike" cap="none" dirty="0">
                           <a:solidFill>
                             <a:schemeClr val="tx1"/>
                           </a:solidFill>
@@ -24389,7 +24160,7 @@
                         </a:rPr>
                         <a:t>Mathematically complicated and computationally heavy.</a:t>
                       </a:r>
-                      <a:endParaRPr lang="en-US" sz="1100" b="1" i="0" u="none" strike="noStrike" cap="none" dirty="0" smtClean="0">
+                      <a:endParaRPr lang="en-US" sz="1100" b="1" i="0" u="none" strike="noStrike" cap="none" dirty="0">
                         <a:solidFill>
                           <a:schemeClr val="tx1"/>
                         </a:solidFill>
@@ -24435,7 +24206,7 @@
                         <a:defRPr/>
                       </a:pPr>
                       <a:r>
-                        <a:rPr lang="en-US" sz="1100" b="0" i="0" u="none" strike="noStrike" cap="none" dirty="0" smtClean="0">
+                        <a:rPr lang="en-US" sz="1100" b="0" i="0" u="none" strike="noStrike" cap="none" dirty="0">
                           <a:solidFill>
                             <a:schemeClr val="tx1"/>
                           </a:solidFill>
@@ -24447,7 +24218,7 @@
                         <a:t>Image matching tasks</a:t>
                       </a:r>
                       <a:r>
-                        <a:rPr lang="en-US" sz="1100" b="0" i="0" u="none" strike="noStrike" cap="none" baseline="0" dirty="0" smtClean="0">
+                        <a:rPr lang="en-US" sz="1100" b="0" i="0" u="none" strike="noStrike" cap="none" baseline="0" dirty="0">
                           <a:solidFill>
                             <a:schemeClr val="tx1"/>
                           </a:solidFill>
@@ -24459,7 +24230,7 @@
                         <a:t>, </a:t>
                       </a:r>
                       <a:r>
-                        <a:rPr lang="en-US" sz="1100" b="0" i="0" u="none" strike="noStrike" cap="none" dirty="0" smtClean="0">
+                        <a:rPr lang="en-US" sz="1100" b="0" i="0" u="none" strike="noStrike" cap="none" dirty="0">
                           <a:solidFill>
                             <a:schemeClr val="tx1"/>
                           </a:solidFill>
@@ -24481,7 +24252,7 @@
                 </a:tc>
                 <a:extLst>
                   <a:ext uri="{0D108BD9-81ED-4DB2-BD59-A6C34878D82A}">
-                    <a16:rowId xmlns="" xmlns:a16="http://schemas.microsoft.com/office/drawing/2014/main" val="2455327945"/>
+                    <a16:rowId xmlns:a16="http://schemas.microsoft.com/office/drawing/2014/main" val="2455327945"/>
                   </a:ext>
                 </a:extLst>
               </a:tr>
@@ -24493,7 +24264,7 @@
                     <a:p>
                       <a:pPr algn="ctr"/>
                       <a:r>
-                        <a:rPr lang="en-US" sz="1100" b="1" i="0" u="none" strike="noStrike" cap="none" dirty="0" smtClean="0">
+                        <a:rPr lang="en-US" sz="1100" b="1" i="0" u="none" strike="noStrike" cap="none" dirty="0">
                           <a:solidFill>
                             <a:schemeClr val="tx1"/>
                           </a:solidFill>
@@ -24538,7 +24309,7 @@
                         <a:defRPr/>
                       </a:pPr>
                       <a:r>
-                        <a:rPr lang="en-US" sz="1100" b="0" i="0" u="none" strike="noStrike" cap="none" dirty="0" smtClean="0">
+                        <a:rPr lang="en-US" sz="1100" b="0" i="0" u="none" strike="noStrike" cap="none" dirty="0">
                           <a:solidFill>
                             <a:schemeClr val="tx1"/>
                           </a:solidFill>
@@ -24586,7 +24357,7 @@
                         <a:defRPr/>
                       </a:pPr>
                       <a:r>
-                        <a:rPr lang="en-US" sz="1100" b="0" i="0" u="none" strike="noStrike" cap="none" dirty="0" smtClean="0">
+                        <a:rPr lang="en-US" sz="1100" b="0" i="0" u="none" strike="noStrike" cap="none" dirty="0">
                           <a:solidFill>
                             <a:schemeClr val="tx1"/>
                           </a:solidFill>
@@ -24634,7 +24405,7 @@
                         <a:defRPr/>
                       </a:pPr>
                       <a:r>
-                        <a:rPr lang="en-US" sz="1100" b="0" i="0" u="none" strike="noStrike" cap="none" dirty="0" smtClean="0">
+                        <a:rPr lang="en-US" sz="1100" b="0" i="0" u="none" strike="noStrike" cap="none" dirty="0">
                           <a:solidFill>
                             <a:schemeClr val="tx1"/>
                           </a:solidFill>
@@ -24656,7 +24427,7 @@
                 </a:tc>
                 <a:extLst>
                   <a:ext uri="{0D108BD9-81ED-4DB2-BD59-A6C34878D82A}">
-                    <a16:rowId xmlns="" xmlns:a16="http://schemas.microsoft.com/office/drawing/2014/main" val="4280216352"/>
+                    <a16:rowId xmlns:a16="http://schemas.microsoft.com/office/drawing/2014/main" val="4280216352"/>
                   </a:ext>
                 </a:extLst>
               </a:tr>
@@ -24668,7 +24439,7 @@
                     <a:p>
                       <a:pPr algn="ctr"/>
                       <a:r>
-                        <a:rPr lang="en-US" sz="1100" b="1" i="0" u="none" strike="noStrike" cap="none" dirty="0" smtClean="0">
+                        <a:rPr lang="en-US" sz="1100" b="1" i="0" u="none" strike="noStrike" cap="none" dirty="0">
                           <a:solidFill>
                             <a:schemeClr val="tx1"/>
                           </a:solidFill>
@@ -24695,7 +24466,7 @@
                     <a:p>
                       <a:pPr algn="l"/>
                       <a:r>
-                        <a:rPr lang="en-US" sz="1100" b="0" i="0" u="none" strike="noStrike" cap="none" dirty="0" smtClean="0">
+                        <a:rPr lang="en-US" sz="1100" b="0" i="0" u="none" strike="noStrike" cap="none" dirty="0">
                           <a:solidFill>
                             <a:schemeClr val="tx1"/>
                           </a:solidFill>
@@ -24707,7 +24478,7 @@
                         <a:t>Faster to</a:t>
                       </a:r>
                       <a:r>
-                        <a:rPr lang="en-US" sz="1100" b="0" i="0" u="none" strike="noStrike" cap="none" baseline="0" dirty="0" smtClean="0">
+                        <a:rPr lang="en-US" sz="1100" b="0" i="0" u="none" strike="noStrike" cap="none" baseline="0" dirty="0">
                           <a:solidFill>
                             <a:schemeClr val="tx1"/>
                           </a:solidFill>
@@ -24719,7 +24490,7 @@
                         <a:t> </a:t>
                       </a:r>
                       <a:r>
-                        <a:rPr lang="en-US" sz="1100" b="0" i="0" u="none" strike="noStrike" cap="none" dirty="0" smtClean="0">
+                        <a:rPr lang="en-US" sz="1100" b="0" i="0" u="none" strike="noStrike" cap="none" dirty="0">
                           <a:solidFill>
                             <a:schemeClr val="tx1"/>
                           </a:solidFill>
@@ -24734,7 +24505,7 @@
                     <a:p>
                       <a:pPr algn="l"/>
                       <a:r>
-                        <a:rPr lang="en-US" sz="1100" b="0" i="0" u="none" strike="noStrike" cap="none" dirty="0" smtClean="0">
+                        <a:rPr lang="en-US" sz="1100" b="0" i="0" u="none" strike="noStrike" cap="none" dirty="0">
                           <a:solidFill>
                             <a:schemeClr val="tx1"/>
                           </a:solidFill>
@@ -24761,7 +24532,7 @@
                     <a:p>
                       <a:pPr algn="l"/>
                       <a:r>
-                        <a:rPr lang="en-US" sz="1100" b="0" i="0" u="none" strike="noStrike" cap="none" dirty="0" smtClean="0">
+                        <a:rPr lang="en-US" sz="1100" b="0" i="0" u="none" strike="noStrike" cap="none" dirty="0">
                           <a:solidFill>
                             <a:schemeClr val="tx1"/>
                           </a:solidFill>
@@ -24776,7 +24547,7 @@
                     <a:p>
                       <a:pPr algn="l"/>
                       <a:r>
-                        <a:rPr lang="en-US" sz="1100" b="0" i="0" u="none" strike="noStrike" cap="none" dirty="0" smtClean="0">
+                        <a:rPr lang="en-US" sz="1100" b="0" i="0" u="none" strike="noStrike" cap="none" dirty="0">
                           <a:solidFill>
                             <a:schemeClr val="tx1"/>
                           </a:solidFill>
@@ -24788,7 +24559,7 @@
                         <a:t>When the dataset</a:t>
                       </a:r>
                       <a:r>
-                        <a:rPr lang="en-US" sz="1100" b="0" i="0" u="none" strike="noStrike" cap="none" baseline="0" dirty="0" smtClean="0">
+                        <a:rPr lang="en-US" sz="1100" b="0" i="0" u="none" strike="noStrike" cap="none" baseline="0" dirty="0">
                           <a:solidFill>
                             <a:schemeClr val="tx1"/>
                           </a:solidFill>
@@ -24800,7 +24571,7 @@
                         <a:t> is large, sometimes matches wrong part of the image.</a:t>
                       </a:r>
                       <a:r>
-                        <a:rPr lang="en-US" sz="1100" b="0" i="0" u="none" strike="noStrike" cap="none" dirty="0" smtClean="0">
+                        <a:rPr lang="en-US" sz="1100" b="0" i="0" u="none" strike="noStrike" cap="none" dirty="0">
                           <a:solidFill>
                             <a:schemeClr val="tx1"/>
                           </a:solidFill>
@@ -24840,7 +24611,7 @@
                         <a:defRPr/>
                       </a:pPr>
                       <a:r>
-                        <a:rPr lang="en-US" sz="1100" b="0" i="0" u="none" strike="noStrike" cap="none" dirty="0" smtClean="0">
+                        <a:rPr lang="en-US" sz="1100" b="0" i="0" u="none" strike="noStrike" cap="none" dirty="0">
                           <a:solidFill>
                             <a:schemeClr val="tx1"/>
                           </a:solidFill>
@@ -24852,7 +24623,7 @@
                         <a:t>Image search engine, image classification,</a:t>
                       </a:r>
                       <a:r>
-                        <a:rPr lang="en-US" sz="1100" b="0" i="0" u="none" strike="noStrike" cap="none" baseline="0" dirty="0" smtClean="0">
+                        <a:rPr lang="en-US" sz="1100" b="0" i="0" u="none" strike="noStrike" cap="none" baseline="0" dirty="0">
                           <a:solidFill>
                             <a:schemeClr val="tx1"/>
                           </a:solidFill>
@@ -24874,7 +24645,7 @@
                 </a:tc>
                 <a:extLst>
                   <a:ext uri="{0D108BD9-81ED-4DB2-BD59-A6C34878D82A}">
-                    <a16:rowId xmlns="" xmlns:a16="http://schemas.microsoft.com/office/drawing/2014/main" val="2414580013"/>
+                    <a16:rowId xmlns:a16="http://schemas.microsoft.com/office/drawing/2014/main" val="2414580013"/>
                   </a:ext>
                 </a:extLst>
               </a:tr>
@@ -24905,7 +24676,7 @@
           <a:p>
             <a:pPr algn="ctr"/>
             <a:r>
-              <a:rPr lang="en-US" sz="2800" b="1" dirty="0" smtClean="0">
+              <a:rPr lang="en-US" sz="2800" b="1" dirty="0">
                 <a:solidFill>
                   <a:srgbClr val="00B0F0"/>
                 </a:solidFill>
@@ -24934,13 +24705,6 @@
   <p:clrMapOvr>
     <a:masterClrMapping/>
   </p:clrMapOvr>
-  <p:timing>
-    <p:tnLst>
-      <p:par>
-        <p:cTn id="1" dur="indefinite" restart="never" nodeType="tmRoot"/>
-      </p:par>
-    </p:tnLst>
-  </p:timing>
 </p:sld>
 </file>
 
@@ -25102,7 +24866,7 @@
           <p:cNvPr id="10" name="Shape 666">
             <a:extLst>
               <a:ext uri="{FF2B5EF4-FFF2-40B4-BE49-F238E27FC236}">
-                <a16:creationId xmlns="" xmlns:a16="http://schemas.microsoft.com/office/drawing/2014/main" id="{CFF12E7D-D1AD-6049-9F78-E73AF95BA285}"/>
+                <a16:creationId xmlns:a16="http://schemas.microsoft.com/office/drawing/2014/main" id="{CFF12E7D-D1AD-6049-9F78-E73AF95BA285}"/>
               </a:ext>
             </a:extLst>
           </p:cNvPr>
@@ -25138,12 +24902,20 @@
               <a:buNone/>
             </a:pPr>
             <a:r>
-              <a:rPr lang="en-US" sz="2800" dirty="0" smtClean="0">
+              <a:rPr lang="en-US" sz="2800" dirty="0">
                 <a:solidFill>
                   <a:srgbClr val="00B0F0"/>
                 </a:solidFill>
               </a:rPr>
-              <a:t>Feasure Dimension </a:t>
+              <a:t>Fea</a:t>
+            </a:r>
+            <a:r>
+              <a:rPr lang="en-US" altLang="zh-Hans" sz="2800" dirty="0">
+                <a:solidFill>
+                  <a:srgbClr val="00B0F0"/>
+                </a:solidFill>
+              </a:rPr>
+              <a:t>t</a:t>
             </a:r>
             <a:r>
               <a:rPr lang="en-US" sz="2800" dirty="0">
@@ -25151,7 +24923,7 @@
                   <a:srgbClr val="00B0F0"/>
                 </a:solidFill>
               </a:rPr>
-              <a:t>Comparison</a:t>
+              <a:t>ure Dimension Comparison</a:t>
             </a:r>
             <a:endParaRPr sz="2800" dirty="0">
               <a:solidFill>
@@ -25166,7 +24938,7 @@
           <p:cNvPr id="9" name="Picture 8">
             <a:extLst>
               <a:ext uri="{FF2B5EF4-FFF2-40B4-BE49-F238E27FC236}">
-                <a16:creationId xmlns="" xmlns:a16="http://schemas.microsoft.com/office/drawing/2014/main" id="{DE92D77D-92F2-D048-9046-585BDD0FC153}"/>
+                <a16:creationId xmlns:a16="http://schemas.microsoft.com/office/drawing/2014/main" id="{DE92D77D-92F2-D048-9046-585BDD0FC153}"/>
               </a:ext>
             </a:extLst>
           </p:cNvPr>
@@ -25201,13 +24973,6 @@
   <p:clrMapOvr>
     <a:masterClrMapping/>
   </p:clrMapOvr>
-  <p:timing>
-    <p:tnLst>
-      <p:par>
-        <p:cTn id="1" dur="indefinite" restart="never" nodeType="tmRoot"/>
-      </p:par>
-    </p:tnLst>
-  </p:timing>
 </p:sld>
 </file>
 
@@ -28756,13 +28521,6 @@
   <p:clrMapOvr>
     <a:masterClrMapping/>
   </p:clrMapOvr>
-  <p:timing>
-    <p:tnLst>
-      <p:par>
-        <p:cTn id="1" dur="indefinite" restart="never" nodeType="tmRoot"/>
-      </p:par>
-    </p:tnLst>
-  </p:timing>
 </p:sld>
 </file>
 

--- a/doc/Group9_Presentation.pptx
+++ b/doc/Group9_Presentation.pptx
@@ -14517,6 +14517,14 @@
               </a:rPr>
               <a:t>Model Selection</a:t>
             </a:r>
+            <a:r>
+              <a:rPr lang="en-US" dirty="0">
+                <a:solidFill>
+                  <a:srgbClr val="00B0F0"/>
+                </a:solidFill>
+              </a:rPr>
+              <a:t/>
+            </a:r>
             <a:br>
               <a:rPr lang="en-US" dirty="0">
                 <a:solidFill>
@@ -14531,6 +14539,14 @@
                 </a:solidFill>
               </a:rPr>
               <a:t>—— Dogs, Fried Chicken or Blueberry Muffins?</a:t>
+            </a:r>
+            <a:r>
+              <a:rPr lang="en-US" dirty="0">
+                <a:solidFill>
+                  <a:srgbClr val="00B0F0"/>
+                </a:solidFill>
+              </a:rPr>
+              <a:t/>
             </a:r>
             <a:br>
               <a:rPr lang="en-US" dirty="0">
@@ -14612,7 +14628,7 @@
           <p:cNvPr id="6" name="Shape 467">
             <a:extLst>
               <a:ext uri="{FF2B5EF4-FFF2-40B4-BE49-F238E27FC236}">
-                <a16:creationId xmlns:a16="http://schemas.microsoft.com/office/drawing/2014/main" id="{1685D1D0-19B9-C044-824E-693C7330FD1B}"/>
+                <a16:creationId xmlns:a16="http://schemas.microsoft.com/office/drawing/2014/main" xmlns="" id="{1685D1D0-19B9-C044-824E-693C7330FD1B}"/>
               </a:ext>
             </a:extLst>
           </p:cNvPr>
@@ -15211,35 +15227,35 @@
                 <a:gridCol w="2122374">
                   <a:extLst>
                     <a:ext uri="{9D8B030D-6E8A-4147-A177-3AD203B41FA5}">
-                      <a16:colId xmlns:a16="http://schemas.microsoft.com/office/drawing/2014/main" val="20000"/>
+                      <a16:colId xmlns:a16="http://schemas.microsoft.com/office/drawing/2014/main" xmlns="" val="20000"/>
                     </a:ext>
                   </a:extLst>
                 </a:gridCol>
                 <a:gridCol w="1308797">
                   <a:extLst>
                     <a:ext uri="{9D8B030D-6E8A-4147-A177-3AD203B41FA5}">
-                      <a16:colId xmlns:a16="http://schemas.microsoft.com/office/drawing/2014/main" val="20001"/>
+                      <a16:colId xmlns:a16="http://schemas.microsoft.com/office/drawing/2014/main" xmlns="" val="20001"/>
                     </a:ext>
                   </a:extLst>
                 </a:gridCol>
                 <a:gridCol w="1308797">
                   <a:extLst>
                     <a:ext uri="{9D8B030D-6E8A-4147-A177-3AD203B41FA5}">
-                      <a16:colId xmlns:a16="http://schemas.microsoft.com/office/drawing/2014/main" val="20002"/>
+                      <a16:colId xmlns:a16="http://schemas.microsoft.com/office/drawing/2014/main" xmlns="" val="20002"/>
                     </a:ext>
                   </a:extLst>
                 </a:gridCol>
                 <a:gridCol w="871855">
                   <a:extLst>
                     <a:ext uri="{9D8B030D-6E8A-4147-A177-3AD203B41FA5}">
-                      <a16:colId xmlns:a16="http://schemas.microsoft.com/office/drawing/2014/main" val="698607680"/>
+                      <a16:colId xmlns:a16="http://schemas.microsoft.com/office/drawing/2014/main" xmlns="" val="698607680"/>
                     </a:ext>
                   </a:extLst>
                 </a:gridCol>
                 <a:gridCol w="1255303">
                   <a:extLst>
                     <a:ext uri="{9D8B030D-6E8A-4147-A177-3AD203B41FA5}">
-                      <a16:colId xmlns:a16="http://schemas.microsoft.com/office/drawing/2014/main" val="1331669779"/>
+                      <a16:colId xmlns:a16="http://schemas.microsoft.com/office/drawing/2014/main" xmlns="" val="1331669779"/>
                     </a:ext>
                   </a:extLst>
                 </a:gridCol>
@@ -15329,7 +15345,7 @@
                 </a:tc>
                 <a:extLst>
                   <a:ext uri="{0D108BD9-81ED-4DB2-BD59-A6C34878D82A}">
-                    <a16:rowId xmlns:a16="http://schemas.microsoft.com/office/drawing/2014/main" val="10000"/>
+                    <a16:rowId xmlns:a16="http://schemas.microsoft.com/office/drawing/2014/main" xmlns="" val="10000"/>
                   </a:ext>
                 </a:extLst>
               </a:tr>
@@ -15454,7 +15470,7 @@
                 </a:tc>
                 <a:extLst>
                   <a:ext uri="{0D108BD9-81ED-4DB2-BD59-A6C34878D82A}">
-                    <a16:rowId xmlns:a16="http://schemas.microsoft.com/office/drawing/2014/main" val="10001"/>
+                    <a16:rowId xmlns:a16="http://schemas.microsoft.com/office/drawing/2014/main" xmlns="" val="10001"/>
                   </a:ext>
                 </a:extLst>
               </a:tr>
@@ -15575,7 +15591,7 @@
                 </a:tc>
                 <a:extLst>
                   <a:ext uri="{0D108BD9-81ED-4DB2-BD59-A6C34878D82A}">
-                    <a16:rowId xmlns:a16="http://schemas.microsoft.com/office/drawing/2014/main" val="10002"/>
+                    <a16:rowId xmlns:a16="http://schemas.microsoft.com/office/drawing/2014/main" xmlns="" val="10002"/>
                   </a:ext>
                 </a:extLst>
               </a:tr>
@@ -15734,7 +15750,7 @@
                 </a:tc>
                 <a:extLst>
                   <a:ext uri="{0D108BD9-81ED-4DB2-BD59-A6C34878D82A}">
-                    <a16:rowId xmlns:a16="http://schemas.microsoft.com/office/drawing/2014/main" val="10003"/>
+                    <a16:rowId xmlns:a16="http://schemas.microsoft.com/office/drawing/2014/main" xmlns="" val="10003"/>
                   </a:ext>
                 </a:extLst>
               </a:tr>
@@ -15876,7 +15892,7 @@
                 </a:tc>
                 <a:extLst>
                   <a:ext uri="{0D108BD9-81ED-4DB2-BD59-A6C34878D82A}">
-                    <a16:rowId xmlns:a16="http://schemas.microsoft.com/office/drawing/2014/main" val="10004"/>
+                    <a16:rowId xmlns:a16="http://schemas.microsoft.com/office/drawing/2014/main" xmlns="" val="10004"/>
                   </a:ext>
                 </a:extLst>
               </a:tr>
@@ -15979,7 +15995,7 @@
                 </a:tc>
                 <a:extLst>
                   <a:ext uri="{0D108BD9-81ED-4DB2-BD59-A6C34878D82A}">
-                    <a16:rowId xmlns:a16="http://schemas.microsoft.com/office/drawing/2014/main" val="10005"/>
+                    <a16:rowId xmlns:a16="http://schemas.microsoft.com/office/drawing/2014/main" xmlns="" val="10005"/>
                   </a:ext>
                 </a:extLst>
               </a:tr>
@@ -16084,7 +16100,7 @@
                 </a:tc>
                 <a:extLst>
                   <a:ext uri="{0D108BD9-81ED-4DB2-BD59-A6C34878D82A}">
-                    <a16:rowId xmlns:a16="http://schemas.microsoft.com/office/drawing/2014/main" val="10006"/>
+                    <a16:rowId xmlns:a16="http://schemas.microsoft.com/office/drawing/2014/main" xmlns="" val="10006"/>
                   </a:ext>
                 </a:extLst>
               </a:tr>
@@ -16239,7 +16255,7 @@
                 </a:tc>
                 <a:extLst>
                   <a:ext uri="{0D108BD9-81ED-4DB2-BD59-A6C34878D82A}">
-                    <a16:rowId xmlns:a16="http://schemas.microsoft.com/office/drawing/2014/main" val="10007"/>
+                    <a16:rowId xmlns:a16="http://schemas.microsoft.com/office/drawing/2014/main" xmlns="" val="10007"/>
                   </a:ext>
                 </a:extLst>
               </a:tr>
@@ -16376,7 +16392,7 @@
                 </a:tc>
                 <a:extLst>
                   <a:ext uri="{0D108BD9-81ED-4DB2-BD59-A6C34878D82A}">
-                    <a16:rowId xmlns:a16="http://schemas.microsoft.com/office/drawing/2014/main" val="10008"/>
+                    <a16:rowId xmlns:a16="http://schemas.microsoft.com/office/drawing/2014/main" xmlns="" val="10008"/>
                   </a:ext>
                 </a:extLst>
               </a:tr>
@@ -16474,7 +16490,7 @@
                 </a:tc>
                 <a:extLst>
                   <a:ext uri="{0D108BD9-81ED-4DB2-BD59-A6C34878D82A}">
-                    <a16:rowId xmlns:a16="http://schemas.microsoft.com/office/drawing/2014/main" val="10009"/>
+                    <a16:rowId xmlns:a16="http://schemas.microsoft.com/office/drawing/2014/main" xmlns="" val="10009"/>
                   </a:ext>
                 </a:extLst>
               </a:tr>
@@ -16580,7 +16596,7 @@
                 </a:tc>
                 <a:extLst>
                   <a:ext uri="{0D108BD9-81ED-4DB2-BD59-A6C34878D82A}">
-                    <a16:rowId xmlns:a16="http://schemas.microsoft.com/office/drawing/2014/main" val="10010"/>
+                    <a16:rowId xmlns:a16="http://schemas.microsoft.com/office/drawing/2014/main" xmlns="" val="10010"/>
                   </a:ext>
                 </a:extLst>
               </a:tr>
@@ -16669,7 +16685,7 @@
                 </a:tc>
                 <a:extLst>
                   <a:ext uri="{0D108BD9-81ED-4DB2-BD59-A6C34878D82A}">
-                    <a16:rowId xmlns:a16="http://schemas.microsoft.com/office/drawing/2014/main" val="10011"/>
+                    <a16:rowId xmlns:a16="http://schemas.microsoft.com/office/drawing/2014/main" xmlns="" val="10011"/>
                   </a:ext>
                 </a:extLst>
               </a:tr>
@@ -16748,7 +16764,7 @@
                 </a:tc>
                 <a:extLst>
                   <a:ext uri="{0D108BD9-81ED-4DB2-BD59-A6C34878D82A}">
-                    <a16:rowId xmlns:a16="http://schemas.microsoft.com/office/drawing/2014/main" val="10012"/>
+                    <a16:rowId xmlns:a16="http://schemas.microsoft.com/office/drawing/2014/main" xmlns="" val="10012"/>
                   </a:ext>
                 </a:extLst>
               </a:tr>
@@ -16761,7 +16777,7 @@
           <p:cNvPr id="3" name="Rectangle 2">
             <a:extLst>
               <a:ext uri="{FF2B5EF4-FFF2-40B4-BE49-F238E27FC236}">
-                <a16:creationId xmlns:a16="http://schemas.microsoft.com/office/drawing/2014/main" id="{BE49DAFA-6BC3-FE47-B67A-5E0EBE2385B6}"/>
+                <a16:creationId xmlns:a16="http://schemas.microsoft.com/office/drawing/2014/main" xmlns="" id="{BE49DAFA-6BC3-FE47-B67A-5E0EBE2385B6}"/>
               </a:ext>
             </a:extLst>
           </p:cNvPr>
@@ -16811,7 +16827,7 @@
           <p:cNvPr id="4" name="Rectangle 3">
             <a:extLst>
               <a:ext uri="{FF2B5EF4-FFF2-40B4-BE49-F238E27FC236}">
-                <a16:creationId xmlns:a16="http://schemas.microsoft.com/office/drawing/2014/main" id="{91DDDFBC-6FB4-6D49-838F-2DF302BE1468}"/>
+                <a16:creationId xmlns:a16="http://schemas.microsoft.com/office/drawing/2014/main" xmlns="" id="{91DDDFBC-6FB4-6D49-838F-2DF302BE1468}"/>
               </a:ext>
             </a:extLst>
           </p:cNvPr>
@@ -16981,35 +16997,35 @@
                 <a:gridCol w="1577340">
                   <a:extLst>
                     <a:ext uri="{9D8B030D-6E8A-4147-A177-3AD203B41FA5}">
-                      <a16:colId xmlns:a16="http://schemas.microsoft.com/office/drawing/2014/main" val="20000"/>
+                      <a16:colId xmlns:a16="http://schemas.microsoft.com/office/drawing/2014/main" xmlns="" val="20000"/>
                     </a:ext>
                   </a:extLst>
                 </a:gridCol>
                 <a:gridCol w="1577340">
                   <a:extLst>
                     <a:ext uri="{9D8B030D-6E8A-4147-A177-3AD203B41FA5}">
-                      <a16:colId xmlns:a16="http://schemas.microsoft.com/office/drawing/2014/main" val="20001"/>
+                      <a16:colId xmlns:a16="http://schemas.microsoft.com/office/drawing/2014/main" xmlns="" val="20001"/>
                     </a:ext>
                   </a:extLst>
                 </a:gridCol>
                 <a:gridCol w="1577340">
                   <a:extLst>
                     <a:ext uri="{9D8B030D-6E8A-4147-A177-3AD203B41FA5}">
-                      <a16:colId xmlns:a16="http://schemas.microsoft.com/office/drawing/2014/main" val="20002"/>
+                      <a16:colId xmlns:a16="http://schemas.microsoft.com/office/drawing/2014/main" xmlns="" val="20002"/>
                     </a:ext>
                   </a:extLst>
                 </a:gridCol>
                 <a:gridCol w="1577340">
                   <a:extLst>
                     <a:ext uri="{9D8B030D-6E8A-4147-A177-3AD203B41FA5}">
-                      <a16:colId xmlns:a16="http://schemas.microsoft.com/office/drawing/2014/main" val="20003"/>
+                      <a16:colId xmlns:a16="http://schemas.microsoft.com/office/drawing/2014/main" xmlns="" val="20003"/>
                     </a:ext>
                   </a:extLst>
                 </a:gridCol>
                 <a:gridCol w="1577340">
                   <a:extLst>
                     <a:ext uri="{9D8B030D-6E8A-4147-A177-3AD203B41FA5}">
-                      <a16:colId xmlns:a16="http://schemas.microsoft.com/office/drawing/2014/main" val="20004"/>
+                      <a16:colId xmlns:a16="http://schemas.microsoft.com/office/drawing/2014/main" xmlns="" val="20004"/>
                     </a:ext>
                   </a:extLst>
                 </a:gridCol>
@@ -17081,7 +17097,7 @@
                 </a:tc>
                 <a:extLst>
                   <a:ext uri="{0D108BD9-81ED-4DB2-BD59-A6C34878D82A}">
-                    <a16:rowId xmlns:a16="http://schemas.microsoft.com/office/drawing/2014/main" val="10000"/>
+                    <a16:rowId xmlns:a16="http://schemas.microsoft.com/office/drawing/2014/main" xmlns="" val="10000"/>
                   </a:ext>
                 </a:extLst>
               </a:tr>
@@ -17175,7 +17191,7 @@
                 </a:tc>
                 <a:extLst>
                   <a:ext uri="{0D108BD9-81ED-4DB2-BD59-A6C34878D82A}">
-                    <a16:rowId xmlns:a16="http://schemas.microsoft.com/office/drawing/2014/main" val="10005"/>
+                    <a16:rowId xmlns:a16="http://schemas.microsoft.com/office/drawing/2014/main" xmlns="" val="10005"/>
                   </a:ext>
                 </a:extLst>
               </a:tr>
@@ -17268,7 +17284,7 @@
                 </a:tc>
                 <a:extLst>
                   <a:ext uri="{0D108BD9-81ED-4DB2-BD59-A6C34878D82A}">
-                    <a16:rowId xmlns:a16="http://schemas.microsoft.com/office/drawing/2014/main" val="10001"/>
+                    <a16:rowId xmlns:a16="http://schemas.microsoft.com/office/drawing/2014/main" xmlns="" val="10001"/>
                   </a:ext>
                 </a:extLst>
               </a:tr>
@@ -17359,7 +17375,7 @@
                 </a:tc>
                 <a:extLst>
                   <a:ext uri="{0D108BD9-81ED-4DB2-BD59-A6C34878D82A}">
-                    <a16:rowId xmlns:a16="http://schemas.microsoft.com/office/drawing/2014/main" val="10002"/>
+                    <a16:rowId xmlns:a16="http://schemas.microsoft.com/office/drawing/2014/main" xmlns="" val="10002"/>
                   </a:ext>
                 </a:extLst>
               </a:tr>
@@ -17455,7 +17471,7 @@
                 </a:tc>
                 <a:extLst>
                   <a:ext uri="{0D108BD9-81ED-4DB2-BD59-A6C34878D82A}">
-                    <a16:rowId xmlns:a16="http://schemas.microsoft.com/office/drawing/2014/main" val="10006"/>
+                    <a16:rowId xmlns:a16="http://schemas.microsoft.com/office/drawing/2014/main" xmlns="" val="10006"/>
                   </a:ext>
                 </a:extLst>
               </a:tr>
@@ -17556,7 +17572,7 @@
                 </a:tc>
                 <a:extLst>
                   <a:ext uri="{0D108BD9-81ED-4DB2-BD59-A6C34878D82A}">
-                    <a16:rowId xmlns:a16="http://schemas.microsoft.com/office/drawing/2014/main" val="10003"/>
+                    <a16:rowId xmlns:a16="http://schemas.microsoft.com/office/drawing/2014/main" xmlns="" val="10003"/>
                   </a:ext>
                 </a:extLst>
               </a:tr>
@@ -17648,7 +17664,7 @@
                 </a:tc>
                 <a:extLst>
                   <a:ext uri="{0D108BD9-81ED-4DB2-BD59-A6C34878D82A}">
-                    <a16:rowId xmlns:a16="http://schemas.microsoft.com/office/drawing/2014/main" val="10004"/>
+                    <a16:rowId xmlns:a16="http://schemas.microsoft.com/office/drawing/2014/main" xmlns="" val="10004"/>
                   </a:ext>
                 </a:extLst>
               </a:tr>
@@ -17691,7 +17707,7 @@
           <p:cNvPr id="7" name="Title 1">
             <a:extLst>
               <a:ext uri="{FF2B5EF4-FFF2-40B4-BE49-F238E27FC236}">
-                <a16:creationId xmlns:a16="http://schemas.microsoft.com/office/drawing/2014/main" id="{88BA3341-7B27-AC4A-8F4A-2A3298C9BC0D}"/>
+                <a16:creationId xmlns:a16="http://schemas.microsoft.com/office/drawing/2014/main" xmlns="" id="{88BA3341-7B27-AC4A-8F4A-2A3298C9BC0D}"/>
               </a:ext>
             </a:extLst>
           </p:cNvPr>
@@ -17728,7 +17744,7 @@
           <p:cNvPr id="8" name="Content Placeholder 5">
             <a:extLst>
               <a:ext uri="{FF2B5EF4-FFF2-40B4-BE49-F238E27FC236}">
-                <a16:creationId xmlns:a16="http://schemas.microsoft.com/office/drawing/2014/main" id="{0845D312-87B0-954C-B208-E6576F3D6410}"/>
+                <a16:creationId xmlns:a16="http://schemas.microsoft.com/office/drawing/2014/main" xmlns="" id="{0845D312-87B0-954C-B208-E6576F3D6410}"/>
               </a:ext>
             </a:extLst>
           </p:cNvPr>
@@ -17764,7 +17780,7 @@
           <p:cNvPr id="9" name="Content Placeholder 9">
             <a:extLst>
               <a:ext uri="{FF2B5EF4-FFF2-40B4-BE49-F238E27FC236}">
-                <a16:creationId xmlns:a16="http://schemas.microsoft.com/office/drawing/2014/main" id="{084226EB-EEAB-404D-A7D1-A3D4C727F42C}"/>
+                <a16:creationId xmlns:a16="http://schemas.microsoft.com/office/drawing/2014/main" xmlns="" id="{084226EB-EEAB-404D-A7D1-A3D4C727F42C}"/>
               </a:ext>
             </a:extLst>
           </p:cNvPr>
@@ -17793,7 +17809,7 @@
           <p:cNvPr id="11" name="Title 1">
             <a:extLst>
               <a:ext uri="{FF2B5EF4-FFF2-40B4-BE49-F238E27FC236}">
-                <a16:creationId xmlns:a16="http://schemas.microsoft.com/office/drawing/2014/main" id="{2415DD61-ACC0-5646-BE79-F68DA3266154}"/>
+                <a16:creationId xmlns:a16="http://schemas.microsoft.com/office/drawing/2014/main" xmlns="" id="{2415DD61-ACC0-5646-BE79-F68DA3266154}"/>
               </a:ext>
             </a:extLst>
           </p:cNvPr>
@@ -18086,7 +18102,7 @@
           <p:cNvPr id="12" name="Title 1">
             <a:extLst>
               <a:ext uri="{FF2B5EF4-FFF2-40B4-BE49-F238E27FC236}">
-                <a16:creationId xmlns:a16="http://schemas.microsoft.com/office/drawing/2014/main" id="{60A2FD62-40BC-C94E-AD65-0764E277DD1E}"/>
+                <a16:creationId xmlns:a16="http://schemas.microsoft.com/office/drawing/2014/main" xmlns="" id="{60A2FD62-40BC-C94E-AD65-0764E277DD1E}"/>
               </a:ext>
             </a:extLst>
           </p:cNvPr>
@@ -18432,35 +18448,35 @@
                 <a:gridCol w="1128950">
                   <a:extLst>
                     <a:ext uri="{9D8B030D-6E8A-4147-A177-3AD203B41FA5}">
-                      <a16:colId xmlns:a16="http://schemas.microsoft.com/office/drawing/2014/main" val="20000"/>
+                      <a16:colId xmlns:a16="http://schemas.microsoft.com/office/drawing/2014/main" xmlns="" val="20000"/>
                     </a:ext>
                   </a:extLst>
                 </a:gridCol>
                 <a:gridCol w="1125897">
                   <a:extLst>
                     <a:ext uri="{9D8B030D-6E8A-4147-A177-3AD203B41FA5}">
-                      <a16:colId xmlns:a16="http://schemas.microsoft.com/office/drawing/2014/main" val="20001"/>
+                      <a16:colId xmlns:a16="http://schemas.microsoft.com/office/drawing/2014/main" xmlns="" val="20001"/>
                     </a:ext>
                   </a:extLst>
                 </a:gridCol>
                 <a:gridCol w="924535">
                   <a:extLst>
                     <a:ext uri="{9D8B030D-6E8A-4147-A177-3AD203B41FA5}">
-                      <a16:colId xmlns:a16="http://schemas.microsoft.com/office/drawing/2014/main" val="20002"/>
+                      <a16:colId xmlns:a16="http://schemas.microsoft.com/office/drawing/2014/main" xmlns="" val="20002"/>
                     </a:ext>
                   </a:extLst>
                 </a:gridCol>
                 <a:gridCol w="1142827">
                   <a:extLst>
                     <a:ext uri="{9D8B030D-6E8A-4147-A177-3AD203B41FA5}">
-                      <a16:colId xmlns:a16="http://schemas.microsoft.com/office/drawing/2014/main" val="20003"/>
+                      <a16:colId xmlns:a16="http://schemas.microsoft.com/office/drawing/2014/main" xmlns="" val="20003"/>
                     </a:ext>
                   </a:extLst>
                 </a:gridCol>
                 <a:gridCol w="1014418">
                   <a:extLst>
                     <a:ext uri="{9D8B030D-6E8A-4147-A177-3AD203B41FA5}">
-                      <a16:colId xmlns:a16="http://schemas.microsoft.com/office/drawing/2014/main" val="20004"/>
+                      <a16:colId xmlns:a16="http://schemas.microsoft.com/office/drawing/2014/main" xmlns="" val="20004"/>
                     </a:ext>
                   </a:extLst>
                 </a:gridCol>
@@ -18535,7 +18551,7 @@
                 </a:tc>
                 <a:extLst>
                   <a:ext uri="{0D108BD9-81ED-4DB2-BD59-A6C34878D82A}">
-                    <a16:rowId xmlns:a16="http://schemas.microsoft.com/office/drawing/2014/main" val="10000"/>
+                    <a16:rowId xmlns:a16="http://schemas.microsoft.com/office/drawing/2014/main" xmlns="" val="10000"/>
                   </a:ext>
                 </a:extLst>
               </a:tr>
@@ -18621,7 +18637,7 @@
                 </a:tc>
                 <a:extLst>
                   <a:ext uri="{0D108BD9-81ED-4DB2-BD59-A6C34878D82A}">
-                    <a16:rowId xmlns:a16="http://schemas.microsoft.com/office/drawing/2014/main" val="2455327945"/>
+                    <a16:rowId xmlns:a16="http://schemas.microsoft.com/office/drawing/2014/main" xmlns="" val="2455327945"/>
                   </a:ext>
                 </a:extLst>
               </a:tr>
@@ -18735,7 +18751,7 @@
                         <a:t>9.</a:t>
                       </a:r>
                       <a:r>
-                        <a:rPr lang="en-US" altLang="zh-Hans" sz="1100" b="0" dirty="0"/>
+                        <a:rPr lang="en-US" altLang="zh-CN" sz="1100" b="0" dirty="0"/>
                         <a:t>13</a:t>
                       </a:r>
                       <a:r>
@@ -18748,7 +18764,7 @@
                 </a:tc>
                 <a:extLst>
                   <a:ext uri="{0D108BD9-81ED-4DB2-BD59-A6C34878D82A}">
-                    <a16:rowId xmlns:a16="http://schemas.microsoft.com/office/drawing/2014/main" val="4280216352"/>
+                    <a16:rowId xmlns:a16="http://schemas.microsoft.com/office/drawing/2014/main" xmlns="" val="4280216352"/>
                   </a:ext>
                 </a:extLst>
               </a:tr>
@@ -18866,7 +18882,7 @@
                 </a:tc>
                 <a:extLst>
                   <a:ext uri="{0D108BD9-81ED-4DB2-BD59-A6C34878D82A}">
-                    <a16:rowId xmlns:a16="http://schemas.microsoft.com/office/drawing/2014/main" val="2414580013"/>
+                    <a16:rowId xmlns:a16="http://schemas.microsoft.com/office/drawing/2014/main" xmlns="" val="2414580013"/>
                   </a:ext>
                 </a:extLst>
               </a:tr>
@@ -18940,7 +18956,7 @@
                 </a:tc>
                 <a:extLst>
                   <a:ext uri="{0D108BD9-81ED-4DB2-BD59-A6C34878D82A}">
-                    <a16:rowId xmlns:a16="http://schemas.microsoft.com/office/drawing/2014/main" val="10001"/>
+                    <a16:rowId xmlns:a16="http://schemas.microsoft.com/office/drawing/2014/main" xmlns="" val="10001"/>
                   </a:ext>
                 </a:extLst>
               </a:tr>
@@ -19025,7 +19041,7 @@
                 </a:tc>
                 <a:extLst>
                   <a:ext uri="{0D108BD9-81ED-4DB2-BD59-A6C34878D82A}">
-                    <a16:rowId xmlns:a16="http://schemas.microsoft.com/office/drawing/2014/main" val="10002"/>
+                    <a16:rowId xmlns:a16="http://schemas.microsoft.com/office/drawing/2014/main" xmlns="" val="10002"/>
                   </a:ext>
                 </a:extLst>
               </a:tr>
@@ -19038,7 +19054,7 @@
           <p:cNvPr id="8" name="Rectangle 7">
             <a:extLst>
               <a:ext uri="{FF2B5EF4-FFF2-40B4-BE49-F238E27FC236}">
-                <a16:creationId xmlns:a16="http://schemas.microsoft.com/office/drawing/2014/main" id="{EBC808F9-3742-5842-971E-EE42B23054E3}"/>
+                <a16:creationId xmlns:a16="http://schemas.microsoft.com/office/drawing/2014/main" xmlns="" id="{EBC808F9-3742-5842-971E-EE42B23054E3}"/>
               </a:ext>
             </a:extLst>
           </p:cNvPr>
@@ -19154,7 +19170,7 @@
           <p:cNvPr id="7" name="Title 1">
             <a:extLst>
               <a:ext uri="{FF2B5EF4-FFF2-40B4-BE49-F238E27FC236}">
-                <a16:creationId xmlns:a16="http://schemas.microsoft.com/office/drawing/2014/main" id="{88BA3341-7B27-AC4A-8F4A-2A3298C9BC0D}"/>
+                <a16:creationId xmlns:a16="http://schemas.microsoft.com/office/drawing/2014/main" xmlns="" id="{88BA3341-7B27-AC4A-8F4A-2A3298C9BC0D}"/>
               </a:ext>
             </a:extLst>
           </p:cNvPr>
@@ -19176,13 +19192,26 @@
           <a:lstStyle/>
           <a:p>
             <a:r>
-              <a:rPr lang="en-US">
+              <a:rPr lang="en-US" dirty="0">
                 <a:solidFill>
                   <a:schemeClr val="tx1"/>
                 </a:solidFill>
               </a:rPr>
-              <a:t>Tune Hyper parameter</a:t>
+              <a:t>Tune </a:t>
             </a:r>
+            <a:r>
+              <a:rPr lang="en-US" dirty="0" err="1" smtClean="0">
+                <a:solidFill>
+                  <a:schemeClr val="tx1"/>
+                </a:solidFill>
+              </a:rPr>
+              <a:t>Hyperparameter</a:t>
+            </a:r>
+            <a:endParaRPr lang="en-US" dirty="0">
+              <a:solidFill>
+                <a:schemeClr val="tx1"/>
+              </a:solidFill>
+            </a:endParaRPr>
           </a:p>
         </p:txBody>
       </p:sp>
@@ -19191,7 +19220,7 @@
           <p:cNvPr id="11" name="Title 1">
             <a:extLst>
               <a:ext uri="{FF2B5EF4-FFF2-40B4-BE49-F238E27FC236}">
-                <a16:creationId xmlns:a16="http://schemas.microsoft.com/office/drawing/2014/main" id="{2415DD61-ACC0-5646-BE79-F68DA3266154}"/>
+                <a16:creationId xmlns:a16="http://schemas.microsoft.com/office/drawing/2014/main" xmlns="" id="{2415DD61-ACC0-5646-BE79-F68DA3266154}"/>
               </a:ext>
             </a:extLst>
           </p:cNvPr>
@@ -19484,7 +19513,7 @@
           <p:cNvPr id="3" name="Picture 2">
             <a:extLst>
               <a:ext uri="{FF2B5EF4-FFF2-40B4-BE49-F238E27FC236}">
-                <a16:creationId xmlns:a16="http://schemas.microsoft.com/office/drawing/2014/main" id="{132436B6-661F-D74E-8CBF-2750430282D3}"/>
+                <a16:creationId xmlns:a16="http://schemas.microsoft.com/office/drawing/2014/main" xmlns="" id="{132436B6-661F-D74E-8CBF-2750430282D3}"/>
               </a:ext>
             </a:extLst>
           </p:cNvPr>
@@ -19513,7 +19542,7 @@
           <p:cNvPr id="13" name="Title 1">
             <a:extLst>
               <a:ext uri="{FF2B5EF4-FFF2-40B4-BE49-F238E27FC236}">
-                <a16:creationId xmlns:a16="http://schemas.microsoft.com/office/drawing/2014/main" id="{DB90A835-4B77-7D47-8701-DA7D8879668D}"/>
+                <a16:creationId xmlns:a16="http://schemas.microsoft.com/office/drawing/2014/main" xmlns="" id="{DB90A835-4B77-7D47-8701-DA7D8879668D}"/>
               </a:ext>
             </a:extLst>
           </p:cNvPr>
@@ -19806,7 +19835,7 @@
           <p:cNvPr id="14" name="Title 1">
             <a:extLst>
               <a:ext uri="{FF2B5EF4-FFF2-40B4-BE49-F238E27FC236}">
-                <a16:creationId xmlns:a16="http://schemas.microsoft.com/office/drawing/2014/main" id="{6C23DFD3-9579-C741-8BB9-4B41C0C7D0FB}"/>
+                <a16:creationId xmlns:a16="http://schemas.microsoft.com/office/drawing/2014/main" xmlns="" id="{6C23DFD3-9579-C741-8BB9-4B41C0C7D0FB}"/>
               </a:ext>
             </a:extLst>
           </p:cNvPr>
@@ -20099,7 +20128,7 @@
           <p:cNvPr id="5" name="Picture 4">
             <a:extLst>
               <a:ext uri="{FF2B5EF4-FFF2-40B4-BE49-F238E27FC236}">
-                <a16:creationId xmlns:a16="http://schemas.microsoft.com/office/drawing/2014/main" id="{5A084DF1-2885-6946-BAE1-FC7490DEECA2}"/>
+                <a16:creationId xmlns:a16="http://schemas.microsoft.com/office/drawing/2014/main" xmlns="" id="{5A084DF1-2885-6946-BAE1-FC7490DEECA2}"/>
               </a:ext>
             </a:extLst>
           </p:cNvPr>
@@ -20128,7 +20157,7 @@
           <p:cNvPr id="15" name="Picture 14">
             <a:extLst>
               <a:ext uri="{FF2B5EF4-FFF2-40B4-BE49-F238E27FC236}">
-                <a16:creationId xmlns:a16="http://schemas.microsoft.com/office/drawing/2014/main" id="{2A049C45-D0BE-C849-B355-25DF28D9061D}"/>
+                <a16:creationId xmlns:a16="http://schemas.microsoft.com/office/drawing/2014/main" xmlns="" id="{2A049C45-D0BE-C849-B355-25DF28D9061D}"/>
               </a:ext>
             </a:extLst>
           </p:cNvPr>
@@ -20188,7 +20217,7 @@
           <p:cNvPr id="7" name="Title 1">
             <a:extLst>
               <a:ext uri="{FF2B5EF4-FFF2-40B4-BE49-F238E27FC236}">
-                <a16:creationId xmlns:a16="http://schemas.microsoft.com/office/drawing/2014/main" id="{88BA3341-7B27-AC4A-8F4A-2A3298C9BC0D}"/>
+                <a16:creationId xmlns:a16="http://schemas.microsoft.com/office/drawing/2014/main" xmlns="" id="{88BA3341-7B27-AC4A-8F4A-2A3298C9BC0D}"/>
               </a:ext>
             </a:extLst>
           </p:cNvPr>
@@ -20225,7 +20254,7 @@
           <p:cNvPr id="4" name="Picture 3">
             <a:extLst>
               <a:ext uri="{FF2B5EF4-FFF2-40B4-BE49-F238E27FC236}">
-                <a16:creationId xmlns:a16="http://schemas.microsoft.com/office/drawing/2014/main" id="{8FD9F724-56D1-D542-A70E-B103BBC3C903}"/>
+                <a16:creationId xmlns:a16="http://schemas.microsoft.com/office/drawing/2014/main" xmlns="" id="{8FD9F724-56D1-D542-A70E-B103BBC3C903}"/>
               </a:ext>
             </a:extLst>
           </p:cNvPr>
@@ -20254,7 +20283,7 @@
           <p:cNvPr id="5" name="TextBox 4">
             <a:extLst>
               <a:ext uri="{FF2B5EF4-FFF2-40B4-BE49-F238E27FC236}">
-                <a16:creationId xmlns:a16="http://schemas.microsoft.com/office/drawing/2014/main" id="{372A79CB-F766-094F-97A4-1456BD043C65}"/>
+                <a16:creationId xmlns:a16="http://schemas.microsoft.com/office/drawing/2014/main" xmlns="" id="{372A79CB-F766-094F-97A4-1456BD043C65}"/>
               </a:ext>
             </a:extLst>
           </p:cNvPr>
@@ -20463,56 +20492,56 @@
                 <a:gridCol w="1206941">
                   <a:extLst>
                     <a:ext uri="{9D8B030D-6E8A-4147-A177-3AD203B41FA5}">
-                      <a16:colId xmlns:a16="http://schemas.microsoft.com/office/drawing/2014/main" val="20000"/>
+                      <a16:colId xmlns:a16="http://schemas.microsoft.com/office/drawing/2014/main" xmlns="" val="20000"/>
                     </a:ext>
                   </a:extLst>
                 </a:gridCol>
                 <a:gridCol w="826649">
                   <a:extLst>
                     <a:ext uri="{9D8B030D-6E8A-4147-A177-3AD203B41FA5}">
-                      <a16:colId xmlns:a16="http://schemas.microsoft.com/office/drawing/2014/main" val="20001"/>
+                      <a16:colId xmlns:a16="http://schemas.microsoft.com/office/drawing/2014/main" xmlns="" val="20001"/>
                     </a:ext>
                   </a:extLst>
                 </a:gridCol>
                 <a:gridCol w="678806">
                   <a:extLst>
                     <a:ext uri="{9D8B030D-6E8A-4147-A177-3AD203B41FA5}">
-                      <a16:colId xmlns:a16="http://schemas.microsoft.com/office/drawing/2014/main" val="20002"/>
+                      <a16:colId xmlns:a16="http://schemas.microsoft.com/office/drawing/2014/main" xmlns="" val="20002"/>
                     </a:ext>
                   </a:extLst>
                 </a:gridCol>
                 <a:gridCol w="839080">
                   <a:extLst>
                     <a:ext uri="{9D8B030D-6E8A-4147-A177-3AD203B41FA5}">
-                      <a16:colId xmlns:a16="http://schemas.microsoft.com/office/drawing/2014/main" val="20003"/>
+                      <a16:colId xmlns:a16="http://schemas.microsoft.com/office/drawing/2014/main" xmlns="" val="20003"/>
                     </a:ext>
                   </a:extLst>
                 </a:gridCol>
                 <a:gridCol w="744800">
                   <a:extLst>
                     <a:ext uri="{9D8B030D-6E8A-4147-A177-3AD203B41FA5}">
-                      <a16:colId xmlns:a16="http://schemas.microsoft.com/office/drawing/2014/main" val="20004"/>
+                      <a16:colId xmlns:a16="http://schemas.microsoft.com/office/drawing/2014/main" xmlns="" val="20004"/>
                     </a:ext>
                   </a:extLst>
                 </a:gridCol>
                 <a:gridCol w="1037065">
                   <a:extLst>
                     <a:ext uri="{9D8B030D-6E8A-4147-A177-3AD203B41FA5}">
-                      <a16:colId xmlns:a16="http://schemas.microsoft.com/office/drawing/2014/main" val="20005"/>
+                      <a16:colId xmlns:a16="http://schemas.microsoft.com/office/drawing/2014/main" xmlns="" val="20005"/>
                     </a:ext>
                   </a:extLst>
                 </a:gridCol>
                 <a:gridCol w="1046492">
                   <a:extLst>
                     <a:ext uri="{9D8B030D-6E8A-4147-A177-3AD203B41FA5}">
-                      <a16:colId xmlns:a16="http://schemas.microsoft.com/office/drawing/2014/main" val="410906251"/>
+                      <a16:colId xmlns:a16="http://schemas.microsoft.com/office/drawing/2014/main" xmlns="" val="410906251"/>
                     </a:ext>
                   </a:extLst>
                 </a:gridCol>
                 <a:gridCol w="1395322">
                   <a:extLst>
                     <a:ext uri="{9D8B030D-6E8A-4147-A177-3AD203B41FA5}">
-                      <a16:colId xmlns:a16="http://schemas.microsoft.com/office/drawing/2014/main" val="20006"/>
+                      <a16:colId xmlns:a16="http://schemas.microsoft.com/office/drawing/2014/main" xmlns="" val="20006"/>
                     </a:ext>
                   </a:extLst>
                 </a:gridCol>
@@ -20720,7 +20749,7 @@
                 </a:tc>
                 <a:extLst>
                   <a:ext uri="{0D108BD9-81ED-4DB2-BD59-A6C34878D82A}">
-                    <a16:rowId xmlns:a16="http://schemas.microsoft.com/office/drawing/2014/main" val="10000"/>
+                    <a16:rowId xmlns:a16="http://schemas.microsoft.com/office/drawing/2014/main" xmlns="" val="10000"/>
                   </a:ext>
                 </a:extLst>
               </a:tr>
@@ -20860,7 +20889,7 @@
                 </a:tc>
                 <a:extLst>
                   <a:ext uri="{0D108BD9-81ED-4DB2-BD59-A6C34878D82A}">
-                    <a16:rowId xmlns:a16="http://schemas.microsoft.com/office/drawing/2014/main" val="2455327945"/>
+                    <a16:rowId xmlns:a16="http://schemas.microsoft.com/office/drawing/2014/main" xmlns="" val="2455327945"/>
                   </a:ext>
                 </a:extLst>
               </a:tr>
@@ -20974,7 +21003,7 @@
                         <a:t>9.</a:t>
                       </a:r>
                       <a:r>
-                        <a:rPr lang="en-US" altLang="zh-Hans" sz="1100" b="0" dirty="0"/>
+                        <a:rPr lang="en-US" altLang="zh-CN" sz="1100" b="0" dirty="0"/>
                         <a:t>13</a:t>
                       </a:r>
                       <a:r>
@@ -21029,7 +21058,7 @@
                 </a:tc>
                 <a:extLst>
                   <a:ext uri="{0D108BD9-81ED-4DB2-BD59-A6C34878D82A}">
-                    <a16:rowId xmlns:a16="http://schemas.microsoft.com/office/drawing/2014/main" val="4280216352"/>
+                    <a16:rowId xmlns:a16="http://schemas.microsoft.com/office/drawing/2014/main" xmlns="" val="4280216352"/>
                   </a:ext>
                 </a:extLst>
               </a:tr>
@@ -21189,7 +21218,7 @@
                 </a:tc>
                 <a:extLst>
                   <a:ext uri="{0D108BD9-81ED-4DB2-BD59-A6C34878D82A}">
-                    <a16:rowId xmlns:a16="http://schemas.microsoft.com/office/drawing/2014/main" val="2414580013"/>
+                    <a16:rowId xmlns:a16="http://schemas.microsoft.com/office/drawing/2014/main" xmlns="" val="2414580013"/>
                   </a:ext>
                 </a:extLst>
               </a:tr>
@@ -21306,7 +21335,7 @@
                 </a:tc>
                 <a:extLst>
                   <a:ext uri="{0D108BD9-81ED-4DB2-BD59-A6C34878D82A}">
-                    <a16:rowId xmlns:a16="http://schemas.microsoft.com/office/drawing/2014/main" val="10001"/>
+                    <a16:rowId xmlns:a16="http://schemas.microsoft.com/office/drawing/2014/main" xmlns="" val="10001"/>
                   </a:ext>
                 </a:extLst>
               </a:tr>
@@ -21433,7 +21462,7 @@
                 </a:tc>
                 <a:extLst>
                   <a:ext uri="{0D108BD9-81ED-4DB2-BD59-A6C34878D82A}">
-                    <a16:rowId xmlns:a16="http://schemas.microsoft.com/office/drawing/2014/main" val="10002"/>
+                    <a16:rowId xmlns:a16="http://schemas.microsoft.com/office/drawing/2014/main" xmlns="" val="10002"/>
                   </a:ext>
                 </a:extLst>
               </a:tr>
@@ -21482,7 +21511,7 @@
           <p:cNvPr id="5" name="Rectangle 4">
             <a:extLst>
               <a:ext uri="{FF2B5EF4-FFF2-40B4-BE49-F238E27FC236}">
-                <a16:creationId xmlns:a16="http://schemas.microsoft.com/office/drawing/2014/main" id="{080B599E-CFE2-3243-87DC-64185954EE5E}"/>
+                <a16:creationId xmlns:a16="http://schemas.microsoft.com/office/drawing/2014/main" xmlns="" id="{080B599E-CFE2-3243-87DC-64185954EE5E}"/>
               </a:ext>
             </a:extLst>
           </p:cNvPr>
@@ -21645,7 +21674,7 @@
             </a:r>
           </a:p>
           <a:p>
-            <a:pPr marL="457200" lvl="2" indent="-355600">
+            <a:pPr marL="101600" lvl="2">
               <a:spcBef>
                 <a:spcPts val="600"/>
               </a:spcBef>
@@ -21653,11 +21682,25 @@
                 <a:srgbClr val="28324A"/>
               </a:buClr>
               <a:buSzPts val="2000"/>
-              <a:buFont typeface="Source Sans Pro"/>
-              <a:buChar char="◉"/>
             </a:pPr>
             <a:r>
-              <a:rPr lang="it-IT" sz="2000" b="1" dirty="0" err="1">
+              <a:rPr lang="it-IT" sz="2000" b="1" dirty="0">
+                <a:solidFill>
+                  <a:srgbClr val="00B0F0"/>
+                </a:solidFill>
+              </a:rPr>
+              <a:t> </a:t>
+            </a:r>
+            <a:r>
+              <a:rPr lang="it-IT" sz="2000" b="1" dirty="0" smtClean="0">
+                <a:solidFill>
+                  <a:srgbClr val="00B0F0"/>
+                </a:solidFill>
+              </a:rPr>
+              <a:t>    </a:t>
+            </a:r>
+            <a:r>
+              <a:rPr lang="it-IT" sz="2000" b="1" dirty="0" err="1" smtClean="0">
                 <a:solidFill>
                   <a:srgbClr val="00B0F0"/>
                 </a:solidFill>
@@ -21665,7 +21708,7 @@
               <a:t>Feature</a:t>
             </a:r>
             <a:r>
-              <a:rPr lang="it-IT" sz="2000" b="1" dirty="0">
+              <a:rPr lang="it-IT" sz="2000" b="1" dirty="0" smtClean="0">
                 <a:solidFill>
                   <a:srgbClr val="00B0F0"/>
                 </a:solidFill>
@@ -21689,12 +21732,12 @@
               <a:t>: </a:t>
             </a:r>
             <a:r>
-              <a:rPr lang="it-IT" sz="2000" b="1" dirty="0" err="1">
+              <a:rPr lang="it-IT" sz="2000" b="1" dirty="0" smtClean="0">
                 <a:solidFill>
                   <a:srgbClr val="00B0F0"/>
                 </a:solidFill>
               </a:rPr>
-              <a:t>Rgb</a:t>
+              <a:t>RGB </a:t>
             </a:r>
             <a:r>
               <a:rPr lang="it-IT" sz="2000" b="1" dirty="0">
@@ -21702,7 +21745,7 @@
                   <a:srgbClr val="00B0F0"/>
                 </a:solidFill>
               </a:rPr>
-              <a:t> + </a:t>
+              <a:t>+ </a:t>
             </a:r>
             <a:r>
               <a:rPr lang="it-IT" sz="2000" b="1" dirty="0" err="1">
@@ -21719,7 +21762,7 @@
             </a:endParaRPr>
           </a:p>
           <a:p>
-            <a:pPr marL="457200" lvl="2" indent="-355600">
+            <a:pPr marL="101600" lvl="2">
               <a:spcBef>
                 <a:spcPts val="600"/>
               </a:spcBef>
@@ -21727,19 +21770,25 @@
                 <a:srgbClr val="28324A"/>
               </a:buClr>
               <a:buSzPts val="2000"/>
-              <a:buFont typeface="Source Sans Pro"/>
-              <a:buChar char="◉"/>
             </a:pPr>
             <a:r>
-              <a:rPr lang="en-US" sz="2000" b="1">
+              <a:rPr lang="en-US" sz="2000" b="1" dirty="0" smtClean="0">
                 <a:solidFill>
                   <a:srgbClr val="00B0F0"/>
                 </a:solidFill>
               </a:rPr>
-              <a:t>Classification Model</a:t>
+              <a:t>     Classification </a:t>
             </a:r>
             <a:r>
-              <a:rPr lang="it-IT" sz="2000" b="1">
+              <a:rPr lang="en-US" sz="2000" b="1" dirty="0">
+                <a:solidFill>
+                  <a:srgbClr val="00B0F0"/>
+                </a:solidFill>
+              </a:rPr>
+              <a:t>Model</a:t>
+            </a:r>
+            <a:r>
+              <a:rPr lang="it-IT" sz="2000" b="1" dirty="0">
                 <a:solidFill>
                   <a:srgbClr val="00B0F0"/>
                 </a:solidFill>
@@ -21880,7 +21929,7 @@
               <a:t> </a:t>
             </a:r>
             <a:r>
-              <a:rPr lang="cs-CZ" sz="2000" b="1" dirty="0">
+              <a:rPr lang="cs-CZ" sz="2000" b="1" dirty="0" smtClean="0">
                 <a:solidFill>
                   <a:srgbClr val="00B0F0"/>
                 </a:solidFill>
@@ -21889,8 +21938,17 @@
                 <a:cs typeface="Source Sans Pro"/>
                 <a:sym typeface="Source Sans Pro"/>
               </a:rPr>
-              <a:t>83.249</a:t>
+              <a:t>83.249s</a:t>
             </a:r>
+            <a:endParaRPr lang="cs-CZ" sz="2000" b="1" dirty="0">
+              <a:solidFill>
+                <a:srgbClr val="00B0F0"/>
+              </a:solidFill>
+              <a:latin typeface="Source Sans Pro"/>
+              <a:ea typeface="Source Sans Pro"/>
+              <a:cs typeface="Source Sans Pro"/>
+              <a:sym typeface="Source Sans Pro"/>
+            </a:endParaRPr>
           </a:p>
         </p:txBody>
       </p:sp>
@@ -22763,7 +22821,7 @@
           <p:cNvPr id="7" name="Shape 667">
             <a:extLst>
               <a:ext uri="{FF2B5EF4-FFF2-40B4-BE49-F238E27FC236}">
-                <a16:creationId xmlns:a16="http://schemas.microsoft.com/office/drawing/2014/main" id="{4ED33EE4-9A90-BA4F-9887-E6159A3C4FD9}"/>
+                <a16:creationId xmlns:a16="http://schemas.microsoft.com/office/drawing/2014/main" xmlns="" id="{4ED33EE4-9A90-BA4F-9887-E6159A3C4FD9}"/>
               </a:ext>
             </a:extLst>
           </p:cNvPr>
@@ -23016,7 +23074,7 @@
           </a:lstStyle>
           <a:p>
             <a:r>
-              <a:rPr lang="en-US" altLang="zh-CN" sz="1100" b="1" err="1">
+              <a:rPr lang="en-US" altLang="zh-CN" sz="1100" b="1" dirty="0" err="1">
                 <a:solidFill>
                   <a:schemeClr val="tx1"/>
                 </a:solidFill>
@@ -23024,7 +23082,7 @@
               <a:t>n.trees</a:t>
             </a:r>
             <a:r>
-              <a:rPr lang="en-US" altLang="zh-CN" sz="1100" b="1">
+              <a:rPr lang="en-US" altLang="zh-CN" sz="1100" b="1" dirty="0">
                 <a:solidFill>
                   <a:schemeClr val="tx1"/>
                 </a:solidFill>
@@ -23032,7 +23090,7 @@
               <a:t>: </a:t>
             </a:r>
             <a:r>
-              <a:rPr lang="en-US" altLang="zh-CN" sz="1100">
+              <a:rPr lang="en-US" altLang="zh-CN" sz="1100" dirty="0">
                 <a:solidFill>
                   <a:schemeClr val="tx1"/>
                 </a:solidFill>
@@ -23041,7 +23099,7 @@
             </a:r>
           </a:p>
           <a:p>
-            <a:endParaRPr lang="en-US" sz="1100">
+            <a:endParaRPr lang="en-US" sz="1100" dirty="0">
               <a:solidFill>
                 <a:schemeClr val="tx1"/>
               </a:solidFill>
@@ -23049,7 +23107,7 @@
           </a:p>
           <a:p>
             <a:r>
-              <a:rPr lang="en-US" sz="1100" b="1">
+              <a:rPr lang="en-US" sz="1100" b="1" dirty="0">
                 <a:solidFill>
                   <a:schemeClr val="tx1"/>
                 </a:solidFill>
@@ -23057,7 +23115,7 @@
               <a:t>Shrinkage</a:t>
             </a:r>
             <a:r>
-              <a:rPr lang="en-US" sz="1100">
+              <a:rPr lang="en-US" sz="1100" dirty="0">
                 <a:solidFill>
                   <a:schemeClr val="tx1"/>
                 </a:solidFill>
@@ -23065,7 +23123,7 @@
               <a:t> (Learning Rate)</a:t>
             </a:r>
             <a:r>
-              <a:rPr lang="en-US" sz="1100" b="1">
+              <a:rPr lang="en-US" sz="1100" b="1" dirty="0">
                 <a:solidFill>
                   <a:schemeClr val="tx1"/>
                 </a:solidFill>
@@ -23075,7 +23133,7 @@
           </a:p>
           <a:p>
             <a:r>
-              <a:rPr lang="en-US" sz="1100">
+              <a:rPr lang="en-US" sz="1100" dirty="0">
                 <a:solidFill>
                   <a:schemeClr val="tx1"/>
                 </a:solidFill>
@@ -23090,7 +23148,7 @@
           <p:cNvPr id="8" name="Shape 667">
             <a:extLst>
               <a:ext uri="{FF2B5EF4-FFF2-40B4-BE49-F238E27FC236}">
-                <a16:creationId xmlns:a16="http://schemas.microsoft.com/office/drawing/2014/main" id="{6D9FDE64-5BCC-7B4B-8CDC-391E76042333}"/>
+                <a16:creationId xmlns:a16="http://schemas.microsoft.com/office/drawing/2014/main" xmlns="" id="{6D9FDE64-5BCC-7B4B-8CDC-391E76042333}"/>
               </a:ext>
             </a:extLst>
           </p:cNvPr>
@@ -23843,7 +23901,7 @@
           <p:nvPr>
             <p:extLst>
               <p:ext uri="{D42A27DB-BD31-4B8C-83A1-F6EECF244321}">
-                <p14:modId xmlns:p14="http://schemas.microsoft.com/office/powerpoint/2010/main" val="101731336"/>
+                <p14:modId xmlns:p14="http://schemas.microsoft.com/office/powerpoint/2010/main" val="2019622661"/>
               </p:ext>
             </p:extLst>
           </p:nvPr>
@@ -23862,28 +23920,28 @@
                 <a:gridCol w="1587501">
                   <a:extLst>
                     <a:ext uri="{9D8B030D-6E8A-4147-A177-3AD203B41FA5}">
-                      <a16:colId xmlns:a16="http://schemas.microsoft.com/office/drawing/2014/main" val="20000"/>
+                      <a16:colId xmlns:a16="http://schemas.microsoft.com/office/drawing/2014/main" xmlns="" val="20000"/>
                     </a:ext>
                   </a:extLst>
                 </a:gridCol>
                 <a:gridCol w="2855163">
                   <a:extLst>
                     <a:ext uri="{9D8B030D-6E8A-4147-A177-3AD203B41FA5}">
-                      <a16:colId xmlns:a16="http://schemas.microsoft.com/office/drawing/2014/main" val="20001"/>
+                      <a16:colId xmlns:a16="http://schemas.microsoft.com/office/drawing/2014/main" xmlns="" val="20001"/>
                     </a:ext>
                   </a:extLst>
                 </a:gridCol>
                 <a:gridCol w="1759759">
                   <a:extLst>
                     <a:ext uri="{9D8B030D-6E8A-4147-A177-3AD203B41FA5}">
-                      <a16:colId xmlns:a16="http://schemas.microsoft.com/office/drawing/2014/main" val="20002"/>
+                      <a16:colId xmlns:a16="http://schemas.microsoft.com/office/drawing/2014/main" xmlns="" val="20002"/>
                     </a:ext>
                   </a:extLst>
                 </a:gridCol>
                 <a:gridCol w="2268478">
                   <a:extLst>
                     <a:ext uri="{9D8B030D-6E8A-4147-A177-3AD203B41FA5}">
-                      <a16:colId xmlns:a16="http://schemas.microsoft.com/office/drawing/2014/main" val="20004"/>
+                      <a16:colId xmlns:a16="http://schemas.microsoft.com/office/drawing/2014/main" xmlns="" val="20004"/>
                     </a:ext>
                   </a:extLst>
                 </a:gridCol>
@@ -24005,7 +24063,7 @@
                 </a:tc>
                 <a:extLst>
                   <a:ext uri="{0D108BD9-81ED-4DB2-BD59-A6C34878D82A}">
-                    <a16:rowId xmlns:a16="http://schemas.microsoft.com/office/drawing/2014/main" val="10000"/>
+                    <a16:rowId xmlns:a16="http://schemas.microsoft.com/office/drawing/2014/main" xmlns="" val="10000"/>
                   </a:ext>
                 </a:extLst>
               </a:tr>
@@ -24252,7 +24310,7 @@
                 </a:tc>
                 <a:extLst>
                   <a:ext uri="{0D108BD9-81ED-4DB2-BD59-A6C34878D82A}">
-                    <a16:rowId xmlns:a16="http://schemas.microsoft.com/office/drawing/2014/main" val="2455327945"/>
+                    <a16:rowId xmlns:a16="http://schemas.microsoft.com/office/drawing/2014/main" xmlns="" val="2455327945"/>
                   </a:ext>
                 </a:extLst>
               </a:tr>
@@ -24318,8 +24376,29 @@
                           <a:cs typeface="Arial"/>
                           <a:sym typeface="Arial"/>
                         </a:rPr>
-                        <a:t>Perform well for transformations such as scaling, JPEG compression and limited cropping. Stable behavior independently on the descriptor size</a:t>
+                        <a:t>Perform well for transformations such as scaling, JPEG compression and limited cropping. Stable behavior independently on the descriptor </a:t>
                       </a:r>
+                      <a:r>
+                        <a:rPr lang="en-US" sz="1100" b="0" i="0" u="none" strike="noStrike" cap="none" dirty="0" smtClean="0">
+                          <a:solidFill>
+                            <a:schemeClr val="tx1"/>
+                          </a:solidFill>
+                          <a:latin typeface="+mn-lt"/>
+                          <a:ea typeface="Arial"/>
+                          <a:cs typeface="Arial"/>
+                          <a:sym typeface="Arial"/>
+                        </a:rPr>
+                        <a:t>size.</a:t>
+                      </a:r>
+                      <a:endParaRPr lang="en-US" sz="1100" b="0" i="0" u="none" strike="noStrike" cap="none" dirty="0">
+                        <a:solidFill>
+                          <a:schemeClr val="tx1"/>
+                        </a:solidFill>
+                        <a:latin typeface="+mn-lt"/>
+                        <a:ea typeface="Arial"/>
+                        <a:cs typeface="Arial"/>
+                        <a:sym typeface="Arial"/>
+                      </a:endParaRPr>
                     </a:p>
                     <a:p>
                       <a:pPr algn="l"/>
@@ -24366,8 +24445,29 @@
                           <a:cs typeface="Arial"/>
                           <a:sym typeface="Arial"/>
                         </a:rPr>
-                        <a:t>Heavy  computational cost</a:t>
+                        <a:t>Heavy  computational </a:t>
                       </a:r>
+                      <a:r>
+                        <a:rPr lang="en-US" sz="1100" b="0" i="0" u="none" strike="noStrike" cap="none" dirty="0" smtClean="0">
+                          <a:solidFill>
+                            <a:schemeClr val="tx1"/>
+                          </a:solidFill>
+                          <a:latin typeface="+mn-lt"/>
+                          <a:ea typeface="Arial"/>
+                          <a:cs typeface="Arial"/>
+                          <a:sym typeface="Arial"/>
+                        </a:rPr>
+                        <a:t>cost.</a:t>
+                      </a:r>
+                      <a:endParaRPr lang="en-US" sz="1100" b="0" i="0" u="none" strike="noStrike" cap="none" dirty="0">
+                        <a:solidFill>
+                          <a:schemeClr val="tx1"/>
+                        </a:solidFill>
+                        <a:latin typeface="+mn-lt"/>
+                        <a:ea typeface="Arial"/>
+                        <a:cs typeface="Arial"/>
+                        <a:sym typeface="Arial"/>
+                      </a:endParaRPr>
                     </a:p>
                     <a:p>
                       <a:pPr algn="l"/>
@@ -24427,7 +24527,7 @@
                 </a:tc>
                 <a:extLst>
                   <a:ext uri="{0D108BD9-81ED-4DB2-BD59-A6C34878D82A}">
-                    <a16:rowId xmlns:a16="http://schemas.microsoft.com/office/drawing/2014/main" val="4280216352"/>
+                    <a16:rowId xmlns:a16="http://schemas.microsoft.com/office/drawing/2014/main" xmlns="" val="4280216352"/>
                   </a:ext>
                 </a:extLst>
               </a:tr>
@@ -24514,7 +24614,43 @@
                           <a:cs typeface="Arial"/>
                           <a:sym typeface="Arial"/>
                         </a:rPr>
-                        <a:t>robustness with respect to geometric changes of projected objects and ,invariant to translation and rotation around the viewing axis and vary slowly with changes of view angle, scale, and occlusion</a:t>
+                        <a:t>robustness with respect to geometric changes of projected objects </a:t>
+                      </a:r>
+                      <a:r>
+                        <a:rPr lang="en-US" sz="1100" b="0" i="0" u="none" strike="noStrike" cap="none" dirty="0" smtClean="0">
+                          <a:solidFill>
+                            <a:schemeClr val="tx1"/>
+                          </a:solidFill>
+                          <a:latin typeface="+mn-lt"/>
+                          <a:ea typeface="Arial"/>
+                          <a:cs typeface="Arial"/>
+                          <a:sym typeface="Arial"/>
+                        </a:rPr>
+                        <a:t>and, invariant </a:t>
+                      </a:r>
+                      <a:r>
+                        <a:rPr lang="en-US" sz="1100" b="0" i="0" u="none" strike="noStrike" cap="none" dirty="0">
+                          <a:solidFill>
+                            <a:schemeClr val="tx1"/>
+                          </a:solidFill>
+                          <a:latin typeface="+mn-lt"/>
+                          <a:ea typeface="Arial"/>
+                          <a:cs typeface="Arial"/>
+                          <a:sym typeface="Arial"/>
+                        </a:rPr>
+                        <a:t>to translation and rotation around the viewing axis and vary slowly with changes of view angle, scale, and </a:t>
+                      </a:r>
+                      <a:r>
+                        <a:rPr lang="en-US" sz="1100" b="0" i="0" u="none" strike="noStrike" cap="none" dirty="0" smtClean="0">
+                          <a:solidFill>
+                            <a:schemeClr val="tx1"/>
+                          </a:solidFill>
+                          <a:latin typeface="+mn-lt"/>
+                          <a:ea typeface="Arial"/>
+                          <a:cs typeface="Arial"/>
+                          <a:sym typeface="Arial"/>
+                        </a:rPr>
+                        <a:t>occlusion.</a:t>
                       </a:r>
                       <a:endParaRPr lang="en-US" sz="1100" b="0" dirty="0">
                         <a:solidFill>
@@ -24645,7 +24781,7 @@
                 </a:tc>
                 <a:extLst>
                   <a:ext uri="{0D108BD9-81ED-4DB2-BD59-A6C34878D82A}">
-                    <a16:rowId xmlns:a16="http://schemas.microsoft.com/office/drawing/2014/main" val="2414580013"/>
+                    <a16:rowId xmlns:a16="http://schemas.microsoft.com/office/drawing/2014/main" xmlns="" val="2414580013"/>
                   </a:ext>
                 </a:extLst>
               </a:tr>
@@ -24866,7 +25002,7 @@
           <p:cNvPr id="10" name="Shape 666">
             <a:extLst>
               <a:ext uri="{FF2B5EF4-FFF2-40B4-BE49-F238E27FC236}">
-                <a16:creationId xmlns:a16="http://schemas.microsoft.com/office/drawing/2014/main" id="{CFF12E7D-D1AD-6049-9F78-E73AF95BA285}"/>
+                <a16:creationId xmlns:a16="http://schemas.microsoft.com/office/drawing/2014/main" xmlns="" id="{CFF12E7D-D1AD-6049-9F78-E73AF95BA285}"/>
               </a:ext>
             </a:extLst>
           </p:cNvPr>
@@ -24910,7 +25046,7 @@
               <a:t>Fea</a:t>
             </a:r>
             <a:r>
-              <a:rPr lang="en-US" altLang="zh-Hans" sz="2800" dirty="0">
+              <a:rPr lang="en-US" altLang="zh-CN" sz="2800" dirty="0">
                 <a:solidFill>
                   <a:srgbClr val="00B0F0"/>
                 </a:solidFill>
@@ -24938,7 +25074,7 @@
           <p:cNvPr id="9" name="Picture 8">
             <a:extLst>
               <a:ext uri="{FF2B5EF4-FFF2-40B4-BE49-F238E27FC236}">
-                <a16:creationId xmlns:a16="http://schemas.microsoft.com/office/drawing/2014/main" id="{DE92D77D-92F2-D048-9046-585BDD0FC153}"/>
+                <a16:creationId xmlns:a16="http://schemas.microsoft.com/office/drawing/2014/main" xmlns="" id="{DE92D77D-92F2-D048-9046-585BDD0FC153}"/>
               </a:ext>
             </a:extLst>
           </p:cNvPr>

--- a/doc/Group9_Presentation.pptx
+++ b/doc/Group9_Presentation.pptx
@@ -5,7 +5,7 @@
     <p:sldMasterId id="2147483659" r:id="rId1"/>
   </p:sldMasterIdLst>
   <p:notesMasterIdLst>
-    <p:notesMasterId r:id="rId22"/>
+    <p:notesMasterId r:id="rId21"/>
   </p:notesMasterIdLst>
   <p:sldIdLst>
     <p:sldId id="305" r:id="rId2"/>
@@ -19,15 +19,14 @@
     <p:sldId id="289" r:id="rId10"/>
     <p:sldId id="311" r:id="rId11"/>
     <p:sldId id="295" r:id="rId12"/>
-    <p:sldId id="290" r:id="rId13"/>
-    <p:sldId id="296" r:id="rId14"/>
-    <p:sldId id="297" r:id="rId15"/>
-    <p:sldId id="300" r:id="rId16"/>
-    <p:sldId id="303" r:id="rId17"/>
-    <p:sldId id="302" r:id="rId18"/>
-    <p:sldId id="301" r:id="rId19"/>
-    <p:sldId id="309" r:id="rId20"/>
-    <p:sldId id="280" r:id="rId21"/>
+    <p:sldId id="296" r:id="rId13"/>
+    <p:sldId id="297" r:id="rId14"/>
+    <p:sldId id="312" r:id="rId15"/>
+    <p:sldId id="313" r:id="rId16"/>
+    <p:sldId id="302" r:id="rId17"/>
+    <p:sldId id="301" r:id="rId18"/>
+    <p:sldId id="309" r:id="rId19"/>
+    <p:sldId id="280" r:id="rId20"/>
   </p:sldIdLst>
   <p:sldSz cx="9144000" cy="5143500" type="screen16x9"/>
   <p:notesSz cx="6858000" cy="9144000"/>
@@ -870,14 +869,6 @@
           <a:bodyPr/>
           <a:lstStyle/>
           <a:p>
-            <a:pPr marL="171450" indent="-171450">
-              <a:buFont typeface="Arial" charset="0"/>
-              <a:buChar char="•"/>
-            </a:pPr>
-            <a:r>
-              <a:rPr lang="zh-CN" altLang="en-US"/>
-              <a:t>用线性图表示？</a:t>
-            </a:r>
             <a:endParaRPr lang="en-US"/>
           </a:p>
         </p:txBody>
@@ -916,7 +907,7 @@
     </p:spTree>
     <p:extLst>
       <p:ext uri="{BB962C8B-B14F-4D97-AF65-F5344CB8AC3E}">
-        <p14:creationId xmlns:p14="http://schemas.microsoft.com/office/powerpoint/2010/main" val="3211609593"/>
+        <p14:creationId xmlns:p14="http://schemas.microsoft.com/office/powerpoint/2010/main" val="3537297243"/>
       </p:ext>
     </p:extLst>
   </p:cSld>
@@ -1013,7 +1004,7 @@
     </p:spTree>
     <p:extLst>
       <p:ext uri="{BB962C8B-B14F-4D97-AF65-F5344CB8AC3E}">
-        <p14:creationId xmlns:p14="http://schemas.microsoft.com/office/powerpoint/2010/main" val="3657194994"/>
+        <p14:creationId xmlns:p14="http://schemas.microsoft.com/office/powerpoint/2010/main" val="1299470911"/>
       </p:ext>
     </p:extLst>
   </p:cSld>
@@ -1024,103 +1015,6 @@
 </file>
 
 <file path=ppt/notesSlides/notesSlide12.xml><?xml version="1.0" encoding="utf-8"?>
-<p:notes xmlns:a="http://schemas.openxmlformats.org/drawingml/2006/main" xmlns:r="http://schemas.openxmlformats.org/officeDocument/2006/relationships" xmlns:p="http://schemas.openxmlformats.org/presentationml/2006/main">
-  <p:cSld>
-    <p:spTree>
-      <p:nvGrpSpPr>
-        <p:cNvPr id="1" name=""/>
-        <p:cNvGrpSpPr/>
-        <p:nvPr/>
-      </p:nvGrpSpPr>
-      <p:grpSpPr>
-        <a:xfrm>
-          <a:off x="0" y="0"/>
-          <a:ext cx="0" cy="0"/>
-          <a:chOff x="0" y="0"/>
-          <a:chExt cx="0" cy="0"/>
-        </a:xfrm>
-      </p:grpSpPr>
-      <p:sp>
-        <p:nvSpPr>
-          <p:cNvPr id="2" name="Slide Image Placeholder 1"/>
-          <p:cNvSpPr>
-            <a:spLocks noGrp="1" noRot="1" noChangeAspect="1"/>
-          </p:cNvSpPr>
-          <p:nvPr>
-            <p:ph type="sldImg"/>
-          </p:nvPr>
-        </p:nvSpPr>
-        <p:spPr>
-          <a:xfrm>
-            <a:off x="381000" y="685800"/>
-            <a:ext cx="6096000" cy="3429000"/>
-          </a:xfrm>
-        </p:spPr>
-      </p:sp>
-      <p:sp>
-        <p:nvSpPr>
-          <p:cNvPr id="3" name="Notes Placeholder 2"/>
-          <p:cNvSpPr>
-            <a:spLocks noGrp="1"/>
-          </p:cNvSpPr>
-          <p:nvPr>
-            <p:ph type="body" idx="1"/>
-          </p:nvPr>
-        </p:nvSpPr>
-        <p:spPr/>
-        <p:txBody>
-          <a:bodyPr/>
-          <a:lstStyle/>
-          <a:p>
-            <a:endParaRPr lang="en-US"/>
-          </a:p>
-        </p:txBody>
-      </p:sp>
-      <p:sp>
-        <p:nvSpPr>
-          <p:cNvPr id="4" name="Slide Number Placeholder 3"/>
-          <p:cNvSpPr>
-            <a:spLocks noGrp="1"/>
-          </p:cNvSpPr>
-          <p:nvPr>
-            <p:ph type="sldNum" sz="quarter" idx="10"/>
-          </p:nvPr>
-        </p:nvSpPr>
-        <p:spPr>
-          <a:xfrm>
-            <a:off x="3884613" y="8685213"/>
-            <a:ext cx="2971800" cy="458787"/>
-          </a:xfrm>
-          <a:prstGeom prst="rect">
-            <a:avLst/>
-          </a:prstGeom>
-        </p:spPr>
-        <p:txBody>
-          <a:bodyPr/>
-          <a:lstStyle/>
-          <a:p>
-            <a:fld id="{3BEAFE80-04EC-554B-AD0B-5E8EF789190F}" type="slidenum">
-              <a:rPr lang="en-US" smtClean="0"/>
-              <a:t>16</a:t>
-            </a:fld>
-            <a:endParaRPr lang="en-US"/>
-          </a:p>
-        </p:txBody>
-      </p:sp>
-    </p:spTree>
-    <p:extLst>
-      <p:ext uri="{BB962C8B-B14F-4D97-AF65-F5344CB8AC3E}">
-        <p14:creationId xmlns:p14="http://schemas.microsoft.com/office/powerpoint/2010/main" val="3107980441"/>
-      </p:ext>
-    </p:extLst>
-  </p:cSld>
-  <p:clrMapOvr>
-    <a:masterClrMapping/>
-  </p:clrMapOvr>
-</p:notes>
-</file>
-
-<file path=ppt/notesSlides/notesSlide13.xml><?xml version="1.0" encoding="utf-8"?>
 <p:notes xmlns:a="http://schemas.openxmlformats.org/drawingml/2006/main" xmlns:r="http://schemas.openxmlformats.org/officeDocument/2006/relationships" xmlns:p="http://schemas.openxmlformats.org/presentationml/2006/main" showMasterSp="0" showMasterPhAnim="0">
   <p:cSld>
     <p:spTree>
@@ -1229,7 +1123,7 @@
 </p:notes>
 </file>
 
-<file path=ppt/notesSlides/notesSlide14.xml><?xml version="1.0" encoding="utf-8"?>
+<file path=ppt/notesSlides/notesSlide13.xml><?xml version="1.0" encoding="utf-8"?>
 <p:notes xmlns:a="http://schemas.openxmlformats.org/drawingml/2006/main" xmlns:r="http://schemas.openxmlformats.org/officeDocument/2006/relationships" xmlns:p="http://schemas.openxmlformats.org/presentationml/2006/main">
   <p:cSld>
     <p:spTree>
@@ -1315,7 +1209,7 @@
           <a:p>
             <a:fld id="{3BEAFE80-04EC-554B-AD0B-5E8EF789190F}" type="slidenum">
               <a:rPr lang="en-US" smtClean="0"/>
-              <a:t>18</a:t>
+              <a:t>17</a:t>
             </a:fld>
             <a:endParaRPr lang="en-US"/>
           </a:p>
@@ -1334,7 +1228,7 @@
 </p:notes>
 </file>
 
-<file path=ppt/notesSlides/notesSlide15.xml><?xml version="1.0" encoding="utf-8"?>
+<file path=ppt/notesSlides/notesSlide14.xml><?xml version="1.0" encoding="utf-8"?>
 <p:notes xmlns:a="http://schemas.openxmlformats.org/drawingml/2006/main" xmlns:r="http://schemas.openxmlformats.org/officeDocument/2006/relationships" xmlns:p="http://schemas.openxmlformats.org/presentationml/2006/main" showMasterSp="0" showMasterPhAnim="0">
   <p:cSld>
     <p:spTree>
@@ -2002,12 +1896,12 @@
               <a:defRPr/>
             </a:pPr>
             <a:r>
-              <a:rPr lang="en-US" sz="1100">
+              <a:rPr lang="en-US" sz="1100" dirty="0">
                 <a:solidFill>
                   <a:schemeClr val="tx1"/>
                 </a:solidFill>
               </a:rPr>
-              <a:t>Test Error got by first randomly select 30% image in training set as “test set”, then calculate test set estimates of the misclassification rate</a:t>
+              <a:t>Test Error got by first randomly select 25% image in training set as “test set”, then calculate test set estimates of the misclassification rate</a:t>
             </a:r>
           </a:p>
         </p:txBody>
@@ -2112,7 +2006,7 @@
     </p:spTree>
     <p:extLst>
       <p:ext uri="{BB962C8B-B14F-4D97-AF65-F5344CB8AC3E}">
-        <p14:creationId xmlns:p14="http://schemas.microsoft.com/office/powerpoint/2010/main" val="512549086"/>
+        <p14:creationId xmlns:p14="http://schemas.microsoft.com/office/powerpoint/2010/main" val="2171640177"/>
       </p:ext>
     </p:extLst>
   </p:cSld>
@@ -2171,6 +2065,14 @@
           <a:bodyPr/>
           <a:lstStyle/>
           <a:p>
+            <a:pPr marL="171450" indent="-171450">
+              <a:buFont typeface="Arial" charset="0"/>
+              <a:buChar char="•"/>
+            </a:pPr>
+            <a:r>
+              <a:rPr lang="zh-CN" altLang="en-US"/>
+              <a:t>用线性图表示？</a:t>
+            </a:r>
             <a:endParaRPr lang="en-US"/>
           </a:p>
         </p:txBody>
@@ -2209,7 +2111,7 @@
     </p:spTree>
     <p:extLst>
       <p:ext uri="{BB962C8B-B14F-4D97-AF65-F5344CB8AC3E}">
-        <p14:creationId xmlns:p14="http://schemas.microsoft.com/office/powerpoint/2010/main" val="2171640177"/>
+        <p14:creationId xmlns:p14="http://schemas.microsoft.com/office/powerpoint/2010/main" val="3211609593"/>
       </p:ext>
     </p:extLst>
   </p:cSld>
@@ -14517,14 +14419,6 @@
               </a:rPr>
               <a:t>Model Selection</a:t>
             </a:r>
-            <a:r>
-              <a:rPr lang="en-US" dirty="0">
-                <a:solidFill>
-                  <a:srgbClr val="00B0F0"/>
-                </a:solidFill>
-              </a:rPr>
-              <a:t/>
-            </a:r>
             <a:br>
               <a:rPr lang="en-US" dirty="0">
                 <a:solidFill>
@@ -14539,14 +14433,6 @@
                 </a:solidFill>
               </a:rPr>
               <a:t>—— Dogs, Fried Chicken or Blueberry Muffins?</a:t>
-            </a:r>
-            <a:r>
-              <a:rPr lang="en-US" dirty="0">
-                <a:solidFill>
-                  <a:srgbClr val="00B0F0"/>
-                </a:solidFill>
-              </a:rPr>
-              <a:t/>
             </a:r>
             <a:br>
               <a:rPr lang="en-US" dirty="0">
@@ -14628,7 +14514,7 @@
           <p:cNvPr id="6" name="Shape 467">
             <a:extLst>
               <a:ext uri="{FF2B5EF4-FFF2-40B4-BE49-F238E27FC236}">
-                <a16:creationId xmlns:a16="http://schemas.microsoft.com/office/drawing/2014/main" xmlns="" id="{1685D1D0-19B9-C044-824E-693C7330FD1B}"/>
+                <a16:creationId xmlns:a16="http://schemas.microsoft.com/office/drawing/2014/main" id="{1685D1D0-19B9-C044-824E-693C7330FD1B}"/>
               </a:ext>
             </a:extLst>
           </p:cNvPr>
@@ -15227,35 +15113,35 @@
                 <a:gridCol w="2122374">
                   <a:extLst>
                     <a:ext uri="{9D8B030D-6E8A-4147-A177-3AD203B41FA5}">
-                      <a16:colId xmlns:a16="http://schemas.microsoft.com/office/drawing/2014/main" xmlns="" val="20000"/>
+                      <a16:colId xmlns:a16="http://schemas.microsoft.com/office/drawing/2014/main" val="20000"/>
                     </a:ext>
                   </a:extLst>
                 </a:gridCol>
                 <a:gridCol w="1308797">
                   <a:extLst>
                     <a:ext uri="{9D8B030D-6E8A-4147-A177-3AD203B41FA5}">
-                      <a16:colId xmlns:a16="http://schemas.microsoft.com/office/drawing/2014/main" xmlns="" val="20001"/>
+                      <a16:colId xmlns:a16="http://schemas.microsoft.com/office/drawing/2014/main" val="20001"/>
                     </a:ext>
                   </a:extLst>
                 </a:gridCol>
                 <a:gridCol w="1308797">
                   <a:extLst>
                     <a:ext uri="{9D8B030D-6E8A-4147-A177-3AD203B41FA5}">
-                      <a16:colId xmlns:a16="http://schemas.microsoft.com/office/drawing/2014/main" xmlns="" val="20002"/>
+                      <a16:colId xmlns:a16="http://schemas.microsoft.com/office/drawing/2014/main" val="20002"/>
                     </a:ext>
                   </a:extLst>
                 </a:gridCol>
                 <a:gridCol w="871855">
                   <a:extLst>
                     <a:ext uri="{9D8B030D-6E8A-4147-A177-3AD203B41FA5}">
-                      <a16:colId xmlns:a16="http://schemas.microsoft.com/office/drawing/2014/main" xmlns="" val="698607680"/>
+                      <a16:colId xmlns:a16="http://schemas.microsoft.com/office/drawing/2014/main" val="698607680"/>
                     </a:ext>
                   </a:extLst>
                 </a:gridCol>
                 <a:gridCol w="1255303">
                   <a:extLst>
                     <a:ext uri="{9D8B030D-6E8A-4147-A177-3AD203B41FA5}">
-                      <a16:colId xmlns:a16="http://schemas.microsoft.com/office/drawing/2014/main" xmlns="" val="1331669779"/>
+                      <a16:colId xmlns:a16="http://schemas.microsoft.com/office/drawing/2014/main" val="1331669779"/>
                     </a:ext>
                   </a:extLst>
                 </a:gridCol>
@@ -15345,7 +15231,7 @@
                 </a:tc>
                 <a:extLst>
                   <a:ext uri="{0D108BD9-81ED-4DB2-BD59-A6C34878D82A}">
-                    <a16:rowId xmlns:a16="http://schemas.microsoft.com/office/drawing/2014/main" xmlns="" val="10000"/>
+                    <a16:rowId xmlns:a16="http://schemas.microsoft.com/office/drawing/2014/main" val="10000"/>
                   </a:ext>
                 </a:extLst>
               </a:tr>
@@ -15470,7 +15356,7 @@
                 </a:tc>
                 <a:extLst>
                   <a:ext uri="{0D108BD9-81ED-4DB2-BD59-A6C34878D82A}">
-                    <a16:rowId xmlns:a16="http://schemas.microsoft.com/office/drawing/2014/main" xmlns="" val="10001"/>
+                    <a16:rowId xmlns:a16="http://schemas.microsoft.com/office/drawing/2014/main" val="10001"/>
                   </a:ext>
                 </a:extLst>
               </a:tr>
@@ -15591,7 +15477,7 @@
                 </a:tc>
                 <a:extLst>
                   <a:ext uri="{0D108BD9-81ED-4DB2-BD59-A6C34878D82A}">
-                    <a16:rowId xmlns:a16="http://schemas.microsoft.com/office/drawing/2014/main" xmlns="" val="10002"/>
+                    <a16:rowId xmlns:a16="http://schemas.microsoft.com/office/drawing/2014/main" val="10002"/>
                   </a:ext>
                 </a:extLst>
               </a:tr>
@@ -15750,7 +15636,7 @@
                 </a:tc>
                 <a:extLst>
                   <a:ext uri="{0D108BD9-81ED-4DB2-BD59-A6C34878D82A}">
-                    <a16:rowId xmlns:a16="http://schemas.microsoft.com/office/drawing/2014/main" xmlns="" val="10003"/>
+                    <a16:rowId xmlns:a16="http://schemas.microsoft.com/office/drawing/2014/main" val="10003"/>
                   </a:ext>
                 </a:extLst>
               </a:tr>
@@ -15892,7 +15778,7 @@
                 </a:tc>
                 <a:extLst>
                   <a:ext uri="{0D108BD9-81ED-4DB2-BD59-A6C34878D82A}">
-                    <a16:rowId xmlns:a16="http://schemas.microsoft.com/office/drawing/2014/main" xmlns="" val="10004"/>
+                    <a16:rowId xmlns:a16="http://schemas.microsoft.com/office/drawing/2014/main" val="10004"/>
                   </a:ext>
                 </a:extLst>
               </a:tr>
@@ -15995,7 +15881,7 @@
                 </a:tc>
                 <a:extLst>
                   <a:ext uri="{0D108BD9-81ED-4DB2-BD59-A6C34878D82A}">
-                    <a16:rowId xmlns:a16="http://schemas.microsoft.com/office/drawing/2014/main" xmlns="" val="10005"/>
+                    <a16:rowId xmlns:a16="http://schemas.microsoft.com/office/drawing/2014/main" val="10005"/>
                   </a:ext>
                 </a:extLst>
               </a:tr>
@@ -16100,7 +15986,7 @@
                 </a:tc>
                 <a:extLst>
                   <a:ext uri="{0D108BD9-81ED-4DB2-BD59-A6C34878D82A}">
-                    <a16:rowId xmlns:a16="http://schemas.microsoft.com/office/drawing/2014/main" xmlns="" val="10006"/>
+                    <a16:rowId xmlns:a16="http://schemas.microsoft.com/office/drawing/2014/main" val="10006"/>
                   </a:ext>
                 </a:extLst>
               </a:tr>
@@ -16255,7 +16141,7 @@
                 </a:tc>
                 <a:extLst>
                   <a:ext uri="{0D108BD9-81ED-4DB2-BD59-A6C34878D82A}">
-                    <a16:rowId xmlns:a16="http://schemas.microsoft.com/office/drawing/2014/main" xmlns="" val="10007"/>
+                    <a16:rowId xmlns:a16="http://schemas.microsoft.com/office/drawing/2014/main" val="10007"/>
                   </a:ext>
                 </a:extLst>
               </a:tr>
@@ -16392,7 +16278,7 @@
                 </a:tc>
                 <a:extLst>
                   <a:ext uri="{0D108BD9-81ED-4DB2-BD59-A6C34878D82A}">
-                    <a16:rowId xmlns:a16="http://schemas.microsoft.com/office/drawing/2014/main" xmlns="" val="10008"/>
+                    <a16:rowId xmlns:a16="http://schemas.microsoft.com/office/drawing/2014/main" val="10008"/>
                   </a:ext>
                 </a:extLst>
               </a:tr>
@@ -16490,7 +16376,7 @@
                 </a:tc>
                 <a:extLst>
                   <a:ext uri="{0D108BD9-81ED-4DB2-BD59-A6C34878D82A}">
-                    <a16:rowId xmlns:a16="http://schemas.microsoft.com/office/drawing/2014/main" xmlns="" val="10009"/>
+                    <a16:rowId xmlns:a16="http://schemas.microsoft.com/office/drawing/2014/main" val="10009"/>
                   </a:ext>
                 </a:extLst>
               </a:tr>
@@ -16596,7 +16482,7 @@
                 </a:tc>
                 <a:extLst>
                   <a:ext uri="{0D108BD9-81ED-4DB2-BD59-A6C34878D82A}">
-                    <a16:rowId xmlns:a16="http://schemas.microsoft.com/office/drawing/2014/main" xmlns="" val="10010"/>
+                    <a16:rowId xmlns:a16="http://schemas.microsoft.com/office/drawing/2014/main" val="10010"/>
                   </a:ext>
                 </a:extLst>
               </a:tr>
@@ -16685,7 +16571,7 @@
                 </a:tc>
                 <a:extLst>
                   <a:ext uri="{0D108BD9-81ED-4DB2-BD59-A6C34878D82A}">
-                    <a16:rowId xmlns:a16="http://schemas.microsoft.com/office/drawing/2014/main" xmlns="" val="10011"/>
+                    <a16:rowId xmlns:a16="http://schemas.microsoft.com/office/drawing/2014/main" val="10011"/>
                   </a:ext>
                 </a:extLst>
               </a:tr>
@@ -16764,7 +16650,7 @@
                 </a:tc>
                 <a:extLst>
                   <a:ext uri="{0D108BD9-81ED-4DB2-BD59-A6C34878D82A}">
-                    <a16:rowId xmlns:a16="http://schemas.microsoft.com/office/drawing/2014/main" xmlns="" val="10012"/>
+                    <a16:rowId xmlns:a16="http://schemas.microsoft.com/office/drawing/2014/main" val="10012"/>
                   </a:ext>
                 </a:extLst>
               </a:tr>
@@ -16777,7 +16663,7 @@
           <p:cNvPr id="3" name="Rectangle 2">
             <a:extLst>
               <a:ext uri="{FF2B5EF4-FFF2-40B4-BE49-F238E27FC236}">
-                <a16:creationId xmlns:a16="http://schemas.microsoft.com/office/drawing/2014/main" xmlns="" id="{BE49DAFA-6BC3-FE47-B67A-5E0EBE2385B6}"/>
+                <a16:creationId xmlns:a16="http://schemas.microsoft.com/office/drawing/2014/main" id="{BE49DAFA-6BC3-FE47-B67A-5E0EBE2385B6}"/>
               </a:ext>
             </a:extLst>
           </p:cNvPr>
@@ -16827,7 +16713,7 @@
           <p:cNvPr id="4" name="Rectangle 3">
             <a:extLst>
               <a:ext uri="{FF2B5EF4-FFF2-40B4-BE49-F238E27FC236}">
-                <a16:creationId xmlns:a16="http://schemas.microsoft.com/office/drawing/2014/main" xmlns="" id="{91DDDFBC-6FB4-6D49-838F-2DF302BE1468}"/>
+                <a16:creationId xmlns:a16="http://schemas.microsoft.com/office/drawing/2014/main" id="{91DDDFBC-6FB4-6D49-838F-2DF302BE1468}"/>
               </a:ext>
             </a:extLst>
           </p:cNvPr>
@@ -16944,770 +16830,10 @@
       </p:grpSpPr>
       <p:sp>
         <p:nvSpPr>
-          <p:cNvPr id="2" name="Title 1"/>
-          <p:cNvSpPr>
-            <a:spLocks noGrp="1"/>
-          </p:cNvSpPr>
-          <p:nvPr>
-            <p:ph type="title"/>
-          </p:nvPr>
-        </p:nvSpPr>
-        <p:spPr/>
-        <p:txBody>
-          <a:bodyPr/>
-          <a:lstStyle/>
-          <a:p>
-            <a:r>
-              <a:rPr lang="en-US">
-                <a:solidFill>
-                  <a:schemeClr val="tx1"/>
-                </a:solidFill>
-              </a:rPr>
-              <a:t>SVM</a:t>
-            </a:r>
-          </a:p>
-        </p:txBody>
-      </p:sp>
-      <p:graphicFrame>
-        <p:nvGraphicFramePr>
-          <p:cNvPr id="4" name="Content Placeholder 3"/>
-          <p:cNvGraphicFramePr>
-            <a:graphicFrameLocks noGrp="1"/>
-          </p:cNvGraphicFramePr>
-          <p:nvPr>
-            <p:ph idx="4294967295"/>
-            <p:extLst>
-              <p:ext uri="{D42A27DB-BD31-4B8C-83A1-F6EECF244321}">
-                <p14:modId xmlns:p14="http://schemas.microsoft.com/office/powerpoint/2010/main" val="651125386"/>
-              </p:ext>
-            </p:extLst>
-          </p:nvPr>
-        </p:nvGraphicFramePr>
-        <p:xfrm>
-          <a:off x="602700" y="1470173"/>
-          <a:ext cx="7886700" cy="1973580"/>
-        </p:xfrm>
-        <a:graphic>
-          <a:graphicData uri="http://schemas.openxmlformats.org/drawingml/2006/table">
-            <a:tbl>
-              <a:tblPr firstRow="1" bandRow="1">
-                <a:tableStyleId>{BC89EF96-8CEA-46FF-86C4-4CE0E7609802}</a:tableStyleId>
-              </a:tblPr>
-              <a:tblGrid>
-                <a:gridCol w="1577340">
-                  <a:extLst>
-                    <a:ext uri="{9D8B030D-6E8A-4147-A177-3AD203B41FA5}">
-                      <a16:colId xmlns:a16="http://schemas.microsoft.com/office/drawing/2014/main" xmlns="" val="20000"/>
-                    </a:ext>
-                  </a:extLst>
-                </a:gridCol>
-                <a:gridCol w="1577340">
-                  <a:extLst>
-                    <a:ext uri="{9D8B030D-6E8A-4147-A177-3AD203B41FA5}">
-                      <a16:colId xmlns:a16="http://schemas.microsoft.com/office/drawing/2014/main" xmlns="" val="20001"/>
-                    </a:ext>
-                  </a:extLst>
-                </a:gridCol>
-                <a:gridCol w="1577340">
-                  <a:extLst>
-                    <a:ext uri="{9D8B030D-6E8A-4147-A177-3AD203B41FA5}">
-                      <a16:colId xmlns:a16="http://schemas.microsoft.com/office/drawing/2014/main" xmlns="" val="20002"/>
-                    </a:ext>
-                  </a:extLst>
-                </a:gridCol>
-                <a:gridCol w="1577340">
-                  <a:extLst>
-                    <a:ext uri="{9D8B030D-6E8A-4147-A177-3AD203B41FA5}">
-                      <a16:colId xmlns:a16="http://schemas.microsoft.com/office/drawing/2014/main" xmlns="" val="20003"/>
-                    </a:ext>
-                  </a:extLst>
-                </a:gridCol>
-                <a:gridCol w="1577340">
-                  <a:extLst>
-                    <a:ext uri="{9D8B030D-6E8A-4147-A177-3AD203B41FA5}">
-                      <a16:colId xmlns:a16="http://schemas.microsoft.com/office/drawing/2014/main" xmlns="" val="20004"/>
-                    </a:ext>
-                  </a:extLst>
-                </a:gridCol>
-              </a:tblGrid>
-              <a:tr h="278130">
-                <a:tc>
-                  <a:txBody>
-                    <a:bodyPr/>
-                    <a:lstStyle/>
-                    <a:p>
-                      <a:pPr algn="ctr"/>
-                      <a:endParaRPr lang="en-US" sz="1400"/>
-                    </a:p>
-                  </a:txBody>
-                  <a:tcPr marL="68580" marR="68580" marT="34290" marB="34290"/>
-                </a:tc>
-                <a:tc>
-                  <a:txBody>
-                    <a:bodyPr/>
-                    <a:lstStyle/>
-                    <a:p>
-                      <a:pPr algn="ctr"/>
-                      <a:endParaRPr lang="en-US" sz="1400"/>
-                    </a:p>
-                  </a:txBody>
-                  <a:tcPr marL="68580" marR="68580" marT="34290" marB="34290"/>
-                </a:tc>
-                <a:tc>
-                  <a:txBody>
-                    <a:bodyPr/>
-                    <a:lstStyle/>
-                    <a:p>
-                      <a:pPr algn="ctr"/>
-                      <a:r>
-                        <a:rPr lang="en-US" sz="1400"/>
-                        <a:t>SIFT</a:t>
-                      </a:r>
-                    </a:p>
-                  </a:txBody>
-                  <a:tcPr marL="68580" marR="68580" marT="34290" marB="34290"/>
-                </a:tc>
-                <a:tc>
-                  <a:txBody>
-                    <a:bodyPr/>
-                    <a:lstStyle/>
-                    <a:p>
-                      <a:pPr algn="ctr"/>
-                      <a:r>
-                        <a:rPr lang="en-US" sz="1400"/>
-                        <a:t>RGB</a:t>
-                      </a:r>
-                    </a:p>
-                  </a:txBody>
-                  <a:tcPr marL="68580" marR="68580" marT="34290" marB="34290"/>
-                </a:tc>
-                <a:tc>
-                  <a:txBody>
-                    <a:bodyPr/>
-                    <a:lstStyle/>
-                    <a:p>
-                      <a:pPr algn="ctr"/>
-                      <a:r>
-                        <a:rPr lang="en-US" sz="1400"/>
-                        <a:t>GIST</a:t>
-                      </a:r>
-                    </a:p>
-                  </a:txBody>
-                  <a:tcPr marL="68580" marR="68580" marT="34290" marB="34290"/>
-                </a:tc>
-                <a:extLst>
-                  <a:ext uri="{0D108BD9-81ED-4DB2-BD59-A6C34878D82A}">
-                    <a16:rowId xmlns:a16="http://schemas.microsoft.com/office/drawing/2014/main" xmlns="" val="10000"/>
-                  </a:ext>
-                </a:extLst>
-              </a:tr>
-              <a:tr h="278130">
-                <a:tc rowSpan="3">
-                  <a:txBody>
-                    <a:bodyPr/>
-                    <a:lstStyle/>
-                    <a:p>
-                      <a:pPr algn="ctr"/>
-                      <a:r>
-                        <a:rPr lang="en-US" sz="1400" b="1" baseline="0"/>
-                        <a:t>Linear</a:t>
-                      </a:r>
-                      <a:endParaRPr lang="en-US" sz="1400" b="1"/>
-                    </a:p>
-                  </a:txBody>
-                  <a:tcPr marL="68580" marR="68580" marT="34290" marB="34290" anchor="ctr"/>
-                </a:tc>
-                <a:tc>
-                  <a:txBody>
-                    <a:bodyPr/>
-                    <a:lstStyle/>
-                    <a:p>
-                      <a:pPr algn="ctr"/>
-                      <a:r>
-                        <a:rPr lang="en-US" sz="1400"/>
-                        <a:t>CV</a:t>
-                      </a:r>
-                      <a:r>
-                        <a:rPr lang="en-US" sz="1400" baseline="0"/>
-                        <a:t> Error</a:t>
-                      </a:r>
-                      <a:endParaRPr lang="en-US" sz="1400"/>
-                    </a:p>
-                  </a:txBody>
-                  <a:tcPr marL="68580" marR="68580" marT="34290" marB="34290"/>
-                </a:tc>
-                <a:tc>
-                  <a:txBody>
-                    <a:bodyPr/>
-                    <a:lstStyle/>
-                    <a:p>
-                      <a:pPr algn="ctr"/>
-                      <a:r>
-                        <a:rPr lang="en-US" altLang="zh-CN"/>
-                        <a:t>2</a:t>
-                      </a:r>
-                      <a:r>
-                        <a:rPr lang="hr-HR"/>
-                        <a:t>7</a:t>
-                      </a:r>
-                      <a:r>
-                        <a:rPr lang="en-US" altLang="zh-CN"/>
-                        <a:t>.6%</a:t>
-                      </a:r>
-                      <a:endParaRPr lang="en-US" sz="1400"/>
-                    </a:p>
-                  </a:txBody>
-                  <a:tcPr marL="68580" marR="68580" marT="34290" marB="34290"/>
-                </a:tc>
-                <a:tc>
-                  <a:txBody>
-                    <a:bodyPr/>
-                    <a:lstStyle/>
-                    <a:p>
-                      <a:pPr algn="ctr"/>
-                      <a:r>
-                        <a:rPr lang="en-US" altLang="zh-CN"/>
-                        <a:t>27.5%</a:t>
-                      </a:r>
-                      <a:endParaRPr lang="en-US" sz="1400"/>
-                    </a:p>
-                  </a:txBody>
-                  <a:tcPr marL="68580" marR="68580" marT="34290" marB="34290"/>
-                </a:tc>
-                <a:tc>
-                  <a:txBody>
-                    <a:bodyPr/>
-                    <a:lstStyle/>
-                    <a:p>
-                      <a:pPr algn="ctr"/>
-                      <a:r>
-                        <a:rPr lang="en-US" altLang="zh-CN"/>
-                        <a:t>26.8%</a:t>
-                      </a:r>
-                      <a:endParaRPr lang="en-US" sz="1400"/>
-                    </a:p>
-                  </a:txBody>
-                  <a:tcPr marL="68580" marR="68580" marT="34290" marB="34290"/>
-                </a:tc>
-                <a:extLst>
-                  <a:ext uri="{0D108BD9-81ED-4DB2-BD59-A6C34878D82A}">
-                    <a16:rowId xmlns:a16="http://schemas.microsoft.com/office/drawing/2014/main" xmlns="" val="10005"/>
-                  </a:ext>
-                </a:extLst>
-              </a:tr>
-              <a:tr h="278130">
-                <a:tc vMerge="1">
-                  <a:txBody>
-                    <a:bodyPr/>
-                    <a:lstStyle/>
-                    <a:p>
-                      <a:pPr algn="ctr"/>
-                      <a:endParaRPr lang="en-US" sz="1400" b="1" dirty="0"/>
-                    </a:p>
-                  </a:txBody>
-                  <a:tcPr marL="68580" marR="68580" marT="34290" marB="34290" anchor="ctr"/>
-                </a:tc>
-                <a:tc>
-                  <a:txBody>
-                    <a:bodyPr/>
-                    <a:lstStyle/>
-                    <a:p>
-                      <a:pPr algn="ctr"/>
-                      <a:r>
-                        <a:rPr lang="en-US" sz="1400"/>
-                        <a:t>Test Error</a:t>
-                      </a:r>
-                    </a:p>
-                  </a:txBody>
-                  <a:tcPr marL="68580" marR="68580" marT="34290" marB="34290"/>
-                </a:tc>
-                <a:tc>
-                  <a:txBody>
-                    <a:bodyPr/>
-                    <a:lstStyle/>
-                    <a:p>
-                      <a:pPr algn="ctr"/>
-                      <a:r>
-                        <a:rPr lang="is-IS" sz="1400"/>
-                        <a:t>2</a:t>
-                      </a:r>
-                      <a:r>
-                        <a:rPr lang="en-US" altLang="zh-CN" sz="1400"/>
-                        <a:t>9</a:t>
-                      </a:r>
-                      <a:r>
-                        <a:rPr lang="is-IS" sz="1400"/>
-                        <a:t>.</a:t>
-                      </a:r>
-                      <a:r>
-                        <a:rPr lang="en-US" altLang="zh-CN" sz="1400"/>
-                        <a:t>6</a:t>
-                      </a:r>
-                      <a:r>
-                        <a:rPr lang="is-IS" sz="1400"/>
-                        <a:t>%</a:t>
-                      </a:r>
-                      <a:endParaRPr lang="en-US" sz="1400"/>
-                    </a:p>
-                  </a:txBody>
-                  <a:tcPr marL="68580" marR="68580" marT="34290" marB="34290"/>
-                </a:tc>
-                <a:tc>
-                  <a:txBody>
-                    <a:bodyPr/>
-                    <a:lstStyle/>
-                    <a:p>
-                      <a:pPr algn="ctr"/>
-                      <a:r>
-                        <a:rPr lang="en-US" altLang="zh-CN" sz="1400"/>
-                        <a:t>24.3%</a:t>
-                      </a:r>
-                      <a:endParaRPr lang="en-US" sz="1400"/>
-                    </a:p>
-                  </a:txBody>
-                  <a:tcPr marL="68580" marR="68580" marT="34290" marB="34290"/>
-                </a:tc>
-                <a:tc>
-                  <a:txBody>
-                    <a:bodyPr/>
-                    <a:lstStyle/>
-                    <a:p>
-                      <a:pPr algn="ctr"/>
-                      <a:r>
-                        <a:rPr lang="nb-NO" sz="1400"/>
-                        <a:t>25.1%</a:t>
-                      </a:r>
-                      <a:endParaRPr lang="en-US" sz="1400"/>
-                    </a:p>
-                  </a:txBody>
-                  <a:tcPr marL="68580" marR="68580" marT="34290" marB="34290"/>
-                </a:tc>
-                <a:extLst>
-                  <a:ext uri="{0D108BD9-81ED-4DB2-BD59-A6C34878D82A}">
-                    <a16:rowId xmlns:a16="http://schemas.microsoft.com/office/drawing/2014/main" xmlns="" val="10001"/>
-                  </a:ext>
-                </a:extLst>
-              </a:tr>
-              <a:tr h="278130">
-                <a:tc vMerge="1">
-                  <a:txBody>
-                    <a:bodyPr/>
-                    <a:lstStyle/>
-                    <a:p>
-                      <a:endParaRPr lang="en-US" dirty="0"/>
-                    </a:p>
-                  </a:txBody>
-                  <a:tcPr/>
-                </a:tc>
-                <a:tc>
-                  <a:txBody>
-                    <a:bodyPr/>
-                    <a:lstStyle/>
-                    <a:p>
-                      <a:pPr algn="ctr"/>
-                      <a:r>
-                        <a:rPr lang="en-US" sz="1400"/>
-                        <a:t>Time</a:t>
-                      </a:r>
-                    </a:p>
-                  </a:txBody>
-                  <a:tcPr marL="68580" marR="68580" marT="34290" marB="34290"/>
-                </a:tc>
-                <a:tc>
-                  <a:txBody>
-                    <a:bodyPr/>
-                    <a:lstStyle/>
-                    <a:p>
-                      <a:pPr marL="0" marR="0" indent="0" algn="ctr" defTabSz="914400" rtl="0" eaLnBrk="1" fontAlgn="auto" latinLnBrk="0" hangingPunct="1">
-                        <a:lnSpc>
-                          <a:spcPct val="100000"/>
-                        </a:lnSpc>
-                        <a:spcBef>
-                          <a:spcPts val="0"/>
-                        </a:spcBef>
-                        <a:spcAft>
-                          <a:spcPts val="0"/>
-                        </a:spcAft>
-                        <a:buClrTx/>
-                        <a:buSzTx/>
-                        <a:buFontTx/>
-                        <a:buNone/>
-                        <a:tabLst/>
-                        <a:defRPr/>
-                      </a:pPr>
-                      <a:r>
-                        <a:rPr lang="hr-HR" sz="1400"/>
-                        <a:t>24.975</a:t>
-                      </a:r>
-                      <a:endParaRPr lang="en-US" sz="1400"/>
-                    </a:p>
-                  </a:txBody>
-                  <a:tcPr marL="68580" marR="68580" marT="34290" marB="34290"/>
-                </a:tc>
-                <a:tc>
-                  <a:txBody>
-                    <a:bodyPr/>
-                    <a:lstStyle/>
-                    <a:p>
-                      <a:pPr algn="ctr"/>
-                      <a:r>
-                        <a:rPr lang="en-US" sz="1400"/>
-                        <a:t>15.024</a:t>
-                      </a:r>
-                    </a:p>
-                  </a:txBody>
-                  <a:tcPr marL="68580" marR="68580" marT="34290" marB="34290"/>
-                </a:tc>
-                <a:tc>
-                  <a:txBody>
-                    <a:bodyPr/>
-                    <a:lstStyle/>
-                    <a:p>
-                      <a:pPr algn="ctr"/>
-                      <a:r>
-                        <a:rPr lang="hr-HR" sz="1400"/>
-                        <a:t>8.388 </a:t>
-                      </a:r>
-                      <a:endParaRPr lang="en-US" sz="1400"/>
-                    </a:p>
-                  </a:txBody>
-                  <a:tcPr marL="68580" marR="68580" marT="34290" marB="34290"/>
-                </a:tc>
-                <a:extLst>
-                  <a:ext uri="{0D108BD9-81ED-4DB2-BD59-A6C34878D82A}">
-                    <a16:rowId xmlns:a16="http://schemas.microsoft.com/office/drawing/2014/main" xmlns="" val="10002"/>
-                  </a:ext>
-                </a:extLst>
-              </a:tr>
-              <a:tr h="278130">
-                <a:tc rowSpan="3">
-                  <a:txBody>
-                    <a:bodyPr/>
-                    <a:lstStyle/>
-                    <a:p>
-                      <a:pPr algn="ctr"/>
-                      <a:r>
-                        <a:rPr lang="en-US" sz="1400" b="1"/>
-                        <a:t>RBF</a:t>
-                      </a:r>
-                    </a:p>
-                  </a:txBody>
-                  <a:tcPr marL="68580" marR="68580" marT="34290" marB="34290" anchor="ctr"/>
-                </a:tc>
-                <a:tc>
-                  <a:txBody>
-                    <a:bodyPr/>
-                    <a:lstStyle/>
-                    <a:p>
-                      <a:pPr marL="0" marR="0" indent="0" algn="ctr" defTabSz="914400" rtl="0" eaLnBrk="1" fontAlgn="auto" latinLnBrk="0" hangingPunct="1">
-                        <a:lnSpc>
-                          <a:spcPct val="100000"/>
-                        </a:lnSpc>
-                        <a:spcBef>
-                          <a:spcPts val="0"/>
-                        </a:spcBef>
-                        <a:spcAft>
-                          <a:spcPts val="0"/>
-                        </a:spcAft>
-                        <a:buClrTx/>
-                        <a:buSzTx/>
-                        <a:buFontTx/>
-                        <a:buNone/>
-                        <a:tabLst/>
-                        <a:defRPr/>
-                      </a:pPr>
-                      <a:r>
-                        <a:rPr lang="en-US" sz="1400"/>
-                        <a:t>CV Error</a:t>
-                      </a:r>
-                    </a:p>
-                  </a:txBody>
-                  <a:tcPr marL="68580" marR="68580" marT="34290" marB="34290"/>
-                </a:tc>
-                <a:tc>
-                  <a:txBody>
-                    <a:bodyPr/>
-                    <a:lstStyle/>
-                    <a:p>
-                      <a:pPr algn="ctr"/>
-                      <a:r>
-                        <a:rPr lang="en-US" altLang="zh-CN"/>
-                        <a:t>24.4%</a:t>
-                      </a:r>
-                      <a:endParaRPr lang="en-US" sz="1400"/>
-                    </a:p>
-                  </a:txBody>
-                  <a:tcPr marL="68580" marR="68580" marT="34290" marB="34290"/>
-                </a:tc>
-                <a:tc>
-                  <a:txBody>
-                    <a:bodyPr/>
-                    <a:lstStyle/>
-                    <a:p>
-                      <a:pPr algn="ctr"/>
-                      <a:r>
-                        <a:rPr lang="en-US" altLang="zh-CN"/>
-                        <a:t>24.4%</a:t>
-                      </a:r>
-                      <a:endParaRPr lang="en-US" sz="1400"/>
-                    </a:p>
-                  </a:txBody>
-                  <a:tcPr marL="68580" marR="68580" marT="34290" marB="34290"/>
-                </a:tc>
-                <a:tc>
-                  <a:txBody>
-                    <a:bodyPr/>
-                    <a:lstStyle/>
-                    <a:p>
-                      <a:pPr algn="ctr"/>
-                      <a:r>
-                        <a:rPr lang="en-US" altLang="zh-CN" sz="1400"/>
-                        <a:t>26.4%</a:t>
-                      </a:r>
-                      <a:endParaRPr lang="en-US" sz="1400"/>
-                    </a:p>
-                  </a:txBody>
-                  <a:tcPr marL="68580" marR="68580" marT="34290" marB="34290"/>
-                </a:tc>
-                <a:extLst>
-                  <a:ext uri="{0D108BD9-81ED-4DB2-BD59-A6C34878D82A}">
-                    <a16:rowId xmlns:a16="http://schemas.microsoft.com/office/drawing/2014/main" xmlns="" val="10006"/>
-                  </a:ext>
-                </a:extLst>
-              </a:tr>
-              <a:tr h="278130">
-                <a:tc vMerge="1">
-                  <a:txBody>
-                    <a:bodyPr/>
-                    <a:lstStyle/>
-                    <a:p>
-                      <a:pPr algn="ctr"/>
-                      <a:endParaRPr lang="en-US" sz="1400" b="1" dirty="0"/>
-                    </a:p>
-                  </a:txBody>
-                  <a:tcPr marL="68580" marR="68580" marT="34290" marB="34290" anchor="ctr"/>
-                </a:tc>
-                <a:tc>
-                  <a:txBody>
-                    <a:bodyPr/>
-                    <a:lstStyle/>
-                    <a:p>
-                      <a:pPr marL="0" marR="0" indent="0" algn="ctr" defTabSz="914400" rtl="0" eaLnBrk="1" fontAlgn="auto" latinLnBrk="0" hangingPunct="1">
-                        <a:lnSpc>
-                          <a:spcPct val="100000"/>
-                        </a:lnSpc>
-                        <a:spcBef>
-                          <a:spcPts val="0"/>
-                        </a:spcBef>
-                        <a:spcAft>
-                          <a:spcPts val="0"/>
-                        </a:spcAft>
-                        <a:buClrTx/>
-                        <a:buSzTx/>
-                        <a:buFontTx/>
-                        <a:buNone/>
-                        <a:tabLst/>
-                        <a:defRPr/>
-                      </a:pPr>
-                      <a:r>
-                        <a:rPr lang="en-US" sz="1400"/>
-                        <a:t>Test Error</a:t>
-                      </a:r>
-                    </a:p>
-                  </a:txBody>
-                  <a:tcPr marL="68580" marR="68580" marT="34290" marB="34290"/>
-                </a:tc>
-                <a:tc>
-                  <a:txBody>
-                    <a:bodyPr/>
-                    <a:lstStyle/>
-                    <a:p>
-                      <a:pPr algn="ctr"/>
-                      <a:r>
-                        <a:rPr lang="nb-NO" sz="1400"/>
-                        <a:t>2</a:t>
-                      </a:r>
-                      <a:r>
-                        <a:rPr lang="en-US" altLang="zh-CN" sz="1400"/>
-                        <a:t>3</a:t>
-                      </a:r>
-                      <a:r>
-                        <a:rPr lang="nb-NO" sz="1400"/>
-                        <a:t>.3%</a:t>
-                      </a:r>
-                      <a:endParaRPr lang="en-US" sz="1400"/>
-                    </a:p>
-                  </a:txBody>
-                  <a:tcPr marL="68580" marR="68580" marT="34290" marB="34290"/>
-                </a:tc>
-                <a:tc>
-                  <a:txBody>
-                    <a:bodyPr/>
-                    <a:lstStyle/>
-                    <a:p>
-                      <a:pPr algn="ctr"/>
-                      <a:r>
-                        <a:rPr lang="nb-NO" sz="1400"/>
-                        <a:t>23.1%</a:t>
-                      </a:r>
-                      <a:endParaRPr lang="en-US" sz="1400"/>
-                    </a:p>
-                  </a:txBody>
-                  <a:tcPr marL="68580" marR="68580" marT="34290" marB="34290"/>
-                </a:tc>
-                <a:tc>
-                  <a:txBody>
-                    <a:bodyPr/>
-                    <a:lstStyle/>
-                    <a:p>
-                      <a:pPr algn="ctr"/>
-                      <a:r>
-                        <a:rPr lang="nb-NO" sz="1400"/>
-                        <a:t>23.6%</a:t>
-                      </a:r>
-                      <a:endParaRPr lang="en-US" sz="1400"/>
-                    </a:p>
-                  </a:txBody>
-                  <a:tcPr marL="68580" marR="68580" marT="34290" marB="34290"/>
-                </a:tc>
-                <a:extLst>
-                  <a:ext uri="{0D108BD9-81ED-4DB2-BD59-A6C34878D82A}">
-                    <a16:rowId xmlns:a16="http://schemas.microsoft.com/office/drawing/2014/main" xmlns="" val="10003"/>
-                  </a:ext>
-                </a:extLst>
-              </a:tr>
-              <a:tr h="278130">
-                <a:tc vMerge="1">
-                  <a:txBody>
-                    <a:bodyPr/>
-                    <a:lstStyle/>
-                    <a:p>
-                      <a:endParaRPr lang="en-US" dirty="0"/>
-                    </a:p>
-                  </a:txBody>
-                  <a:tcPr/>
-                </a:tc>
-                <a:tc>
-                  <a:txBody>
-                    <a:bodyPr/>
-                    <a:lstStyle/>
-                    <a:p>
-                      <a:pPr marL="0" marR="0" indent="0" algn="ctr" defTabSz="914400" rtl="0" eaLnBrk="1" fontAlgn="auto" latinLnBrk="0" hangingPunct="1">
-                        <a:lnSpc>
-                          <a:spcPct val="100000"/>
-                        </a:lnSpc>
-                        <a:spcBef>
-                          <a:spcPts val="0"/>
-                        </a:spcBef>
-                        <a:spcAft>
-                          <a:spcPts val="0"/>
-                        </a:spcAft>
-                        <a:buClrTx/>
-                        <a:buSzTx/>
-                        <a:buFontTx/>
-                        <a:buNone/>
-                        <a:tabLst/>
-                        <a:defRPr/>
-                      </a:pPr>
-                      <a:r>
-                        <a:rPr lang="en-US" sz="1400"/>
-                        <a:t>Time</a:t>
-                      </a:r>
-                    </a:p>
-                  </a:txBody>
-                  <a:tcPr marL="68580" marR="68580" marT="34290" marB="34290"/>
-                </a:tc>
-                <a:tc>
-                  <a:txBody>
-                    <a:bodyPr/>
-                    <a:lstStyle/>
-                    <a:p>
-                      <a:pPr algn="ctr"/>
-                      <a:r>
-                        <a:rPr lang="hr-HR" sz="1400"/>
-                        <a:t>29.084 </a:t>
-                      </a:r>
-                      <a:endParaRPr lang="en-US" sz="1400"/>
-                    </a:p>
-                  </a:txBody>
-                  <a:tcPr marL="68580" marR="68580" marT="34290" marB="34290"/>
-                </a:tc>
-                <a:tc>
-                  <a:txBody>
-                    <a:bodyPr/>
-                    <a:lstStyle/>
-                    <a:p>
-                      <a:pPr algn="ctr"/>
-                      <a:r>
-                        <a:rPr lang="is-IS" sz="1400"/>
-                        <a:t>15.219 </a:t>
-                      </a:r>
-                      <a:endParaRPr lang="en-US" sz="1400"/>
-                    </a:p>
-                  </a:txBody>
-                  <a:tcPr marL="68580" marR="68580" marT="34290" marB="34290"/>
-                </a:tc>
-                <a:tc>
-                  <a:txBody>
-                    <a:bodyPr/>
-                    <a:lstStyle/>
-                    <a:p>
-                      <a:pPr algn="ctr"/>
-                      <a:r>
-                        <a:rPr lang="hr-HR" sz="1400"/>
-                        <a:t>13.486 </a:t>
-                      </a:r>
-                      <a:endParaRPr lang="en-US" sz="1400"/>
-                    </a:p>
-                  </a:txBody>
-                  <a:tcPr marL="68580" marR="68580" marT="34290" marB="34290"/>
-                </a:tc>
-                <a:extLst>
-                  <a:ext uri="{0D108BD9-81ED-4DB2-BD59-A6C34878D82A}">
-                    <a16:rowId xmlns:a16="http://schemas.microsoft.com/office/drawing/2014/main" xmlns="" val="10004"/>
-                  </a:ext>
-                </a:extLst>
-              </a:tr>
-            </a:tbl>
-          </a:graphicData>
-        </a:graphic>
-      </p:graphicFrame>
-    </p:spTree>
-    <p:extLst>
-      <p:ext uri="{BB962C8B-B14F-4D97-AF65-F5344CB8AC3E}">
-        <p14:creationId xmlns:p14="http://schemas.microsoft.com/office/powerpoint/2010/main" val="1243263428"/>
-      </p:ext>
-    </p:extLst>
-  </p:cSld>
-  <p:clrMapOvr>
-    <a:masterClrMapping/>
-  </p:clrMapOvr>
-</p:sld>
-</file>
-
-<file path=ppt/slides/slide13.xml><?xml version="1.0" encoding="utf-8"?>
-<p:sld xmlns:a="http://schemas.openxmlformats.org/drawingml/2006/main" xmlns:r="http://schemas.openxmlformats.org/officeDocument/2006/relationships" xmlns:p="http://schemas.openxmlformats.org/presentationml/2006/main">
-  <p:cSld>
-    <p:spTree>
-      <p:nvGrpSpPr>
-        <p:cNvPr id="1" name=""/>
-        <p:cNvGrpSpPr/>
-        <p:nvPr/>
-      </p:nvGrpSpPr>
-      <p:grpSpPr>
-        <a:xfrm>
-          <a:off x="0" y="0"/>
-          <a:ext cx="0" cy="0"/>
-          <a:chOff x="0" y="0"/>
-          <a:chExt cx="0" cy="0"/>
-        </a:xfrm>
-      </p:grpSpPr>
-      <p:sp>
-        <p:nvSpPr>
           <p:cNvPr id="7" name="Title 1">
             <a:extLst>
               <a:ext uri="{FF2B5EF4-FFF2-40B4-BE49-F238E27FC236}">
-                <a16:creationId xmlns:a16="http://schemas.microsoft.com/office/drawing/2014/main" xmlns="" id="{88BA3341-7B27-AC4A-8F4A-2A3298C9BC0D}"/>
+                <a16:creationId xmlns:a16="http://schemas.microsoft.com/office/drawing/2014/main" id="{88BA3341-7B27-AC4A-8F4A-2A3298C9BC0D}"/>
               </a:ext>
             </a:extLst>
           </p:cNvPr>
@@ -17744,7 +16870,7 @@
           <p:cNvPr id="8" name="Content Placeholder 5">
             <a:extLst>
               <a:ext uri="{FF2B5EF4-FFF2-40B4-BE49-F238E27FC236}">
-                <a16:creationId xmlns:a16="http://schemas.microsoft.com/office/drawing/2014/main" xmlns="" id="{0845D312-87B0-954C-B208-E6576F3D6410}"/>
+                <a16:creationId xmlns:a16="http://schemas.microsoft.com/office/drawing/2014/main" id="{0845D312-87B0-954C-B208-E6576F3D6410}"/>
               </a:ext>
             </a:extLst>
           </p:cNvPr>
@@ -17780,7 +16906,7 @@
           <p:cNvPr id="9" name="Content Placeholder 9">
             <a:extLst>
               <a:ext uri="{FF2B5EF4-FFF2-40B4-BE49-F238E27FC236}">
-                <a16:creationId xmlns:a16="http://schemas.microsoft.com/office/drawing/2014/main" xmlns="" id="{084226EB-EEAB-404D-A7D1-A3D4C727F42C}"/>
+                <a16:creationId xmlns:a16="http://schemas.microsoft.com/office/drawing/2014/main" id="{084226EB-EEAB-404D-A7D1-A3D4C727F42C}"/>
               </a:ext>
             </a:extLst>
           </p:cNvPr>
@@ -17809,7 +16935,7 @@
           <p:cNvPr id="11" name="Title 1">
             <a:extLst>
               <a:ext uri="{FF2B5EF4-FFF2-40B4-BE49-F238E27FC236}">
-                <a16:creationId xmlns:a16="http://schemas.microsoft.com/office/drawing/2014/main" xmlns="" id="{2415DD61-ACC0-5646-BE79-F68DA3266154}"/>
+                <a16:creationId xmlns:a16="http://schemas.microsoft.com/office/drawing/2014/main" id="{2415DD61-ACC0-5646-BE79-F68DA3266154}"/>
               </a:ext>
             </a:extLst>
           </p:cNvPr>
@@ -18102,7 +17228,7 @@
           <p:cNvPr id="12" name="Title 1">
             <a:extLst>
               <a:ext uri="{FF2B5EF4-FFF2-40B4-BE49-F238E27FC236}">
-                <a16:creationId xmlns:a16="http://schemas.microsoft.com/office/drawing/2014/main" xmlns="" id="{60A2FD62-40BC-C94E-AD65-0764E277DD1E}"/>
+                <a16:creationId xmlns:a16="http://schemas.microsoft.com/office/drawing/2014/main" id="{60A2FD62-40BC-C94E-AD65-0764E277DD1E}"/>
               </a:ext>
             </a:extLst>
           </p:cNvPr>
@@ -18403,7 +17529,7 @@
 </p:sld>
 </file>
 
-<file path=ppt/slides/slide14.xml><?xml version="1.0" encoding="utf-8"?>
+<file path=ppt/slides/slide13.xml><?xml version="1.0" encoding="utf-8"?>
 <p:sld xmlns:a="http://schemas.openxmlformats.org/drawingml/2006/main" xmlns:r="http://schemas.openxmlformats.org/officeDocument/2006/relationships" xmlns:p="http://schemas.openxmlformats.org/presentationml/2006/main">
   <p:cSld>
     <p:spTree>
@@ -18448,35 +17574,35 @@
                 <a:gridCol w="1128950">
                   <a:extLst>
                     <a:ext uri="{9D8B030D-6E8A-4147-A177-3AD203B41FA5}">
-                      <a16:colId xmlns:a16="http://schemas.microsoft.com/office/drawing/2014/main" xmlns="" val="20000"/>
+                      <a16:colId xmlns:a16="http://schemas.microsoft.com/office/drawing/2014/main" val="20000"/>
                     </a:ext>
                   </a:extLst>
                 </a:gridCol>
                 <a:gridCol w="1125897">
                   <a:extLst>
                     <a:ext uri="{9D8B030D-6E8A-4147-A177-3AD203B41FA5}">
-                      <a16:colId xmlns:a16="http://schemas.microsoft.com/office/drawing/2014/main" xmlns="" val="20001"/>
+                      <a16:colId xmlns:a16="http://schemas.microsoft.com/office/drawing/2014/main" val="20001"/>
                     </a:ext>
                   </a:extLst>
                 </a:gridCol>
                 <a:gridCol w="924535">
                   <a:extLst>
                     <a:ext uri="{9D8B030D-6E8A-4147-A177-3AD203B41FA5}">
-                      <a16:colId xmlns:a16="http://schemas.microsoft.com/office/drawing/2014/main" xmlns="" val="20002"/>
+                      <a16:colId xmlns:a16="http://schemas.microsoft.com/office/drawing/2014/main" val="20002"/>
                     </a:ext>
                   </a:extLst>
                 </a:gridCol>
                 <a:gridCol w="1142827">
                   <a:extLst>
                     <a:ext uri="{9D8B030D-6E8A-4147-A177-3AD203B41FA5}">
-                      <a16:colId xmlns:a16="http://schemas.microsoft.com/office/drawing/2014/main" xmlns="" val="20003"/>
+                      <a16:colId xmlns:a16="http://schemas.microsoft.com/office/drawing/2014/main" val="20003"/>
                     </a:ext>
                   </a:extLst>
                 </a:gridCol>
                 <a:gridCol w="1014418">
                   <a:extLst>
                     <a:ext uri="{9D8B030D-6E8A-4147-A177-3AD203B41FA5}">
-                      <a16:colId xmlns:a16="http://schemas.microsoft.com/office/drawing/2014/main" xmlns="" val="20004"/>
+                      <a16:colId xmlns:a16="http://schemas.microsoft.com/office/drawing/2014/main" val="20004"/>
                     </a:ext>
                   </a:extLst>
                 </a:gridCol>
@@ -18551,7 +17677,7 @@
                 </a:tc>
                 <a:extLst>
                   <a:ext uri="{0D108BD9-81ED-4DB2-BD59-A6C34878D82A}">
-                    <a16:rowId xmlns:a16="http://schemas.microsoft.com/office/drawing/2014/main" xmlns="" val="10000"/>
+                    <a16:rowId xmlns:a16="http://schemas.microsoft.com/office/drawing/2014/main" val="10000"/>
                   </a:ext>
                 </a:extLst>
               </a:tr>
@@ -18637,7 +17763,7 @@
                 </a:tc>
                 <a:extLst>
                   <a:ext uri="{0D108BD9-81ED-4DB2-BD59-A6C34878D82A}">
-                    <a16:rowId xmlns:a16="http://schemas.microsoft.com/office/drawing/2014/main" xmlns="" val="2455327945"/>
+                    <a16:rowId xmlns:a16="http://schemas.microsoft.com/office/drawing/2014/main" val="2455327945"/>
                   </a:ext>
                 </a:extLst>
               </a:tr>
@@ -18751,7 +17877,7 @@
                         <a:t>9.</a:t>
                       </a:r>
                       <a:r>
-                        <a:rPr lang="en-US" altLang="zh-CN" sz="1100" b="0" dirty="0"/>
+                        <a:rPr lang="en-US" altLang="zh-Hans" sz="1100" b="0" dirty="0"/>
                         <a:t>13</a:t>
                       </a:r>
                       <a:r>
@@ -18764,7 +17890,7 @@
                 </a:tc>
                 <a:extLst>
                   <a:ext uri="{0D108BD9-81ED-4DB2-BD59-A6C34878D82A}">
-                    <a16:rowId xmlns:a16="http://schemas.microsoft.com/office/drawing/2014/main" xmlns="" val="4280216352"/>
+                    <a16:rowId xmlns:a16="http://schemas.microsoft.com/office/drawing/2014/main" val="4280216352"/>
                   </a:ext>
                 </a:extLst>
               </a:tr>
@@ -18882,7 +18008,7 @@
                 </a:tc>
                 <a:extLst>
                   <a:ext uri="{0D108BD9-81ED-4DB2-BD59-A6C34878D82A}">
-                    <a16:rowId xmlns:a16="http://schemas.microsoft.com/office/drawing/2014/main" xmlns="" val="2414580013"/>
+                    <a16:rowId xmlns:a16="http://schemas.microsoft.com/office/drawing/2014/main" val="2414580013"/>
                   </a:ext>
                 </a:extLst>
               </a:tr>
@@ -18956,7 +18082,7 @@
                 </a:tc>
                 <a:extLst>
                   <a:ext uri="{0D108BD9-81ED-4DB2-BD59-A6C34878D82A}">
-                    <a16:rowId xmlns:a16="http://schemas.microsoft.com/office/drawing/2014/main" xmlns="" val="10001"/>
+                    <a16:rowId xmlns:a16="http://schemas.microsoft.com/office/drawing/2014/main" val="10001"/>
                   </a:ext>
                 </a:extLst>
               </a:tr>
@@ -19041,7 +18167,7 @@
                 </a:tc>
                 <a:extLst>
                   <a:ext uri="{0D108BD9-81ED-4DB2-BD59-A6C34878D82A}">
-                    <a16:rowId xmlns:a16="http://schemas.microsoft.com/office/drawing/2014/main" xmlns="" val="10002"/>
+                    <a16:rowId xmlns:a16="http://schemas.microsoft.com/office/drawing/2014/main" val="10002"/>
                   </a:ext>
                 </a:extLst>
               </a:tr>
@@ -19054,7 +18180,7 @@
           <p:cNvPr id="8" name="Rectangle 7">
             <a:extLst>
               <a:ext uri="{FF2B5EF4-FFF2-40B4-BE49-F238E27FC236}">
-                <a16:creationId xmlns:a16="http://schemas.microsoft.com/office/drawing/2014/main" xmlns="" id="{EBC808F9-3742-5842-971E-EE42B23054E3}"/>
+                <a16:creationId xmlns:a16="http://schemas.microsoft.com/office/drawing/2014/main" id="{EBC808F9-3742-5842-971E-EE42B23054E3}"/>
               </a:ext>
             </a:extLst>
           </p:cNvPr>
@@ -19148,7 +18274,7 @@
 </p:sld>
 </file>
 
-<file path=ppt/slides/slide15.xml><?xml version="1.0" encoding="utf-8"?>
+<file path=ppt/slides/slide14.xml><?xml version="1.0" encoding="utf-8"?>
 <p:sld xmlns:a="http://schemas.openxmlformats.org/drawingml/2006/main" xmlns:r="http://schemas.openxmlformats.org/officeDocument/2006/relationships" xmlns:p="http://schemas.openxmlformats.org/presentationml/2006/main">
   <p:cSld>
     <p:spTree>
@@ -19170,7 +18296,7 @@
           <p:cNvPr id="7" name="Title 1">
             <a:extLst>
               <a:ext uri="{FF2B5EF4-FFF2-40B4-BE49-F238E27FC236}">
-                <a16:creationId xmlns:a16="http://schemas.microsoft.com/office/drawing/2014/main" xmlns="" id="{88BA3341-7B27-AC4A-8F4A-2A3298C9BC0D}"/>
+                <a16:creationId xmlns:a16="http://schemas.microsoft.com/office/drawing/2014/main" id="{88BA3341-7B27-AC4A-8F4A-2A3298C9BC0D}"/>
               </a:ext>
             </a:extLst>
           </p:cNvPr>
@@ -19197,21 +18323,8 @@
                   <a:schemeClr val="tx1"/>
                 </a:solidFill>
               </a:rPr>
-              <a:t>Tune </a:t>
+              <a:t>Tune Hyper parameter</a:t>
             </a:r>
-            <a:r>
-              <a:rPr lang="en-US" dirty="0" err="1" smtClean="0">
-                <a:solidFill>
-                  <a:schemeClr val="tx1"/>
-                </a:solidFill>
-              </a:rPr>
-              <a:t>Hyperparameter</a:t>
-            </a:r>
-            <a:endParaRPr lang="en-US" dirty="0">
-              <a:solidFill>
-                <a:schemeClr val="tx1"/>
-              </a:solidFill>
-            </a:endParaRPr>
           </a:p>
         </p:txBody>
       </p:sp>
@@ -19220,7 +18333,7 @@
           <p:cNvPr id="11" name="Title 1">
             <a:extLst>
               <a:ext uri="{FF2B5EF4-FFF2-40B4-BE49-F238E27FC236}">
-                <a16:creationId xmlns:a16="http://schemas.microsoft.com/office/drawing/2014/main" xmlns="" id="{2415DD61-ACC0-5646-BE79-F68DA3266154}"/>
+                <a16:creationId xmlns:a16="http://schemas.microsoft.com/office/drawing/2014/main" id="{2415DD61-ACC0-5646-BE79-F68DA3266154}"/>
               </a:ext>
             </a:extLst>
           </p:cNvPr>
@@ -19513,7 +18626,7 @@
           <p:cNvPr id="3" name="Picture 2">
             <a:extLst>
               <a:ext uri="{FF2B5EF4-FFF2-40B4-BE49-F238E27FC236}">
-                <a16:creationId xmlns:a16="http://schemas.microsoft.com/office/drawing/2014/main" xmlns="" id="{132436B6-661F-D74E-8CBF-2750430282D3}"/>
+                <a16:creationId xmlns:a16="http://schemas.microsoft.com/office/drawing/2014/main" id="{132436B6-661F-D74E-8CBF-2750430282D3}"/>
               </a:ext>
             </a:extLst>
           </p:cNvPr>
@@ -19542,7 +18655,7 @@
           <p:cNvPr id="13" name="Title 1">
             <a:extLst>
               <a:ext uri="{FF2B5EF4-FFF2-40B4-BE49-F238E27FC236}">
-                <a16:creationId xmlns:a16="http://schemas.microsoft.com/office/drawing/2014/main" xmlns="" id="{DB90A835-4B77-7D47-8701-DA7D8879668D}"/>
+                <a16:creationId xmlns:a16="http://schemas.microsoft.com/office/drawing/2014/main" id="{DB90A835-4B77-7D47-8701-DA7D8879668D}"/>
               </a:ext>
             </a:extLst>
           </p:cNvPr>
@@ -19835,7 +18948,7 @@
           <p:cNvPr id="14" name="Title 1">
             <a:extLst>
               <a:ext uri="{FF2B5EF4-FFF2-40B4-BE49-F238E27FC236}">
-                <a16:creationId xmlns:a16="http://schemas.microsoft.com/office/drawing/2014/main" xmlns="" id="{6C23DFD3-9579-C741-8BB9-4B41C0C7D0FB}"/>
+                <a16:creationId xmlns:a16="http://schemas.microsoft.com/office/drawing/2014/main" id="{6C23DFD3-9579-C741-8BB9-4B41C0C7D0FB}"/>
               </a:ext>
             </a:extLst>
           </p:cNvPr>
@@ -20128,7 +19241,7 @@
           <p:cNvPr id="5" name="Picture 4">
             <a:extLst>
               <a:ext uri="{FF2B5EF4-FFF2-40B4-BE49-F238E27FC236}">
-                <a16:creationId xmlns:a16="http://schemas.microsoft.com/office/drawing/2014/main" xmlns="" id="{5A084DF1-2885-6946-BAE1-FC7490DEECA2}"/>
+                <a16:creationId xmlns:a16="http://schemas.microsoft.com/office/drawing/2014/main" id="{5A084DF1-2885-6946-BAE1-FC7490DEECA2}"/>
               </a:ext>
             </a:extLst>
           </p:cNvPr>
@@ -20157,7 +19270,7 @@
           <p:cNvPr id="15" name="Picture 14">
             <a:extLst>
               <a:ext uri="{FF2B5EF4-FFF2-40B4-BE49-F238E27FC236}">
-                <a16:creationId xmlns:a16="http://schemas.microsoft.com/office/drawing/2014/main" xmlns="" id="{2A049C45-D0BE-C849-B355-25DF28D9061D}"/>
+                <a16:creationId xmlns:a16="http://schemas.microsoft.com/office/drawing/2014/main" id="{2A049C45-D0BE-C849-B355-25DF28D9061D}"/>
               </a:ext>
             </a:extLst>
           </p:cNvPr>
@@ -20185,7 +19298,7 @@
     </p:spTree>
     <p:extLst>
       <p:ext uri="{BB962C8B-B14F-4D97-AF65-F5344CB8AC3E}">
-        <p14:creationId xmlns:p14="http://schemas.microsoft.com/office/powerpoint/2010/main" val="712012283"/>
+        <p14:creationId xmlns:p14="http://schemas.microsoft.com/office/powerpoint/2010/main" val="125469078"/>
       </p:ext>
     </p:extLst>
   </p:cSld>
@@ -20195,7 +19308,7 @@
 </p:sld>
 </file>
 
-<file path=ppt/slides/slide16.xml><?xml version="1.0" encoding="utf-8"?>
+<file path=ppt/slides/slide15.xml><?xml version="1.0" encoding="utf-8"?>
 <p:sld xmlns:a="http://schemas.openxmlformats.org/drawingml/2006/main" xmlns:r="http://schemas.openxmlformats.org/officeDocument/2006/relationships" xmlns:p="http://schemas.openxmlformats.org/presentationml/2006/main">
   <p:cSld>
     <p:spTree>
@@ -20217,7 +19330,7 @@
           <p:cNvPr id="7" name="Title 1">
             <a:extLst>
               <a:ext uri="{FF2B5EF4-FFF2-40B4-BE49-F238E27FC236}">
-                <a16:creationId xmlns:a16="http://schemas.microsoft.com/office/drawing/2014/main" xmlns="" id="{88BA3341-7B27-AC4A-8F4A-2A3298C9BC0D}"/>
+                <a16:creationId xmlns:a16="http://schemas.microsoft.com/office/drawing/2014/main" id="{88BA3341-7B27-AC4A-8F4A-2A3298C9BC0D}"/>
               </a:ext>
             </a:extLst>
           </p:cNvPr>
@@ -20254,7 +19367,7 @@
           <p:cNvPr id="4" name="Picture 3">
             <a:extLst>
               <a:ext uri="{FF2B5EF4-FFF2-40B4-BE49-F238E27FC236}">
-                <a16:creationId xmlns:a16="http://schemas.microsoft.com/office/drawing/2014/main" xmlns="" id="{8FD9F724-56D1-D542-A70E-B103BBC3C903}"/>
+                <a16:creationId xmlns:a16="http://schemas.microsoft.com/office/drawing/2014/main" id="{8FD9F724-56D1-D542-A70E-B103BBC3C903}"/>
               </a:ext>
             </a:extLst>
           </p:cNvPr>
@@ -20283,7 +19396,7 @@
           <p:cNvPr id="5" name="TextBox 4">
             <a:extLst>
               <a:ext uri="{FF2B5EF4-FFF2-40B4-BE49-F238E27FC236}">
-                <a16:creationId xmlns:a16="http://schemas.microsoft.com/office/drawing/2014/main" xmlns="" id="{372A79CB-F766-094F-97A4-1456BD043C65}"/>
+                <a16:creationId xmlns:a16="http://schemas.microsoft.com/office/drawing/2014/main" id="{372A79CB-F766-094F-97A4-1456BD043C65}"/>
               </a:ext>
             </a:extLst>
           </p:cNvPr>
@@ -20313,7 +19426,7 @@
     </p:spTree>
     <p:extLst>
       <p:ext uri="{BB962C8B-B14F-4D97-AF65-F5344CB8AC3E}">
-        <p14:creationId xmlns:p14="http://schemas.microsoft.com/office/powerpoint/2010/main" val="3428005593"/>
+        <p14:creationId xmlns:p14="http://schemas.microsoft.com/office/powerpoint/2010/main" val="3809025560"/>
       </p:ext>
     </p:extLst>
   </p:cSld>
@@ -20323,7 +19436,7 @@
 </p:sld>
 </file>
 
-<file path=ppt/slides/slide17.xml><?xml version="1.0" encoding="utf-8"?>
+<file path=ppt/slides/slide16.xml><?xml version="1.0" encoding="utf-8"?>
 <p:sld xmlns:a="http://schemas.openxmlformats.org/drawingml/2006/main" xmlns:r="http://schemas.openxmlformats.org/officeDocument/2006/relationships" xmlns:p="http://schemas.openxmlformats.org/presentationml/2006/main">
   <p:cSld>
     <p:spTree>
@@ -20447,7 +19560,7 @@
 </p:sld>
 </file>
 
-<file path=ppt/slides/slide18.xml><?xml version="1.0" encoding="utf-8"?>
+<file path=ppt/slides/slide17.xml><?xml version="1.0" encoding="utf-8"?>
 <p:sld xmlns:a="http://schemas.openxmlformats.org/drawingml/2006/main" xmlns:r="http://schemas.openxmlformats.org/officeDocument/2006/relationships" xmlns:p="http://schemas.openxmlformats.org/presentationml/2006/main">
   <p:cSld>
     <p:spTree>
@@ -20492,56 +19605,56 @@
                 <a:gridCol w="1206941">
                   <a:extLst>
                     <a:ext uri="{9D8B030D-6E8A-4147-A177-3AD203B41FA5}">
-                      <a16:colId xmlns:a16="http://schemas.microsoft.com/office/drawing/2014/main" xmlns="" val="20000"/>
+                      <a16:colId xmlns:a16="http://schemas.microsoft.com/office/drawing/2014/main" val="20000"/>
                     </a:ext>
                   </a:extLst>
                 </a:gridCol>
                 <a:gridCol w="826649">
                   <a:extLst>
                     <a:ext uri="{9D8B030D-6E8A-4147-A177-3AD203B41FA5}">
-                      <a16:colId xmlns:a16="http://schemas.microsoft.com/office/drawing/2014/main" xmlns="" val="20001"/>
+                      <a16:colId xmlns:a16="http://schemas.microsoft.com/office/drawing/2014/main" val="20001"/>
                     </a:ext>
                   </a:extLst>
                 </a:gridCol>
                 <a:gridCol w="678806">
                   <a:extLst>
                     <a:ext uri="{9D8B030D-6E8A-4147-A177-3AD203B41FA5}">
-                      <a16:colId xmlns:a16="http://schemas.microsoft.com/office/drawing/2014/main" xmlns="" val="20002"/>
+                      <a16:colId xmlns:a16="http://schemas.microsoft.com/office/drawing/2014/main" val="20002"/>
                     </a:ext>
                   </a:extLst>
                 </a:gridCol>
                 <a:gridCol w="839080">
                   <a:extLst>
                     <a:ext uri="{9D8B030D-6E8A-4147-A177-3AD203B41FA5}">
-                      <a16:colId xmlns:a16="http://schemas.microsoft.com/office/drawing/2014/main" xmlns="" val="20003"/>
+                      <a16:colId xmlns:a16="http://schemas.microsoft.com/office/drawing/2014/main" val="20003"/>
                     </a:ext>
                   </a:extLst>
                 </a:gridCol>
                 <a:gridCol w="744800">
                   <a:extLst>
                     <a:ext uri="{9D8B030D-6E8A-4147-A177-3AD203B41FA5}">
-                      <a16:colId xmlns:a16="http://schemas.microsoft.com/office/drawing/2014/main" xmlns="" val="20004"/>
+                      <a16:colId xmlns:a16="http://schemas.microsoft.com/office/drawing/2014/main" val="20004"/>
                     </a:ext>
                   </a:extLst>
                 </a:gridCol>
                 <a:gridCol w="1037065">
                   <a:extLst>
                     <a:ext uri="{9D8B030D-6E8A-4147-A177-3AD203B41FA5}">
-                      <a16:colId xmlns:a16="http://schemas.microsoft.com/office/drawing/2014/main" xmlns="" val="20005"/>
+                      <a16:colId xmlns:a16="http://schemas.microsoft.com/office/drawing/2014/main" val="20005"/>
                     </a:ext>
                   </a:extLst>
                 </a:gridCol>
                 <a:gridCol w="1046492">
                   <a:extLst>
                     <a:ext uri="{9D8B030D-6E8A-4147-A177-3AD203B41FA5}">
-                      <a16:colId xmlns:a16="http://schemas.microsoft.com/office/drawing/2014/main" xmlns="" val="410906251"/>
+                      <a16:colId xmlns:a16="http://schemas.microsoft.com/office/drawing/2014/main" val="410906251"/>
                     </a:ext>
                   </a:extLst>
                 </a:gridCol>
                 <a:gridCol w="1395322">
                   <a:extLst>
                     <a:ext uri="{9D8B030D-6E8A-4147-A177-3AD203B41FA5}">
-                      <a16:colId xmlns:a16="http://schemas.microsoft.com/office/drawing/2014/main" xmlns="" val="20006"/>
+                      <a16:colId xmlns:a16="http://schemas.microsoft.com/office/drawing/2014/main" val="20006"/>
                     </a:ext>
                   </a:extLst>
                 </a:gridCol>
@@ -20749,7 +19862,7 @@
                 </a:tc>
                 <a:extLst>
                   <a:ext uri="{0D108BD9-81ED-4DB2-BD59-A6C34878D82A}">
-                    <a16:rowId xmlns:a16="http://schemas.microsoft.com/office/drawing/2014/main" xmlns="" val="10000"/>
+                    <a16:rowId xmlns:a16="http://schemas.microsoft.com/office/drawing/2014/main" val="10000"/>
                   </a:ext>
                 </a:extLst>
               </a:tr>
@@ -20889,7 +20002,7 @@
                 </a:tc>
                 <a:extLst>
                   <a:ext uri="{0D108BD9-81ED-4DB2-BD59-A6C34878D82A}">
-                    <a16:rowId xmlns:a16="http://schemas.microsoft.com/office/drawing/2014/main" xmlns="" val="2455327945"/>
+                    <a16:rowId xmlns:a16="http://schemas.microsoft.com/office/drawing/2014/main" val="2455327945"/>
                   </a:ext>
                 </a:extLst>
               </a:tr>
@@ -21003,7 +20116,7 @@
                         <a:t>9.</a:t>
                       </a:r>
                       <a:r>
-                        <a:rPr lang="en-US" altLang="zh-CN" sz="1100" b="0" dirty="0"/>
+                        <a:rPr lang="en-US" altLang="zh-Hans" sz="1100" b="0" dirty="0"/>
                         <a:t>13</a:t>
                       </a:r>
                       <a:r>
@@ -21035,7 +20148,7 @@
                     <a:p>
                       <a:pPr algn="ctr"/>
                       <a:r>
-                        <a:rPr lang="en-US" sz="1100" b="0"/>
+                        <a:rPr lang="en-US" sz="1100" b="0" dirty="0"/>
                         <a:t>17.24%</a:t>
                       </a:r>
                     </a:p>
@@ -21058,7 +20171,7 @@
                 </a:tc>
                 <a:extLst>
                   <a:ext uri="{0D108BD9-81ED-4DB2-BD59-A6C34878D82A}">
-                    <a16:rowId xmlns:a16="http://schemas.microsoft.com/office/drawing/2014/main" xmlns="" val="4280216352"/>
+                    <a16:rowId xmlns:a16="http://schemas.microsoft.com/office/drawing/2014/main" val="4280216352"/>
                   </a:ext>
                 </a:extLst>
               </a:tr>
@@ -21218,7 +20331,7 @@
                 </a:tc>
                 <a:extLst>
                   <a:ext uri="{0D108BD9-81ED-4DB2-BD59-A6C34878D82A}">
-                    <a16:rowId xmlns:a16="http://schemas.microsoft.com/office/drawing/2014/main" xmlns="" val="2414580013"/>
+                    <a16:rowId xmlns:a16="http://schemas.microsoft.com/office/drawing/2014/main" val="2414580013"/>
                   </a:ext>
                 </a:extLst>
               </a:tr>
@@ -21335,7 +20448,7 @@
                 </a:tc>
                 <a:extLst>
                   <a:ext uri="{0D108BD9-81ED-4DB2-BD59-A6C34878D82A}">
-                    <a16:rowId xmlns:a16="http://schemas.microsoft.com/office/drawing/2014/main" xmlns="" val="10001"/>
+                    <a16:rowId xmlns:a16="http://schemas.microsoft.com/office/drawing/2014/main" val="10001"/>
                   </a:ext>
                 </a:extLst>
               </a:tr>
@@ -21462,7 +20575,7 @@
                 </a:tc>
                 <a:extLst>
                   <a:ext uri="{0D108BD9-81ED-4DB2-BD59-A6C34878D82A}">
-                    <a16:rowId xmlns:a16="http://schemas.microsoft.com/office/drawing/2014/main" xmlns="" val="10002"/>
+                    <a16:rowId xmlns:a16="http://schemas.microsoft.com/office/drawing/2014/main" val="10002"/>
                   </a:ext>
                 </a:extLst>
               </a:tr>
@@ -21511,7 +20624,7 @@
           <p:cNvPr id="5" name="Rectangle 4">
             <a:extLst>
               <a:ext uri="{FF2B5EF4-FFF2-40B4-BE49-F238E27FC236}">
-                <a16:creationId xmlns:a16="http://schemas.microsoft.com/office/drawing/2014/main" xmlns="" id="{080B599E-CFE2-3243-87DC-64185954EE5E}"/>
+                <a16:creationId xmlns:a16="http://schemas.microsoft.com/office/drawing/2014/main" id="{080B599E-CFE2-3243-87DC-64185954EE5E}"/>
               </a:ext>
             </a:extLst>
           </p:cNvPr>
@@ -21569,7 +20682,7 @@
 </p:sld>
 </file>
 
-<file path=ppt/slides/slide19.xml><?xml version="1.0" encoding="utf-8"?>
+<file path=ppt/slides/slide18.xml><?xml version="1.0" encoding="utf-8"?>
 <p:sld xmlns:a="http://schemas.openxmlformats.org/drawingml/2006/main" xmlns:r="http://schemas.openxmlformats.org/officeDocument/2006/relationships" xmlns:p="http://schemas.openxmlformats.org/presentationml/2006/main">
   <p:cSld>
     <p:spTree>
@@ -21674,7 +20787,7 @@
             </a:r>
           </a:p>
           <a:p>
-            <a:pPr marL="101600" lvl="2">
+            <a:pPr marL="457200" lvl="2" indent="-355600">
               <a:spcBef>
                 <a:spcPts val="600"/>
               </a:spcBef>
@@ -21682,25 +20795,11 @@
                 <a:srgbClr val="28324A"/>
               </a:buClr>
               <a:buSzPts val="2000"/>
+              <a:buFont typeface="Source Sans Pro"/>
+              <a:buChar char="◉"/>
             </a:pPr>
             <a:r>
-              <a:rPr lang="it-IT" sz="2000" b="1" dirty="0">
-                <a:solidFill>
-                  <a:srgbClr val="00B0F0"/>
-                </a:solidFill>
-              </a:rPr>
-              <a:t> </a:t>
-            </a:r>
-            <a:r>
-              <a:rPr lang="it-IT" sz="2000" b="1" dirty="0" smtClean="0">
-                <a:solidFill>
-                  <a:srgbClr val="00B0F0"/>
-                </a:solidFill>
-              </a:rPr>
-              <a:t>    </a:t>
-            </a:r>
-            <a:r>
-              <a:rPr lang="it-IT" sz="2000" b="1" dirty="0" err="1" smtClean="0">
+              <a:rPr lang="it-IT" sz="2000" b="1" dirty="0" err="1">
                 <a:solidFill>
                   <a:srgbClr val="00B0F0"/>
                 </a:solidFill>
@@ -21708,7 +20807,7 @@
               <a:t>Feature</a:t>
             </a:r>
             <a:r>
-              <a:rPr lang="it-IT" sz="2000" b="1" dirty="0" smtClean="0">
+              <a:rPr lang="it-IT" sz="2000" b="1" dirty="0">
                 <a:solidFill>
                   <a:srgbClr val="00B0F0"/>
                 </a:solidFill>
@@ -21729,40 +20828,11 @@
                   <a:srgbClr val="00B0F0"/>
                 </a:solidFill>
               </a:rPr>
-              <a:t>: </a:t>
+              <a:t>: RGB</a:t>
             </a:r>
-            <a:r>
-              <a:rPr lang="it-IT" sz="2000" b="1" dirty="0" smtClean="0">
-                <a:solidFill>
-                  <a:srgbClr val="00B0F0"/>
-                </a:solidFill>
-              </a:rPr>
-              <a:t>RGB </a:t>
-            </a:r>
-            <a:r>
-              <a:rPr lang="it-IT" sz="2000" b="1" dirty="0">
-                <a:solidFill>
-                  <a:srgbClr val="00B0F0"/>
-                </a:solidFill>
-              </a:rPr>
-              <a:t>+ </a:t>
-            </a:r>
-            <a:r>
-              <a:rPr lang="it-IT" sz="2000" b="1" dirty="0" err="1">
-                <a:solidFill>
-                  <a:srgbClr val="00B0F0"/>
-                </a:solidFill>
-              </a:rPr>
-              <a:t>Gist</a:t>
-            </a:r>
-            <a:endParaRPr lang="it-IT" sz="2000" b="1" dirty="0">
-              <a:solidFill>
-                <a:srgbClr val="00B0F0"/>
-              </a:solidFill>
-            </a:endParaRPr>
           </a:p>
           <a:p>
-            <a:pPr marL="101600" lvl="2">
+            <a:pPr marL="457200" lvl="2" indent="-355600">
               <a:spcBef>
                 <a:spcPts val="600"/>
               </a:spcBef>
@@ -21770,22 +20840,16 @@
                 <a:srgbClr val="28324A"/>
               </a:buClr>
               <a:buSzPts val="2000"/>
+              <a:buFont typeface="Source Sans Pro"/>
+              <a:buChar char="◉"/>
             </a:pPr>
-            <a:r>
-              <a:rPr lang="en-US" sz="2000" b="1" dirty="0" smtClean="0">
-                <a:solidFill>
-                  <a:srgbClr val="00B0F0"/>
-                </a:solidFill>
-              </a:rPr>
-              <a:t>     Classification </a:t>
-            </a:r>
             <a:r>
               <a:rPr lang="en-US" sz="2000" b="1" dirty="0">
                 <a:solidFill>
                   <a:srgbClr val="00B0F0"/>
                 </a:solidFill>
               </a:rPr>
-              <a:t>Model</a:t>
+              <a:t>Classification Model</a:t>
             </a:r>
             <a:r>
               <a:rPr lang="it-IT" sz="2000" b="1" dirty="0">
@@ -21929,7 +20993,7 @@
               <a:t> </a:t>
             </a:r>
             <a:r>
-              <a:rPr lang="cs-CZ" sz="2000" b="1" dirty="0" smtClean="0">
+              <a:rPr lang="cs-CZ" sz="2000" b="1" dirty="0">
                 <a:solidFill>
                   <a:srgbClr val="00B0F0"/>
                 </a:solidFill>
@@ -21938,17 +21002,8 @@
                 <a:cs typeface="Source Sans Pro"/>
                 <a:sym typeface="Source Sans Pro"/>
               </a:rPr>
-              <a:t>83.249s</a:t>
+              <a:t>83.249</a:t>
             </a:r>
-            <a:endParaRPr lang="cs-CZ" sz="2000" b="1" dirty="0">
-              <a:solidFill>
-                <a:srgbClr val="00B0F0"/>
-              </a:solidFill>
-              <a:latin typeface="Source Sans Pro"/>
-              <a:ea typeface="Source Sans Pro"/>
-              <a:cs typeface="Source Sans Pro"/>
-              <a:sym typeface="Source Sans Pro"/>
-            </a:endParaRPr>
           </a:p>
         </p:txBody>
       </p:sp>
@@ -21958,6 +21013,470 @@
         <p14:creationId xmlns:p14="http://schemas.microsoft.com/office/powerpoint/2010/main" val="960172357"/>
       </p:ext>
     </p:extLst>
+  </p:cSld>
+  <p:clrMapOvr>
+    <a:masterClrMapping/>
+  </p:clrMapOvr>
+</p:sld>
+</file>
+
+<file path=ppt/slides/slide19.xml><?xml version="1.0" encoding="utf-8"?>
+<p:sld xmlns:a="http://schemas.openxmlformats.org/drawingml/2006/main" xmlns:r="http://schemas.openxmlformats.org/officeDocument/2006/relationships" xmlns:p="http://schemas.openxmlformats.org/presentationml/2006/main">
+  <p:cSld>
+    <p:spTree>
+      <p:nvGrpSpPr>
+        <p:cNvPr id="1" name="Shape 731"/>
+        <p:cNvGrpSpPr/>
+        <p:nvPr/>
+      </p:nvGrpSpPr>
+      <p:grpSpPr>
+        <a:xfrm>
+          <a:off x="0" y="0"/>
+          <a:ext cx="0" cy="0"/>
+          <a:chOff x="0" y="0"/>
+          <a:chExt cx="0" cy="0"/>
+        </a:xfrm>
+      </p:grpSpPr>
+      <p:sp>
+        <p:nvSpPr>
+          <p:cNvPr id="732" name="Shape 732"/>
+          <p:cNvSpPr txBox="1">
+            <a:spLocks noGrp="1"/>
+          </p:cNvSpPr>
+          <p:nvPr>
+            <p:ph type="ctrTitle" idx="4294967295"/>
+          </p:nvPr>
+        </p:nvSpPr>
+        <p:spPr>
+          <a:xfrm>
+            <a:off x="1275150" y="1278550"/>
+            <a:ext cx="6593700" cy="1159800"/>
+          </a:xfrm>
+          <a:prstGeom prst="rect">
+            <a:avLst/>
+          </a:prstGeom>
+        </p:spPr>
+        <p:txBody>
+          <a:bodyPr spcFirstLastPara="1" wrap="square" lIns="91425" tIns="91425" rIns="91425" bIns="91425" anchor="b" anchorCtr="0">
+            <a:noAutofit/>
+          </a:bodyPr>
+          <a:lstStyle/>
+          <a:p>
+            <a:pPr marL="0" lvl="0" indent="0" rtl="0">
+              <a:spcBef>
+                <a:spcPts val="0"/>
+              </a:spcBef>
+              <a:spcAft>
+                <a:spcPts val="0"/>
+              </a:spcAft>
+              <a:buNone/>
+            </a:pPr>
+            <a:r>
+              <a:rPr lang="en" sz="10000" dirty="0"/>
+              <a:t>THANKS!</a:t>
+            </a:r>
+            <a:endParaRPr sz="10000" dirty="0"/>
+          </a:p>
+        </p:txBody>
+      </p:sp>
+      <p:sp>
+        <p:nvSpPr>
+          <p:cNvPr id="4" name="Shape 733"/>
+          <p:cNvSpPr txBox="1">
+            <a:spLocks/>
+          </p:cNvSpPr>
+          <p:nvPr/>
+        </p:nvSpPr>
+        <p:spPr>
+          <a:xfrm>
+            <a:off x="1398717" y="2290069"/>
+            <a:ext cx="6593700" cy="2332749"/>
+          </a:xfrm>
+          <a:prstGeom prst="rect">
+            <a:avLst/>
+          </a:prstGeom>
+          <a:noFill/>
+          <a:ln>
+            <a:noFill/>
+          </a:ln>
+        </p:spPr>
+        <p:txBody>
+          <a:bodyPr spcFirstLastPara="1" wrap="square" lIns="91425" tIns="91425" rIns="91425" bIns="91425" anchor="t" anchorCtr="0">
+            <a:noAutofit/>
+          </a:bodyPr>
+          <a:lstStyle>
+            <a:defPPr marR="0" lvl="0" algn="l" rtl="0">
+              <a:lnSpc>
+                <a:spcPct val="100000"/>
+              </a:lnSpc>
+              <a:spcBef>
+                <a:spcPts val="0"/>
+              </a:spcBef>
+              <a:spcAft>
+                <a:spcPts val="0"/>
+              </a:spcAft>
+            </a:defPPr>
+            <a:lvl1pPr marL="457200" marR="0" lvl="0" indent="-355600" algn="l" rtl="0">
+              <a:lnSpc>
+                <a:spcPct val="100000"/>
+              </a:lnSpc>
+              <a:spcBef>
+                <a:spcPts val="600"/>
+              </a:spcBef>
+              <a:spcAft>
+                <a:spcPts val="0"/>
+              </a:spcAft>
+              <a:buClr>
+                <a:srgbClr val="28324A"/>
+              </a:buClr>
+              <a:buSzPts val="2000"/>
+              <a:buFont typeface="Source Sans Pro"/>
+              <a:buChar char="◉"/>
+              <a:defRPr sz="2000" b="0" i="0" u="none" strike="noStrike" cap="none">
+                <a:solidFill>
+                  <a:srgbClr val="28324A"/>
+                </a:solidFill>
+                <a:latin typeface="Source Sans Pro"/>
+                <a:ea typeface="Source Sans Pro"/>
+                <a:cs typeface="Source Sans Pro"/>
+                <a:sym typeface="Source Sans Pro"/>
+              </a:defRPr>
+            </a:lvl1pPr>
+            <a:lvl2pPr marL="914400" marR="0" lvl="1" indent="-342900" algn="l" rtl="0">
+              <a:lnSpc>
+                <a:spcPct val="100000"/>
+              </a:lnSpc>
+              <a:spcBef>
+                <a:spcPts val="0"/>
+              </a:spcBef>
+              <a:spcAft>
+                <a:spcPts val="0"/>
+              </a:spcAft>
+              <a:buClr>
+                <a:srgbClr val="28324A"/>
+              </a:buClr>
+              <a:buSzPts val="1800"/>
+              <a:buFont typeface="Source Sans Pro"/>
+              <a:buChar char="◉"/>
+              <a:defRPr sz="1800" b="0" i="0" u="none" strike="noStrike" cap="none">
+                <a:solidFill>
+                  <a:srgbClr val="28324A"/>
+                </a:solidFill>
+                <a:latin typeface="Source Sans Pro"/>
+                <a:ea typeface="Source Sans Pro"/>
+                <a:cs typeface="Source Sans Pro"/>
+                <a:sym typeface="Source Sans Pro"/>
+              </a:defRPr>
+            </a:lvl2pPr>
+            <a:lvl3pPr marL="1371600" marR="0" lvl="2" indent="-342900" algn="l" rtl="0">
+              <a:lnSpc>
+                <a:spcPct val="100000"/>
+              </a:lnSpc>
+              <a:spcBef>
+                <a:spcPts val="0"/>
+              </a:spcBef>
+              <a:spcAft>
+                <a:spcPts val="0"/>
+              </a:spcAft>
+              <a:buClr>
+                <a:srgbClr val="28324A"/>
+              </a:buClr>
+              <a:buSzPts val="1800"/>
+              <a:buFont typeface="Source Sans Pro"/>
+              <a:buChar char="■"/>
+              <a:defRPr sz="1800" b="0" i="0" u="none" strike="noStrike" cap="none">
+                <a:solidFill>
+                  <a:srgbClr val="28324A"/>
+                </a:solidFill>
+                <a:latin typeface="Source Sans Pro"/>
+                <a:ea typeface="Source Sans Pro"/>
+                <a:cs typeface="Source Sans Pro"/>
+                <a:sym typeface="Source Sans Pro"/>
+              </a:defRPr>
+            </a:lvl3pPr>
+            <a:lvl4pPr marL="1828800" marR="0" lvl="3" indent="-342900" algn="l" rtl="0">
+              <a:lnSpc>
+                <a:spcPct val="100000"/>
+              </a:lnSpc>
+              <a:spcBef>
+                <a:spcPts val="0"/>
+              </a:spcBef>
+              <a:spcAft>
+                <a:spcPts val="0"/>
+              </a:spcAft>
+              <a:buClr>
+                <a:srgbClr val="28324A"/>
+              </a:buClr>
+              <a:buSzPts val="1800"/>
+              <a:buFont typeface="Source Sans Pro"/>
+              <a:buChar char="●"/>
+              <a:defRPr sz="1800" b="0" i="0" u="none" strike="noStrike" cap="none">
+                <a:solidFill>
+                  <a:srgbClr val="28324A"/>
+                </a:solidFill>
+                <a:latin typeface="Source Sans Pro"/>
+                <a:ea typeface="Source Sans Pro"/>
+                <a:cs typeface="Source Sans Pro"/>
+                <a:sym typeface="Source Sans Pro"/>
+              </a:defRPr>
+            </a:lvl4pPr>
+            <a:lvl5pPr marL="2286000" marR="0" lvl="4" indent="-342900" algn="l" rtl="0">
+              <a:lnSpc>
+                <a:spcPct val="100000"/>
+              </a:lnSpc>
+              <a:spcBef>
+                <a:spcPts val="0"/>
+              </a:spcBef>
+              <a:spcAft>
+                <a:spcPts val="0"/>
+              </a:spcAft>
+              <a:buClr>
+                <a:srgbClr val="28324A"/>
+              </a:buClr>
+              <a:buSzPts val="1800"/>
+              <a:buFont typeface="Source Sans Pro"/>
+              <a:buChar char="○"/>
+              <a:defRPr sz="1800" b="0" i="0" u="none" strike="noStrike" cap="none">
+                <a:solidFill>
+                  <a:srgbClr val="28324A"/>
+                </a:solidFill>
+                <a:latin typeface="Source Sans Pro"/>
+                <a:ea typeface="Source Sans Pro"/>
+                <a:cs typeface="Source Sans Pro"/>
+                <a:sym typeface="Source Sans Pro"/>
+              </a:defRPr>
+            </a:lvl5pPr>
+            <a:lvl6pPr marL="2743200" marR="0" lvl="5" indent="-342900" algn="l" rtl="0">
+              <a:lnSpc>
+                <a:spcPct val="100000"/>
+              </a:lnSpc>
+              <a:spcBef>
+                <a:spcPts val="0"/>
+              </a:spcBef>
+              <a:spcAft>
+                <a:spcPts val="0"/>
+              </a:spcAft>
+              <a:buClr>
+                <a:srgbClr val="28324A"/>
+              </a:buClr>
+              <a:buSzPts val="1800"/>
+              <a:buFont typeface="Source Sans Pro"/>
+              <a:buChar char="■"/>
+              <a:defRPr sz="1800" b="0" i="0" u="none" strike="noStrike" cap="none">
+                <a:solidFill>
+                  <a:srgbClr val="28324A"/>
+                </a:solidFill>
+                <a:latin typeface="Source Sans Pro"/>
+                <a:ea typeface="Source Sans Pro"/>
+                <a:cs typeface="Source Sans Pro"/>
+                <a:sym typeface="Source Sans Pro"/>
+              </a:defRPr>
+            </a:lvl6pPr>
+            <a:lvl7pPr marL="3200400" marR="0" lvl="6" indent="-342900" algn="l" rtl="0">
+              <a:lnSpc>
+                <a:spcPct val="100000"/>
+              </a:lnSpc>
+              <a:spcBef>
+                <a:spcPts val="0"/>
+              </a:spcBef>
+              <a:spcAft>
+                <a:spcPts val="0"/>
+              </a:spcAft>
+              <a:buClr>
+                <a:srgbClr val="28324A"/>
+              </a:buClr>
+              <a:buSzPts val="1800"/>
+              <a:buFont typeface="Source Sans Pro"/>
+              <a:buChar char="●"/>
+              <a:defRPr sz="1800" b="0" i="0" u="none" strike="noStrike" cap="none">
+                <a:solidFill>
+                  <a:srgbClr val="28324A"/>
+                </a:solidFill>
+                <a:latin typeface="Source Sans Pro"/>
+                <a:ea typeface="Source Sans Pro"/>
+                <a:cs typeface="Source Sans Pro"/>
+                <a:sym typeface="Source Sans Pro"/>
+              </a:defRPr>
+            </a:lvl7pPr>
+            <a:lvl8pPr marL="3657600" marR="0" lvl="7" indent="-342900" algn="l" rtl="0">
+              <a:lnSpc>
+                <a:spcPct val="100000"/>
+              </a:lnSpc>
+              <a:spcBef>
+                <a:spcPts val="0"/>
+              </a:spcBef>
+              <a:spcAft>
+                <a:spcPts val="0"/>
+              </a:spcAft>
+              <a:buClr>
+                <a:srgbClr val="28324A"/>
+              </a:buClr>
+              <a:buSzPts val="1800"/>
+              <a:buFont typeface="Source Sans Pro"/>
+              <a:buChar char="○"/>
+              <a:defRPr sz="1800" b="0" i="0" u="none" strike="noStrike" cap="none">
+                <a:solidFill>
+                  <a:srgbClr val="28324A"/>
+                </a:solidFill>
+                <a:latin typeface="Source Sans Pro"/>
+                <a:ea typeface="Source Sans Pro"/>
+                <a:cs typeface="Source Sans Pro"/>
+                <a:sym typeface="Source Sans Pro"/>
+              </a:defRPr>
+            </a:lvl8pPr>
+            <a:lvl9pPr marL="4114800" marR="0" lvl="8" indent="-342900" algn="l" rtl="0">
+              <a:lnSpc>
+                <a:spcPct val="100000"/>
+              </a:lnSpc>
+              <a:spcBef>
+                <a:spcPts val="0"/>
+              </a:spcBef>
+              <a:spcAft>
+                <a:spcPts val="0"/>
+              </a:spcAft>
+              <a:buClr>
+                <a:srgbClr val="28324A"/>
+              </a:buClr>
+              <a:buSzPts val="1800"/>
+              <a:buFont typeface="Source Sans Pro"/>
+              <a:buChar char="■"/>
+              <a:defRPr sz="1800" b="0" i="0" u="none" strike="noStrike" cap="none">
+                <a:solidFill>
+                  <a:srgbClr val="28324A"/>
+                </a:solidFill>
+                <a:latin typeface="Source Sans Pro"/>
+                <a:ea typeface="Source Sans Pro"/>
+                <a:cs typeface="Source Sans Pro"/>
+                <a:sym typeface="Source Sans Pro"/>
+              </a:defRPr>
+            </a:lvl9pPr>
+          </a:lstStyle>
+          <a:p>
+            <a:pPr marL="0" indent="0" algn="ctr">
+              <a:buFont typeface="Source Sans Pro"/>
+              <a:buNone/>
+            </a:pPr>
+            <a:r>
+              <a:rPr lang="en" b="1" dirty="0">
+                <a:latin typeface="Arial" charset="0"/>
+                <a:ea typeface="Arial" charset="0"/>
+                <a:cs typeface="Arial" charset="0"/>
+              </a:rPr>
+              <a:t>Any questions?</a:t>
+            </a:r>
+          </a:p>
+          <a:p>
+            <a:pPr marL="0" indent="0" algn="ctr">
+              <a:buFont typeface="Source Sans Pro"/>
+              <a:buNone/>
+            </a:pPr>
+            <a:r>
+              <a:rPr lang="en" b="1" dirty="0">
+                <a:latin typeface="Arial" charset="0"/>
+                <a:ea typeface="Arial" charset="0"/>
+                <a:cs typeface="Arial" charset="0"/>
+              </a:rPr>
+              <a:t>You can find me at</a:t>
+            </a:r>
+            <a:endParaRPr lang="en-US" b="1" dirty="0">
+              <a:latin typeface="Arial" charset="0"/>
+              <a:ea typeface="Arial" charset="0"/>
+              <a:cs typeface="Arial" charset="0"/>
+            </a:endParaRPr>
+          </a:p>
+          <a:p>
+            <a:pPr marL="0" indent="0" algn="ctr">
+              <a:buNone/>
+            </a:pPr>
+            <a:r>
+              <a:rPr lang="en-US" sz="1600" dirty="0">
+                <a:latin typeface="Arial" charset="0"/>
+                <a:ea typeface="Arial" charset="0"/>
+                <a:cs typeface="Arial" charset="0"/>
+              </a:rPr>
+              <a:t>Fan Yang: fy2232@columbia.edu</a:t>
+            </a:r>
+            <a:endParaRPr lang="en" sz="1600" dirty="0">
+              <a:latin typeface="Arial" charset="0"/>
+              <a:ea typeface="Arial" charset="0"/>
+              <a:cs typeface="Arial" charset="0"/>
+            </a:endParaRPr>
+          </a:p>
+          <a:p>
+            <a:pPr marL="0" indent="0" algn="ctr">
+              <a:buFont typeface="Source Sans Pro"/>
+              <a:buNone/>
+            </a:pPr>
+            <a:r>
+              <a:rPr lang="en-US" sz="1600" dirty="0">
+                <a:latin typeface="Arial" charset="0"/>
+                <a:ea typeface="Arial" charset="0"/>
+                <a:cs typeface="Arial" charset="0"/>
+              </a:rPr>
+              <a:t>Jingyi Wang: jw3592@columbia.edu</a:t>
+            </a:r>
+          </a:p>
+          <a:p>
+            <a:pPr marL="0" indent="0" algn="ctr">
+              <a:buNone/>
+            </a:pPr>
+            <a:r>
+              <a:rPr lang="en-US" sz="1600" dirty="0" err="1">
+                <a:latin typeface="Arial" charset="0"/>
+                <a:ea typeface="Arial" charset="0"/>
+                <a:cs typeface="Arial" charset="0"/>
+              </a:rPr>
+              <a:t>Yiran</a:t>
+            </a:r>
+            <a:r>
+              <a:rPr lang="en-US" sz="1600" dirty="0">
+                <a:latin typeface="Arial" charset="0"/>
+                <a:ea typeface="Arial" charset="0"/>
+                <a:cs typeface="Arial" charset="0"/>
+              </a:rPr>
+              <a:t> Jiang: yj2462@columbia.edu</a:t>
+            </a:r>
+          </a:p>
+          <a:p>
+            <a:pPr marL="0" indent="0" algn="ctr">
+              <a:buNone/>
+            </a:pPr>
+            <a:r>
+              <a:rPr lang="en-US" sz="1600" dirty="0" err="1">
+                <a:latin typeface="Arial" charset="0"/>
+                <a:ea typeface="Arial" charset="0"/>
+                <a:cs typeface="Arial" charset="0"/>
+              </a:rPr>
+              <a:t>Xueyao</a:t>
+            </a:r>
+            <a:r>
+              <a:rPr lang="en-US" sz="1600" dirty="0">
+                <a:latin typeface="Arial" charset="0"/>
+                <a:ea typeface="Arial" charset="0"/>
+                <a:cs typeface="Arial" charset="0"/>
+              </a:rPr>
+              <a:t> Li: xl2719@columbia.edu</a:t>
+            </a:r>
+            <a:endParaRPr lang="en" sz="1600" dirty="0">
+              <a:latin typeface="Arial" charset="0"/>
+              <a:ea typeface="Arial" charset="0"/>
+              <a:cs typeface="Arial" charset="0"/>
+            </a:endParaRPr>
+          </a:p>
+          <a:p>
+            <a:pPr marL="0" indent="0" algn="ctr">
+              <a:buFont typeface="Source Sans Pro"/>
+              <a:buNone/>
+            </a:pPr>
+            <a:endParaRPr lang="en" sz="1600" dirty="0">
+              <a:latin typeface="Arial" charset="0"/>
+              <a:ea typeface="Arial" charset="0"/>
+              <a:cs typeface="Arial" charset="0"/>
+            </a:endParaRPr>
+          </a:p>
+        </p:txBody>
+      </p:sp>
+    </p:spTree>
   </p:cSld>
   <p:clrMapOvr>
     <a:masterClrMapping/>
@@ -22167,470 +21686,6 @@
 </p:sld>
 </file>
 
-<file path=ppt/slides/slide20.xml><?xml version="1.0" encoding="utf-8"?>
-<p:sld xmlns:a="http://schemas.openxmlformats.org/drawingml/2006/main" xmlns:r="http://schemas.openxmlformats.org/officeDocument/2006/relationships" xmlns:p="http://schemas.openxmlformats.org/presentationml/2006/main">
-  <p:cSld>
-    <p:spTree>
-      <p:nvGrpSpPr>
-        <p:cNvPr id="1" name="Shape 731"/>
-        <p:cNvGrpSpPr/>
-        <p:nvPr/>
-      </p:nvGrpSpPr>
-      <p:grpSpPr>
-        <a:xfrm>
-          <a:off x="0" y="0"/>
-          <a:ext cx="0" cy="0"/>
-          <a:chOff x="0" y="0"/>
-          <a:chExt cx="0" cy="0"/>
-        </a:xfrm>
-      </p:grpSpPr>
-      <p:sp>
-        <p:nvSpPr>
-          <p:cNvPr id="732" name="Shape 732"/>
-          <p:cNvSpPr txBox="1">
-            <a:spLocks noGrp="1"/>
-          </p:cNvSpPr>
-          <p:nvPr>
-            <p:ph type="ctrTitle" idx="4294967295"/>
-          </p:nvPr>
-        </p:nvSpPr>
-        <p:spPr>
-          <a:xfrm>
-            <a:off x="1275150" y="1278550"/>
-            <a:ext cx="6593700" cy="1159800"/>
-          </a:xfrm>
-          <a:prstGeom prst="rect">
-            <a:avLst/>
-          </a:prstGeom>
-        </p:spPr>
-        <p:txBody>
-          <a:bodyPr spcFirstLastPara="1" wrap="square" lIns="91425" tIns="91425" rIns="91425" bIns="91425" anchor="b" anchorCtr="0">
-            <a:noAutofit/>
-          </a:bodyPr>
-          <a:lstStyle/>
-          <a:p>
-            <a:pPr marL="0" lvl="0" indent="0" rtl="0">
-              <a:spcBef>
-                <a:spcPts val="0"/>
-              </a:spcBef>
-              <a:spcAft>
-                <a:spcPts val="0"/>
-              </a:spcAft>
-              <a:buNone/>
-            </a:pPr>
-            <a:r>
-              <a:rPr lang="en" sz="10000" dirty="0"/>
-              <a:t>THANKS!</a:t>
-            </a:r>
-            <a:endParaRPr sz="10000" dirty="0"/>
-          </a:p>
-        </p:txBody>
-      </p:sp>
-      <p:sp>
-        <p:nvSpPr>
-          <p:cNvPr id="4" name="Shape 733"/>
-          <p:cNvSpPr txBox="1">
-            <a:spLocks/>
-          </p:cNvSpPr>
-          <p:nvPr/>
-        </p:nvSpPr>
-        <p:spPr>
-          <a:xfrm>
-            <a:off x="1398717" y="2290069"/>
-            <a:ext cx="6593700" cy="2332749"/>
-          </a:xfrm>
-          <a:prstGeom prst="rect">
-            <a:avLst/>
-          </a:prstGeom>
-          <a:noFill/>
-          <a:ln>
-            <a:noFill/>
-          </a:ln>
-        </p:spPr>
-        <p:txBody>
-          <a:bodyPr spcFirstLastPara="1" wrap="square" lIns="91425" tIns="91425" rIns="91425" bIns="91425" anchor="t" anchorCtr="0">
-            <a:noAutofit/>
-          </a:bodyPr>
-          <a:lstStyle>
-            <a:defPPr marR="0" lvl="0" algn="l" rtl="0">
-              <a:lnSpc>
-                <a:spcPct val="100000"/>
-              </a:lnSpc>
-              <a:spcBef>
-                <a:spcPts val="0"/>
-              </a:spcBef>
-              <a:spcAft>
-                <a:spcPts val="0"/>
-              </a:spcAft>
-            </a:defPPr>
-            <a:lvl1pPr marL="457200" marR="0" lvl="0" indent="-355600" algn="l" rtl="0">
-              <a:lnSpc>
-                <a:spcPct val="100000"/>
-              </a:lnSpc>
-              <a:spcBef>
-                <a:spcPts val="600"/>
-              </a:spcBef>
-              <a:spcAft>
-                <a:spcPts val="0"/>
-              </a:spcAft>
-              <a:buClr>
-                <a:srgbClr val="28324A"/>
-              </a:buClr>
-              <a:buSzPts val="2000"/>
-              <a:buFont typeface="Source Sans Pro"/>
-              <a:buChar char="◉"/>
-              <a:defRPr sz="2000" b="0" i="0" u="none" strike="noStrike" cap="none">
-                <a:solidFill>
-                  <a:srgbClr val="28324A"/>
-                </a:solidFill>
-                <a:latin typeface="Source Sans Pro"/>
-                <a:ea typeface="Source Sans Pro"/>
-                <a:cs typeface="Source Sans Pro"/>
-                <a:sym typeface="Source Sans Pro"/>
-              </a:defRPr>
-            </a:lvl1pPr>
-            <a:lvl2pPr marL="914400" marR="0" lvl="1" indent="-342900" algn="l" rtl="0">
-              <a:lnSpc>
-                <a:spcPct val="100000"/>
-              </a:lnSpc>
-              <a:spcBef>
-                <a:spcPts val="0"/>
-              </a:spcBef>
-              <a:spcAft>
-                <a:spcPts val="0"/>
-              </a:spcAft>
-              <a:buClr>
-                <a:srgbClr val="28324A"/>
-              </a:buClr>
-              <a:buSzPts val="1800"/>
-              <a:buFont typeface="Source Sans Pro"/>
-              <a:buChar char="◉"/>
-              <a:defRPr sz="1800" b="0" i="0" u="none" strike="noStrike" cap="none">
-                <a:solidFill>
-                  <a:srgbClr val="28324A"/>
-                </a:solidFill>
-                <a:latin typeface="Source Sans Pro"/>
-                <a:ea typeface="Source Sans Pro"/>
-                <a:cs typeface="Source Sans Pro"/>
-                <a:sym typeface="Source Sans Pro"/>
-              </a:defRPr>
-            </a:lvl2pPr>
-            <a:lvl3pPr marL="1371600" marR="0" lvl="2" indent="-342900" algn="l" rtl="0">
-              <a:lnSpc>
-                <a:spcPct val="100000"/>
-              </a:lnSpc>
-              <a:spcBef>
-                <a:spcPts val="0"/>
-              </a:spcBef>
-              <a:spcAft>
-                <a:spcPts val="0"/>
-              </a:spcAft>
-              <a:buClr>
-                <a:srgbClr val="28324A"/>
-              </a:buClr>
-              <a:buSzPts val="1800"/>
-              <a:buFont typeface="Source Sans Pro"/>
-              <a:buChar char="■"/>
-              <a:defRPr sz="1800" b="0" i="0" u="none" strike="noStrike" cap="none">
-                <a:solidFill>
-                  <a:srgbClr val="28324A"/>
-                </a:solidFill>
-                <a:latin typeface="Source Sans Pro"/>
-                <a:ea typeface="Source Sans Pro"/>
-                <a:cs typeface="Source Sans Pro"/>
-                <a:sym typeface="Source Sans Pro"/>
-              </a:defRPr>
-            </a:lvl3pPr>
-            <a:lvl4pPr marL="1828800" marR="0" lvl="3" indent="-342900" algn="l" rtl="0">
-              <a:lnSpc>
-                <a:spcPct val="100000"/>
-              </a:lnSpc>
-              <a:spcBef>
-                <a:spcPts val="0"/>
-              </a:spcBef>
-              <a:spcAft>
-                <a:spcPts val="0"/>
-              </a:spcAft>
-              <a:buClr>
-                <a:srgbClr val="28324A"/>
-              </a:buClr>
-              <a:buSzPts val="1800"/>
-              <a:buFont typeface="Source Sans Pro"/>
-              <a:buChar char="●"/>
-              <a:defRPr sz="1800" b="0" i="0" u="none" strike="noStrike" cap="none">
-                <a:solidFill>
-                  <a:srgbClr val="28324A"/>
-                </a:solidFill>
-                <a:latin typeface="Source Sans Pro"/>
-                <a:ea typeface="Source Sans Pro"/>
-                <a:cs typeface="Source Sans Pro"/>
-                <a:sym typeface="Source Sans Pro"/>
-              </a:defRPr>
-            </a:lvl4pPr>
-            <a:lvl5pPr marL="2286000" marR="0" lvl="4" indent="-342900" algn="l" rtl="0">
-              <a:lnSpc>
-                <a:spcPct val="100000"/>
-              </a:lnSpc>
-              <a:spcBef>
-                <a:spcPts val="0"/>
-              </a:spcBef>
-              <a:spcAft>
-                <a:spcPts val="0"/>
-              </a:spcAft>
-              <a:buClr>
-                <a:srgbClr val="28324A"/>
-              </a:buClr>
-              <a:buSzPts val="1800"/>
-              <a:buFont typeface="Source Sans Pro"/>
-              <a:buChar char="○"/>
-              <a:defRPr sz="1800" b="0" i="0" u="none" strike="noStrike" cap="none">
-                <a:solidFill>
-                  <a:srgbClr val="28324A"/>
-                </a:solidFill>
-                <a:latin typeface="Source Sans Pro"/>
-                <a:ea typeface="Source Sans Pro"/>
-                <a:cs typeface="Source Sans Pro"/>
-                <a:sym typeface="Source Sans Pro"/>
-              </a:defRPr>
-            </a:lvl5pPr>
-            <a:lvl6pPr marL="2743200" marR="0" lvl="5" indent="-342900" algn="l" rtl="0">
-              <a:lnSpc>
-                <a:spcPct val="100000"/>
-              </a:lnSpc>
-              <a:spcBef>
-                <a:spcPts val="0"/>
-              </a:spcBef>
-              <a:spcAft>
-                <a:spcPts val="0"/>
-              </a:spcAft>
-              <a:buClr>
-                <a:srgbClr val="28324A"/>
-              </a:buClr>
-              <a:buSzPts val="1800"/>
-              <a:buFont typeface="Source Sans Pro"/>
-              <a:buChar char="■"/>
-              <a:defRPr sz="1800" b="0" i="0" u="none" strike="noStrike" cap="none">
-                <a:solidFill>
-                  <a:srgbClr val="28324A"/>
-                </a:solidFill>
-                <a:latin typeface="Source Sans Pro"/>
-                <a:ea typeface="Source Sans Pro"/>
-                <a:cs typeface="Source Sans Pro"/>
-                <a:sym typeface="Source Sans Pro"/>
-              </a:defRPr>
-            </a:lvl6pPr>
-            <a:lvl7pPr marL="3200400" marR="0" lvl="6" indent="-342900" algn="l" rtl="0">
-              <a:lnSpc>
-                <a:spcPct val="100000"/>
-              </a:lnSpc>
-              <a:spcBef>
-                <a:spcPts val="0"/>
-              </a:spcBef>
-              <a:spcAft>
-                <a:spcPts val="0"/>
-              </a:spcAft>
-              <a:buClr>
-                <a:srgbClr val="28324A"/>
-              </a:buClr>
-              <a:buSzPts val="1800"/>
-              <a:buFont typeface="Source Sans Pro"/>
-              <a:buChar char="●"/>
-              <a:defRPr sz="1800" b="0" i="0" u="none" strike="noStrike" cap="none">
-                <a:solidFill>
-                  <a:srgbClr val="28324A"/>
-                </a:solidFill>
-                <a:latin typeface="Source Sans Pro"/>
-                <a:ea typeface="Source Sans Pro"/>
-                <a:cs typeface="Source Sans Pro"/>
-                <a:sym typeface="Source Sans Pro"/>
-              </a:defRPr>
-            </a:lvl7pPr>
-            <a:lvl8pPr marL="3657600" marR="0" lvl="7" indent="-342900" algn="l" rtl="0">
-              <a:lnSpc>
-                <a:spcPct val="100000"/>
-              </a:lnSpc>
-              <a:spcBef>
-                <a:spcPts val="0"/>
-              </a:spcBef>
-              <a:spcAft>
-                <a:spcPts val="0"/>
-              </a:spcAft>
-              <a:buClr>
-                <a:srgbClr val="28324A"/>
-              </a:buClr>
-              <a:buSzPts val="1800"/>
-              <a:buFont typeface="Source Sans Pro"/>
-              <a:buChar char="○"/>
-              <a:defRPr sz="1800" b="0" i="0" u="none" strike="noStrike" cap="none">
-                <a:solidFill>
-                  <a:srgbClr val="28324A"/>
-                </a:solidFill>
-                <a:latin typeface="Source Sans Pro"/>
-                <a:ea typeface="Source Sans Pro"/>
-                <a:cs typeface="Source Sans Pro"/>
-                <a:sym typeface="Source Sans Pro"/>
-              </a:defRPr>
-            </a:lvl8pPr>
-            <a:lvl9pPr marL="4114800" marR="0" lvl="8" indent="-342900" algn="l" rtl="0">
-              <a:lnSpc>
-                <a:spcPct val="100000"/>
-              </a:lnSpc>
-              <a:spcBef>
-                <a:spcPts val="0"/>
-              </a:spcBef>
-              <a:spcAft>
-                <a:spcPts val="0"/>
-              </a:spcAft>
-              <a:buClr>
-                <a:srgbClr val="28324A"/>
-              </a:buClr>
-              <a:buSzPts val="1800"/>
-              <a:buFont typeface="Source Sans Pro"/>
-              <a:buChar char="■"/>
-              <a:defRPr sz="1800" b="0" i="0" u="none" strike="noStrike" cap="none">
-                <a:solidFill>
-                  <a:srgbClr val="28324A"/>
-                </a:solidFill>
-                <a:latin typeface="Source Sans Pro"/>
-                <a:ea typeface="Source Sans Pro"/>
-                <a:cs typeface="Source Sans Pro"/>
-                <a:sym typeface="Source Sans Pro"/>
-              </a:defRPr>
-            </a:lvl9pPr>
-          </a:lstStyle>
-          <a:p>
-            <a:pPr marL="0" indent="0" algn="ctr">
-              <a:buFont typeface="Source Sans Pro"/>
-              <a:buNone/>
-            </a:pPr>
-            <a:r>
-              <a:rPr lang="en" b="1" dirty="0">
-                <a:latin typeface="Arial" charset="0"/>
-                <a:ea typeface="Arial" charset="0"/>
-                <a:cs typeface="Arial" charset="0"/>
-              </a:rPr>
-              <a:t>Any questions?</a:t>
-            </a:r>
-          </a:p>
-          <a:p>
-            <a:pPr marL="0" indent="0" algn="ctr">
-              <a:buFont typeface="Source Sans Pro"/>
-              <a:buNone/>
-            </a:pPr>
-            <a:r>
-              <a:rPr lang="en" b="1" dirty="0">
-                <a:latin typeface="Arial" charset="0"/>
-                <a:ea typeface="Arial" charset="0"/>
-                <a:cs typeface="Arial" charset="0"/>
-              </a:rPr>
-              <a:t>You can find me at</a:t>
-            </a:r>
-            <a:endParaRPr lang="en-US" b="1" dirty="0">
-              <a:latin typeface="Arial" charset="0"/>
-              <a:ea typeface="Arial" charset="0"/>
-              <a:cs typeface="Arial" charset="0"/>
-            </a:endParaRPr>
-          </a:p>
-          <a:p>
-            <a:pPr marL="0" indent="0" algn="ctr">
-              <a:buNone/>
-            </a:pPr>
-            <a:r>
-              <a:rPr lang="en-US" sz="1600" dirty="0">
-                <a:latin typeface="Arial" charset="0"/>
-                <a:ea typeface="Arial" charset="0"/>
-                <a:cs typeface="Arial" charset="0"/>
-              </a:rPr>
-              <a:t>Fan Yang: fy2232@columbia.edu</a:t>
-            </a:r>
-            <a:endParaRPr lang="en" sz="1600" dirty="0">
-              <a:latin typeface="Arial" charset="0"/>
-              <a:ea typeface="Arial" charset="0"/>
-              <a:cs typeface="Arial" charset="0"/>
-            </a:endParaRPr>
-          </a:p>
-          <a:p>
-            <a:pPr marL="0" indent="0" algn="ctr">
-              <a:buFont typeface="Source Sans Pro"/>
-              <a:buNone/>
-            </a:pPr>
-            <a:r>
-              <a:rPr lang="en-US" sz="1600" dirty="0">
-                <a:latin typeface="Arial" charset="0"/>
-                <a:ea typeface="Arial" charset="0"/>
-                <a:cs typeface="Arial" charset="0"/>
-              </a:rPr>
-              <a:t>Jingyi Wang: jw3592@columbia.edu</a:t>
-            </a:r>
-          </a:p>
-          <a:p>
-            <a:pPr marL="0" indent="0" algn="ctr">
-              <a:buNone/>
-            </a:pPr>
-            <a:r>
-              <a:rPr lang="en-US" sz="1600" dirty="0" err="1">
-                <a:latin typeface="Arial" charset="0"/>
-                <a:ea typeface="Arial" charset="0"/>
-                <a:cs typeface="Arial" charset="0"/>
-              </a:rPr>
-              <a:t>Yiran</a:t>
-            </a:r>
-            <a:r>
-              <a:rPr lang="en-US" sz="1600" dirty="0">
-                <a:latin typeface="Arial" charset="0"/>
-                <a:ea typeface="Arial" charset="0"/>
-                <a:cs typeface="Arial" charset="0"/>
-              </a:rPr>
-              <a:t> Jiang: yj2462@columbia.edu</a:t>
-            </a:r>
-          </a:p>
-          <a:p>
-            <a:pPr marL="0" indent="0" algn="ctr">
-              <a:buNone/>
-            </a:pPr>
-            <a:r>
-              <a:rPr lang="en-US" sz="1600" dirty="0" err="1">
-                <a:latin typeface="Arial" charset="0"/>
-                <a:ea typeface="Arial" charset="0"/>
-                <a:cs typeface="Arial" charset="0"/>
-              </a:rPr>
-              <a:t>Xueyao</a:t>
-            </a:r>
-            <a:r>
-              <a:rPr lang="en-US" sz="1600" dirty="0">
-                <a:latin typeface="Arial" charset="0"/>
-                <a:ea typeface="Arial" charset="0"/>
-                <a:cs typeface="Arial" charset="0"/>
-              </a:rPr>
-              <a:t> Li: xl2719@columbia.edu</a:t>
-            </a:r>
-            <a:endParaRPr lang="en" sz="1600" dirty="0">
-              <a:latin typeface="Arial" charset="0"/>
-              <a:ea typeface="Arial" charset="0"/>
-              <a:cs typeface="Arial" charset="0"/>
-            </a:endParaRPr>
-          </a:p>
-          <a:p>
-            <a:pPr marL="0" indent="0" algn="ctr">
-              <a:buFont typeface="Source Sans Pro"/>
-              <a:buNone/>
-            </a:pPr>
-            <a:endParaRPr lang="en" sz="1600" dirty="0">
-              <a:latin typeface="Arial" charset="0"/>
-              <a:ea typeface="Arial" charset="0"/>
-              <a:cs typeface="Arial" charset="0"/>
-            </a:endParaRPr>
-          </a:p>
-        </p:txBody>
-      </p:sp>
-    </p:spTree>
-  </p:cSld>
-  <p:clrMapOvr>
-    <a:masterClrMapping/>
-  </p:clrMapOvr>
-</p:sld>
-</file>
-
 <file path=ppt/slides/slide3.xml><?xml version="1.0" encoding="utf-8"?>
 <p:sld xmlns:a="http://schemas.openxmlformats.org/drawingml/2006/main" xmlns:r="http://schemas.openxmlformats.org/officeDocument/2006/relationships" xmlns:p="http://schemas.openxmlformats.org/presentationml/2006/main">
   <p:cSld>
@@ -22821,7 +21876,7 @@
           <p:cNvPr id="7" name="Shape 667">
             <a:extLst>
               <a:ext uri="{FF2B5EF4-FFF2-40B4-BE49-F238E27FC236}">
-                <a16:creationId xmlns:a16="http://schemas.microsoft.com/office/drawing/2014/main" xmlns="" id="{4ED33EE4-9A90-BA4F-9887-E6159A3C4FD9}"/>
+                <a16:creationId xmlns:a16="http://schemas.microsoft.com/office/drawing/2014/main" id="{4ED33EE4-9A90-BA4F-9887-E6159A3C4FD9}"/>
               </a:ext>
             </a:extLst>
           </p:cNvPr>
@@ -23074,7 +22129,7 @@
           </a:lstStyle>
           <a:p>
             <a:r>
-              <a:rPr lang="en-US" altLang="zh-CN" sz="1100" b="1" dirty="0" err="1">
+              <a:rPr lang="en-US" altLang="zh-CN" sz="1100" b="1" err="1">
                 <a:solidFill>
                   <a:schemeClr val="tx1"/>
                 </a:solidFill>
@@ -23082,7 +22137,7 @@
               <a:t>n.trees</a:t>
             </a:r>
             <a:r>
-              <a:rPr lang="en-US" altLang="zh-CN" sz="1100" b="1" dirty="0">
+              <a:rPr lang="en-US" altLang="zh-CN" sz="1100" b="1">
                 <a:solidFill>
                   <a:schemeClr val="tx1"/>
                 </a:solidFill>
@@ -23090,7 +22145,7 @@
               <a:t>: </a:t>
             </a:r>
             <a:r>
-              <a:rPr lang="en-US" altLang="zh-CN" sz="1100" dirty="0">
+              <a:rPr lang="en-US" altLang="zh-CN" sz="1100">
                 <a:solidFill>
                   <a:schemeClr val="tx1"/>
                 </a:solidFill>
@@ -23099,7 +22154,7 @@
             </a:r>
           </a:p>
           <a:p>
-            <a:endParaRPr lang="en-US" sz="1100" dirty="0">
+            <a:endParaRPr lang="en-US" sz="1100">
               <a:solidFill>
                 <a:schemeClr val="tx1"/>
               </a:solidFill>
@@ -23107,7 +22162,7 @@
           </a:p>
           <a:p>
             <a:r>
-              <a:rPr lang="en-US" sz="1100" b="1" dirty="0">
+              <a:rPr lang="en-US" sz="1100" b="1">
                 <a:solidFill>
                   <a:schemeClr val="tx1"/>
                 </a:solidFill>
@@ -23115,7 +22170,7 @@
               <a:t>Shrinkage</a:t>
             </a:r>
             <a:r>
-              <a:rPr lang="en-US" sz="1100" dirty="0">
+              <a:rPr lang="en-US" sz="1100">
                 <a:solidFill>
                   <a:schemeClr val="tx1"/>
                 </a:solidFill>
@@ -23123,7 +22178,7 @@
               <a:t> (Learning Rate)</a:t>
             </a:r>
             <a:r>
-              <a:rPr lang="en-US" sz="1100" b="1" dirty="0">
+              <a:rPr lang="en-US" sz="1100" b="1">
                 <a:solidFill>
                   <a:schemeClr val="tx1"/>
                 </a:solidFill>
@@ -23133,7 +22188,7 @@
           </a:p>
           <a:p>
             <a:r>
-              <a:rPr lang="en-US" sz="1100" dirty="0">
+              <a:rPr lang="en-US" sz="1100">
                 <a:solidFill>
                   <a:schemeClr val="tx1"/>
                 </a:solidFill>
@@ -23148,7 +22203,7 @@
           <p:cNvPr id="8" name="Shape 667">
             <a:extLst>
               <a:ext uri="{FF2B5EF4-FFF2-40B4-BE49-F238E27FC236}">
-                <a16:creationId xmlns:a16="http://schemas.microsoft.com/office/drawing/2014/main" xmlns="" id="{6D9FDE64-5BCC-7B4B-8CDC-391E76042333}"/>
+                <a16:creationId xmlns:a16="http://schemas.microsoft.com/office/drawing/2014/main" id="{6D9FDE64-5BCC-7B4B-8CDC-391E76042333}"/>
               </a:ext>
             </a:extLst>
           </p:cNvPr>
@@ -23901,7 +22956,7 @@
           <p:nvPr>
             <p:extLst>
               <p:ext uri="{D42A27DB-BD31-4B8C-83A1-F6EECF244321}">
-                <p14:modId xmlns:p14="http://schemas.microsoft.com/office/powerpoint/2010/main" val="2019622661"/>
+                <p14:modId xmlns:p14="http://schemas.microsoft.com/office/powerpoint/2010/main" val="101731336"/>
               </p:ext>
             </p:extLst>
           </p:nvPr>
@@ -23920,28 +22975,28 @@
                 <a:gridCol w="1587501">
                   <a:extLst>
                     <a:ext uri="{9D8B030D-6E8A-4147-A177-3AD203B41FA5}">
-                      <a16:colId xmlns:a16="http://schemas.microsoft.com/office/drawing/2014/main" xmlns="" val="20000"/>
+                      <a16:colId xmlns:a16="http://schemas.microsoft.com/office/drawing/2014/main" val="20000"/>
                     </a:ext>
                   </a:extLst>
                 </a:gridCol>
                 <a:gridCol w="2855163">
                   <a:extLst>
                     <a:ext uri="{9D8B030D-6E8A-4147-A177-3AD203B41FA5}">
-                      <a16:colId xmlns:a16="http://schemas.microsoft.com/office/drawing/2014/main" xmlns="" val="20001"/>
+                      <a16:colId xmlns:a16="http://schemas.microsoft.com/office/drawing/2014/main" val="20001"/>
                     </a:ext>
                   </a:extLst>
                 </a:gridCol>
                 <a:gridCol w="1759759">
                   <a:extLst>
                     <a:ext uri="{9D8B030D-6E8A-4147-A177-3AD203B41FA5}">
-                      <a16:colId xmlns:a16="http://schemas.microsoft.com/office/drawing/2014/main" xmlns="" val="20002"/>
+                      <a16:colId xmlns:a16="http://schemas.microsoft.com/office/drawing/2014/main" val="20002"/>
                     </a:ext>
                   </a:extLst>
                 </a:gridCol>
                 <a:gridCol w="2268478">
                   <a:extLst>
                     <a:ext uri="{9D8B030D-6E8A-4147-A177-3AD203B41FA5}">
-                      <a16:colId xmlns:a16="http://schemas.microsoft.com/office/drawing/2014/main" xmlns="" val="20004"/>
+                      <a16:colId xmlns:a16="http://schemas.microsoft.com/office/drawing/2014/main" val="20004"/>
                     </a:ext>
                   </a:extLst>
                 </a:gridCol>
@@ -24063,7 +23118,7 @@
                 </a:tc>
                 <a:extLst>
                   <a:ext uri="{0D108BD9-81ED-4DB2-BD59-A6C34878D82A}">
-                    <a16:rowId xmlns:a16="http://schemas.microsoft.com/office/drawing/2014/main" xmlns="" val="10000"/>
+                    <a16:rowId xmlns:a16="http://schemas.microsoft.com/office/drawing/2014/main" val="10000"/>
                   </a:ext>
                 </a:extLst>
               </a:tr>
@@ -24310,7 +23365,7 @@
                 </a:tc>
                 <a:extLst>
                   <a:ext uri="{0D108BD9-81ED-4DB2-BD59-A6C34878D82A}">
-                    <a16:rowId xmlns:a16="http://schemas.microsoft.com/office/drawing/2014/main" xmlns="" val="2455327945"/>
+                    <a16:rowId xmlns:a16="http://schemas.microsoft.com/office/drawing/2014/main" val="2455327945"/>
                   </a:ext>
                 </a:extLst>
               </a:tr>
@@ -24376,29 +23431,8 @@
                           <a:cs typeface="Arial"/>
                           <a:sym typeface="Arial"/>
                         </a:rPr>
-                        <a:t>Perform well for transformations such as scaling, JPEG compression and limited cropping. Stable behavior independently on the descriptor </a:t>
+                        <a:t>Perform well for transformations such as scaling, JPEG compression and limited cropping. Stable behavior independently on the descriptor size</a:t>
                       </a:r>
-                      <a:r>
-                        <a:rPr lang="en-US" sz="1100" b="0" i="0" u="none" strike="noStrike" cap="none" dirty="0" smtClean="0">
-                          <a:solidFill>
-                            <a:schemeClr val="tx1"/>
-                          </a:solidFill>
-                          <a:latin typeface="+mn-lt"/>
-                          <a:ea typeface="Arial"/>
-                          <a:cs typeface="Arial"/>
-                          <a:sym typeface="Arial"/>
-                        </a:rPr>
-                        <a:t>size.</a:t>
-                      </a:r>
-                      <a:endParaRPr lang="en-US" sz="1100" b="0" i="0" u="none" strike="noStrike" cap="none" dirty="0">
-                        <a:solidFill>
-                          <a:schemeClr val="tx1"/>
-                        </a:solidFill>
-                        <a:latin typeface="+mn-lt"/>
-                        <a:ea typeface="Arial"/>
-                        <a:cs typeface="Arial"/>
-                        <a:sym typeface="Arial"/>
-                      </a:endParaRPr>
                     </a:p>
                     <a:p>
                       <a:pPr algn="l"/>
@@ -24445,29 +23479,8 @@
                           <a:cs typeface="Arial"/>
                           <a:sym typeface="Arial"/>
                         </a:rPr>
-                        <a:t>Heavy  computational </a:t>
+                        <a:t>Heavy  computational cost</a:t>
                       </a:r>
-                      <a:r>
-                        <a:rPr lang="en-US" sz="1100" b="0" i="0" u="none" strike="noStrike" cap="none" dirty="0" smtClean="0">
-                          <a:solidFill>
-                            <a:schemeClr val="tx1"/>
-                          </a:solidFill>
-                          <a:latin typeface="+mn-lt"/>
-                          <a:ea typeface="Arial"/>
-                          <a:cs typeface="Arial"/>
-                          <a:sym typeface="Arial"/>
-                        </a:rPr>
-                        <a:t>cost.</a:t>
-                      </a:r>
-                      <a:endParaRPr lang="en-US" sz="1100" b="0" i="0" u="none" strike="noStrike" cap="none" dirty="0">
-                        <a:solidFill>
-                          <a:schemeClr val="tx1"/>
-                        </a:solidFill>
-                        <a:latin typeface="+mn-lt"/>
-                        <a:ea typeface="Arial"/>
-                        <a:cs typeface="Arial"/>
-                        <a:sym typeface="Arial"/>
-                      </a:endParaRPr>
                     </a:p>
                     <a:p>
                       <a:pPr algn="l"/>
@@ -24527,7 +23540,7 @@
                 </a:tc>
                 <a:extLst>
                   <a:ext uri="{0D108BD9-81ED-4DB2-BD59-A6C34878D82A}">
-                    <a16:rowId xmlns:a16="http://schemas.microsoft.com/office/drawing/2014/main" xmlns="" val="4280216352"/>
+                    <a16:rowId xmlns:a16="http://schemas.microsoft.com/office/drawing/2014/main" val="4280216352"/>
                   </a:ext>
                 </a:extLst>
               </a:tr>
@@ -24614,43 +23627,7 @@
                           <a:cs typeface="Arial"/>
                           <a:sym typeface="Arial"/>
                         </a:rPr>
-                        <a:t>robustness with respect to geometric changes of projected objects </a:t>
-                      </a:r>
-                      <a:r>
-                        <a:rPr lang="en-US" sz="1100" b="0" i="0" u="none" strike="noStrike" cap="none" dirty="0" smtClean="0">
-                          <a:solidFill>
-                            <a:schemeClr val="tx1"/>
-                          </a:solidFill>
-                          <a:latin typeface="+mn-lt"/>
-                          <a:ea typeface="Arial"/>
-                          <a:cs typeface="Arial"/>
-                          <a:sym typeface="Arial"/>
-                        </a:rPr>
-                        <a:t>and, invariant </a:t>
-                      </a:r>
-                      <a:r>
-                        <a:rPr lang="en-US" sz="1100" b="0" i="0" u="none" strike="noStrike" cap="none" dirty="0">
-                          <a:solidFill>
-                            <a:schemeClr val="tx1"/>
-                          </a:solidFill>
-                          <a:latin typeface="+mn-lt"/>
-                          <a:ea typeface="Arial"/>
-                          <a:cs typeface="Arial"/>
-                          <a:sym typeface="Arial"/>
-                        </a:rPr>
-                        <a:t>to translation and rotation around the viewing axis and vary slowly with changes of view angle, scale, and </a:t>
-                      </a:r>
-                      <a:r>
-                        <a:rPr lang="en-US" sz="1100" b="0" i="0" u="none" strike="noStrike" cap="none" dirty="0" smtClean="0">
-                          <a:solidFill>
-                            <a:schemeClr val="tx1"/>
-                          </a:solidFill>
-                          <a:latin typeface="+mn-lt"/>
-                          <a:ea typeface="Arial"/>
-                          <a:cs typeface="Arial"/>
-                          <a:sym typeface="Arial"/>
-                        </a:rPr>
-                        <a:t>occlusion.</a:t>
+                        <a:t>robustness with respect to geometric changes of projected objects and ,invariant to translation and rotation around the viewing axis and vary slowly with changes of view angle, scale, and occlusion</a:t>
                       </a:r>
                       <a:endParaRPr lang="en-US" sz="1100" b="0" dirty="0">
                         <a:solidFill>
@@ -24781,7 +23758,7 @@
                 </a:tc>
                 <a:extLst>
                   <a:ext uri="{0D108BD9-81ED-4DB2-BD59-A6C34878D82A}">
-                    <a16:rowId xmlns:a16="http://schemas.microsoft.com/office/drawing/2014/main" xmlns="" val="2414580013"/>
+                    <a16:rowId xmlns:a16="http://schemas.microsoft.com/office/drawing/2014/main" val="2414580013"/>
                   </a:ext>
                 </a:extLst>
               </a:tr>
@@ -24873,8 +23850,8 @@
         </p:nvSpPr>
         <p:spPr>
           <a:xfrm>
-            <a:off x="705900" y="1005682"/>
-            <a:ext cx="2471700" cy="3299400"/>
+            <a:off x="454464" y="816524"/>
+            <a:ext cx="2471700" cy="4226255"/>
           </a:xfrm>
           <a:prstGeom prst="rect">
             <a:avLst/>
@@ -24896,7 +23873,7 @@
               <a:buNone/>
             </a:pPr>
             <a:r>
-              <a:rPr lang="en-US" b="1"/>
+              <a:rPr lang="en-US" b="1" dirty="0"/>
               <a:t>SIFT</a:t>
             </a:r>
           </a:p>
@@ -24906,33 +23883,33 @@
                 <a:spcPts val="600"/>
               </a:spcBef>
               <a:spcAft>
-                <a:spcPts val="0"/>
+                <a:spcPts val="1200"/>
               </a:spcAft>
               <a:buNone/>
             </a:pPr>
             <a:r>
-              <a:rPr lang="en-US"/>
-              <a:t>2000 features</a:t>
+              <a:rPr lang="en-US" b="1" dirty="0">
+                <a:solidFill>
+                  <a:srgbClr val="FF0000"/>
+                </a:solidFill>
+              </a:rPr>
+              <a:t>2000</a:t>
             </a:r>
-          </a:p>
-          <a:p>
-            <a:pPr marL="0" lvl="0" indent="0">
-              <a:spcBef>
-                <a:spcPts val="600"/>
-              </a:spcBef>
-              <a:spcAft>
-                <a:spcPts val="0"/>
-              </a:spcAft>
-              <a:buNone/>
-            </a:pPr>
-            <a:endParaRPr lang="en-US"/>
+            <a:r>
+              <a:rPr lang="en-US" dirty="0">
+                <a:solidFill>
+                  <a:srgbClr val="FF0000"/>
+                </a:solidFill>
+              </a:rPr>
+              <a:t> features</a:t>
+            </a:r>
           </a:p>
           <a:p>
             <a:pPr marL="0" lvl="0" indent="0">
               <a:buNone/>
             </a:pPr>
             <a:r>
-              <a:rPr lang="en-US" b="1"/>
+              <a:rPr lang="en-US" b="1" dirty="0"/>
               <a:t>RGB</a:t>
             </a:r>
           </a:p>
@@ -24941,30 +23918,65 @@
               <a:buNone/>
             </a:pPr>
             <a:r>
-              <a:rPr lang="en-US"/>
+              <a:rPr lang="en-US" b="1" dirty="0">
+                <a:solidFill>
+                  <a:srgbClr val="FF0000"/>
+                </a:solidFill>
+              </a:rPr>
               <a:t>1</a:t>
             </a:r>
             <a:r>
-              <a:rPr lang="en-US" altLang="zh-CN"/>
+              <a:rPr lang="en-US" altLang="zh-CN" b="1" dirty="0">
+                <a:solidFill>
+                  <a:srgbClr val="FF0000"/>
+                </a:solidFill>
+              </a:rPr>
               <a:t>00</a:t>
             </a:r>
             <a:r>
-              <a:rPr lang="en-US"/>
-              <a:t>0 features</a:t>
+              <a:rPr lang="en-US" b="1" dirty="0">
+                <a:solidFill>
+                  <a:srgbClr val="FF0000"/>
+                </a:solidFill>
+              </a:rPr>
+              <a:t>0</a:t>
+            </a:r>
+            <a:r>
+              <a:rPr lang="en-US" dirty="0">
+                <a:solidFill>
+                  <a:srgbClr val="FF0000"/>
+                </a:solidFill>
+              </a:rPr>
+              <a:t> features</a:t>
             </a:r>
           </a:p>
           <a:p>
             <a:pPr marL="0" lvl="0" indent="0">
               <a:buNone/>
             </a:pPr>
-            <a:endParaRPr lang="en-US"/>
+            <a:r>
+              <a:rPr lang="en-US" sz="1200" dirty="0"/>
+              <a:t>1440 features</a:t>
+            </a:r>
+          </a:p>
+          <a:p>
+            <a:pPr marL="0" lvl="0" indent="0">
+              <a:spcAft>
+                <a:spcPts val="1200"/>
+              </a:spcAft>
+              <a:buNone/>
+            </a:pPr>
+            <a:r>
+              <a:rPr lang="en-US" sz="1200" dirty="0"/>
+              <a:t>512 features</a:t>
+            </a:r>
           </a:p>
           <a:p>
             <a:pPr marL="0" lvl="0" indent="0">
               <a:buNone/>
             </a:pPr>
             <a:r>
-              <a:rPr lang="en-US" b="1"/>
+              <a:rPr lang="en-US" b="1" dirty="0"/>
               <a:t>GIST</a:t>
             </a:r>
           </a:p>
@@ -24973,15 +23985,60 @@
               <a:buNone/>
             </a:pPr>
             <a:r>
-              <a:rPr lang="en-US"/>
-              <a:t>512 features</a:t>
+              <a:rPr lang="en-US" b="1" dirty="0">
+                <a:solidFill>
+                  <a:srgbClr val="FF0000"/>
+                </a:solidFill>
+              </a:rPr>
+              <a:t>512</a:t>
+            </a:r>
+            <a:r>
+              <a:rPr lang="en-US" dirty="0">
+                <a:solidFill>
+                  <a:srgbClr val="FF0000"/>
+                </a:solidFill>
+              </a:rPr>
+              <a:t> features</a:t>
             </a:r>
           </a:p>
           <a:p>
             <a:pPr marL="0" lvl="0" indent="0">
               <a:buNone/>
             </a:pPr>
-            <a:endParaRPr lang="en-US"/>
+            <a:r>
+              <a:rPr lang="en-US" sz="1200" dirty="0"/>
+              <a:t>800 features</a:t>
+            </a:r>
+          </a:p>
+          <a:p>
+            <a:pPr marL="0" lvl="0" indent="0">
+              <a:buNone/>
+            </a:pPr>
+            <a:r>
+              <a:rPr lang="en-US" sz="1200" dirty="0"/>
+              <a:t>1152 features</a:t>
+            </a:r>
+          </a:p>
+          <a:p>
+            <a:pPr marL="0" lvl="0" indent="0">
+              <a:buNone/>
+            </a:pPr>
+            <a:r>
+              <a:rPr lang="en-US" sz="1200" dirty="0"/>
+              <a:t>2548 features</a:t>
+            </a:r>
+          </a:p>
+          <a:p>
+            <a:pPr marL="0" lvl="0" indent="0">
+              <a:buNone/>
+            </a:pPr>
+            <a:endParaRPr lang="en-US" dirty="0"/>
+          </a:p>
+          <a:p>
+            <a:pPr marL="0" lvl="0" indent="0">
+              <a:buNone/>
+            </a:pPr>
+            <a:endParaRPr lang="en-US" dirty="0"/>
           </a:p>
           <a:p>
             <a:pPr marL="0" lvl="0" indent="0">
@@ -24993,7 +24050,7 @@
               </a:spcAft>
               <a:buNone/>
             </a:pPr>
-            <a:endParaRPr/>
+            <a:endParaRPr dirty="0"/>
           </a:p>
         </p:txBody>
       </p:sp>
@@ -25002,7 +24059,7 @@
           <p:cNvPr id="10" name="Shape 666">
             <a:extLst>
               <a:ext uri="{FF2B5EF4-FFF2-40B4-BE49-F238E27FC236}">
-                <a16:creationId xmlns:a16="http://schemas.microsoft.com/office/drawing/2014/main" xmlns="" id="{CFF12E7D-D1AD-6049-9F78-E73AF95BA285}"/>
+                <a16:creationId xmlns:a16="http://schemas.microsoft.com/office/drawing/2014/main" id="{CFF12E7D-D1AD-6049-9F78-E73AF95BA285}"/>
               </a:ext>
             </a:extLst>
           </p:cNvPr>
@@ -25046,7 +24103,7 @@
               <a:t>Fea</a:t>
             </a:r>
             <a:r>
-              <a:rPr lang="en-US" altLang="zh-CN" sz="2800" dirty="0">
+              <a:rPr lang="en-US" altLang="zh-Hans" sz="2800" dirty="0">
                 <a:solidFill>
                   <a:srgbClr val="00B0F0"/>
                 </a:solidFill>
@@ -25074,7 +24131,7 @@
           <p:cNvPr id="9" name="Picture 8">
             <a:extLst>
               <a:ext uri="{FF2B5EF4-FFF2-40B4-BE49-F238E27FC236}">
-                <a16:creationId xmlns:a16="http://schemas.microsoft.com/office/drawing/2014/main" xmlns="" id="{DE92D77D-92F2-D048-9046-585BDD0FC153}"/>
+                <a16:creationId xmlns:a16="http://schemas.microsoft.com/office/drawing/2014/main" id="{DE92D77D-92F2-D048-9046-585BDD0FC153}"/>
               </a:ext>
             </a:extLst>
           </p:cNvPr>

--- a/doc/Group9_Presentation.pptx
+++ b/doc/Group9_Presentation.pptx
@@ -14419,6 +14419,14 @@
               </a:rPr>
               <a:t>Model Selection</a:t>
             </a:r>
+            <a:r>
+              <a:rPr lang="en-US" dirty="0">
+                <a:solidFill>
+                  <a:srgbClr val="00B0F0"/>
+                </a:solidFill>
+              </a:rPr>
+              <a:t/>
+            </a:r>
             <a:br>
               <a:rPr lang="en-US" dirty="0">
                 <a:solidFill>
@@ -14433,6 +14441,14 @@
                 </a:solidFill>
               </a:rPr>
               <a:t>—— Dogs, Fried Chicken or Blueberry Muffins?</a:t>
+            </a:r>
+            <a:r>
+              <a:rPr lang="en-US" dirty="0">
+                <a:solidFill>
+                  <a:srgbClr val="00B0F0"/>
+                </a:solidFill>
+              </a:rPr>
+              <a:t/>
             </a:r>
             <a:br>
               <a:rPr lang="en-US" dirty="0">
@@ -14514,7 +14530,7 @@
           <p:cNvPr id="6" name="Shape 467">
             <a:extLst>
               <a:ext uri="{FF2B5EF4-FFF2-40B4-BE49-F238E27FC236}">
-                <a16:creationId xmlns:a16="http://schemas.microsoft.com/office/drawing/2014/main" id="{1685D1D0-19B9-C044-824E-693C7330FD1B}"/>
+                <a16:creationId xmlns:a16="http://schemas.microsoft.com/office/drawing/2014/main" xmlns="" id="{1685D1D0-19B9-C044-824E-693C7330FD1B}"/>
               </a:ext>
             </a:extLst>
           </p:cNvPr>
@@ -15113,35 +15129,35 @@
                 <a:gridCol w="2122374">
                   <a:extLst>
                     <a:ext uri="{9D8B030D-6E8A-4147-A177-3AD203B41FA5}">
-                      <a16:colId xmlns:a16="http://schemas.microsoft.com/office/drawing/2014/main" val="20000"/>
+                      <a16:colId xmlns:a16="http://schemas.microsoft.com/office/drawing/2014/main" xmlns="" val="20000"/>
                     </a:ext>
                   </a:extLst>
                 </a:gridCol>
                 <a:gridCol w="1308797">
                   <a:extLst>
                     <a:ext uri="{9D8B030D-6E8A-4147-A177-3AD203B41FA5}">
-                      <a16:colId xmlns:a16="http://schemas.microsoft.com/office/drawing/2014/main" val="20001"/>
+                      <a16:colId xmlns:a16="http://schemas.microsoft.com/office/drawing/2014/main" xmlns="" val="20001"/>
                     </a:ext>
                   </a:extLst>
                 </a:gridCol>
                 <a:gridCol w="1308797">
                   <a:extLst>
                     <a:ext uri="{9D8B030D-6E8A-4147-A177-3AD203B41FA5}">
-                      <a16:colId xmlns:a16="http://schemas.microsoft.com/office/drawing/2014/main" val="20002"/>
+                      <a16:colId xmlns:a16="http://schemas.microsoft.com/office/drawing/2014/main" xmlns="" val="20002"/>
                     </a:ext>
                   </a:extLst>
                 </a:gridCol>
                 <a:gridCol w="871855">
                   <a:extLst>
                     <a:ext uri="{9D8B030D-6E8A-4147-A177-3AD203B41FA5}">
-                      <a16:colId xmlns:a16="http://schemas.microsoft.com/office/drawing/2014/main" val="698607680"/>
+                      <a16:colId xmlns:a16="http://schemas.microsoft.com/office/drawing/2014/main" xmlns="" val="698607680"/>
                     </a:ext>
                   </a:extLst>
                 </a:gridCol>
                 <a:gridCol w="1255303">
                   <a:extLst>
                     <a:ext uri="{9D8B030D-6E8A-4147-A177-3AD203B41FA5}">
-                      <a16:colId xmlns:a16="http://schemas.microsoft.com/office/drawing/2014/main" val="1331669779"/>
+                      <a16:colId xmlns:a16="http://schemas.microsoft.com/office/drawing/2014/main" xmlns="" val="1331669779"/>
                     </a:ext>
                   </a:extLst>
                 </a:gridCol>
@@ -15231,7 +15247,7 @@
                 </a:tc>
                 <a:extLst>
                   <a:ext uri="{0D108BD9-81ED-4DB2-BD59-A6C34878D82A}">
-                    <a16:rowId xmlns:a16="http://schemas.microsoft.com/office/drawing/2014/main" val="10000"/>
+                    <a16:rowId xmlns:a16="http://schemas.microsoft.com/office/drawing/2014/main" xmlns="" val="10000"/>
                   </a:ext>
                 </a:extLst>
               </a:tr>
@@ -15356,7 +15372,7 @@
                 </a:tc>
                 <a:extLst>
                   <a:ext uri="{0D108BD9-81ED-4DB2-BD59-A6C34878D82A}">
-                    <a16:rowId xmlns:a16="http://schemas.microsoft.com/office/drawing/2014/main" val="10001"/>
+                    <a16:rowId xmlns:a16="http://schemas.microsoft.com/office/drawing/2014/main" xmlns="" val="10001"/>
                   </a:ext>
                 </a:extLst>
               </a:tr>
@@ -15477,7 +15493,7 @@
                 </a:tc>
                 <a:extLst>
                   <a:ext uri="{0D108BD9-81ED-4DB2-BD59-A6C34878D82A}">
-                    <a16:rowId xmlns:a16="http://schemas.microsoft.com/office/drawing/2014/main" val="10002"/>
+                    <a16:rowId xmlns:a16="http://schemas.microsoft.com/office/drawing/2014/main" xmlns="" val="10002"/>
                   </a:ext>
                 </a:extLst>
               </a:tr>
@@ -15636,7 +15652,7 @@
                 </a:tc>
                 <a:extLst>
                   <a:ext uri="{0D108BD9-81ED-4DB2-BD59-A6C34878D82A}">
-                    <a16:rowId xmlns:a16="http://schemas.microsoft.com/office/drawing/2014/main" val="10003"/>
+                    <a16:rowId xmlns:a16="http://schemas.microsoft.com/office/drawing/2014/main" xmlns="" val="10003"/>
                   </a:ext>
                 </a:extLst>
               </a:tr>
@@ -15778,7 +15794,7 @@
                 </a:tc>
                 <a:extLst>
                   <a:ext uri="{0D108BD9-81ED-4DB2-BD59-A6C34878D82A}">
-                    <a16:rowId xmlns:a16="http://schemas.microsoft.com/office/drawing/2014/main" val="10004"/>
+                    <a16:rowId xmlns:a16="http://schemas.microsoft.com/office/drawing/2014/main" xmlns="" val="10004"/>
                   </a:ext>
                 </a:extLst>
               </a:tr>
@@ -15881,7 +15897,7 @@
                 </a:tc>
                 <a:extLst>
                   <a:ext uri="{0D108BD9-81ED-4DB2-BD59-A6C34878D82A}">
-                    <a16:rowId xmlns:a16="http://schemas.microsoft.com/office/drawing/2014/main" val="10005"/>
+                    <a16:rowId xmlns:a16="http://schemas.microsoft.com/office/drawing/2014/main" xmlns="" val="10005"/>
                   </a:ext>
                 </a:extLst>
               </a:tr>
@@ -15986,7 +16002,7 @@
                 </a:tc>
                 <a:extLst>
                   <a:ext uri="{0D108BD9-81ED-4DB2-BD59-A6C34878D82A}">
-                    <a16:rowId xmlns:a16="http://schemas.microsoft.com/office/drawing/2014/main" val="10006"/>
+                    <a16:rowId xmlns:a16="http://schemas.microsoft.com/office/drawing/2014/main" xmlns="" val="10006"/>
                   </a:ext>
                 </a:extLst>
               </a:tr>
@@ -16141,7 +16157,7 @@
                 </a:tc>
                 <a:extLst>
                   <a:ext uri="{0D108BD9-81ED-4DB2-BD59-A6C34878D82A}">
-                    <a16:rowId xmlns:a16="http://schemas.microsoft.com/office/drawing/2014/main" val="10007"/>
+                    <a16:rowId xmlns:a16="http://schemas.microsoft.com/office/drawing/2014/main" xmlns="" val="10007"/>
                   </a:ext>
                 </a:extLst>
               </a:tr>
@@ -16278,7 +16294,7 @@
                 </a:tc>
                 <a:extLst>
                   <a:ext uri="{0D108BD9-81ED-4DB2-BD59-A6C34878D82A}">
-                    <a16:rowId xmlns:a16="http://schemas.microsoft.com/office/drawing/2014/main" val="10008"/>
+                    <a16:rowId xmlns:a16="http://schemas.microsoft.com/office/drawing/2014/main" xmlns="" val="10008"/>
                   </a:ext>
                 </a:extLst>
               </a:tr>
@@ -16376,7 +16392,7 @@
                 </a:tc>
                 <a:extLst>
                   <a:ext uri="{0D108BD9-81ED-4DB2-BD59-A6C34878D82A}">
-                    <a16:rowId xmlns:a16="http://schemas.microsoft.com/office/drawing/2014/main" val="10009"/>
+                    <a16:rowId xmlns:a16="http://schemas.microsoft.com/office/drawing/2014/main" xmlns="" val="10009"/>
                   </a:ext>
                 </a:extLst>
               </a:tr>
@@ -16482,7 +16498,7 @@
                 </a:tc>
                 <a:extLst>
                   <a:ext uri="{0D108BD9-81ED-4DB2-BD59-A6C34878D82A}">
-                    <a16:rowId xmlns:a16="http://schemas.microsoft.com/office/drawing/2014/main" val="10010"/>
+                    <a16:rowId xmlns:a16="http://schemas.microsoft.com/office/drawing/2014/main" xmlns="" val="10010"/>
                   </a:ext>
                 </a:extLst>
               </a:tr>
@@ -16571,7 +16587,7 @@
                 </a:tc>
                 <a:extLst>
                   <a:ext uri="{0D108BD9-81ED-4DB2-BD59-A6C34878D82A}">
-                    <a16:rowId xmlns:a16="http://schemas.microsoft.com/office/drawing/2014/main" val="10011"/>
+                    <a16:rowId xmlns:a16="http://schemas.microsoft.com/office/drawing/2014/main" xmlns="" val="10011"/>
                   </a:ext>
                 </a:extLst>
               </a:tr>
@@ -16650,7 +16666,7 @@
                 </a:tc>
                 <a:extLst>
                   <a:ext uri="{0D108BD9-81ED-4DB2-BD59-A6C34878D82A}">
-                    <a16:rowId xmlns:a16="http://schemas.microsoft.com/office/drawing/2014/main" val="10012"/>
+                    <a16:rowId xmlns:a16="http://schemas.microsoft.com/office/drawing/2014/main" xmlns="" val="10012"/>
                   </a:ext>
                 </a:extLst>
               </a:tr>
@@ -16663,7 +16679,7 @@
           <p:cNvPr id="3" name="Rectangle 2">
             <a:extLst>
               <a:ext uri="{FF2B5EF4-FFF2-40B4-BE49-F238E27FC236}">
-                <a16:creationId xmlns:a16="http://schemas.microsoft.com/office/drawing/2014/main" id="{BE49DAFA-6BC3-FE47-B67A-5E0EBE2385B6}"/>
+                <a16:creationId xmlns:a16="http://schemas.microsoft.com/office/drawing/2014/main" xmlns="" id="{BE49DAFA-6BC3-FE47-B67A-5E0EBE2385B6}"/>
               </a:ext>
             </a:extLst>
           </p:cNvPr>
@@ -16713,7 +16729,7 @@
           <p:cNvPr id="4" name="Rectangle 3">
             <a:extLst>
               <a:ext uri="{FF2B5EF4-FFF2-40B4-BE49-F238E27FC236}">
-                <a16:creationId xmlns:a16="http://schemas.microsoft.com/office/drawing/2014/main" id="{91DDDFBC-6FB4-6D49-838F-2DF302BE1468}"/>
+                <a16:creationId xmlns:a16="http://schemas.microsoft.com/office/drawing/2014/main" xmlns="" id="{91DDDFBC-6FB4-6D49-838F-2DF302BE1468}"/>
               </a:ext>
             </a:extLst>
           </p:cNvPr>
@@ -16833,7 +16849,7 @@
           <p:cNvPr id="7" name="Title 1">
             <a:extLst>
               <a:ext uri="{FF2B5EF4-FFF2-40B4-BE49-F238E27FC236}">
-                <a16:creationId xmlns:a16="http://schemas.microsoft.com/office/drawing/2014/main" id="{88BA3341-7B27-AC4A-8F4A-2A3298C9BC0D}"/>
+                <a16:creationId xmlns:a16="http://schemas.microsoft.com/office/drawing/2014/main" xmlns="" id="{88BA3341-7B27-AC4A-8F4A-2A3298C9BC0D}"/>
               </a:ext>
             </a:extLst>
           </p:cNvPr>
@@ -16870,7 +16886,7 @@
           <p:cNvPr id="8" name="Content Placeholder 5">
             <a:extLst>
               <a:ext uri="{FF2B5EF4-FFF2-40B4-BE49-F238E27FC236}">
-                <a16:creationId xmlns:a16="http://schemas.microsoft.com/office/drawing/2014/main" id="{0845D312-87B0-954C-B208-E6576F3D6410}"/>
+                <a16:creationId xmlns:a16="http://schemas.microsoft.com/office/drawing/2014/main" xmlns="" id="{0845D312-87B0-954C-B208-E6576F3D6410}"/>
               </a:ext>
             </a:extLst>
           </p:cNvPr>
@@ -16906,7 +16922,7 @@
           <p:cNvPr id="9" name="Content Placeholder 9">
             <a:extLst>
               <a:ext uri="{FF2B5EF4-FFF2-40B4-BE49-F238E27FC236}">
-                <a16:creationId xmlns:a16="http://schemas.microsoft.com/office/drawing/2014/main" id="{084226EB-EEAB-404D-A7D1-A3D4C727F42C}"/>
+                <a16:creationId xmlns:a16="http://schemas.microsoft.com/office/drawing/2014/main" xmlns="" id="{084226EB-EEAB-404D-A7D1-A3D4C727F42C}"/>
               </a:ext>
             </a:extLst>
           </p:cNvPr>
@@ -16935,7 +16951,7 @@
           <p:cNvPr id="11" name="Title 1">
             <a:extLst>
               <a:ext uri="{FF2B5EF4-FFF2-40B4-BE49-F238E27FC236}">
-                <a16:creationId xmlns:a16="http://schemas.microsoft.com/office/drawing/2014/main" id="{2415DD61-ACC0-5646-BE79-F68DA3266154}"/>
+                <a16:creationId xmlns:a16="http://schemas.microsoft.com/office/drawing/2014/main" xmlns="" id="{2415DD61-ACC0-5646-BE79-F68DA3266154}"/>
               </a:ext>
             </a:extLst>
           </p:cNvPr>
@@ -17228,7 +17244,7 @@
           <p:cNvPr id="12" name="Title 1">
             <a:extLst>
               <a:ext uri="{FF2B5EF4-FFF2-40B4-BE49-F238E27FC236}">
-                <a16:creationId xmlns:a16="http://schemas.microsoft.com/office/drawing/2014/main" id="{60A2FD62-40BC-C94E-AD65-0764E277DD1E}"/>
+                <a16:creationId xmlns:a16="http://schemas.microsoft.com/office/drawing/2014/main" xmlns="" id="{60A2FD62-40BC-C94E-AD65-0764E277DD1E}"/>
               </a:ext>
             </a:extLst>
           </p:cNvPr>
@@ -17574,35 +17590,35 @@
                 <a:gridCol w="1128950">
                   <a:extLst>
                     <a:ext uri="{9D8B030D-6E8A-4147-A177-3AD203B41FA5}">
-                      <a16:colId xmlns:a16="http://schemas.microsoft.com/office/drawing/2014/main" val="20000"/>
+                      <a16:colId xmlns:a16="http://schemas.microsoft.com/office/drawing/2014/main" xmlns="" val="20000"/>
                     </a:ext>
                   </a:extLst>
                 </a:gridCol>
                 <a:gridCol w="1125897">
                   <a:extLst>
                     <a:ext uri="{9D8B030D-6E8A-4147-A177-3AD203B41FA5}">
-                      <a16:colId xmlns:a16="http://schemas.microsoft.com/office/drawing/2014/main" val="20001"/>
+                      <a16:colId xmlns:a16="http://schemas.microsoft.com/office/drawing/2014/main" xmlns="" val="20001"/>
                     </a:ext>
                   </a:extLst>
                 </a:gridCol>
                 <a:gridCol w="924535">
                   <a:extLst>
                     <a:ext uri="{9D8B030D-6E8A-4147-A177-3AD203B41FA5}">
-                      <a16:colId xmlns:a16="http://schemas.microsoft.com/office/drawing/2014/main" val="20002"/>
+                      <a16:colId xmlns:a16="http://schemas.microsoft.com/office/drawing/2014/main" xmlns="" val="20002"/>
                     </a:ext>
                   </a:extLst>
                 </a:gridCol>
                 <a:gridCol w="1142827">
                   <a:extLst>
                     <a:ext uri="{9D8B030D-6E8A-4147-A177-3AD203B41FA5}">
-                      <a16:colId xmlns:a16="http://schemas.microsoft.com/office/drawing/2014/main" val="20003"/>
+                      <a16:colId xmlns:a16="http://schemas.microsoft.com/office/drawing/2014/main" xmlns="" val="20003"/>
                     </a:ext>
                   </a:extLst>
                 </a:gridCol>
                 <a:gridCol w="1014418">
                   <a:extLst>
                     <a:ext uri="{9D8B030D-6E8A-4147-A177-3AD203B41FA5}">
-                      <a16:colId xmlns:a16="http://schemas.microsoft.com/office/drawing/2014/main" val="20004"/>
+                      <a16:colId xmlns:a16="http://schemas.microsoft.com/office/drawing/2014/main" xmlns="" val="20004"/>
                     </a:ext>
                   </a:extLst>
                 </a:gridCol>
@@ -17677,7 +17693,7 @@
                 </a:tc>
                 <a:extLst>
                   <a:ext uri="{0D108BD9-81ED-4DB2-BD59-A6C34878D82A}">
-                    <a16:rowId xmlns:a16="http://schemas.microsoft.com/office/drawing/2014/main" val="10000"/>
+                    <a16:rowId xmlns:a16="http://schemas.microsoft.com/office/drawing/2014/main" xmlns="" val="10000"/>
                   </a:ext>
                 </a:extLst>
               </a:tr>
@@ -17763,7 +17779,7 @@
                 </a:tc>
                 <a:extLst>
                   <a:ext uri="{0D108BD9-81ED-4DB2-BD59-A6C34878D82A}">
-                    <a16:rowId xmlns:a16="http://schemas.microsoft.com/office/drawing/2014/main" val="2455327945"/>
+                    <a16:rowId xmlns:a16="http://schemas.microsoft.com/office/drawing/2014/main" xmlns="" val="2455327945"/>
                   </a:ext>
                 </a:extLst>
               </a:tr>
@@ -17877,7 +17893,7 @@
                         <a:t>9.</a:t>
                       </a:r>
                       <a:r>
-                        <a:rPr lang="en-US" altLang="zh-Hans" sz="1100" b="0" dirty="0"/>
+                        <a:rPr lang="en-US" altLang="zh-CN" sz="1100" b="0" dirty="0"/>
                         <a:t>13</a:t>
                       </a:r>
                       <a:r>
@@ -17890,7 +17906,7 @@
                 </a:tc>
                 <a:extLst>
                   <a:ext uri="{0D108BD9-81ED-4DB2-BD59-A6C34878D82A}">
-                    <a16:rowId xmlns:a16="http://schemas.microsoft.com/office/drawing/2014/main" val="4280216352"/>
+                    <a16:rowId xmlns:a16="http://schemas.microsoft.com/office/drawing/2014/main" xmlns="" val="4280216352"/>
                   </a:ext>
                 </a:extLst>
               </a:tr>
@@ -18008,7 +18024,7 @@
                 </a:tc>
                 <a:extLst>
                   <a:ext uri="{0D108BD9-81ED-4DB2-BD59-A6C34878D82A}">
-                    <a16:rowId xmlns:a16="http://schemas.microsoft.com/office/drawing/2014/main" val="2414580013"/>
+                    <a16:rowId xmlns:a16="http://schemas.microsoft.com/office/drawing/2014/main" xmlns="" val="2414580013"/>
                   </a:ext>
                 </a:extLst>
               </a:tr>
@@ -18082,7 +18098,7 @@
                 </a:tc>
                 <a:extLst>
                   <a:ext uri="{0D108BD9-81ED-4DB2-BD59-A6C34878D82A}">
-                    <a16:rowId xmlns:a16="http://schemas.microsoft.com/office/drawing/2014/main" val="10001"/>
+                    <a16:rowId xmlns:a16="http://schemas.microsoft.com/office/drawing/2014/main" xmlns="" val="10001"/>
                   </a:ext>
                 </a:extLst>
               </a:tr>
@@ -18167,7 +18183,7 @@
                 </a:tc>
                 <a:extLst>
                   <a:ext uri="{0D108BD9-81ED-4DB2-BD59-A6C34878D82A}">
-                    <a16:rowId xmlns:a16="http://schemas.microsoft.com/office/drawing/2014/main" val="10002"/>
+                    <a16:rowId xmlns:a16="http://schemas.microsoft.com/office/drawing/2014/main" xmlns="" val="10002"/>
                   </a:ext>
                 </a:extLst>
               </a:tr>
@@ -18180,7 +18196,7 @@
           <p:cNvPr id="8" name="Rectangle 7">
             <a:extLst>
               <a:ext uri="{FF2B5EF4-FFF2-40B4-BE49-F238E27FC236}">
-                <a16:creationId xmlns:a16="http://schemas.microsoft.com/office/drawing/2014/main" id="{EBC808F9-3742-5842-971E-EE42B23054E3}"/>
+                <a16:creationId xmlns:a16="http://schemas.microsoft.com/office/drawing/2014/main" xmlns="" id="{EBC808F9-3742-5842-971E-EE42B23054E3}"/>
               </a:ext>
             </a:extLst>
           </p:cNvPr>
@@ -18296,7 +18312,7 @@
           <p:cNvPr id="7" name="Title 1">
             <a:extLst>
               <a:ext uri="{FF2B5EF4-FFF2-40B4-BE49-F238E27FC236}">
-                <a16:creationId xmlns:a16="http://schemas.microsoft.com/office/drawing/2014/main" id="{88BA3341-7B27-AC4A-8F4A-2A3298C9BC0D}"/>
+                <a16:creationId xmlns:a16="http://schemas.microsoft.com/office/drawing/2014/main" xmlns="" id="{88BA3341-7B27-AC4A-8F4A-2A3298C9BC0D}"/>
               </a:ext>
             </a:extLst>
           </p:cNvPr>
@@ -18333,7 +18349,7 @@
           <p:cNvPr id="11" name="Title 1">
             <a:extLst>
               <a:ext uri="{FF2B5EF4-FFF2-40B4-BE49-F238E27FC236}">
-                <a16:creationId xmlns:a16="http://schemas.microsoft.com/office/drawing/2014/main" id="{2415DD61-ACC0-5646-BE79-F68DA3266154}"/>
+                <a16:creationId xmlns:a16="http://schemas.microsoft.com/office/drawing/2014/main" xmlns="" id="{2415DD61-ACC0-5646-BE79-F68DA3266154}"/>
               </a:ext>
             </a:extLst>
           </p:cNvPr>
@@ -18626,7 +18642,7 @@
           <p:cNvPr id="3" name="Picture 2">
             <a:extLst>
               <a:ext uri="{FF2B5EF4-FFF2-40B4-BE49-F238E27FC236}">
-                <a16:creationId xmlns:a16="http://schemas.microsoft.com/office/drawing/2014/main" id="{132436B6-661F-D74E-8CBF-2750430282D3}"/>
+                <a16:creationId xmlns:a16="http://schemas.microsoft.com/office/drawing/2014/main" xmlns="" id="{132436B6-661F-D74E-8CBF-2750430282D3}"/>
               </a:ext>
             </a:extLst>
           </p:cNvPr>
@@ -18655,7 +18671,7 @@
           <p:cNvPr id="13" name="Title 1">
             <a:extLst>
               <a:ext uri="{FF2B5EF4-FFF2-40B4-BE49-F238E27FC236}">
-                <a16:creationId xmlns:a16="http://schemas.microsoft.com/office/drawing/2014/main" id="{DB90A835-4B77-7D47-8701-DA7D8879668D}"/>
+                <a16:creationId xmlns:a16="http://schemas.microsoft.com/office/drawing/2014/main" xmlns="" id="{DB90A835-4B77-7D47-8701-DA7D8879668D}"/>
               </a:ext>
             </a:extLst>
           </p:cNvPr>
@@ -18948,7 +18964,7 @@
           <p:cNvPr id="14" name="Title 1">
             <a:extLst>
               <a:ext uri="{FF2B5EF4-FFF2-40B4-BE49-F238E27FC236}">
-                <a16:creationId xmlns:a16="http://schemas.microsoft.com/office/drawing/2014/main" id="{6C23DFD3-9579-C741-8BB9-4B41C0C7D0FB}"/>
+                <a16:creationId xmlns:a16="http://schemas.microsoft.com/office/drawing/2014/main" xmlns="" id="{6C23DFD3-9579-C741-8BB9-4B41C0C7D0FB}"/>
               </a:ext>
             </a:extLst>
           </p:cNvPr>
@@ -19241,7 +19257,7 @@
           <p:cNvPr id="5" name="Picture 4">
             <a:extLst>
               <a:ext uri="{FF2B5EF4-FFF2-40B4-BE49-F238E27FC236}">
-                <a16:creationId xmlns:a16="http://schemas.microsoft.com/office/drawing/2014/main" id="{5A084DF1-2885-6946-BAE1-FC7490DEECA2}"/>
+                <a16:creationId xmlns:a16="http://schemas.microsoft.com/office/drawing/2014/main" xmlns="" id="{5A084DF1-2885-6946-BAE1-FC7490DEECA2}"/>
               </a:ext>
             </a:extLst>
           </p:cNvPr>
@@ -19270,7 +19286,7 @@
           <p:cNvPr id="15" name="Picture 14">
             <a:extLst>
               <a:ext uri="{FF2B5EF4-FFF2-40B4-BE49-F238E27FC236}">
-                <a16:creationId xmlns:a16="http://schemas.microsoft.com/office/drawing/2014/main" id="{2A049C45-D0BE-C849-B355-25DF28D9061D}"/>
+                <a16:creationId xmlns:a16="http://schemas.microsoft.com/office/drawing/2014/main" xmlns="" id="{2A049C45-D0BE-C849-B355-25DF28D9061D}"/>
               </a:ext>
             </a:extLst>
           </p:cNvPr>
@@ -19330,7 +19346,7 @@
           <p:cNvPr id="7" name="Title 1">
             <a:extLst>
               <a:ext uri="{FF2B5EF4-FFF2-40B4-BE49-F238E27FC236}">
-                <a16:creationId xmlns:a16="http://schemas.microsoft.com/office/drawing/2014/main" id="{88BA3341-7B27-AC4A-8F4A-2A3298C9BC0D}"/>
+                <a16:creationId xmlns:a16="http://schemas.microsoft.com/office/drawing/2014/main" xmlns="" id="{88BA3341-7B27-AC4A-8F4A-2A3298C9BC0D}"/>
               </a:ext>
             </a:extLst>
           </p:cNvPr>
@@ -19367,7 +19383,7 @@
           <p:cNvPr id="4" name="Picture 3">
             <a:extLst>
               <a:ext uri="{FF2B5EF4-FFF2-40B4-BE49-F238E27FC236}">
-                <a16:creationId xmlns:a16="http://schemas.microsoft.com/office/drawing/2014/main" id="{8FD9F724-56D1-D542-A70E-B103BBC3C903}"/>
+                <a16:creationId xmlns:a16="http://schemas.microsoft.com/office/drawing/2014/main" xmlns="" id="{8FD9F724-56D1-D542-A70E-B103BBC3C903}"/>
               </a:ext>
             </a:extLst>
           </p:cNvPr>
@@ -19396,7 +19412,7 @@
           <p:cNvPr id="5" name="TextBox 4">
             <a:extLst>
               <a:ext uri="{FF2B5EF4-FFF2-40B4-BE49-F238E27FC236}">
-                <a16:creationId xmlns:a16="http://schemas.microsoft.com/office/drawing/2014/main" id="{372A79CB-F766-094F-97A4-1456BD043C65}"/>
+                <a16:creationId xmlns:a16="http://schemas.microsoft.com/office/drawing/2014/main" xmlns="" id="{372A79CB-F766-094F-97A4-1456BD043C65}"/>
               </a:ext>
             </a:extLst>
           </p:cNvPr>
@@ -19586,14 +19602,14 @@
           <p:nvPr>
             <p:extLst>
               <p:ext uri="{D42A27DB-BD31-4B8C-83A1-F6EECF244321}">
-                <p14:modId xmlns:p14="http://schemas.microsoft.com/office/powerpoint/2010/main" val="3251138877"/>
+                <p14:modId xmlns:p14="http://schemas.microsoft.com/office/powerpoint/2010/main" val="783638791"/>
               </p:ext>
             </p:extLst>
           </p:nvPr>
         </p:nvGraphicFramePr>
         <p:xfrm>
           <a:off x="667510" y="1123342"/>
-          <a:ext cx="7775155" cy="2616948"/>
+          <a:ext cx="7775155" cy="2989810"/>
         </p:xfrm>
         <a:graphic>
           <a:graphicData uri="http://schemas.openxmlformats.org/drawingml/2006/table">
@@ -19605,56 +19621,56 @@
                 <a:gridCol w="1206941">
                   <a:extLst>
                     <a:ext uri="{9D8B030D-6E8A-4147-A177-3AD203B41FA5}">
-                      <a16:colId xmlns:a16="http://schemas.microsoft.com/office/drawing/2014/main" val="20000"/>
+                      <a16:colId xmlns:a16="http://schemas.microsoft.com/office/drawing/2014/main" xmlns="" val="20000"/>
                     </a:ext>
                   </a:extLst>
                 </a:gridCol>
                 <a:gridCol w="826649">
                   <a:extLst>
                     <a:ext uri="{9D8B030D-6E8A-4147-A177-3AD203B41FA5}">
-                      <a16:colId xmlns:a16="http://schemas.microsoft.com/office/drawing/2014/main" val="20001"/>
+                      <a16:colId xmlns:a16="http://schemas.microsoft.com/office/drawing/2014/main" xmlns="" val="20001"/>
                     </a:ext>
                   </a:extLst>
                 </a:gridCol>
                 <a:gridCol w="678806">
                   <a:extLst>
                     <a:ext uri="{9D8B030D-6E8A-4147-A177-3AD203B41FA5}">
-                      <a16:colId xmlns:a16="http://schemas.microsoft.com/office/drawing/2014/main" val="20002"/>
+                      <a16:colId xmlns:a16="http://schemas.microsoft.com/office/drawing/2014/main" xmlns="" val="20002"/>
                     </a:ext>
                   </a:extLst>
                 </a:gridCol>
                 <a:gridCol w="839080">
                   <a:extLst>
                     <a:ext uri="{9D8B030D-6E8A-4147-A177-3AD203B41FA5}">
-                      <a16:colId xmlns:a16="http://schemas.microsoft.com/office/drawing/2014/main" val="20003"/>
+                      <a16:colId xmlns:a16="http://schemas.microsoft.com/office/drawing/2014/main" xmlns="" val="20003"/>
                     </a:ext>
                   </a:extLst>
                 </a:gridCol>
                 <a:gridCol w="744800">
                   <a:extLst>
                     <a:ext uri="{9D8B030D-6E8A-4147-A177-3AD203B41FA5}">
-                      <a16:colId xmlns:a16="http://schemas.microsoft.com/office/drawing/2014/main" val="20004"/>
+                      <a16:colId xmlns:a16="http://schemas.microsoft.com/office/drawing/2014/main" xmlns="" val="20004"/>
                     </a:ext>
                   </a:extLst>
                 </a:gridCol>
                 <a:gridCol w="1037065">
                   <a:extLst>
                     <a:ext uri="{9D8B030D-6E8A-4147-A177-3AD203B41FA5}">
-                      <a16:colId xmlns:a16="http://schemas.microsoft.com/office/drawing/2014/main" val="20005"/>
+                      <a16:colId xmlns:a16="http://schemas.microsoft.com/office/drawing/2014/main" xmlns="" val="20005"/>
                     </a:ext>
                   </a:extLst>
                 </a:gridCol>
                 <a:gridCol w="1046492">
                   <a:extLst>
                     <a:ext uri="{9D8B030D-6E8A-4147-A177-3AD203B41FA5}">
-                      <a16:colId xmlns:a16="http://schemas.microsoft.com/office/drawing/2014/main" val="410906251"/>
+                      <a16:colId xmlns:a16="http://schemas.microsoft.com/office/drawing/2014/main" xmlns="" val="410906251"/>
                     </a:ext>
                   </a:extLst>
                 </a:gridCol>
                 <a:gridCol w="1395322">
                   <a:extLst>
                     <a:ext uri="{9D8B030D-6E8A-4147-A177-3AD203B41FA5}">
-                      <a16:colId xmlns:a16="http://schemas.microsoft.com/office/drawing/2014/main" val="20006"/>
+                      <a16:colId xmlns:a16="http://schemas.microsoft.com/office/drawing/2014/main" xmlns="" val="20006"/>
                     </a:ext>
                   </a:extLst>
                 </a:gridCol>
@@ -19862,7 +19878,7 @@
                 </a:tc>
                 <a:extLst>
                   <a:ext uri="{0D108BD9-81ED-4DB2-BD59-A6C34878D82A}">
-                    <a16:rowId xmlns:a16="http://schemas.microsoft.com/office/drawing/2014/main" val="10000"/>
+                    <a16:rowId xmlns:a16="http://schemas.microsoft.com/office/drawing/2014/main" xmlns="" val="10000"/>
                   </a:ext>
                 </a:extLst>
               </a:tr>
@@ -20002,22 +20018,22 @@
                 </a:tc>
                 <a:extLst>
                   <a:ext uri="{0D108BD9-81ED-4DB2-BD59-A6C34878D82A}">
-                    <a16:rowId xmlns:a16="http://schemas.microsoft.com/office/drawing/2014/main" val="2455327945"/>
+                    <a16:rowId xmlns:a16="http://schemas.microsoft.com/office/drawing/2014/main" xmlns="" val="2455327945"/>
                   </a:ext>
                 </a:extLst>
               </a:tr>
               <a:tr h="428146">
-                <a:tc rowSpan="4">
+                <a:tc rowSpan="5">
                   <a:txBody>
                     <a:bodyPr/>
                     <a:lstStyle/>
                     <a:p>
                       <a:pPr algn="ctr"/>
                       <a:r>
-                        <a:rPr lang="en-US" altLang="zh-CN" sz="1400" b="1"/>
+                        <a:rPr lang="en-US" altLang="zh-CN" sz="1400" b="1" dirty="0" err="1"/>
                         <a:t>XGBoost</a:t>
                       </a:r>
-                      <a:endParaRPr lang="en-US" sz="1400" b="1"/>
+                      <a:endParaRPr lang="en-US" sz="1400" b="1" dirty="0"/>
                     </a:p>
                   </a:txBody>
                   <a:tcPr marL="68580" marR="68580" marT="34290" marB="34290" anchor="ctr"/>
@@ -20116,7 +20132,7 @@
                         <a:t>9.</a:t>
                       </a:r>
                       <a:r>
-                        <a:rPr lang="en-US" altLang="zh-Hans" sz="1100" b="0" dirty="0"/>
+                        <a:rPr lang="en-US" altLang="zh-CN" sz="1100" b="0" dirty="0"/>
                         <a:t>13</a:t>
                       </a:r>
                       <a:r>
@@ -20171,7 +20187,7 @@
                 </a:tc>
                 <a:extLst>
                   <a:ext uri="{0D108BD9-81ED-4DB2-BD59-A6C34878D82A}">
-                    <a16:rowId xmlns:a16="http://schemas.microsoft.com/office/drawing/2014/main" val="4280216352"/>
+                    <a16:rowId xmlns:a16="http://schemas.microsoft.com/office/drawing/2014/main" xmlns="" val="4280216352"/>
                   </a:ext>
                 </a:extLst>
               </a:tr>
@@ -20331,7 +20347,7 @@
                 </a:tc>
                 <a:extLst>
                   <a:ext uri="{0D108BD9-81ED-4DB2-BD59-A6C34878D82A}">
-                    <a16:rowId xmlns:a16="http://schemas.microsoft.com/office/drawing/2014/main" val="2414580013"/>
+                    <a16:rowId xmlns:a16="http://schemas.microsoft.com/office/drawing/2014/main" xmlns="" val="2414580013"/>
                   </a:ext>
                 </a:extLst>
               </a:tr>
@@ -20448,7 +20464,7 @@
                 </a:tc>
                 <a:extLst>
                   <a:ext uri="{0D108BD9-81ED-4DB2-BD59-A6C34878D82A}">
-                    <a16:rowId xmlns:a16="http://schemas.microsoft.com/office/drawing/2014/main" val="10001"/>
+                    <a16:rowId xmlns:a16="http://schemas.microsoft.com/office/drawing/2014/main" xmlns="" val="10001"/>
                   </a:ext>
                 </a:extLst>
               </a:tr>
@@ -20505,14 +20521,14 @@
                     <a:p>
                       <a:pPr algn="ctr"/>
                       <a:r>
-                        <a:rPr lang="cs-CZ" sz="1100" b="0"/>
+                        <a:rPr lang="cs-CZ" sz="1100" b="0" dirty="0"/>
                         <a:t>25.2</a:t>
                       </a:r>
                       <a:r>
-                        <a:rPr lang="en-US" altLang="zh-CN" sz="1100" b="0"/>
+                        <a:rPr lang="en-US" altLang="zh-CN" sz="1100" b="0" dirty="0"/>
                         <a:t>%</a:t>
                       </a:r>
-                      <a:endParaRPr lang="en-US" sz="1100" b="0"/>
+                      <a:endParaRPr lang="en-US" sz="1100" b="0" dirty="0"/>
                     </a:p>
                   </a:txBody>
                   <a:tcPr marL="68580" marR="68580" marT="34290" marB="34290"/>
@@ -20575,9 +20591,135 @@
                 </a:tc>
                 <a:extLst>
                   <a:ext uri="{0D108BD9-81ED-4DB2-BD59-A6C34878D82A}">
-                    <a16:rowId xmlns:a16="http://schemas.microsoft.com/office/drawing/2014/main" val="10002"/>
+                    <a16:rowId xmlns:a16="http://schemas.microsoft.com/office/drawing/2014/main" xmlns="" val="10002"/>
                   </a:ext>
                 </a:extLst>
+              </a:tr>
+              <a:tr h="372862">
+                <a:tc vMerge="1">
+                  <a:txBody>
+                    <a:bodyPr/>
+                    <a:lstStyle/>
+                    <a:p>
+                      <a:pPr algn="ctr"/>
+                      <a:endParaRPr lang="en-US" sz="1400" b="1" dirty="0"/>
+                    </a:p>
+                  </a:txBody>
+                  <a:tcPr marL="68580" marR="68580" marT="34290" marB="34290" anchor="ctr"/>
+                </a:tc>
+                <a:tc>
+                  <a:txBody>
+                    <a:bodyPr/>
+                    <a:lstStyle/>
+                    <a:p>
+                      <a:pPr algn="ctr"/>
+                      <a:r>
+                        <a:rPr lang="en-US" sz="1100" dirty="0" smtClean="0"/>
+                        <a:t>Memory</a:t>
+                      </a:r>
+                      <a:endParaRPr lang="en-US" sz="1100" dirty="0"/>
+                    </a:p>
+                  </a:txBody>
+                  <a:tcPr marL="68580" marR="68580" marT="34290" marB="34290"/>
+                </a:tc>
+                <a:tc>
+                  <a:txBody>
+                    <a:bodyPr/>
+                    <a:lstStyle/>
+                    <a:p>
+                      <a:pPr algn="ctr"/>
+                      <a:r>
+                        <a:rPr lang="nb-NO" sz="1100" b="0" dirty="0" smtClean="0"/>
+                        <a:t>41.8 kB</a:t>
+                      </a:r>
+                      <a:endParaRPr lang="en-US" sz="1100" b="0" dirty="0"/>
+                    </a:p>
+                  </a:txBody>
+                  <a:tcPr marL="68580" marR="68580" marT="34290" marB="34290"/>
+                </a:tc>
+                <a:tc>
+                  <a:txBody>
+                    <a:bodyPr/>
+                    <a:lstStyle/>
+                    <a:p>
+                      <a:pPr algn="ctr"/>
+                      <a:r>
+                        <a:rPr lang="hr-HR" sz="1100" b="0" dirty="0" smtClean="0"/>
+                        <a:t>3.82 </a:t>
+                      </a:r>
+                      <a:r>
+                        <a:rPr lang="hr-HR" sz="1100" b="0" smtClean="0"/>
+                        <a:t>kB</a:t>
+                      </a:r>
+                      <a:endParaRPr lang="en-US" sz="1100" b="0" dirty="0"/>
+                    </a:p>
+                  </a:txBody>
+                  <a:tcPr marL="68580" marR="68580" marT="34290" marB="34290"/>
+                </a:tc>
+                <a:tc>
+                  <a:txBody>
+                    <a:bodyPr/>
+                    <a:lstStyle/>
+                    <a:p>
+                      <a:pPr algn="ctr"/>
+                      <a:r>
+                        <a:rPr lang="nb-NO" sz="1100" dirty="0" smtClean="0"/>
+                        <a:t>37.8 kB</a:t>
+                      </a:r>
+                      <a:endParaRPr lang="en-US" sz="1100" dirty="0"/>
+                    </a:p>
+                  </a:txBody>
+                  <a:tcPr marL="68580" marR="68580" marT="34290" marB="34290"/>
+                </a:tc>
+                <a:tc>
+                  <a:txBody>
+                    <a:bodyPr/>
+                    <a:lstStyle/>
+                    <a:p>
+                      <a:pPr algn="ctr"/>
+                      <a:r>
+                        <a:rPr lang="nb-NO" sz="1100" b="0" dirty="0" smtClean="0"/>
+                        <a:t>30.1 kB</a:t>
+                      </a:r>
+                      <a:endParaRPr lang="en-US" sz="1100" b="0" dirty="0"/>
+                    </a:p>
+                  </a:txBody>
+                  <a:tcPr marL="68580" marR="68580" marT="34290" marB="34290"/>
+                </a:tc>
+                <a:tc>
+                  <a:txBody>
+                    <a:bodyPr/>
+                    <a:lstStyle/>
+                    <a:p>
+                      <a:pPr algn="ctr"/>
+                      <a:r>
+                        <a:rPr lang="nb-NO" sz="1100" b="0" dirty="0" smtClean="0"/>
+                        <a:t>61.3 kB</a:t>
+                      </a:r>
+                      <a:endParaRPr lang="en-US" sz="1100" b="0" dirty="0"/>
+                    </a:p>
+                  </a:txBody>
+                  <a:tcPr marL="68580" marR="68580" marT="34290" marB="34290"/>
+                </a:tc>
+                <a:tc>
+                  <a:txBody>
+                    <a:bodyPr/>
+                    <a:lstStyle/>
+                    <a:p>
+                      <a:pPr algn="ctr"/>
+                      <a:r>
+                        <a:rPr lang="hr-HR" sz="1100" b="0" dirty="0" smtClean="0"/>
+                        <a:t>69.8 </a:t>
+                      </a:r>
+                      <a:r>
+                        <a:rPr lang="hr-HR" sz="1100" b="0" dirty="0" err="1" smtClean="0"/>
+                        <a:t>kB</a:t>
+                      </a:r>
+                      <a:endParaRPr lang="en-US" sz="1100" b="0" dirty="0"/>
+                    </a:p>
+                  </a:txBody>
+                  <a:tcPr marL="68580" marR="68580" marT="34290" marB="34290"/>
+                </a:tc>
               </a:tr>
             </a:tbl>
           </a:graphicData>
@@ -20624,7 +20766,7 @@
           <p:cNvPr id="5" name="Rectangle 4">
             <a:extLst>
               <a:ext uri="{FF2B5EF4-FFF2-40B4-BE49-F238E27FC236}">
-                <a16:creationId xmlns:a16="http://schemas.microsoft.com/office/drawing/2014/main" id="{080B599E-CFE2-3243-87DC-64185954EE5E}"/>
+                <a16:creationId xmlns:a16="http://schemas.microsoft.com/office/drawing/2014/main" xmlns="" id="{080B599E-CFE2-3243-87DC-64185954EE5E}"/>
               </a:ext>
             </a:extLst>
           </p:cNvPr>
@@ -21876,7 +22018,7 @@
           <p:cNvPr id="7" name="Shape 667">
             <a:extLst>
               <a:ext uri="{FF2B5EF4-FFF2-40B4-BE49-F238E27FC236}">
-                <a16:creationId xmlns:a16="http://schemas.microsoft.com/office/drawing/2014/main" id="{4ED33EE4-9A90-BA4F-9887-E6159A3C4FD9}"/>
+                <a16:creationId xmlns:a16="http://schemas.microsoft.com/office/drawing/2014/main" xmlns="" id="{4ED33EE4-9A90-BA4F-9887-E6159A3C4FD9}"/>
               </a:ext>
             </a:extLst>
           </p:cNvPr>
@@ -22203,7 +22345,7 @@
           <p:cNvPr id="8" name="Shape 667">
             <a:extLst>
               <a:ext uri="{FF2B5EF4-FFF2-40B4-BE49-F238E27FC236}">
-                <a16:creationId xmlns:a16="http://schemas.microsoft.com/office/drawing/2014/main" id="{6D9FDE64-5BCC-7B4B-8CDC-391E76042333}"/>
+                <a16:creationId xmlns:a16="http://schemas.microsoft.com/office/drawing/2014/main" xmlns="" id="{6D9FDE64-5BCC-7B4B-8CDC-391E76042333}"/>
               </a:ext>
             </a:extLst>
           </p:cNvPr>
@@ -22975,28 +23117,28 @@
                 <a:gridCol w="1587501">
                   <a:extLst>
                     <a:ext uri="{9D8B030D-6E8A-4147-A177-3AD203B41FA5}">
-                      <a16:colId xmlns:a16="http://schemas.microsoft.com/office/drawing/2014/main" val="20000"/>
+                      <a16:colId xmlns:a16="http://schemas.microsoft.com/office/drawing/2014/main" xmlns="" val="20000"/>
                     </a:ext>
                   </a:extLst>
                 </a:gridCol>
                 <a:gridCol w="2855163">
                   <a:extLst>
                     <a:ext uri="{9D8B030D-6E8A-4147-A177-3AD203B41FA5}">
-                      <a16:colId xmlns:a16="http://schemas.microsoft.com/office/drawing/2014/main" val="20001"/>
+                      <a16:colId xmlns:a16="http://schemas.microsoft.com/office/drawing/2014/main" xmlns="" val="20001"/>
                     </a:ext>
                   </a:extLst>
                 </a:gridCol>
                 <a:gridCol w="1759759">
                   <a:extLst>
                     <a:ext uri="{9D8B030D-6E8A-4147-A177-3AD203B41FA5}">
-                      <a16:colId xmlns:a16="http://schemas.microsoft.com/office/drawing/2014/main" val="20002"/>
+                      <a16:colId xmlns:a16="http://schemas.microsoft.com/office/drawing/2014/main" xmlns="" val="20002"/>
                     </a:ext>
                   </a:extLst>
                 </a:gridCol>
                 <a:gridCol w="2268478">
                   <a:extLst>
                     <a:ext uri="{9D8B030D-6E8A-4147-A177-3AD203B41FA5}">
-                      <a16:colId xmlns:a16="http://schemas.microsoft.com/office/drawing/2014/main" val="20004"/>
+                      <a16:colId xmlns:a16="http://schemas.microsoft.com/office/drawing/2014/main" xmlns="" val="20004"/>
                     </a:ext>
                   </a:extLst>
                 </a:gridCol>
@@ -23118,7 +23260,7 @@
                 </a:tc>
                 <a:extLst>
                   <a:ext uri="{0D108BD9-81ED-4DB2-BD59-A6C34878D82A}">
-                    <a16:rowId xmlns:a16="http://schemas.microsoft.com/office/drawing/2014/main" val="10000"/>
+                    <a16:rowId xmlns:a16="http://schemas.microsoft.com/office/drawing/2014/main" xmlns="" val="10000"/>
                   </a:ext>
                 </a:extLst>
               </a:tr>
@@ -23365,7 +23507,7 @@
                 </a:tc>
                 <a:extLst>
                   <a:ext uri="{0D108BD9-81ED-4DB2-BD59-A6C34878D82A}">
-                    <a16:rowId xmlns:a16="http://schemas.microsoft.com/office/drawing/2014/main" val="2455327945"/>
+                    <a16:rowId xmlns:a16="http://schemas.microsoft.com/office/drawing/2014/main" xmlns="" val="2455327945"/>
                   </a:ext>
                 </a:extLst>
               </a:tr>
@@ -23540,7 +23682,7 @@
                 </a:tc>
                 <a:extLst>
                   <a:ext uri="{0D108BD9-81ED-4DB2-BD59-A6C34878D82A}">
-                    <a16:rowId xmlns:a16="http://schemas.microsoft.com/office/drawing/2014/main" val="4280216352"/>
+                    <a16:rowId xmlns:a16="http://schemas.microsoft.com/office/drawing/2014/main" xmlns="" val="4280216352"/>
                   </a:ext>
                 </a:extLst>
               </a:tr>
@@ -23758,7 +23900,7 @@
                 </a:tc>
                 <a:extLst>
                   <a:ext uri="{0D108BD9-81ED-4DB2-BD59-A6C34878D82A}">
-                    <a16:rowId xmlns:a16="http://schemas.microsoft.com/office/drawing/2014/main" val="2414580013"/>
+                    <a16:rowId xmlns:a16="http://schemas.microsoft.com/office/drawing/2014/main" xmlns="" val="2414580013"/>
                   </a:ext>
                 </a:extLst>
               </a:tr>
@@ -24059,7 +24201,7 @@
           <p:cNvPr id="10" name="Shape 666">
             <a:extLst>
               <a:ext uri="{FF2B5EF4-FFF2-40B4-BE49-F238E27FC236}">
-                <a16:creationId xmlns:a16="http://schemas.microsoft.com/office/drawing/2014/main" id="{CFF12E7D-D1AD-6049-9F78-E73AF95BA285}"/>
+                <a16:creationId xmlns:a16="http://schemas.microsoft.com/office/drawing/2014/main" xmlns="" id="{CFF12E7D-D1AD-6049-9F78-E73AF95BA285}"/>
               </a:ext>
             </a:extLst>
           </p:cNvPr>
@@ -24103,7 +24245,7 @@
               <a:t>Fea</a:t>
             </a:r>
             <a:r>
-              <a:rPr lang="en-US" altLang="zh-Hans" sz="2800" dirty="0">
+              <a:rPr lang="en-US" altLang="zh-CN" sz="2800" dirty="0">
                 <a:solidFill>
                   <a:srgbClr val="00B0F0"/>
                 </a:solidFill>
@@ -24131,7 +24273,7 @@
           <p:cNvPr id="9" name="Picture 8">
             <a:extLst>
               <a:ext uri="{FF2B5EF4-FFF2-40B4-BE49-F238E27FC236}">
-                <a16:creationId xmlns:a16="http://schemas.microsoft.com/office/drawing/2014/main" id="{DE92D77D-92F2-D048-9046-585BDD0FC153}"/>
+                <a16:creationId xmlns:a16="http://schemas.microsoft.com/office/drawing/2014/main" xmlns="" id="{DE92D77D-92F2-D048-9046-585BDD0FC153}"/>
               </a:ext>
             </a:extLst>
           </p:cNvPr>

--- a/doc/Group9_Presentation.pptx
+++ b/doc/Group9_Presentation.pptx
@@ -6722,7 +6722,7 @@
           <p:cNvPr id="6" name="Shape 467">
             <a:extLst>
               <a:ext uri="{FF2B5EF4-FFF2-40B4-BE49-F238E27FC236}">
-                <a16:creationId xmlns="" xmlns:a16="http://schemas.microsoft.com/office/drawing/2014/main" id="{1685D1D0-19B9-C044-824E-693C7330FD1B}"/>
+                <a16:creationId xmlns:a16="http://schemas.microsoft.com/office/drawing/2014/main" xmlns="" id="{1685D1D0-19B9-C044-824E-693C7330FD1B}"/>
               </a:ext>
             </a:extLst>
           </p:cNvPr>
@@ -7343,35 +7343,35 @@
                 <a:gridCol w="2122374">
                   <a:extLst>
                     <a:ext uri="{9D8B030D-6E8A-4147-A177-3AD203B41FA5}">
-                      <a16:colId xmlns="" xmlns:a16="http://schemas.microsoft.com/office/drawing/2014/main" val="20000"/>
+                      <a16:colId xmlns:a16="http://schemas.microsoft.com/office/drawing/2014/main" xmlns="" val="20000"/>
                     </a:ext>
                   </a:extLst>
                 </a:gridCol>
                 <a:gridCol w="1308797">
                   <a:extLst>
                     <a:ext uri="{9D8B030D-6E8A-4147-A177-3AD203B41FA5}">
-                      <a16:colId xmlns="" xmlns:a16="http://schemas.microsoft.com/office/drawing/2014/main" val="20001"/>
+                      <a16:colId xmlns:a16="http://schemas.microsoft.com/office/drawing/2014/main" xmlns="" val="20001"/>
                     </a:ext>
                   </a:extLst>
                 </a:gridCol>
                 <a:gridCol w="1308797">
                   <a:extLst>
                     <a:ext uri="{9D8B030D-6E8A-4147-A177-3AD203B41FA5}">
-                      <a16:colId xmlns="" xmlns:a16="http://schemas.microsoft.com/office/drawing/2014/main" val="20002"/>
+                      <a16:colId xmlns:a16="http://schemas.microsoft.com/office/drawing/2014/main" xmlns="" val="20002"/>
                     </a:ext>
                   </a:extLst>
                 </a:gridCol>
                 <a:gridCol w="871855">
                   <a:extLst>
                     <a:ext uri="{9D8B030D-6E8A-4147-A177-3AD203B41FA5}">
-                      <a16:colId xmlns="" xmlns:a16="http://schemas.microsoft.com/office/drawing/2014/main" val="698607680"/>
+                      <a16:colId xmlns:a16="http://schemas.microsoft.com/office/drawing/2014/main" xmlns="" val="698607680"/>
                     </a:ext>
                   </a:extLst>
                 </a:gridCol>
                 <a:gridCol w="1255303">
                   <a:extLst>
                     <a:ext uri="{9D8B030D-6E8A-4147-A177-3AD203B41FA5}">
-                      <a16:colId xmlns="" xmlns:a16="http://schemas.microsoft.com/office/drawing/2014/main" val="1331669779"/>
+                      <a16:colId xmlns:a16="http://schemas.microsoft.com/office/drawing/2014/main" xmlns="" val="1331669779"/>
                     </a:ext>
                   </a:extLst>
                 </a:gridCol>
@@ -7461,7 +7461,7 @@
                 </a:tc>
                 <a:extLst>
                   <a:ext uri="{0D108BD9-81ED-4DB2-BD59-A6C34878D82A}">
-                    <a16:rowId xmlns="" xmlns:a16="http://schemas.microsoft.com/office/drawing/2014/main" val="10000"/>
+                    <a16:rowId xmlns:a16="http://schemas.microsoft.com/office/drawing/2014/main" xmlns="" val="10000"/>
                   </a:ext>
                 </a:extLst>
               </a:tr>
@@ -7586,7 +7586,7 @@
                 </a:tc>
                 <a:extLst>
                   <a:ext uri="{0D108BD9-81ED-4DB2-BD59-A6C34878D82A}">
-                    <a16:rowId xmlns="" xmlns:a16="http://schemas.microsoft.com/office/drawing/2014/main" val="10001"/>
+                    <a16:rowId xmlns:a16="http://schemas.microsoft.com/office/drawing/2014/main" xmlns="" val="10001"/>
                   </a:ext>
                 </a:extLst>
               </a:tr>
@@ -7707,7 +7707,7 @@
                 </a:tc>
                 <a:extLst>
                   <a:ext uri="{0D108BD9-81ED-4DB2-BD59-A6C34878D82A}">
-                    <a16:rowId xmlns="" xmlns:a16="http://schemas.microsoft.com/office/drawing/2014/main" val="10002"/>
+                    <a16:rowId xmlns:a16="http://schemas.microsoft.com/office/drawing/2014/main" xmlns="" val="10002"/>
                   </a:ext>
                 </a:extLst>
               </a:tr>
@@ -7866,7 +7866,7 @@
                 </a:tc>
                 <a:extLst>
                   <a:ext uri="{0D108BD9-81ED-4DB2-BD59-A6C34878D82A}">
-                    <a16:rowId xmlns="" xmlns:a16="http://schemas.microsoft.com/office/drawing/2014/main" val="10003"/>
+                    <a16:rowId xmlns:a16="http://schemas.microsoft.com/office/drawing/2014/main" xmlns="" val="10003"/>
                   </a:ext>
                 </a:extLst>
               </a:tr>
@@ -8008,7 +8008,7 @@
                 </a:tc>
                 <a:extLst>
                   <a:ext uri="{0D108BD9-81ED-4DB2-BD59-A6C34878D82A}">
-                    <a16:rowId xmlns="" xmlns:a16="http://schemas.microsoft.com/office/drawing/2014/main" val="10004"/>
+                    <a16:rowId xmlns:a16="http://schemas.microsoft.com/office/drawing/2014/main" xmlns="" val="10004"/>
                   </a:ext>
                 </a:extLst>
               </a:tr>
@@ -8111,7 +8111,7 @@
                 </a:tc>
                 <a:extLst>
                   <a:ext uri="{0D108BD9-81ED-4DB2-BD59-A6C34878D82A}">
-                    <a16:rowId xmlns="" xmlns:a16="http://schemas.microsoft.com/office/drawing/2014/main" val="10005"/>
+                    <a16:rowId xmlns:a16="http://schemas.microsoft.com/office/drawing/2014/main" xmlns="" val="10005"/>
                   </a:ext>
                 </a:extLst>
               </a:tr>
@@ -8216,7 +8216,7 @@
                 </a:tc>
                 <a:extLst>
                   <a:ext uri="{0D108BD9-81ED-4DB2-BD59-A6C34878D82A}">
-                    <a16:rowId xmlns="" xmlns:a16="http://schemas.microsoft.com/office/drawing/2014/main" val="10006"/>
+                    <a16:rowId xmlns:a16="http://schemas.microsoft.com/office/drawing/2014/main" xmlns="" val="10006"/>
                   </a:ext>
                 </a:extLst>
               </a:tr>
@@ -8371,7 +8371,7 @@
                 </a:tc>
                 <a:extLst>
                   <a:ext uri="{0D108BD9-81ED-4DB2-BD59-A6C34878D82A}">
-                    <a16:rowId xmlns="" xmlns:a16="http://schemas.microsoft.com/office/drawing/2014/main" val="10007"/>
+                    <a16:rowId xmlns:a16="http://schemas.microsoft.com/office/drawing/2014/main" xmlns="" val="10007"/>
                   </a:ext>
                 </a:extLst>
               </a:tr>
@@ -8508,7 +8508,7 @@
                 </a:tc>
                 <a:extLst>
                   <a:ext uri="{0D108BD9-81ED-4DB2-BD59-A6C34878D82A}">
-                    <a16:rowId xmlns="" xmlns:a16="http://schemas.microsoft.com/office/drawing/2014/main" val="10008"/>
+                    <a16:rowId xmlns:a16="http://schemas.microsoft.com/office/drawing/2014/main" xmlns="" val="10008"/>
                   </a:ext>
                 </a:extLst>
               </a:tr>
@@ -8606,7 +8606,7 @@
                 </a:tc>
                 <a:extLst>
                   <a:ext uri="{0D108BD9-81ED-4DB2-BD59-A6C34878D82A}">
-                    <a16:rowId xmlns="" xmlns:a16="http://schemas.microsoft.com/office/drawing/2014/main" val="10009"/>
+                    <a16:rowId xmlns:a16="http://schemas.microsoft.com/office/drawing/2014/main" xmlns="" val="10009"/>
                   </a:ext>
                 </a:extLst>
               </a:tr>
@@ -8712,7 +8712,7 @@
                 </a:tc>
                 <a:extLst>
                   <a:ext uri="{0D108BD9-81ED-4DB2-BD59-A6C34878D82A}">
-                    <a16:rowId xmlns="" xmlns:a16="http://schemas.microsoft.com/office/drawing/2014/main" val="10010"/>
+                    <a16:rowId xmlns:a16="http://schemas.microsoft.com/office/drawing/2014/main" xmlns="" val="10010"/>
                   </a:ext>
                 </a:extLst>
               </a:tr>
@@ -8801,7 +8801,7 @@
                 </a:tc>
                 <a:extLst>
                   <a:ext uri="{0D108BD9-81ED-4DB2-BD59-A6C34878D82A}">
-                    <a16:rowId xmlns="" xmlns:a16="http://schemas.microsoft.com/office/drawing/2014/main" val="10011"/>
+                    <a16:rowId xmlns:a16="http://schemas.microsoft.com/office/drawing/2014/main" xmlns="" val="10011"/>
                   </a:ext>
                 </a:extLst>
               </a:tr>
@@ -8880,7 +8880,7 @@
                 </a:tc>
                 <a:extLst>
                   <a:ext uri="{0D108BD9-81ED-4DB2-BD59-A6C34878D82A}">
-                    <a16:rowId xmlns="" xmlns:a16="http://schemas.microsoft.com/office/drawing/2014/main" val="10012"/>
+                    <a16:rowId xmlns:a16="http://schemas.microsoft.com/office/drawing/2014/main" xmlns="" val="10012"/>
                   </a:ext>
                 </a:extLst>
               </a:tr>
@@ -8893,7 +8893,7 @@
           <p:cNvPr id="3" name="Rectangle 2">
             <a:extLst>
               <a:ext uri="{FF2B5EF4-FFF2-40B4-BE49-F238E27FC236}">
-                <a16:creationId xmlns="" xmlns:a16="http://schemas.microsoft.com/office/drawing/2014/main" id="{BE49DAFA-6BC3-FE47-B67A-5E0EBE2385B6}"/>
+                <a16:creationId xmlns:a16="http://schemas.microsoft.com/office/drawing/2014/main" xmlns="" id="{BE49DAFA-6BC3-FE47-B67A-5E0EBE2385B6}"/>
               </a:ext>
             </a:extLst>
           </p:cNvPr>
@@ -8943,7 +8943,7 @@
           <p:cNvPr id="4" name="Rectangle 3">
             <a:extLst>
               <a:ext uri="{FF2B5EF4-FFF2-40B4-BE49-F238E27FC236}">
-                <a16:creationId xmlns="" xmlns:a16="http://schemas.microsoft.com/office/drawing/2014/main" id="{91DDDFBC-6FB4-6D49-838F-2DF302BE1468}"/>
+                <a16:creationId xmlns:a16="http://schemas.microsoft.com/office/drawing/2014/main" xmlns="" id="{91DDDFBC-6FB4-6D49-838F-2DF302BE1468}"/>
               </a:ext>
             </a:extLst>
           </p:cNvPr>
@@ -9070,7 +9070,7 @@
           <p:cNvPr id="7" name="Title 1">
             <a:extLst>
               <a:ext uri="{FF2B5EF4-FFF2-40B4-BE49-F238E27FC236}">
-                <a16:creationId xmlns="" xmlns:a16="http://schemas.microsoft.com/office/drawing/2014/main" id="{88BA3341-7B27-AC4A-8F4A-2A3298C9BC0D}"/>
+                <a16:creationId xmlns:a16="http://schemas.microsoft.com/office/drawing/2014/main" xmlns="" id="{88BA3341-7B27-AC4A-8F4A-2A3298C9BC0D}"/>
               </a:ext>
             </a:extLst>
           </p:cNvPr>
@@ -9107,7 +9107,7 @@
           <p:cNvPr id="8" name="Content Placeholder 5">
             <a:extLst>
               <a:ext uri="{FF2B5EF4-FFF2-40B4-BE49-F238E27FC236}">
-                <a16:creationId xmlns="" xmlns:a16="http://schemas.microsoft.com/office/drawing/2014/main" id="{0845D312-87B0-954C-B208-E6576F3D6410}"/>
+                <a16:creationId xmlns:a16="http://schemas.microsoft.com/office/drawing/2014/main" xmlns="" id="{0845D312-87B0-954C-B208-E6576F3D6410}"/>
               </a:ext>
             </a:extLst>
           </p:cNvPr>
@@ -9143,7 +9143,7 @@
           <p:cNvPr id="9" name="Content Placeholder 9">
             <a:extLst>
               <a:ext uri="{FF2B5EF4-FFF2-40B4-BE49-F238E27FC236}">
-                <a16:creationId xmlns="" xmlns:a16="http://schemas.microsoft.com/office/drawing/2014/main" id="{084226EB-EEAB-404D-A7D1-A3D4C727F42C}"/>
+                <a16:creationId xmlns:a16="http://schemas.microsoft.com/office/drawing/2014/main" xmlns="" id="{084226EB-EEAB-404D-A7D1-A3D4C727F42C}"/>
               </a:ext>
             </a:extLst>
           </p:cNvPr>
@@ -9172,7 +9172,7 @@
           <p:cNvPr id="11" name="Title 1">
             <a:extLst>
               <a:ext uri="{FF2B5EF4-FFF2-40B4-BE49-F238E27FC236}">
-                <a16:creationId xmlns="" xmlns:a16="http://schemas.microsoft.com/office/drawing/2014/main" id="{2415DD61-ACC0-5646-BE79-F68DA3266154}"/>
+                <a16:creationId xmlns:a16="http://schemas.microsoft.com/office/drawing/2014/main" xmlns="" id="{2415DD61-ACC0-5646-BE79-F68DA3266154}"/>
               </a:ext>
             </a:extLst>
           </p:cNvPr>
@@ -9465,7 +9465,7 @@
           <p:cNvPr id="12" name="Title 1">
             <a:extLst>
               <a:ext uri="{FF2B5EF4-FFF2-40B4-BE49-F238E27FC236}">
-                <a16:creationId xmlns="" xmlns:a16="http://schemas.microsoft.com/office/drawing/2014/main" id="{60A2FD62-40BC-C94E-AD65-0764E277DD1E}"/>
+                <a16:creationId xmlns:a16="http://schemas.microsoft.com/office/drawing/2014/main" xmlns="" id="{60A2FD62-40BC-C94E-AD65-0764E277DD1E}"/>
               </a:ext>
             </a:extLst>
           </p:cNvPr>
@@ -9818,35 +9818,35 @@
                 <a:gridCol w="1128950">
                   <a:extLst>
                     <a:ext uri="{9D8B030D-6E8A-4147-A177-3AD203B41FA5}">
-                      <a16:colId xmlns="" xmlns:a16="http://schemas.microsoft.com/office/drawing/2014/main" val="20000"/>
+                      <a16:colId xmlns:a16="http://schemas.microsoft.com/office/drawing/2014/main" xmlns="" val="20000"/>
                     </a:ext>
                   </a:extLst>
                 </a:gridCol>
                 <a:gridCol w="1125897">
                   <a:extLst>
                     <a:ext uri="{9D8B030D-6E8A-4147-A177-3AD203B41FA5}">
-                      <a16:colId xmlns="" xmlns:a16="http://schemas.microsoft.com/office/drawing/2014/main" val="20001"/>
+                      <a16:colId xmlns:a16="http://schemas.microsoft.com/office/drawing/2014/main" xmlns="" val="20001"/>
                     </a:ext>
                   </a:extLst>
                 </a:gridCol>
                 <a:gridCol w="924535">
                   <a:extLst>
                     <a:ext uri="{9D8B030D-6E8A-4147-A177-3AD203B41FA5}">
-                      <a16:colId xmlns="" xmlns:a16="http://schemas.microsoft.com/office/drawing/2014/main" val="20002"/>
+                      <a16:colId xmlns:a16="http://schemas.microsoft.com/office/drawing/2014/main" xmlns="" val="20002"/>
                     </a:ext>
                   </a:extLst>
                 </a:gridCol>
                 <a:gridCol w="1142827">
                   <a:extLst>
                     <a:ext uri="{9D8B030D-6E8A-4147-A177-3AD203B41FA5}">
-                      <a16:colId xmlns="" xmlns:a16="http://schemas.microsoft.com/office/drawing/2014/main" val="20003"/>
+                      <a16:colId xmlns:a16="http://schemas.microsoft.com/office/drawing/2014/main" xmlns="" val="20003"/>
                     </a:ext>
                   </a:extLst>
                 </a:gridCol>
                 <a:gridCol w="1014418">
                   <a:extLst>
                     <a:ext uri="{9D8B030D-6E8A-4147-A177-3AD203B41FA5}">
-                      <a16:colId xmlns="" xmlns:a16="http://schemas.microsoft.com/office/drawing/2014/main" val="20004"/>
+                      <a16:colId xmlns:a16="http://schemas.microsoft.com/office/drawing/2014/main" xmlns="" val="20004"/>
                     </a:ext>
                   </a:extLst>
                 </a:gridCol>
@@ -9921,7 +9921,7 @@
                 </a:tc>
                 <a:extLst>
                   <a:ext uri="{0D108BD9-81ED-4DB2-BD59-A6C34878D82A}">
-                    <a16:rowId xmlns="" xmlns:a16="http://schemas.microsoft.com/office/drawing/2014/main" val="10000"/>
+                    <a16:rowId xmlns:a16="http://schemas.microsoft.com/office/drawing/2014/main" xmlns="" val="10000"/>
                   </a:ext>
                 </a:extLst>
               </a:tr>
@@ -10007,7 +10007,7 @@
                 </a:tc>
                 <a:extLst>
                   <a:ext uri="{0D108BD9-81ED-4DB2-BD59-A6C34878D82A}">
-                    <a16:rowId xmlns="" xmlns:a16="http://schemas.microsoft.com/office/drawing/2014/main" val="2455327945"/>
+                    <a16:rowId xmlns:a16="http://schemas.microsoft.com/office/drawing/2014/main" xmlns="" val="2455327945"/>
                   </a:ext>
                 </a:extLst>
               </a:tr>
@@ -10134,7 +10134,7 @@
                 </a:tc>
                 <a:extLst>
                   <a:ext uri="{0D108BD9-81ED-4DB2-BD59-A6C34878D82A}">
-                    <a16:rowId xmlns="" xmlns:a16="http://schemas.microsoft.com/office/drawing/2014/main" val="4280216352"/>
+                    <a16:rowId xmlns:a16="http://schemas.microsoft.com/office/drawing/2014/main" xmlns="" val="4280216352"/>
                   </a:ext>
                 </a:extLst>
               </a:tr>
@@ -10252,7 +10252,7 @@
                 </a:tc>
                 <a:extLst>
                   <a:ext uri="{0D108BD9-81ED-4DB2-BD59-A6C34878D82A}">
-                    <a16:rowId xmlns="" xmlns:a16="http://schemas.microsoft.com/office/drawing/2014/main" val="2414580013"/>
+                    <a16:rowId xmlns:a16="http://schemas.microsoft.com/office/drawing/2014/main" xmlns="" val="2414580013"/>
                   </a:ext>
                 </a:extLst>
               </a:tr>
@@ -10326,7 +10326,7 @@
                 </a:tc>
                 <a:extLst>
                   <a:ext uri="{0D108BD9-81ED-4DB2-BD59-A6C34878D82A}">
-                    <a16:rowId xmlns="" xmlns:a16="http://schemas.microsoft.com/office/drawing/2014/main" val="10001"/>
+                    <a16:rowId xmlns:a16="http://schemas.microsoft.com/office/drawing/2014/main" xmlns="" val="10001"/>
                   </a:ext>
                 </a:extLst>
               </a:tr>
@@ -10411,7 +10411,7 @@
                 </a:tc>
                 <a:extLst>
                   <a:ext uri="{0D108BD9-81ED-4DB2-BD59-A6C34878D82A}">
-                    <a16:rowId xmlns="" xmlns:a16="http://schemas.microsoft.com/office/drawing/2014/main" val="10002"/>
+                    <a16:rowId xmlns:a16="http://schemas.microsoft.com/office/drawing/2014/main" xmlns="" val="10002"/>
                   </a:ext>
                 </a:extLst>
               </a:tr>
@@ -10424,7 +10424,7 @@
           <p:cNvPr id="8" name="Rectangle 7">
             <a:extLst>
               <a:ext uri="{FF2B5EF4-FFF2-40B4-BE49-F238E27FC236}">
-                <a16:creationId xmlns="" xmlns:a16="http://schemas.microsoft.com/office/drawing/2014/main" id="{EBC808F9-3742-5842-971E-EE42B23054E3}"/>
+                <a16:creationId xmlns:a16="http://schemas.microsoft.com/office/drawing/2014/main" xmlns="" id="{EBC808F9-3742-5842-971E-EE42B23054E3}"/>
               </a:ext>
             </a:extLst>
           </p:cNvPr>
@@ -10547,7 +10547,7 @@
           <p:cNvPr id="7" name="Title 1">
             <a:extLst>
               <a:ext uri="{FF2B5EF4-FFF2-40B4-BE49-F238E27FC236}">
-                <a16:creationId xmlns="" xmlns:a16="http://schemas.microsoft.com/office/drawing/2014/main" id="{88BA3341-7B27-AC4A-8F4A-2A3298C9BC0D}"/>
+                <a16:creationId xmlns:a16="http://schemas.microsoft.com/office/drawing/2014/main" xmlns="" id="{88BA3341-7B27-AC4A-8F4A-2A3298C9BC0D}"/>
               </a:ext>
             </a:extLst>
           </p:cNvPr>
@@ -10584,7 +10584,7 @@
           <p:cNvPr id="11" name="Title 1">
             <a:extLst>
               <a:ext uri="{FF2B5EF4-FFF2-40B4-BE49-F238E27FC236}">
-                <a16:creationId xmlns="" xmlns:a16="http://schemas.microsoft.com/office/drawing/2014/main" id="{2415DD61-ACC0-5646-BE79-F68DA3266154}"/>
+                <a16:creationId xmlns:a16="http://schemas.microsoft.com/office/drawing/2014/main" xmlns="" id="{2415DD61-ACC0-5646-BE79-F68DA3266154}"/>
               </a:ext>
             </a:extLst>
           </p:cNvPr>
@@ -10877,7 +10877,7 @@
           <p:cNvPr id="3" name="Picture 2">
             <a:extLst>
               <a:ext uri="{FF2B5EF4-FFF2-40B4-BE49-F238E27FC236}">
-                <a16:creationId xmlns="" xmlns:a16="http://schemas.microsoft.com/office/drawing/2014/main" id="{132436B6-661F-D74E-8CBF-2750430282D3}"/>
+                <a16:creationId xmlns:a16="http://schemas.microsoft.com/office/drawing/2014/main" xmlns="" id="{132436B6-661F-D74E-8CBF-2750430282D3}"/>
               </a:ext>
             </a:extLst>
           </p:cNvPr>
@@ -10906,7 +10906,7 @@
           <p:cNvPr id="13" name="Title 1">
             <a:extLst>
               <a:ext uri="{FF2B5EF4-FFF2-40B4-BE49-F238E27FC236}">
-                <a16:creationId xmlns="" xmlns:a16="http://schemas.microsoft.com/office/drawing/2014/main" id="{DB90A835-4B77-7D47-8701-DA7D8879668D}"/>
+                <a16:creationId xmlns:a16="http://schemas.microsoft.com/office/drawing/2014/main" xmlns="" id="{DB90A835-4B77-7D47-8701-DA7D8879668D}"/>
               </a:ext>
             </a:extLst>
           </p:cNvPr>
@@ -11199,7 +11199,7 @@
           <p:cNvPr id="14" name="Title 1">
             <a:extLst>
               <a:ext uri="{FF2B5EF4-FFF2-40B4-BE49-F238E27FC236}">
-                <a16:creationId xmlns="" xmlns:a16="http://schemas.microsoft.com/office/drawing/2014/main" id="{6C23DFD3-9579-C741-8BB9-4B41C0C7D0FB}"/>
+                <a16:creationId xmlns:a16="http://schemas.microsoft.com/office/drawing/2014/main" xmlns="" id="{6C23DFD3-9579-C741-8BB9-4B41C0C7D0FB}"/>
               </a:ext>
             </a:extLst>
           </p:cNvPr>
@@ -11492,7 +11492,7 @@
           <p:cNvPr id="5" name="Picture 4">
             <a:extLst>
               <a:ext uri="{FF2B5EF4-FFF2-40B4-BE49-F238E27FC236}">
-                <a16:creationId xmlns="" xmlns:a16="http://schemas.microsoft.com/office/drawing/2014/main" id="{5A084DF1-2885-6946-BAE1-FC7490DEECA2}"/>
+                <a16:creationId xmlns:a16="http://schemas.microsoft.com/office/drawing/2014/main" xmlns="" id="{5A084DF1-2885-6946-BAE1-FC7490DEECA2}"/>
               </a:ext>
             </a:extLst>
           </p:cNvPr>
@@ -11521,7 +11521,7 @@
           <p:cNvPr id="15" name="Picture 14">
             <a:extLst>
               <a:ext uri="{FF2B5EF4-FFF2-40B4-BE49-F238E27FC236}">
-                <a16:creationId xmlns="" xmlns:a16="http://schemas.microsoft.com/office/drawing/2014/main" id="{2A049C45-D0BE-C849-B355-25DF28D9061D}"/>
+                <a16:creationId xmlns:a16="http://schemas.microsoft.com/office/drawing/2014/main" xmlns="" id="{2A049C45-D0BE-C849-B355-25DF28D9061D}"/>
               </a:ext>
             </a:extLst>
           </p:cNvPr>
@@ -11588,7 +11588,7 @@
           <p:cNvPr id="7" name="Title 1">
             <a:extLst>
               <a:ext uri="{FF2B5EF4-FFF2-40B4-BE49-F238E27FC236}">
-                <a16:creationId xmlns="" xmlns:a16="http://schemas.microsoft.com/office/drawing/2014/main" id="{88BA3341-7B27-AC4A-8F4A-2A3298C9BC0D}"/>
+                <a16:creationId xmlns:a16="http://schemas.microsoft.com/office/drawing/2014/main" xmlns="" id="{88BA3341-7B27-AC4A-8F4A-2A3298C9BC0D}"/>
               </a:ext>
             </a:extLst>
           </p:cNvPr>
@@ -11625,7 +11625,7 @@
           <p:cNvPr id="4" name="Picture 3">
             <a:extLst>
               <a:ext uri="{FF2B5EF4-FFF2-40B4-BE49-F238E27FC236}">
-                <a16:creationId xmlns="" xmlns:a16="http://schemas.microsoft.com/office/drawing/2014/main" id="{8FD9F724-56D1-D542-A70E-B103BBC3C903}"/>
+                <a16:creationId xmlns:a16="http://schemas.microsoft.com/office/drawing/2014/main" xmlns="" id="{8FD9F724-56D1-D542-A70E-B103BBC3C903}"/>
               </a:ext>
             </a:extLst>
           </p:cNvPr>
@@ -11654,7 +11654,7 @@
           <p:cNvPr id="5" name="TextBox 4">
             <a:extLst>
               <a:ext uri="{FF2B5EF4-FFF2-40B4-BE49-F238E27FC236}">
-                <a16:creationId xmlns="" xmlns:a16="http://schemas.microsoft.com/office/drawing/2014/main" id="{372A79CB-F766-094F-97A4-1456BD043C65}"/>
+                <a16:creationId xmlns:a16="http://schemas.microsoft.com/office/drawing/2014/main" xmlns="" id="{372A79CB-F766-094F-97A4-1456BD043C65}"/>
               </a:ext>
             </a:extLst>
           </p:cNvPr>
@@ -11881,56 +11881,56 @@
                 <a:gridCol w="1206941">
                   <a:extLst>
                     <a:ext uri="{9D8B030D-6E8A-4147-A177-3AD203B41FA5}">
-                      <a16:colId xmlns="" xmlns:a16="http://schemas.microsoft.com/office/drawing/2014/main" val="20000"/>
+                      <a16:colId xmlns:a16="http://schemas.microsoft.com/office/drawing/2014/main" xmlns="" val="20000"/>
                     </a:ext>
                   </a:extLst>
                 </a:gridCol>
                 <a:gridCol w="826649">
                   <a:extLst>
                     <a:ext uri="{9D8B030D-6E8A-4147-A177-3AD203B41FA5}">
-                      <a16:colId xmlns="" xmlns:a16="http://schemas.microsoft.com/office/drawing/2014/main" val="20001"/>
+                      <a16:colId xmlns:a16="http://schemas.microsoft.com/office/drawing/2014/main" xmlns="" val="20001"/>
                     </a:ext>
                   </a:extLst>
                 </a:gridCol>
                 <a:gridCol w="678806">
                   <a:extLst>
                     <a:ext uri="{9D8B030D-6E8A-4147-A177-3AD203B41FA5}">
-                      <a16:colId xmlns="" xmlns:a16="http://schemas.microsoft.com/office/drawing/2014/main" val="20002"/>
+                      <a16:colId xmlns:a16="http://schemas.microsoft.com/office/drawing/2014/main" xmlns="" val="20002"/>
                     </a:ext>
                   </a:extLst>
                 </a:gridCol>
                 <a:gridCol w="839080">
                   <a:extLst>
                     <a:ext uri="{9D8B030D-6E8A-4147-A177-3AD203B41FA5}">
-                      <a16:colId xmlns="" xmlns:a16="http://schemas.microsoft.com/office/drawing/2014/main" val="20003"/>
+                      <a16:colId xmlns:a16="http://schemas.microsoft.com/office/drawing/2014/main" xmlns="" val="20003"/>
                     </a:ext>
                   </a:extLst>
                 </a:gridCol>
                 <a:gridCol w="744800">
                   <a:extLst>
                     <a:ext uri="{9D8B030D-6E8A-4147-A177-3AD203B41FA5}">
-                      <a16:colId xmlns="" xmlns:a16="http://schemas.microsoft.com/office/drawing/2014/main" val="20004"/>
+                      <a16:colId xmlns:a16="http://schemas.microsoft.com/office/drawing/2014/main" xmlns="" val="20004"/>
                     </a:ext>
                   </a:extLst>
                 </a:gridCol>
                 <a:gridCol w="1037065">
                   <a:extLst>
                     <a:ext uri="{9D8B030D-6E8A-4147-A177-3AD203B41FA5}">
-                      <a16:colId xmlns="" xmlns:a16="http://schemas.microsoft.com/office/drawing/2014/main" val="20005"/>
+                      <a16:colId xmlns:a16="http://schemas.microsoft.com/office/drawing/2014/main" xmlns="" val="20005"/>
                     </a:ext>
                   </a:extLst>
                 </a:gridCol>
                 <a:gridCol w="1046492">
                   <a:extLst>
                     <a:ext uri="{9D8B030D-6E8A-4147-A177-3AD203B41FA5}">
-                      <a16:colId xmlns="" xmlns:a16="http://schemas.microsoft.com/office/drawing/2014/main" val="410906251"/>
+                      <a16:colId xmlns:a16="http://schemas.microsoft.com/office/drawing/2014/main" xmlns="" val="410906251"/>
                     </a:ext>
                   </a:extLst>
                 </a:gridCol>
                 <a:gridCol w="1395322">
                   <a:extLst>
                     <a:ext uri="{9D8B030D-6E8A-4147-A177-3AD203B41FA5}">
-                      <a16:colId xmlns="" xmlns:a16="http://schemas.microsoft.com/office/drawing/2014/main" val="20006"/>
+                      <a16:colId xmlns:a16="http://schemas.microsoft.com/office/drawing/2014/main" xmlns="" val="20006"/>
                     </a:ext>
                   </a:extLst>
                 </a:gridCol>
@@ -12138,7 +12138,7 @@
                 </a:tc>
                 <a:extLst>
                   <a:ext uri="{0D108BD9-81ED-4DB2-BD59-A6C34878D82A}">
-                    <a16:rowId xmlns="" xmlns:a16="http://schemas.microsoft.com/office/drawing/2014/main" val="10000"/>
+                    <a16:rowId xmlns:a16="http://schemas.microsoft.com/office/drawing/2014/main" xmlns="" val="10000"/>
                   </a:ext>
                 </a:extLst>
               </a:tr>
@@ -12278,7 +12278,7 @@
                 </a:tc>
                 <a:extLst>
                   <a:ext uri="{0D108BD9-81ED-4DB2-BD59-A6C34878D82A}">
-                    <a16:rowId xmlns="" xmlns:a16="http://schemas.microsoft.com/office/drawing/2014/main" val="2455327945"/>
+                    <a16:rowId xmlns:a16="http://schemas.microsoft.com/office/drawing/2014/main" xmlns="" val="2455327945"/>
                   </a:ext>
                 </a:extLst>
               </a:tr>
@@ -12447,7 +12447,7 @@
                 </a:tc>
                 <a:extLst>
                   <a:ext uri="{0D108BD9-81ED-4DB2-BD59-A6C34878D82A}">
-                    <a16:rowId xmlns="" xmlns:a16="http://schemas.microsoft.com/office/drawing/2014/main" val="4280216352"/>
+                    <a16:rowId xmlns:a16="http://schemas.microsoft.com/office/drawing/2014/main" xmlns="" val="4280216352"/>
                   </a:ext>
                 </a:extLst>
               </a:tr>
@@ -12607,7 +12607,7 @@
                 </a:tc>
                 <a:extLst>
                   <a:ext uri="{0D108BD9-81ED-4DB2-BD59-A6C34878D82A}">
-                    <a16:rowId xmlns="" xmlns:a16="http://schemas.microsoft.com/office/drawing/2014/main" val="2414580013"/>
+                    <a16:rowId xmlns:a16="http://schemas.microsoft.com/office/drawing/2014/main" xmlns="" val="2414580013"/>
                   </a:ext>
                 </a:extLst>
               </a:tr>
@@ -12724,7 +12724,7 @@
                 </a:tc>
                 <a:extLst>
                   <a:ext uri="{0D108BD9-81ED-4DB2-BD59-A6C34878D82A}">
-                    <a16:rowId xmlns="" xmlns:a16="http://schemas.microsoft.com/office/drawing/2014/main" val="10001"/>
+                    <a16:rowId xmlns:a16="http://schemas.microsoft.com/office/drawing/2014/main" xmlns="" val="10001"/>
                   </a:ext>
                 </a:extLst>
               </a:tr>
@@ -12851,7 +12851,7 @@
                 </a:tc>
                 <a:extLst>
                   <a:ext uri="{0D108BD9-81ED-4DB2-BD59-A6C34878D82A}">
-                    <a16:rowId xmlns="" xmlns:a16="http://schemas.microsoft.com/office/drawing/2014/main" val="10002"/>
+                    <a16:rowId xmlns:a16="http://schemas.microsoft.com/office/drawing/2014/main" xmlns="" val="10002"/>
                   </a:ext>
                 </a:extLst>
               </a:tr>
@@ -13026,7 +13026,7 @@
           <p:cNvPr id="5" name="Rectangle 4">
             <a:extLst>
               <a:ext uri="{FF2B5EF4-FFF2-40B4-BE49-F238E27FC236}">
-                <a16:creationId xmlns="" xmlns:a16="http://schemas.microsoft.com/office/drawing/2014/main" id="{080B599E-CFE2-3243-87DC-64185954EE5E}"/>
+                <a16:creationId xmlns:a16="http://schemas.microsoft.com/office/drawing/2014/main" xmlns="" id="{080B599E-CFE2-3243-87DC-64185954EE5E}"/>
               </a:ext>
             </a:extLst>
           </p:cNvPr>
@@ -14562,7 +14562,7 @@
           <p:cNvPr id="7" name="Shape 667">
             <a:extLst>
               <a:ext uri="{FF2B5EF4-FFF2-40B4-BE49-F238E27FC236}">
-                <a16:creationId xmlns="" xmlns:a16="http://schemas.microsoft.com/office/drawing/2014/main" id="{4ED33EE4-9A90-BA4F-9887-E6159A3C4FD9}"/>
+                <a16:creationId xmlns:a16="http://schemas.microsoft.com/office/drawing/2014/main" xmlns="" id="{4ED33EE4-9A90-BA4F-9887-E6159A3C4FD9}"/>
               </a:ext>
             </a:extLst>
           </p:cNvPr>
@@ -14889,7 +14889,7 @@
           <p:cNvPr id="8" name="Shape 667">
             <a:extLst>
               <a:ext uri="{FF2B5EF4-FFF2-40B4-BE49-F238E27FC236}">
-                <a16:creationId xmlns="" xmlns:a16="http://schemas.microsoft.com/office/drawing/2014/main" id="{6D9FDE64-5BCC-7B4B-8CDC-391E76042333}"/>
+                <a16:creationId xmlns:a16="http://schemas.microsoft.com/office/drawing/2014/main" xmlns="" id="{6D9FDE64-5BCC-7B4B-8CDC-391E76042333}"/>
               </a:ext>
             </a:extLst>
           </p:cNvPr>
@@ -15720,28 +15720,28 @@
                 <a:gridCol w="1587501">
                   <a:extLst>
                     <a:ext uri="{9D8B030D-6E8A-4147-A177-3AD203B41FA5}">
-                      <a16:colId xmlns="" xmlns:a16="http://schemas.microsoft.com/office/drawing/2014/main" val="20000"/>
+                      <a16:colId xmlns:a16="http://schemas.microsoft.com/office/drawing/2014/main" xmlns="" val="20000"/>
                     </a:ext>
                   </a:extLst>
                 </a:gridCol>
                 <a:gridCol w="2855163">
                   <a:extLst>
                     <a:ext uri="{9D8B030D-6E8A-4147-A177-3AD203B41FA5}">
-                      <a16:colId xmlns="" xmlns:a16="http://schemas.microsoft.com/office/drawing/2014/main" val="20001"/>
+                      <a16:colId xmlns:a16="http://schemas.microsoft.com/office/drawing/2014/main" xmlns="" val="20001"/>
                     </a:ext>
                   </a:extLst>
                 </a:gridCol>
                 <a:gridCol w="1759759">
                   <a:extLst>
                     <a:ext uri="{9D8B030D-6E8A-4147-A177-3AD203B41FA5}">
-                      <a16:colId xmlns="" xmlns:a16="http://schemas.microsoft.com/office/drawing/2014/main" val="20002"/>
+                      <a16:colId xmlns:a16="http://schemas.microsoft.com/office/drawing/2014/main" xmlns="" val="20002"/>
                     </a:ext>
                   </a:extLst>
                 </a:gridCol>
                 <a:gridCol w="2268478">
                   <a:extLst>
                     <a:ext uri="{9D8B030D-6E8A-4147-A177-3AD203B41FA5}">
-                      <a16:colId xmlns="" xmlns:a16="http://schemas.microsoft.com/office/drawing/2014/main" val="20004"/>
+                      <a16:colId xmlns:a16="http://schemas.microsoft.com/office/drawing/2014/main" xmlns="" val="20004"/>
                     </a:ext>
                   </a:extLst>
                 </a:gridCol>
@@ -15863,7 +15863,7 @@
                 </a:tc>
                 <a:extLst>
                   <a:ext uri="{0D108BD9-81ED-4DB2-BD59-A6C34878D82A}">
-                    <a16:rowId xmlns="" xmlns:a16="http://schemas.microsoft.com/office/drawing/2014/main" val="10000"/>
+                    <a16:rowId xmlns:a16="http://schemas.microsoft.com/office/drawing/2014/main" xmlns="" val="10000"/>
                   </a:ext>
                 </a:extLst>
               </a:tr>
@@ -16110,7 +16110,7 @@
                 </a:tc>
                 <a:extLst>
                   <a:ext uri="{0D108BD9-81ED-4DB2-BD59-A6C34878D82A}">
-                    <a16:rowId xmlns="" xmlns:a16="http://schemas.microsoft.com/office/drawing/2014/main" val="2455327945"/>
+                    <a16:rowId xmlns:a16="http://schemas.microsoft.com/office/drawing/2014/main" xmlns="" val="2455327945"/>
                   </a:ext>
                 </a:extLst>
               </a:tr>
@@ -16285,7 +16285,7 @@
                 </a:tc>
                 <a:extLst>
                   <a:ext uri="{0D108BD9-81ED-4DB2-BD59-A6C34878D82A}">
-                    <a16:rowId xmlns="" xmlns:a16="http://schemas.microsoft.com/office/drawing/2014/main" val="4280216352"/>
+                    <a16:rowId xmlns:a16="http://schemas.microsoft.com/office/drawing/2014/main" xmlns="" val="4280216352"/>
                   </a:ext>
                 </a:extLst>
               </a:tr>
@@ -16503,7 +16503,7 @@
                 </a:tc>
                 <a:extLst>
                   <a:ext uri="{0D108BD9-81ED-4DB2-BD59-A6C34878D82A}">
-                    <a16:rowId xmlns="" xmlns:a16="http://schemas.microsoft.com/office/drawing/2014/main" val="2414580013"/>
+                    <a16:rowId xmlns:a16="http://schemas.microsoft.com/office/drawing/2014/main" xmlns="" val="2414580013"/>
                   </a:ext>
                 </a:extLst>
               </a:tr>
@@ -16595,7 +16595,7 @@
           <p:cNvPr id="10" name="Shape 666">
             <a:extLst>
               <a:ext uri="{FF2B5EF4-FFF2-40B4-BE49-F238E27FC236}">
-                <a16:creationId xmlns="" xmlns:a16="http://schemas.microsoft.com/office/drawing/2014/main" id="{CFF12E7D-D1AD-6049-9F78-E73AF95BA285}"/>
+                <a16:creationId xmlns:a16="http://schemas.microsoft.com/office/drawing/2014/main" xmlns="" id="{CFF12E7D-D1AD-6049-9F78-E73AF95BA285}"/>
               </a:ext>
             </a:extLst>
           </p:cNvPr>
@@ -16883,7 +16883,7 @@
           <p:cNvPr id="9" name="Picture 8">
             <a:extLst>
               <a:ext uri="{FF2B5EF4-FFF2-40B4-BE49-F238E27FC236}">
-                <a16:creationId xmlns="" xmlns:a16="http://schemas.microsoft.com/office/drawing/2014/main" id="{DE92D77D-92F2-D048-9046-585BDD0FC153}"/>
+                <a16:creationId xmlns:a16="http://schemas.microsoft.com/office/drawing/2014/main" xmlns="" id="{DE92D77D-92F2-D048-9046-585BDD0FC153}"/>
               </a:ext>
             </a:extLst>
           </p:cNvPr>
@@ -17195,7 +17195,7 @@
         </p:nvSpPr>
         <p:spPr>
           <a:xfrm>
-            <a:off x="6935788" y="2801938"/>
+            <a:off x="3884932" y="2961616"/>
             <a:ext cx="2208212" cy="1708150"/>
           </a:xfrm>
           <a:prstGeom prst="rect">
@@ -17221,17 +17221,17 @@
               <a:rPr lang="en-US" sz="1100" b="1" err="1"/>
               <a:t>XGBoost</a:t>
             </a:r>
-            <a:endParaRPr sz="1100" b="1"/>
+            <a:endParaRPr sz="1100" b="1" dirty="0"/>
           </a:p>
           <a:p>
             <a:pPr marL="0" lvl="0" indent="0">
               <a:buNone/>
             </a:pPr>
             <a:r>
-              <a:rPr lang="en-US" sz="1100"/>
+              <a:rPr lang="en-US" sz="1100" dirty="0"/>
               <a:t>An implementation of gradient boosted decision trees designed for speed and performance.  It uses a more regularized model formalization to control over-fitting, which gives it better performance.</a:t>
             </a:r>
-            <a:endParaRPr sz="1100"/>
+            <a:endParaRPr sz="1100" dirty="0"/>
           </a:p>
         </p:txBody>
       </p:sp>

--- a/doc/Group9_Presentation.pptx
+++ b/doc/Group9_Presentation.pptx
@@ -7324,7 +7324,7 @@
           <p:nvPr>
             <p:extLst>
               <p:ext uri="{D42A27DB-BD31-4B8C-83A1-F6EECF244321}">
-                <p14:modId xmlns:p14="http://schemas.microsoft.com/office/powerpoint/2010/main" val="1310557350"/>
+                <p14:modId xmlns:p14="http://schemas.microsoft.com/office/powerpoint/2010/main" val="1792882013"/>
               </p:ext>
             </p:extLst>
           </p:nvPr>
@@ -7337,7 +7337,7 @@
           <a:graphicData uri="http://schemas.openxmlformats.org/drawingml/2006/table">
             <a:tbl>
               <a:tblPr firstRow="1" bandRow="1">
-                <a:tableStyleId>{BC89EF96-8CEA-46FF-86C4-4CE0E7609802}</a:tableStyleId>
+                <a:tableStyleId>{9DCAF9ED-07DC-4A11-8D7F-57B35C25682E}</a:tableStyleId>
               </a:tblPr>
               <a:tblGrid>
                 <a:gridCol w="2122374">
@@ -7382,7 +7382,7 @@
                     <a:bodyPr/>
                     <a:lstStyle/>
                     <a:p>
-                      <a:endParaRPr lang="en-US"/>
+                      <a:endParaRPr lang="en-US" dirty="0"/>
                     </a:p>
                   </a:txBody>
                   <a:tcPr/>
@@ -7423,17 +7423,7 @@
                       </a:r>
                     </a:p>
                   </a:txBody>
-                  <a:tcPr>
-                    <a:lnR w="12700" cap="flat" cmpd="sng" algn="ctr">
-                      <a:solidFill>
-                        <a:schemeClr val="accent1"/>
-                      </a:solidFill>
-                      <a:prstDash val="solid"/>
-                      <a:round/>
-                      <a:headEnd type="none" w="med" len="med"/>
-                      <a:tailEnd type="none" w="med" len="med"/>
-                    </a:lnR>
-                  </a:tcPr>
+                  <a:tcPr/>
                 </a:tc>
                 <a:tc>
                   <a:txBody>
@@ -7447,17 +7437,7 @@
                       </a:r>
                     </a:p>
                   </a:txBody>
-                  <a:tcPr>
-                    <a:lnL w="12700" cap="flat" cmpd="sng" algn="ctr">
-                      <a:solidFill>
-                        <a:schemeClr val="accent1"/>
-                      </a:solidFill>
-                      <a:prstDash val="solid"/>
-                      <a:round/>
-                      <a:headEnd type="none" w="med" len="med"/>
-                      <a:tailEnd type="none" w="med" len="med"/>
-                    </a:lnL>
-                  </a:tcPr>
+                  <a:tcPr/>
                 </a:tc>
                 <a:extLst>
                   <a:ext uri="{0D108BD9-81ED-4DB2-BD59-A6C34878D82A}">
@@ -7473,9 +7453,10 @@
                     <a:p>
                       <a:pPr algn="ctr"/>
                       <a:r>
-                        <a:rPr lang="en-US" b="1"/>
+                        <a:rPr lang="en-US"/>
                         <a:t>GBM</a:t>
                       </a:r>
+                      <a:endParaRPr lang="en-US" b="1"/>
                     </a:p>
                   </a:txBody>
                   <a:tcPr anchor="ctr"/>
@@ -7506,17 +7487,7 @@
                       </a:r>
                     </a:p>
                   </a:txBody>
-                  <a:tcPr>
-                    <a:lnB w="12700" cap="flat" cmpd="sng" algn="ctr">
-                      <a:solidFill>
-                        <a:schemeClr val="accent1"/>
-                      </a:solidFill>
-                      <a:prstDash val="solid"/>
-                      <a:round/>
-                      <a:headEnd type="none" w="med" len="med"/>
-                      <a:tailEnd type="none" w="med" len="med"/>
-                    </a:lnB>
-                  </a:tcPr>
+                  <a:tcPr/>
                 </a:tc>
                 <a:tc>
                   <a:txBody>
@@ -7530,26 +7501,7 @@
                       </a:r>
                     </a:p>
                   </a:txBody>
-                  <a:tcPr>
-                    <a:lnR w="12700" cap="flat" cmpd="sng" algn="ctr">
-                      <a:solidFill>
-                        <a:schemeClr val="accent1"/>
-                      </a:solidFill>
-                      <a:prstDash val="solid"/>
-                      <a:round/>
-                      <a:headEnd type="none" w="med" len="med"/>
-                      <a:tailEnd type="none" w="med" len="med"/>
-                    </a:lnR>
-                    <a:lnB w="12700" cap="flat" cmpd="sng" algn="ctr">
-                      <a:solidFill>
-                        <a:schemeClr val="accent1"/>
-                      </a:solidFill>
-                      <a:prstDash val="solid"/>
-                      <a:round/>
-                      <a:headEnd type="none" w="med" len="med"/>
-                      <a:tailEnd type="none" w="med" len="med"/>
-                    </a:lnB>
-                  </a:tcPr>
+                  <a:tcPr/>
                 </a:tc>
                 <a:tc>
                   <a:txBody>
@@ -7563,26 +7515,7 @@
                       </a:r>
                     </a:p>
                   </a:txBody>
-                  <a:tcPr>
-                    <a:lnL w="12700" cap="flat" cmpd="sng" algn="ctr">
-                      <a:solidFill>
-                        <a:schemeClr val="accent1"/>
-                      </a:solidFill>
-                      <a:prstDash val="solid"/>
-                      <a:round/>
-                      <a:headEnd type="none" w="med" len="med"/>
-                      <a:tailEnd type="none" w="med" len="med"/>
-                    </a:lnL>
-                    <a:lnB w="12700" cap="flat" cmpd="sng" algn="ctr">
-                      <a:solidFill>
-                        <a:schemeClr val="accent1"/>
-                      </a:solidFill>
-                      <a:prstDash val="solid"/>
-                      <a:round/>
-                      <a:headEnd type="none" w="med" len="med"/>
-                      <a:tailEnd type="none" w="med" len="med"/>
-                    </a:lnB>
-                  </a:tcPr>
+                  <a:tcPr/>
                 </a:tc>
                 <a:extLst>
                   <a:ext uri="{0D108BD9-81ED-4DB2-BD59-A6C34878D82A}">
@@ -7627,17 +7560,7 @@
                       </a:r>
                     </a:p>
                   </a:txBody>
-                  <a:tcPr>
-                    <a:lnT w="12700" cap="flat" cmpd="sng" algn="ctr">
-                      <a:solidFill>
-                        <a:schemeClr val="accent1"/>
-                      </a:solidFill>
-                      <a:prstDash val="solid"/>
-                      <a:round/>
-                      <a:headEnd type="none" w="med" len="med"/>
-                      <a:tailEnd type="none" w="med" len="med"/>
-                    </a:lnT>
-                  </a:tcPr>
+                  <a:tcPr/>
                 </a:tc>
                 <a:tc>
                   <a:txBody>
@@ -7651,26 +7574,7 @@
                       </a:r>
                     </a:p>
                   </a:txBody>
-                  <a:tcPr>
-                    <a:lnR w="12700" cap="flat" cmpd="sng" algn="ctr">
-                      <a:solidFill>
-                        <a:schemeClr val="accent1"/>
-                      </a:solidFill>
-                      <a:prstDash val="solid"/>
-                      <a:round/>
-                      <a:headEnd type="none" w="med" len="med"/>
-                      <a:tailEnd type="none" w="med" len="med"/>
-                    </a:lnR>
-                    <a:lnT w="12700" cap="flat" cmpd="sng" algn="ctr">
-                      <a:solidFill>
-                        <a:schemeClr val="accent1"/>
-                      </a:solidFill>
-                      <a:prstDash val="solid"/>
-                      <a:round/>
-                      <a:headEnd type="none" w="med" len="med"/>
-                      <a:tailEnd type="none" w="med" len="med"/>
-                    </a:lnT>
-                  </a:tcPr>
+                  <a:tcPr/>
                 </a:tc>
                 <a:tc>
                   <a:txBody>
@@ -7684,26 +7588,7 @@
                       </a:r>
                     </a:p>
                   </a:txBody>
-                  <a:tcPr>
-                    <a:lnL w="12700" cap="flat" cmpd="sng" algn="ctr">
-                      <a:solidFill>
-                        <a:schemeClr val="accent1"/>
-                      </a:solidFill>
-                      <a:prstDash val="solid"/>
-                      <a:round/>
-                      <a:headEnd type="none" w="med" len="med"/>
-                      <a:tailEnd type="none" w="med" len="med"/>
-                    </a:lnL>
-                    <a:lnT w="12700" cap="flat" cmpd="sng" algn="ctr">
-                      <a:solidFill>
-                        <a:schemeClr val="accent1"/>
-                      </a:solidFill>
-                      <a:prstDash val="solid"/>
-                      <a:round/>
-                      <a:headEnd type="none" w="med" len="med"/>
-                      <a:tailEnd type="none" w="med" len="med"/>
-                    </a:lnT>
-                  </a:tcPr>
+                  <a:tcPr/>
                 </a:tc>
                 <a:extLst>
                   <a:ext uri="{0D108BD9-81ED-4DB2-BD59-A6C34878D82A}">
@@ -7719,14 +7604,14 @@
                     <a:p>
                       <a:pPr algn="ctr"/>
                       <a:r>
-                        <a:rPr lang="en-US" b="1"/>
+                        <a:rPr lang="en-US" dirty="0"/>
                         <a:t>SVM</a:t>
                       </a:r>
                       <a:r>
-                        <a:rPr lang="en-US" b="1" baseline="0"/>
+                        <a:rPr lang="en-US" baseline="0" dirty="0"/>
                         <a:t> Linear</a:t>
                       </a:r>
-                      <a:endParaRPr lang="en-US" b="1"/>
+                      <a:endParaRPr lang="en-US" b="1" dirty="0"/>
                     </a:p>
                   </a:txBody>
                   <a:tcPr anchor="ctr"/>
@@ -7827,17 +7712,7 @@
                       <a:endParaRPr lang="en-US" sz="1400"/>
                     </a:p>
                   </a:txBody>
-                  <a:tcPr>
-                    <a:lnR w="12700" cap="flat" cmpd="sng" algn="ctr">
-                      <a:solidFill>
-                        <a:schemeClr val="accent1"/>
-                      </a:solidFill>
-                      <a:prstDash val="solid"/>
-                      <a:round/>
-                      <a:headEnd type="none" w="med" len="med"/>
-                      <a:tailEnd type="none" w="med" len="med"/>
-                    </a:lnR>
-                  </a:tcPr>
+                  <a:tcPr/>
                 </a:tc>
                 <a:tc>
                   <a:txBody>
@@ -7852,17 +7727,7 @@
                       <a:endParaRPr lang="en-US" sz="1400"/>
                     </a:p>
                   </a:txBody>
-                  <a:tcPr marL="68580" marR="68580" marT="34290" marB="34290">
-                    <a:lnL w="12700" cap="flat" cmpd="sng" algn="ctr">
-                      <a:solidFill>
-                        <a:schemeClr val="accent1"/>
-                      </a:solidFill>
-                      <a:prstDash val="solid"/>
-                      <a:round/>
-                      <a:headEnd type="none" w="med" len="med"/>
-                      <a:tailEnd type="none" w="med" len="med"/>
-                    </a:lnL>
-                  </a:tcPr>
+                  <a:tcPr marL="68580" marR="68580" marT="34290" marB="34290"/>
                 </a:tc>
                 <a:extLst>
                   <a:ext uri="{0D108BD9-81ED-4DB2-BD59-A6C34878D82A}">
@@ -7970,17 +7835,7 @@
                       </a:r>
                     </a:p>
                   </a:txBody>
-                  <a:tcPr>
-                    <a:lnR w="12700" cap="flat" cmpd="sng" algn="ctr">
-                      <a:solidFill>
-                        <a:schemeClr val="accent1"/>
-                      </a:solidFill>
-                      <a:prstDash val="solid"/>
-                      <a:round/>
-                      <a:headEnd type="none" w="med" len="med"/>
-                      <a:tailEnd type="none" w="med" len="med"/>
-                    </a:lnR>
-                  </a:tcPr>
+                  <a:tcPr/>
                 </a:tc>
                 <a:tc>
                   <a:txBody>
@@ -7994,17 +7849,7 @@
                       </a:r>
                     </a:p>
                   </a:txBody>
-                  <a:tcPr marL="68580" marR="68580" marT="34290" marB="34290">
-                    <a:lnL w="12700" cap="flat" cmpd="sng" algn="ctr">
-                      <a:solidFill>
-                        <a:schemeClr val="accent1"/>
-                      </a:solidFill>
-                      <a:prstDash val="solid"/>
-                      <a:round/>
-                      <a:headEnd type="none" w="med" len="med"/>
-                      <a:tailEnd type="none" w="med" len="med"/>
-                    </a:lnL>
-                  </a:tcPr>
+                  <a:tcPr marL="68580" marR="68580" marT="34290" marB="34290"/>
                 </a:tc>
                 <a:extLst>
                   <a:ext uri="{0D108BD9-81ED-4DB2-BD59-A6C34878D82A}">
@@ -8020,9 +7865,10 @@
                     <a:p>
                       <a:pPr algn="ctr"/>
                       <a:r>
-                        <a:rPr lang="en-US" b="1"/>
+                        <a:rPr lang="en-US" dirty="0"/>
                         <a:t>SVM RBF</a:t>
                       </a:r>
+                      <a:endParaRPr lang="en-US" b="1" dirty="0"/>
                     </a:p>
                   </a:txBody>
                   <a:tcPr anchor="ctr"/>
@@ -8228,7 +8074,7 @@
                     <a:p>
                       <a:pPr algn="ctr"/>
                       <a:r>
-                        <a:rPr lang="en-US" b="1" err="1"/>
+                        <a:rPr lang="en-US" err="1"/>
                         <a:t>XGBoost</a:t>
                       </a:r>
                       <a:endParaRPr lang="en-US" b="1"/>
@@ -8293,11 +8139,11 @@
                         <a:defRPr/>
                       </a:pPr>
                       <a:r>
-                        <a:rPr lang="nb-NO" sz="1400" b="0"/>
+                        <a:rPr lang="nb-NO" sz="1400"/>
                         <a:t>27.</a:t>
                       </a:r>
                       <a:r>
-                        <a:rPr lang="en-US" altLang="zh-CN" sz="1400" b="0"/>
+                        <a:rPr lang="en-US" altLang="zh-CN" sz="1400"/>
                         <a:t>4%</a:t>
                       </a:r>
                       <a:endParaRPr lang="en-US" sz="1400" b="0"/>
@@ -8330,9 +8176,10 @@
                         <a:defRPr/>
                       </a:pPr>
                       <a:r>
-                        <a:rPr lang="en-US" sz="1400" b="0"/>
+                        <a:rPr lang="en-US" sz="1400"/>
                         <a:t>25.2%</a:t>
                       </a:r>
+                      <a:endParaRPr lang="en-US" sz="1400" b="0"/>
                     </a:p>
                   </a:txBody>
                   <a:tcPr/>
@@ -8425,7 +8272,7 @@
                         <a:defRPr/>
                       </a:pPr>
                       <a:r>
-                        <a:rPr lang="en-US" altLang="zh-CN" sz="1400" b="0"/>
+                        <a:rPr lang="en-US" altLang="zh-CN" sz="1400"/>
                         <a:t>49.2 s</a:t>
                       </a:r>
                       <a:endParaRPr lang="en-US" sz="1400" b="0"/>
@@ -8458,15 +8305,15 @@
                         <a:defRPr/>
                       </a:pPr>
                       <a:r>
-                        <a:rPr lang="en-US" altLang="zh-CN" sz="1400" b="0"/>
+                        <a:rPr lang="en-US" altLang="zh-CN" sz="1400"/>
                         <a:t>13.2</a:t>
                       </a:r>
                       <a:r>
-                        <a:rPr lang="zh-CN" altLang="en-US" sz="1400" b="0"/>
+                        <a:rPr lang="zh-CN" altLang="en-US" sz="1400"/>
                         <a:t> </a:t>
                       </a:r>
                       <a:r>
-                        <a:rPr lang="en-US" altLang="zh-CN" sz="1400" b="0"/>
+                        <a:rPr lang="en-US" altLang="zh-CN" sz="1400"/>
                         <a:t>s</a:t>
                       </a:r>
                       <a:endParaRPr lang="en-US" sz="1400" b="0"/>
@@ -8499,9 +8346,10 @@
                         <a:defRPr/>
                       </a:pPr>
                       <a:r>
-                        <a:rPr lang="en-US" sz="1400" b="0"/>
+                        <a:rPr lang="en-US" sz="1400"/>
                         <a:t>79.62 s</a:t>
                       </a:r>
+                      <a:endParaRPr lang="en-US" sz="1400" b="0"/>
                     </a:p>
                   </a:txBody>
                   <a:tcPr/>
@@ -8520,7 +8368,7 @@
                     <a:p>
                       <a:pPr algn="ctr"/>
                       <a:r>
-                        <a:rPr lang="en-US" b="1" err="1"/>
+                        <a:rPr lang="en-US" err="1"/>
                         <a:t>AdaBoost</a:t>
                       </a:r>
                       <a:endParaRPr lang="en-US" b="1"/>
@@ -8642,13 +8490,14 @@
                     <a:p>
                       <a:pPr algn="ctr"/>
                       <a:r>
-                        <a:rPr lang="en-US">
-                          <a:solidFill>
-                            <a:srgbClr val="FF0000"/>
-                          </a:solidFill>
-                        </a:rPr>
+                        <a:rPr lang="en-US"/>
                         <a:t>&gt; 60 m</a:t>
                       </a:r>
+                      <a:endParaRPr lang="en-US">
+                        <a:solidFill>
+                          <a:srgbClr val="FF0000"/>
+                        </a:solidFill>
+                      </a:endParaRPr>
                     </a:p>
                   </a:txBody>
                   <a:tcPr/>
@@ -8660,13 +8509,14 @@
                     <a:p>
                       <a:pPr algn="ctr"/>
                       <a:r>
-                        <a:rPr lang="en-US">
-                          <a:solidFill>
-                            <a:srgbClr val="FF0000"/>
-                          </a:solidFill>
-                        </a:rPr>
+                        <a:rPr lang="en-US"/>
                         <a:t>35.32 m</a:t>
                       </a:r>
+                      <a:endParaRPr lang="en-US">
+                        <a:solidFill>
+                          <a:srgbClr val="FF0000"/>
+                        </a:solidFill>
+                      </a:endParaRPr>
                     </a:p>
                   </a:txBody>
                   <a:tcPr/>
@@ -8678,27 +8528,15 @@
                     <a:p>
                       <a:pPr algn="ctr"/>
                       <a:r>
-                        <a:rPr lang="en-US" altLang="zh-CN">
-                          <a:solidFill>
-                            <a:srgbClr val="FF0000"/>
-                          </a:solidFill>
-                        </a:rPr>
+                        <a:rPr lang="en-US" altLang="zh-CN"/>
                         <a:t>41.28</a:t>
                       </a:r>
                       <a:r>
-                        <a:rPr lang="zh-CN" altLang="en-US">
-                          <a:solidFill>
-                            <a:srgbClr val="FF0000"/>
-                          </a:solidFill>
-                        </a:rPr>
+                        <a:rPr lang="zh-CN" altLang="en-US"/>
                         <a:t> </a:t>
                       </a:r>
                       <a:r>
-                        <a:rPr lang="en-US" altLang="zh-CN">
-                          <a:solidFill>
-                            <a:srgbClr val="FF0000"/>
-                          </a:solidFill>
-                        </a:rPr>
+                        <a:rPr lang="en-US" altLang="zh-CN"/>
                         <a:t>m</a:t>
                       </a:r>
                       <a:endParaRPr lang="en-US">
@@ -8724,9 +8562,10 @@
                     <a:p>
                       <a:pPr algn="ctr"/>
                       <a:r>
-                        <a:rPr lang="en-US" b="1"/>
+                        <a:rPr lang="en-US"/>
                         <a:t>CNN</a:t>
                       </a:r>
+                      <a:endParaRPr lang="en-US" b="1"/>
                     </a:p>
                   </a:txBody>
                   <a:tcPr anchor="ctr"/>
@@ -8837,13 +8676,14 @@
                     <a:p>
                       <a:pPr algn="ctr"/>
                       <a:r>
-                        <a:rPr lang="en-US" dirty="0">
-                          <a:solidFill>
-                            <a:srgbClr val="FF0000"/>
-                          </a:solidFill>
-                        </a:rPr>
+                        <a:rPr lang="en-US" dirty="0"/>
                         <a:t>106 m</a:t>
                       </a:r>
+                      <a:endParaRPr lang="en-US" dirty="0">
+                        <a:solidFill>
+                          <a:srgbClr val="FF0000"/>
+                        </a:solidFill>
+                      </a:endParaRPr>
                     </a:p>
                   </a:txBody>
                   <a:tcPr/>
@@ -9799,7 +9639,7 @@
           <p:nvPr>
             <p:extLst>
               <p:ext uri="{D42A27DB-BD31-4B8C-83A1-F6EECF244321}">
-                <p14:modId xmlns:p14="http://schemas.microsoft.com/office/powerpoint/2010/main" val="790472418"/>
+                <p14:modId xmlns:p14="http://schemas.microsoft.com/office/powerpoint/2010/main" val="1687126117"/>
               </p:ext>
             </p:extLst>
           </p:nvPr>
@@ -9812,7 +9652,7 @@
           <a:graphicData uri="http://schemas.openxmlformats.org/drawingml/2006/table">
             <a:tbl>
               <a:tblPr firstRow="1" bandRow="1">
-                <a:tableStyleId>{5C22544A-7EE6-4342-B048-85BDC9FD1C3A}</a:tableStyleId>
+                <a:tableStyleId>{9DCAF9ED-07DC-4A11-8D7F-57B35C25682E}</a:tableStyleId>
               </a:tblPr>
               <a:tblGrid>
                 <a:gridCol w="1128950">
@@ -9858,7 +9698,7 @@
                     <a:lstStyle/>
                     <a:p>
                       <a:pPr algn="ctr"/>
-                      <a:endParaRPr lang="en-US" sz="1100"/>
+                      <a:endParaRPr lang="en-US" sz="1100" dirty="0"/>
                     </a:p>
                   </a:txBody>
                   <a:tcPr marL="68580" marR="68580" marT="34290" marB="34290"/>
@@ -9869,7 +9709,7 @@
                     <a:lstStyle/>
                     <a:p>
                       <a:pPr algn="ctr"/>
-                      <a:endParaRPr lang="en-US" sz="1100"/>
+                      <a:endParaRPr lang="en-US" sz="1100" dirty="0"/>
                     </a:p>
                   </a:txBody>
                   <a:tcPr marL="68580" marR="68580" marT="34290" marB="34290"/>
@@ -9933,9 +9773,10 @@
                     <a:p>
                       <a:pPr algn="ctr"/>
                       <a:r>
-                        <a:rPr lang="en-US" sz="1400" b="1"/>
+                        <a:rPr lang="en-US" sz="1400" dirty="0"/>
                         <a:t>feature dimension</a:t>
                       </a:r>
+                      <a:endParaRPr lang="en-US" sz="1400" b="1" dirty="0"/>
                     </a:p>
                   </a:txBody>
                   <a:tcPr marL="68580" marR="68580" marT="34290" marB="34290"/>
@@ -9946,7 +9787,7 @@
                     <a:lstStyle/>
                     <a:p>
                       <a:pPr algn="ctr"/>
-                      <a:endParaRPr lang="en-US" sz="1100"/>
+                      <a:endParaRPr lang="en-US" sz="1100" dirty="0"/>
                     </a:p>
                   </a:txBody>
                   <a:tcPr marL="68580" marR="68580" marT="34290" marB="34290"/>
@@ -10019,7 +9860,7 @@
                     <a:p>
                       <a:pPr algn="ctr"/>
                       <a:r>
-                        <a:rPr lang="en-US" altLang="zh-CN" sz="1400" b="1"/>
+                        <a:rPr lang="en-US" altLang="zh-CN" sz="1400"/>
                         <a:t>XGBoost</a:t>
                       </a:r>
                       <a:endParaRPr lang="en-US" sz="1400" b="1"/>
@@ -10052,14 +9893,14 @@
                         <a:defRPr/>
                       </a:pPr>
                       <a:r>
-                        <a:rPr lang="en-US" sz="1100"/>
+                        <a:rPr lang="en-US" sz="1100" dirty="0"/>
                         <a:t>CV</a:t>
                       </a:r>
                       <a:r>
-                        <a:rPr lang="en-US" sz="1100" baseline="0"/>
+                        <a:rPr lang="en-US" sz="1100" baseline="0" dirty="0"/>
                         <a:t> Error</a:t>
                       </a:r>
-                      <a:endParaRPr lang="en-US" sz="1100"/>
+                      <a:endParaRPr lang="en-US" sz="1100" dirty="0"/>
                     </a:p>
                   </a:txBody>
                   <a:tcPr marL="68580" marR="68580" marT="34290" marB="34290"/>
@@ -10071,9 +9912,10 @@
                     <a:p>
                       <a:pPr algn="ctr"/>
                       <a:r>
-                        <a:rPr lang="en-US" sz="1100" b="0"/>
+                        <a:rPr lang="en-US" sz="1100"/>
                         <a:t>29.29%</a:t>
                       </a:r>
+                      <a:endParaRPr lang="en-US" sz="1100" b="0"/>
                     </a:p>
                   </a:txBody>
                   <a:tcPr marL="68580" marR="68580" marT="34290" marB="34290"/>
@@ -10085,9 +9927,10 @@
                     <a:p>
                       <a:pPr algn="ctr"/>
                       <a:r>
-                        <a:rPr lang="en-US" sz="1100" b="0"/>
+                        <a:rPr lang="en-US" sz="1100"/>
                         <a:t>25.64%</a:t>
                       </a:r>
+                      <a:endParaRPr lang="en-US" sz="1100" b="0"/>
                     </a:p>
                   </a:txBody>
                   <a:tcPr marL="68580" marR="68580" marT="34290" marB="34290"/>
@@ -10117,17 +9960,18 @@
                         <a:defRPr/>
                       </a:pPr>
                       <a:r>
-                        <a:rPr lang="en-US" sz="1100" b="0" dirty="0"/>
+                        <a:rPr lang="en-US" sz="1100" dirty="0"/>
                         <a:t>9.</a:t>
                       </a:r>
                       <a:r>
-                        <a:rPr lang="en-US" altLang="zh-CN" sz="1100" b="0" dirty="0"/>
+                        <a:rPr lang="en-US" altLang="zh-CN" sz="1100" dirty="0"/>
                         <a:t>13</a:t>
                       </a:r>
                       <a:r>
-                        <a:rPr lang="en-US" sz="1100" b="0" dirty="0"/>
+                        <a:rPr lang="en-US" sz="1100" dirty="0"/>
                         <a:t>%</a:t>
                       </a:r>
+                      <a:endParaRPr lang="en-US" sz="1100" b="0" dirty="0"/>
                     </a:p>
                   </a:txBody>
                   <a:tcPr marL="68580" marR="68580" marT="34290" marB="34290"/>
@@ -10197,9 +10041,10 @@
                     <a:p>
                       <a:pPr algn="ctr"/>
                       <a:r>
-                        <a:rPr lang="en-US" sz="1100" b="0"/>
+                        <a:rPr lang="en-US" sz="1100"/>
                         <a:t>0.0145</a:t>
                       </a:r>
+                      <a:endParaRPr lang="en-US" sz="1100" b="0"/>
                     </a:p>
                   </a:txBody>
                   <a:tcPr marL="68580" marR="68580" marT="34290" marB="34290"/>
@@ -10211,9 +10056,10 @@
                     <a:p>
                       <a:pPr algn="ctr"/>
                       <a:r>
-                        <a:rPr lang="en-US" sz="1100" b="0"/>
+                        <a:rPr lang="en-US" sz="1100"/>
                         <a:t>0.0213</a:t>
                       </a:r>
+                      <a:endParaRPr lang="en-US" sz="1100" b="0"/>
                     </a:p>
                   </a:txBody>
                   <a:tcPr marL="68580" marR="68580" marT="34290" marB="34290"/>
@@ -10243,9 +10089,10 @@
                         <a:defRPr/>
                       </a:pPr>
                       <a:r>
-                        <a:rPr lang="en-US" sz="1100" b="0"/>
+                        <a:rPr lang="en-US" sz="1100"/>
                         <a:t>0.0064</a:t>
                       </a:r>
+                      <a:endParaRPr lang="en-US" sz="1100" b="0"/>
                     </a:p>
                   </a:txBody>
                   <a:tcPr marL="68580" marR="68580" marT="34290" marB="34290"/>
@@ -10289,9 +10136,10 @@
                     <a:p>
                       <a:pPr algn="ctr"/>
                       <a:r>
-                        <a:rPr lang="en-US" sz="1100" b="0"/>
+                        <a:rPr lang="en-US" sz="1100"/>
                         <a:t>104.05</a:t>
                       </a:r>
+                      <a:endParaRPr lang="en-US" sz="1100" b="0"/>
                     </a:p>
                   </a:txBody>
                   <a:tcPr marL="68580" marR="68580" marT="34290" marB="34290"/>
@@ -10303,9 +10151,10 @@
                     <a:p>
                       <a:pPr algn="ctr"/>
                       <a:r>
-                        <a:rPr lang="en-US" sz="1100" b="0"/>
+                        <a:rPr lang="en-US" sz="1100"/>
                         <a:t>49.138</a:t>
                       </a:r>
+                      <a:endParaRPr lang="en-US" sz="1100" b="0"/>
                     </a:p>
                   </a:txBody>
                   <a:tcPr marL="68580" marR="68580" marT="34290" marB="34290"/>
@@ -10364,11 +10213,11 @@
                     <a:p>
                       <a:pPr algn="ctr"/>
                       <a:r>
-                        <a:rPr lang="nb-NO" sz="1100" b="0"/>
+                        <a:rPr lang="nb-NO" sz="1100"/>
                         <a:t>27.</a:t>
                       </a:r>
                       <a:r>
-                        <a:rPr lang="en-US" altLang="zh-CN" sz="1100" b="0"/>
+                        <a:rPr lang="en-US" altLang="zh-CN" sz="1100"/>
                         <a:t>4%</a:t>
                       </a:r>
                       <a:endParaRPr lang="en-US" sz="1100" b="0"/>
@@ -10383,11 +10232,11 @@
                     <a:p>
                       <a:pPr algn="ctr"/>
                       <a:r>
-                        <a:rPr lang="cs-CZ" sz="1100" b="0"/>
+                        <a:rPr lang="cs-CZ" sz="1100"/>
                         <a:t>25.2</a:t>
                       </a:r>
                       <a:r>
-                        <a:rPr lang="en-US" altLang="zh-CN" sz="1100" b="0"/>
+                        <a:rPr lang="en-US" altLang="zh-CN" sz="1100"/>
                         <a:t>%</a:t>
                       </a:r>
                       <a:endParaRPr lang="en-US" sz="1100" b="0"/>
@@ -11862,7 +11711,7 @@
           <p:nvPr>
             <p:extLst>
               <p:ext uri="{D42A27DB-BD31-4B8C-83A1-F6EECF244321}">
-                <p14:modId xmlns:p14="http://schemas.microsoft.com/office/powerpoint/2010/main" val="783638791"/>
+                <p14:modId xmlns:p14="http://schemas.microsoft.com/office/powerpoint/2010/main" val="1607925594"/>
               </p:ext>
             </p:extLst>
           </p:nvPr>
@@ -11875,7 +11724,7 @@
           <a:graphicData uri="http://schemas.openxmlformats.org/drawingml/2006/table">
             <a:tbl>
               <a:tblPr firstRow="1" bandRow="1">
-                <a:tableStyleId>{5C22544A-7EE6-4342-B048-85BDC9FD1C3A}</a:tableStyleId>
+                <a:tableStyleId>{9DCAF9ED-07DC-4A11-8D7F-57B35C25682E}</a:tableStyleId>
               </a:tblPr>
               <a:tblGrid>
                 <a:gridCol w="1206941">
@@ -11980,10 +11829,10 @@
                     <a:p>
                       <a:pPr algn="ctr"/>
                       <a:r>
-                        <a:rPr lang="en-US" altLang="zh-CN" sz="1100"/>
+                        <a:rPr lang="en-US" altLang="zh-CN" sz="1100" dirty="0"/>
                         <a:t>GIST</a:t>
                       </a:r>
-                      <a:endParaRPr lang="en-US" sz="1100"/>
+                      <a:endParaRPr lang="en-US" sz="1100" dirty="0"/>
                     </a:p>
                   </a:txBody>
                   <a:tcPr marL="68580" marR="68580" marT="34290" marB="34290"/>
@@ -12092,46 +11941,46 @@
                         <a:defRPr/>
                       </a:pPr>
                       <a:r>
-                        <a:rPr lang="en-US" altLang="zh-CN" sz="1100"/>
+                        <a:rPr lang="en-US" altLang="zh-CN" sz="1100" dirty="0"/>
                         <a:t>SIFT</a:t>
                       </a:r>
                       <a:r>
-                        <a:rPr lang="zh-CN" altLang="en-US" sz="1100"/>
+                        <a:rPr lang="zh-CN" altLang="en-US" sz="1100" dirty="0"/>
                         <a:t> </a:t>
                       </a:r>
                       <a:r>
-                        <a:rPr lang="en-US" altLang="zh-CN" sz="1100"/>
+                        <a:rPr lang="en-US" altLang="zh-CN" sz="1100" dirty="0"/>
                         <a:t>+</a:t>
                       </a:r>
                       <a:r>
-                        <a:rPr lang="zh-CN" altLang="en-US" sz="1100"/>
+                        <a:rPr lang="zh-CN" altLang="en-US" sz="1100" dirty="0"/>
                         <a:t> </a:t>
                       </a:r>
                       <a:r>
-                        <a:rPr lang="en-US" altLang="zh-CN" sz="1100"/>
+                        <a:rPr lang="en-US" altLang="zh-CN" sz="1100" dirty="0"/>
                         <a:t>RGB</a:t>
                       </a:r>
                       <a:r>
-                        <a:rPr lang="zh-CN" altLang="en-US" sz="1100"/>
+                        <a:rPr lang="zh-CN" altLang="en-US" sz="1100" dirty="0"/>
                         <a:t> </a:t>
                       </a:r>
                       <a:r>
-                        <a:rPr lang="en-US" altLang="zh-CN" sz="1100"/>
+                        <a:rPr lang="en-US" altLang="zh-CN" sz="1100" dirty="0"/>
                         <a:t>+</a:t>
                       </a:r>
                       <a:r>
-                        <a:rPr lang="zh-CN" altLang="en-US" sz="1100"/>
+                        <a:rPr lang="zh-CN" altLang="en-US" sz="1100" dirty="0"/>
                         <a:t> </a:t>
                       </a:r>
                       <a:r>
-                        <a:rPr lang="en-US" altLang="zh-CN" sz="1100"/>
+                        <a:rPr lang="en-US" altLang="zh-CN" sz="1100" dirty="0"/>
                         <a:t>GIST</a:t>
                       </a:r>
-                      <a:endParaRPr lang="en-US" sz="1100"/>
+                      <a:endParaRPr lang="en-US" sz="1100" dirty="0"/>
                     </a:p>
                     <a:p>
                       <a:pPr algn="ctr"/>
-                      <a:endParaRPr lang="en-US" sz="1100"/>
+                      <a:endParaRPr lang="en-US" sz="1100" dirty="0"/>
                     </a:p>
                   </a:txBody>
                   <a:tcPr marL="68580" marR="68580" marT="34290" marB="34290"/>
@@ -12150,9 +11999,10 @@
                     <a:p>
                       <a:pPr algn="ctr"/>
                       <a:r>
-                        <a:rPr lang="en-US" sz="1400" b="1"/>
+                        <a:rPr lang="en-US" sz="1400"/>
                         <a:t>feature dimension</a:t>
                       </a:r>
+                      <a:endParaRPr lang="en-US" sz="1400" b="1"/>
                     </a:p>
                   </a:txBody>
                   <a:tcPr marL="68580" marR="68580" marT="34290" marB="34290"/>
@@ -12290,7 +12140,7 @@
                     <a:p>
                       <a:pPr algn="ctr"/>
                       <a:r>
-                        <a:rPr lang="en-US" altLang="zh-CN" sz="1400" b="1" dirty="0" err="1"/>
+                        <a:rPr lang="en-US" altLang="zh-CN" sz="1400" dirty="0" err="1"/>
                         <a:t>XGBoost</a:t>
                       </a:r>
                       <a:endParaRPr lang="en-US" sz="1400" b="1" dirty="0"/>
@@ -12342,9 +12192,10 @@
                     <a:p>
                       <a:pPr algn="ctr"/>
                       <a:r>
-                        <a:rPr lang="en-US" sz="1100" b="0"/>
+                        <a:rPr lang="en-US" sz="1100"/>
                         <a:t>29.29%</a:t>
                       </a:r>
+                      <a:endParaRPr lang="en-US" sz="1100" b="0"/>
                     </a:p>
                   </a:txBody>
                   <a:tcPr marL="68580" marR="68580" marT="34290" marB="34290"/>
@@ -12356,9 +12207,10 @@
                     <a:p>
                       <a:pPr algn="ctr"/>
                       <a:r>
-                        <a:rPr lang="en-US" sz="1100" b="0"/>
+                        <a:rPr lang="en-US" sz="1100"/>
                         <a:t>25.64%</a:t>
                       </a:r>
+                      <a:endParaRPr lang="en-US" sz="1100" b="0"/>
                     </a:p>
                   </a:txBody>
                   <a:tcPr marL="68580" marR="68580" marT="34290" marB="34290"/>
@@ -12388,17 +12240,18 @@
                         <a:defRPr/>
                       </a:pPr>
                       <a:r>
-                        <a:rPr lang="en-US" sz="1100" b="0" dirty="0"/>
+                        <a:rPr lang="en-US" sz="1100" dirty="0"/>
                         <a:t>9.</a:t>
                       </a:r>
                       <a:r>
-                        <a:rPr lang="en-US" altLang="zh-CN" sz="1100" b="0" dirty="0"/>
+                        <a:rPr lang="en-US" altLang="zh-CN" sz="1100" dirty="0"/>
                         <a:t>13</a:t>
                       </a:r>
                       <a:r>
-                        <a:rPr lang="en-US" sz="1100" b="0" dirty="0"/>
+                        <a:rPr lang="en-US" sz="1100" dirty="0"/>
                         <a:t>%</a:t>
                       </a:r>
+                      <a:endParaRPr lang="en-US" sz="1100" b="0" dirty="0"/>
                     </a:p>
                   </a:txBody>
                   <a:tcPr marL="68580" marR="68580" marT="34290" marB="34290"/>
@@ -12410,9 +12263,10 @@
                     <a:p>
                       <a:pPr algn="ctr"/>
                       <a:r>
-                        <a:rPr lang="en-US" sz="1100" b="0" dirty="0"/>
+                        <a:rPr lang="en-US" sz="1100" dirty="0"/>
                         <a:t>9.02%</a:t>
                       </a:r>
+                      <a:endParaRPr lang="en-US" sz="1100" b="0" dirty="0"/>
                     </a:p>
                   </a:txBody>
                   <a:tcPr marL="68580" marR="68580" marT="34290" marB="34290"/>
@@ -12424,9 +12278,10 @@
                     <a:p>
                       <a:pPr algn="ctr"/>
                       <a:r>
-                        <a:rPr lang="en-US" sz="1100" b="0" dirty="0"/>
+                        <a:rPr lang="en-US" sz="1100" dirty="0"/>
                         <a:t>17.24%</a:t>
                       </a:r>
+                      <a:endParaRPr lang="en-US" sz="1100" b="0" dirty="0"/>
                     </a:p>
                   </a:txBody>
                   <a:tcPr marL="68580" marR="68580" marT="34290" marB="34290"/>
@@ -12438,9 +12293,10 @@
                     <a:p>
                       <a:pPr algn="ctr"/>
                       <a:r>
-                        <a:rPr lang="en-US" sz="1100" b="0" dirty="0"/>
+                        <a:rPr lang="en-US" sz="1100" dirty="0"/>
                         <a:t>8.93%</a:t>
                       </a:r>
+                      <a:endParaRPr lang="en-US" sz="1100" b="0" dirty="0"/>
                     </a:p>
                   </a:txBody>
                   <a:tcPr marL="68580" marR="68580" marT="34290" marB="34290"/>
@@ -12487,18 +12343,18 @@
                         <a:defRPr/>
                       </a:pPr>
                       <a:r>
-                        <a:rPr lang="en-US" sz="1100"/>
+                        <a:rPr lang="en-US" sz="1100" dirty="0"/>
                         <a:t>CV</a:t>
                       </a:r>
                       <a:r>
-                        <a:rPr lang="en-US" sz="1100" baseline="0"/>
+                        <a:rPr lang="en-US" sz="1100" baseline="0" dirty="0"/>
                         <a:t> </a:t>
                       </a:r>
                       <a:r>
-                        <a:rPr lang="en-US" sz="1100" baseline="0" err="1"/>
+                        <a:rPr lang="en-US" sz="1100" baseline="0" dirty="0" err="1"/>
                         <a:t>sd</a:t>
                       </a:r>
-                      <a:endParaRPr lang="en-US" sz="1100"/>
+                      <a:endParaRPr lang="en-US" sz="1100" dirty="0"/>
                     </a:p>
                   </a:txBody>
                   <a:tcPr marL="68580" marR="68580" marT="34290" marB="34290"/>
@@ -12510,9 +12366,10 @@
                     <a:p>
                       <a:pPr algn="ctr"/>
                       <a:r>
-                        <a:rPr lang="en-US" sz="1100" b="0"/>
+                        <a:rPr lang="en-US" sz="1100"/>
                         <a:t>0.0145</a:t>
                       </a:r>
+                      <a:endParaRPr lang="en-US" sz="1100" b="0"/>
                     </a:p>
                   </a:txBody>
                   <a:tcPr marL="68580" marR="68580" marT="34290" marB="34290"/>
@@ -12524,9 +12381,10 @@
                     <a:p>
                       <a:pPr algn="ctr"/>
                       <a:r>
-                        <a:rPr lang="en-US" sz="1100" b="0"/>
+                        <a:rPr lang="en-US" sz="1100"/>
                         <a:t>0.0213</a:t>
                       </a:r>
+                      <a:endParaRPr lang="en-US" sz="1100" b="0"/>
                     </a:p>
                   </a:txBody>
                   <a:tcPr marL="68580" marR="68580" marT="34290" marB="34290"/>
@@ -12556,9 +12414,10 @@
                         <a:defRPr/>
                       </a:pPr>
                       <a:r>
-                        <a:rPr lang="en-US" sz="1100" b="0" dirty="0"/>
+                        <a:rPr lang="en-US" sz="1100" dirty="0"/>
                         <a:t>0.0064</a:t>
                       </a:r>
+                      <a:endParaRPr lang="en-US" sz="1100" b="0" dirty="0"/>
                     </a:p>
                   </a:txBody>
                   <a:tcPr marL="68580" marR="68580" marT="34290" marB="34290"/>
@@ -12570,9 +12429,10 @@
                     <a:p>
                       <a:pPr algn="ctr"/>
                       <a:r>
-                        <a:rPr lang="en-US" sz="1100" b="0" dirty="0"/>
+                        <a:rPr lang="en-US" sz="1100" dirty="0"/>
                         <a:t>0.0086</a:t>
                       </a:r>
+                      <a:endParaRPr lang="en-US" sz="1100" b="0" dirty="0"/>
                     </a:p>
                   </a:txBody>
                   <a:tcPr marL="68580" marR="68580" marT="34290" marB="34290"/>
@@ -12584,9 +12444,10 @@
                     <a:p>
                       <a:pPr algn="ctr"/>
                       <a:r>
-                        <a:rPr lang="en-US" sz="1100" b="0"/>
+                        <a:rPr lang="en-US" sz="1100"/>
                         <a:t>0.0158</a:t>
                       </a:r>
+                      <a:endParaRPr lang="en-US" sz="1100" b="0"/>
                     </a:p>
                   </a:txBody>
                   <a:tcPr marL="68580" marR="68580" marT="34290" marB="34290"/>
@@ -12598,9 +12459,10 @@
                     <a:p>
                       <a:pPr algn="ctr"/>
                       <a:r>
-                        <a:rPr lang="en-US" sz="1100" b="0"/>
+                        <a:rPr lang="en-US" sz="1100"/>
                         <a:t>0.00776</a:t>
                       </a:r>
+                      <a:endParaRPr lang="en-US" sz="1100" b="0"/>
                     </a:p>
                   </a:txBody>
                   <a:tcPr marL="68580" marR="68580" marT="34290" marB="34290"/>
@@ -12644,9 +12506,10 @@
                     <a:p>
                       <a:pPr algn="ctr"/>
                       <a:r>
-                        <a:rPr lang="en-US" sz="1100" b="0"/>
+                        <a:rPr lang="en-US" sz="1100"/>
                         <a:t>104.05</a:t>
                       </a:r>
+                      <a:endParaRPr lang="en-US" sz="1100" b="0"/>
                     </a:p>
                   </a:txBody>
                   <a:tcPr marL="68580" marR="68580" marT="34290" marB="34290"/>
@@ -12658,9 +12521,10 @@
                     <a:p>
                       <a:pPr algn="ctr"/>
                       <a:r>
-                        <a:rPr lang="en-US" sz="1100" b="0"/>
+                        <a:rPr lang="en-US" sz="1100"/>
                         <a:t>49.138</a:t>
                       </a:r>
+                      <a:endParaRPr lang="en-US" sz="1100" b="0"/>
                     </a:p>
                   </a:txBody>
                   <a:tcPr marL="68580" marR="68580" marT="34290" marB="34290"/>
@@ -12686,9 +12550,10 @@
                     <a:p>
                       <a:pPr algn="ctr"/>
                       <a:r>
-                        <a:rPr lang="en-US" sz="1100" b="0" dirty="0"/>
+                        <a:rPr lang="en-US" sz="1100" dirty="0"/>
                         <a:t>83.249</a:t>
                       </a:r>
+                      <a:endParaRPr lang="en-US" sz="1100" b="0" dirty="0"/>
                     </a:p>
                   </a:txBody>
                   <a:tcPr marL="68580" marR="68580" marT="34290" marB="34290"/>
@@ -12700,7 +12565,7 @@
                     <a:p>
                       <a:pPr algn="ctr"/>
                       <a:r>
-                        <a:rPr lang="en-US" altLang="zh-CN" sz="1100" b="0"/>
+                        <a:rPr lang="en-US" altLang="zh-CN" sz="1100"/>
                         <a:t>154.025</a:t>
                       </a:r>
                       <a:endParaRPr lang="en-US" sz="1100" b="0"/>
@@ -12715,9 +12580,10 @@
                     <a:p>
                       <a:pPr algn="ctr"/>
                       <a:r>
-                        <a:rPr lang="en-US" sz="1100" b="0"/>
+                        <a:rPr lang="en-US" sz="1100"/>
                         <a:t>166.637</a:t>
                       </a:r>
+                      <a:endParaRPr lang="en-US" sz="1100" b="0"/>
                     </a:p>
                   </a:txBody>
                   <a:tcPr marL="68580" marR="68580" marT="34290" marB="34290"/>
@@ -12762,11 +12628,11 @@
                     <a:p>
                       <a:pPr algn="ctr"/>
                       <a:r>
-                        <a:rPr lang="nb-NO" sz="1100" b="0"/>
+                        <a:rPr lang="nb-NO" sz="1100"/>
                         <a:t>27.</a:t>
                       </a:r>
                       <a:r>
-                        <a:rPr lang="en-US" altLang="zh-CN" sz="1100" b="0"/>
+                        <a:rPr lang="en-US" altLang="zh-CN" sz="1100"/>
                         <a:t>4%</a:t>
                       </a:r>
                       <a:endParaRPr lang="en-US" sz="1100" b="0"/>
@@ -12781,11 +12647,11 @@
                     <a:p>
                       <a:pPr algn="ctr"/>
                       <a:r>
-                        <a:rPr lang="cs-CZ" sz="1100" b="0" dirty="0"/>
+                        <a:rPr lang="cs-CZ" sz="1100" dirty="0"/>
                         <a:t>25.2</a:t>
                       </a:r>
                       <a:r>
-                        <a:rPr lang="en-US" altLang="zh-CN" sz="1100" b="0" dirty="0"/>
+                        <a:rPr lang="en-US" altLang="zh-CN" sz="1100" dirty="0"/>
                         <a:t>%</a:t>
                       </a:r>
                       <a:endParaRPr lang="en-US" sz="1100" b="0" dirty="0"/>
@@ -12814,9 +12680,10 @@
                     <a:p>
                       <a:pPr algn="ctr"/>
                       <a:r>
-                        <a:rPr lang="en-US" sz="1100" b="0" dirty="0"/>
+                        <a:rPr lang="en-US" sz="1100" dirty="0"/>
                         <a:t>8.10%</a:t>
                       </a:r>
+                      <a:endParaRPr lang="en-US" sz="1100" b="0" dirty="0"/>
                     </a:p>
                   </a:txBody>
                   <a:tcPr marL="68580" marR="68580" marT="34290" marB="34290"/>
@@ -12828,9 +12695,10 @@
                     <a:p>
                       <a:pPr algn="ctr"/>
                       <a:r>
-                        <a:rPr lang="en-US" sz="1100" b="0"/>
+                        <a:rPr lang="en-US" sz="1100"/>
                         <a:t>16.17%</a:t>
                       </a:r>
+                      <a:endParaRPr lang="en-US" sz="1100" b="0"/>
                     </a:p>
                   </a:txBody>
                   <a:tcPr marL="68580" marR="68580" marT="34290" marB="34290"/>
@@ -12842,9 +12710,10 @@
                     <a:p>
                       <a:pPr algn="ctr"/>
                       <a:r>
-                        <a:rPr lang="en-US" sz="1100" b="0" dirty="0"/>
+                        <a:rPr lang="en-US" sz="1100" dirty="0"/>
                         <a:t>7.67%</a:t>
                       </a:r>
+                      <a:endParaRPr lang="en-US" sz="1100" b="0" dirty="0"/>
                     </a:p>
                   </a:txBody>
                   <a:tcPr marL="68580" marR="68580" marT="34290" marB="34290"/>
@@ -12889,7 +12758,7 @@
                     <a:p>
                       <a:pPr algn="ctr"/>
                       <a:r>
-                        <a:rPr lang="nb-NO" sz="1100" b="0" dirty="0" smtClean="0"/>
+                        <a:rPr lang="nb-NO" sz="1100" dirty="0" smtClean="0"/>
                         <a:t>41.8 kB</a:t>
                       </a:r>
                       <a:endParaRPr lang="en-US" sz="1100" b="0" dirty="0"/>
@@ -12904,11 +12773,11 @@
                     <a:p>
                       <a:pPr algn="ctr"/>
                       <a:r>
-                        <a:rPr lang="hr-HR" sz="1100" b="0" dirty="0" smtClean="0"/>
+                        <a:rPr lang="hr-HR" sz="1100" dirty="0" smtClean="0"/>
                         <a:t>3.82 </a:t>
                       </a:r>
                       <a:r>
-                        <a:rPr lang="hr-HR" sz="1100" b="0" smtClean="0"/>
+                        <a:rPr lang="hr-HR" sz="1100" smtClean="0"/>
                         <a:t>kB</a:t>
                       </a:r>
                       <a:endParaRPr lang="en-US" sz="1100" b="0" dirty="0"/>
@@ -12938,7 +12807,7 @@
                     <a:p>
                       <a:pPr algn="ctr"/>
                       <a:r>
-                        <a:rPr lang="nb-NO" sz="1100" b="0" dirty="0" smtClean="0"/>
+                        <a:rPr lang="nb-NO" sz="1100" dirty="0" smtClean="0"/>
                         <a:t>30.1 kB</a:t>
                       </a:r>
                       <a:endParaRPr lang="en-US" sz="1100" b="0" dirty="0"/>
@@ -12953,7 +12822,7 @@
                     <a:p>
                       <a:pPr algn="ctr"/>
                       <a:r>
-                        <a:rPr lang="nb-NO" sz="1100" b="0" dirty="0" smtClean="0"/>
+                        <a:rPr lang="nb-NO" sz="1100" dirty="0" smtClean="0"/>
                         <a:t>61.3 kB</a:t>
                       </a:r>
                       <a:endParaRPr lang="en-US" sz="1100" b="0" dirty="0"/>
@@ -12968,11 +12837,11 @@
                     <a:p>
                       <a:pPr algn="ctr"/>
                       <a:r>
-                        <a:rPr lang="hr-HR" sz="1100" b="0" dirty="0" smtClean="0"/>
+                        <a:rPr lang="hr-HR" sz="1100" dirty="0" smtClean="0"/>
                         <a:t>69.8 </a:t>
                       </a:r>
                       <a:r>
-                        <a:rPr lang="hr-HR" sz="1100" b="0" dirty="0" err="1" smtClean="0"/>
+                        <a:rPr lang="hr-HR" sz="1100" dirty="0" err="1" smtClean="0"/>
                         <a:t>kB</a:t>
                       </a:r>
                       <a:endParaRPr lang="en-US" sz="1100" b="0" dirty="0"/>
@@ -13036,7 +12905,7 @@
         <p:spPr>
           <a:xfrm>
             <a:off x="4963885" y="1123343"/>
-            <a:ext cx="1013756" cy="2616948"/>
+            <a:ext cx="1013756" cy="2999912"/>
           </a:xfrm>
           <a:prstGeom prst="rect">
             <a:avLst/>
@@ -15701,7 +15570,7 @@
           <p:nvPr>
             <p:extLst>
               <p:ext uri="{D42A27DB-BD31-4B8C-83A1-F6EECF244321}">
-                <p14:modId xmlns:p14="http://schemas.microsoft.com/office/powerpoint/2010/main" val="101731336"/>
+                <p14:modId xmlns:p14="http://schemas.microsoft.com/office/powerpoint/2010/main" val="373299334"/>
               </p:ext>
             </p:extLst>
           </p:nvPr>
@@ -15714,7 +15583,7 @@
           <a:graphicData uri="http://schemas.openxmlformats.org/drawingml/2006/table">
             <a:tbl>
               <a:tblPr firstRow="1" bandRow="1">
-                <a:tableStyleId>{5C22544A-7EE6-4342-B048-85BDC9FD1C3A}</a:tableStyleId>
+                <a:tableStyleId>{21E4AEA4-8DFA-4A89-87EB-49C32662AFE0}</a:tableStyleId>
               </a:tblPr>
               <a:tblGrid>
                 <a:gridCol w="1587501">
@@ -15769,13 +15638,7 @@
                     <a:p>
                       <a:pPr algn="ctr"/>
                       <a:r>
-                        <a:rPr lang="en-US" sz="1200" b="1" i="0" u="none" strike="noStrike" cap="none" dirty="0">
-                          <a:solidFill>
-                            <a:schemeClr val="bg1"/>
-                          </a:solidFill>
-                          <a:latin typeface="+mn-lt"/>
-                          <a:ea typeface="Arial"/>
-                          <a:cs typeface="Arial"/>
+                        <a:rPr lang="en-US" sz="1200" u="none" strike="noStrike" cap="none" dirty="0">
                           <a:sym typeface="Arial"/>
                         </a:rPr>
                         <a:t>advantages</a:t>
@@ -15814,13 +15677,7 @@
                         <a:defRPr/>
                       </a:pPr>
                       <a:r>
-                        <a:rPr lang="en-US" sz="1200" b="1" i="0" u="none" strike="noStrike" cap="none" dirty="0">
-                          <a:solidFill>
-                            <a:schemeClr val="bg1"/>
-                          </a:solidFill>
-                          <a:latin typeface="+mn-lt"/>
-                          <a:ea typeface="Arial"/>
-                          <a:cs typeface="Arial"/>
+                        <a:rPr lang="en-US" sz="1200" u="none" strike="noStrike" cap="none" dirty="0">
                           <a:sym typeface="Arial"/>
                         </a:rPr>
                         <a:t>disadvantages</a:t>
@@ -15841,13 +15698,7 @@
                     <a:p>
                       <a:pPr algn="ctr"/>
                       <a:r>
-                        <a:rPr lang="en-US" sz="1200" b="1" i="0" u="none" strike="noStrike" cap="none" dirty="0">
-                          <a:solidFill>
-                            <a:schemeClr val="bg1"/>
-                          </a:solidFill>
-                          <a:latin typeface="+mn-lt"/>
-                          <a:ea typeface="Arial"/>
-                          <a:cs typeface="Arial"/>
+                        <a:rPr lang="en-US" sz="1200" u="none" strike="noStrike" cap="none" dirty="0">
                           <a:sym typeface="Arial"/>
                         </a:rPr>
                         <a:t>Applications</a:t>
@@ -15893,13 +15744,7 @@
                         <a:defRPr/>
                       </a:pPr>
                       <a:r>
-                        <a:rPr lang="en-US" sz="1100" b="1" i="0" u="none" strike="noStrike" cap="none" dirty="0">
-                          <a:solidFill>
-                            <a:schemeClr val="tx1"/>
-                          </a:solidFill>
-                          <a:latin typeface="+mn-lt"/>
-                          <a:ea typeface="Arial"/>
-                          <a:cs typeface="Arial"/>
+                        <a:rPr lang="en-US" sz="1100" u="none" strike="noStrike" cap="none" dirty="0">
                           <a:sym typeface="Arial"/>
                         </a:rPr>
                         <a:t>SIFT</a:t>
@@ -15938,38 +15783,11 @@
                         <a:defRPr/>
                       </a:pPr>
                       <a:r>
-                        <a:rPr lang="en-US" sz="1100" b="1" i="0" u="none" strike="noStrike" cap="none" dirty="0">
-                          <a:solidFill>
-                            <a:schemeClr val="tx1"/>
-                          </a:solidFill>
-                          <a:latin typeface="+mn-lt"/>
-                          <a:ea typeface="Arial"/>
-                          <a:cs typeface="Arial"/>
+                        <a:rPr lang="en-US" sz="1100" u="none" strike="noStrike" cap="none" dirty="0">
                           <a:sym typeface="Arial"/>
                         </a:rPr>
-                        <a:t>I</a:t>
+                        <a:t>Invariant to image scaling and rotation, and partially invariant to change in illumination and 3D camera viewpoint. </a:t>
                       </a:r>
-                      <a:r>
-                        <a:rPr lang="en-US" sz="1100" b="0" i="0" u="none" strike="noStrike" cap="none" dirty="0">
-                          <a:solidFill>
-                            <a:schemeClr val="tx1"/>
-                          </a:solidFill>
-                          <a:latin typeface="+mn-lt"/>
-                          <a:ea typeface="Arial"/>
-                          <a:cs typeface="Arial"/>
-                          <a:sym typeface="Arial"/>
-                        </a:rPr>
-                        <a:t>nvariant to image scaling and rotation, and partially invariant to change in illumination and 3D camera viewpoint. </a:t>
-                      </a:r>
-                      <a:endParaRPr lang="en-US" sz="1100" b="1" i="0" u="none" strike="noStrike" cap="none" dirty="0">
-                        <a:solidFill>
-                          <a:schemeClr val="tx1"/>
-                        </a:solidFill>
-                        <a:latin typeface="+mn-lt"/>
-                        <a:ea typeface="Arial"/>
-                        <a:cs typeface="Arial"/>
-                        <a:sym typeface="Arial"/>
-                      </a:endParaRPr>
                     </a:p>
                     <a:p>
                       <a:pPr algn="l"/>
@@ -16007,26 +15825,11 @@
                         <a:defRPr/>
                       </a:pPr>
                       <a:r>
-                        <a:rPr lang="en-US" sz="1100" b="0" i="0" u="none" strike="noStrike" cap="none" dirty="0">
-                          <a:solidFill>
-                            <a:schemeClr val="tx1"/>
-                          </a:solidFill>
-                          <a:latin typeface="+mn-lt"/>
-                          <a:ea typeface="Arial"/>
-                          <a:cs typeface="Arial"/>
+                        <a:rPr lang="en-US" sz="1100" u="none" strike="noStrike" cap="none" dirty="0">
                           <a:sym typeface="Arial"/>
                         </a:rPr>
                         <a:t>Mathematically complicated and computationally heavy.</a:t>
                       </a:r>
-                      <a:endParaRPr lang="en-US" sz="1100" b="1" i="0" u="none" strike="noStrike" cap="none" dirty="0">
-                        <a:solidFill>
-                          <a:schemeClr val="tx1"/>
-                        </a:solidFill>
-                        <a:latin typeface="+mn-lt"/>
-                        <a:ea typeface="Arial"/>
-                        <a:cs typeface="Arial"/>
-                        <a:sym typeface="Arial"/>
-                      </a:endParaRPr>
                     </a:p>
                     <a:p>
                       <a:pPr algn="l"/>
@@ -16064,37 +15867,19 @@
                         <a:defRPr/>
                       </a:pPr>
                       <a:r>
-                        <a:rPr lang="en-US" sz="1100" b="0" i="0" u="none" strike="noStrike" cap="none" dirty="0">
-                          <a:solidFill>
-                            <a:schemeClr val="tx1"/>
-                          </a:solidFill>
-                          <a:latin typeface="+mn-lt"/>
-                          <a:ea typeface="Arial"/>
-                          <a:cs typeface="Arial"/>
+                        <a:rPr lang="en-US" sz="1100" u="none" strike="noStrike" cap="none" dirty="0">
                           <a:sym typeface="Arial"/>
                         </a:rPr>
                         <a:t>Image matching tasks</a:t>
                       </a:r>
                       <a:r>
-                        <a:rPr lang="en-US" sz="1100" b="0" i="0" u="none" strike="noStrike" cap="none" baseline="0" dirty="0">
-                          <a:solidFill>
-                            <a:schemeClr val="tx1"/>
-                          </a:solidFill>
-                          <a:latin typeface="+mn-lt"/>
-                          <a:ea typeface="Arial"/>
-                          <a:cs typeface="Arial"/>
+                        <a:rPr lang="en-US" sz="1100" u="none" strike="noStrike" cap="none" baseline="0" dirty="0">
                           <a:sym typeface="Arial"/>
                         </a:rPr>
                         <a:t>, </a:t>
                       </a:r>
                       <a:r>
-                        <a:rPr lang="en-US" sz="1100" b="0" i="0" u="none" strike="noStrike" cap="none" dirty="0">
-                          <a:solidFill>
-                            <a:schemeClr val="tx1"/>
-                          </a:solidFill>
-                          <a:latin typeface="+mn-lt"/>
-                          <a:ea typeface="Arial"/>
-                          <a:cs typeface="Arial"/>
+                        <a:rPr lang="en-US" sz="1100" u="none" strike="noStrike" cap="none" dirty="0">
                           <a:sym typeface="Arial"/>
                         </a:rPr>
                         <a:t>image classification.</a:t>
@@ -16122,13 +15907,7 @@
                     <a:p>
                       <a:pPr algn="ctr"/>
                       <a:r>
-                        <a:rPr lang="en-US" sz="1100" b="1" i="0" u="none" strike="noStrike" cap="none" dirty="0">
-                          <a:solidFill>
-                            <a:schemeClr val="tx1"/>
-                          </a:solidFill>
-                          <a:latin typeface="+mn-lt"/>
-                          <a:ea typeface="Arial"/>
-                          <a:cs typeface="Arial"/>
+                        <a:rPr lang="en-US" sz="1100" u="none" strike="noStrike" cap="none" dirty="0">
                           <a:sym typeface="Arial"/>
                         </a:rPr>
                         <a:t>GIST </a:t>
@@ -16167,13 +15946,7 @@
                         <a:defRPr/>
                       </a:pPr>
                       <a:r>
-                        <a:rPr lang="en-US" sz="1100" b="0" i="0" u="none" strike="noStrike" cap="none" dirty="0">
-                          <a:solidFill>
-                            <a:schemeClr val="tx1"/>
-                          </a:solidFill>
-                          <a:latin typeface="+mn-lt"/>
-                          <a:ea typeface="Arial"/>
-                          <a:cs typeface="Arial"/>
+                        <a:rPr lang="en-US" sz="1100" u="none" strike="noStrike" cap="none" dirty="0">
                           <a:sym typeface="Arial"/>
                         </a:rPr>
                         <a:t>Perform well for transformations such as scaling, JPEG compression and limited cropping. Stable behavior independently on the descriptor size</a:t>
@@ -16215,13 +15988,7 @@
                         <a:defRPr/>
                       </a:pPr>
                       <a:r>
-                        <a:rPr lang="en-US" sz="1100" b="0" i="0" u="none" strike="noStrike" cap="none" dirty="0">
-                          <a:solidFill>
-                            <a:schemeClr val="tx1"/>
-                          </a:solidFill>
-                          <a:latin typeface="+mn-lt"/>
-                          <a:ea typeface="Arial"/>
-                          <a:cs typeface="Arial"/>
+                        <a:rPr lang="en-US" sz="1100" u="none" strike="noStrike" cap="none" dirty="0">
                           <a:sym typeface="Arial"/>
                         </a:rPr>
                         <a:t>Heavy  computational cost</a:t>
@@ -16263,13 +16030,7 @@
                         <a:defRPr/>
                       </a:pPr>
                       <a:r>
-                        <a:rPr lang="en-US" sz="1100" b="0" i="0" u="none" strike="noStrike" cap="none" dirty="0">
-                          <a:solidFill>
-                            <a:schemeClr val="tx1"/>
-                          </a:solidFill>
-                          <a:latin typeface="+mn-lt"/>
-                          <a:ea typeface="Arial"/>
-                          <a:cs typeface="Arial"/>
+                        <a:rPr lang="en-US" sz="1100" u="none" strike="noStrike" cap="none" dirty="0">
                           <a:sym typeface="Arial"/>
                         </a:rPr>
                         <a:t>Visual scene classification, image search and image completion.</a:t>
@@ -16297,13 +16058,7 @@
                     <a:p>
                       <a:pPr algn="ctr"/>
                       <a:r>
-                        <a:rPr lang="en-US" sz="1100" b="1" i="0" u="none" strike="noStrike" cap="none" dirty="0">
-                          <a:solidFill>
-                            <a:schemeClr val="tx1"/>
-                          </a:solidFill>
-                          <a:latin typeface="+mn-lt"/>
-                          <a:ea typeface="Arial"/>
-                          <a:cs typeface="Arial"/>
+                        <a:rPr lang="en-US" sz="1100" u="none" strike="noStrike" cap="none" dirty="0">
                           <a:sym typeface="Arial"/>
                         </a:rPr>
                         <a:t>RGB</a:t>
@@ -16324,37 +16079,19 @@
                     <a:p>
                       <a:pPr algn="l"/>
                       <a:r>
-                        <a:rPr lang="en-US" sz="1100" b="0" i="0" u="none" strike="noStrike" cap="none" dirty="0">
-                          <a:solidFill>
-                            <a:schemeClr val="tx1"/>
-                          </a:solidFill>
-                          <a:latin typeface="+mn-lt"/>
-                          <a:ea typeface="Arial"/>
-                          <a:cs typeface="Arial"/>
+                        <a:rPr lang="en-US" sz="1100" u="none" strike="noStrike" cap="none" dirty="0">
                           <a:sym typeface="Arial"/>
                         </a:rPr>
                         <a:t>Faster to</a:t>
                       </a:r>
                       <a:r>
-                        <a:rPr lang="en-US" sz="1100" b="0" i="0" u="none" strike="noStrike" cap="none" baseline="0" dirty="0">
-                          <a:solidFill>
-                            <a:schemeClr val="tx1"/>
-                          </a:solidFill>
-                          <a:latin typeface="+mn-lt"/>
-                          <a:ea typeface="Arial"/>
-                          <a:cs typeface="Arial"/>
+                        <a:rPr lang="en-US" sz="1100" u="none" strike="noStrike" cap="none" baseline="0" dirty="0">
                           <a:sym typeface="Arial"/>
                         </a:rPr>
                         <a:t> </a:t>
                       </a:r>
                       <a:r>
-                        <a:rPr lang="en-US" sz="1100" b="0" i="0" u="none" strike="noStrike" cap="none" dirty="0">
-                          <a:solidFill>
-                            <a:schemeClr val="tx1"/>
-                          </a:solidFill>
-                          <a:latin typeface="+mn-lt"/>
-                          <a:ea typeface="Arial"/>
-                          <a:cs typeface="Arial"/>
+                        <a:rPr lang="en-US" sz="1100" u="none" strike="noStrike" cap="none" dirty="0">
                           <a:sym typeface="Arial"/>
                         </a:rPr>
                         <a:t>compute,</a:t>
@@ -16363,13 +16100,7 @@
                     <a:p>
                       <a:pPr algn="l"/>
                       <a:r>
-                        <a:rPr lang="en-US" sz="1100" b="0" i="0" u="none" strike="noStrike" cap="none" dirty="0">
-                          <a:solidFill>
-                            <a:schemeClr val="tx1"/>
-                          </a:solidFill>
-                          <a:latin typeface="+mn-lt"/>
-                          <a:ea typeface="Arial"/>
-                          <a:cs typeface="Arial"/>
+                        <a:rPr lang="en-US" sz="1100" u="none" strike="noStrike" cap="none" dirty="0">
                           <a:sym typeface="Arial"/>
                         </a:rPr>
                         <a:t>robustness with respect to geometric changes of projected objects and ,invariant to translation and rotation around the viewing axis and vary slowly with changes of view angle, scale, and occlusion</a:t>
@@ -16390,13 +16121,7 @@
                     <a:p>
                       <a:pPr algn="l"/>
                       <a:r>
-                        <a:rPr lang="en-US" sz="1100" b="0" i="0" u="none" strike="noStrike" cap="none" dirty="0">
-                          <a:solidFill>
-                            <a:schemeClr val="tx1"/>
-                          </a:solidFill>
-                          <a:latin typeface="+mn-lt"/>
-                          <a:ea typeface="Arial"/>
-                          <a:cs typeface="Arial"/>
+                        <a:rPr lang="en-US" sz="1100" u="none" strike="noStrike" cap="none" dirty="0">
                           <a:sym typeface="Arial"/>
                         </a:rPr>
                         <a:t>Information about object location, shape, and texture is discarded.</a:t>
@@ -16405,41 +16130,32 @@
                     <a:p>
                       <a:pPr algn="l"/>
                       <a:r>
-                        <a:rPr lang="en-US" sz="1100" b="0" i="0" u="none" strike="noStrike" cap="none" dirty="0">
-                          <a:solidFill>
-                            <a:schemeClr val="tx1"/>
-                          </a:solidFill>
-                          <a:latin typeface="+mn-lt"/>
-                          <a:ea typeface="Arial"/>
-                          <a:cs typeface="Arial"/>
+                        <a:rPr lang="en-US" sz="1100" u="none" strike="noStrike" cap="none" dirty="0">
                           <a:sym typeface="Arial"/>
                         </a:rPr>
                         <a:t>When the dataset</a:t>
                       </a:r>
                       <a:r>
-                        <a:rPr lang="en-US" sz="1100" b="0" i="0" u="none" strike="noStrike" cap="none" baseline="0" dirty="0">
-                          <a:solidFill>
-                            <a:schemeClr val="tx1"/>
-                          </a:solidFill>
-                          <a:latin typeface="+mn-lt"/>
-                          <a:ea typeface="Arial"/>
-                          <a:cs typeface="Arial"/>
+                        <a:rPr lang="en-US" sz="1100" u="none" strike="noStrike" cap="none" baseline="0" dirty="0">
                           <a:sym typeface="Arial"/>
                         </a:rPr>
                         <a:t> is large, sometimes matches wrong part of the image.</a:t>
                       </a:r>
                       <a:r>
-                        <a:rPr lang="en-US" sz="1100" b="0" i="0" u="none" strike="noStrike" cap="none" dirty="0">
-                          <a:solidFill>
-                            <a:schemeClr val="tx1"/>
-                          </a:solidFill>
-                          <a:latin typeface="+mn-lt"/>
-                          <a:ea typeface="Arial"/>
-                          <a:cs typeface="Arial"/>
+                        <a:rPr lang="en-US" sz="1100" u="none" strike="noStrike" cap="none" dirty="0">
                           <a:sym typeface="Arial"/>
                         </a:rPr>
                         <a:t> </a:t>
                       </a:r>
+                      <a:endParaRPr lang="en-US" sz="1100" b="0" i="0" u="none" strike="noStrike" cap="none" dirty="0">
+                        <a:solidFill>
+                          <a:schemeClr val="tx1"/>
+                        </a:solidFill>
+                        <a:latin typeface="+mn-lt"/>
+                        <a:ea typeface="Arial"/>
+                        <a:cs typeface="Arial"/>
+                        <a:sym typeface="Arial"/>
+                      </a:endParaRPr>
                     </a:p>
                   </a:txBody>
                   <a:tcPr marL="68580" marR="68580" marT="34290" marB="34290"/>
@@ -16469,25 +16185,13 @@
                         <a:defRPr/>
                       </a:pPr>
                       <a:r>
-                        <a:rPr lang="en-US" sz="1100" b="0" i="0" u="none" strike="noStrike" cap="none" dirty="0">
-                          <a:solidFill>
-                            <a:schemeClr val="tx1"/>
-                          </a:solidFill>
-                          <a:latin typeface="+mn-lt"/>
-                          <a:ea typeface="Arial"/>
-                          <a:cs typeface="Arial"/>
+                        <a:rPr lang="en-US" sz="1100" u="none" strike="noStrike" cap="none" dirty="0">
                           <a:sym typeface="Arial"/>
                         </a:rPr>
                         <a:t>Image search engine, image classification,</a:t>
                       </a:r>
                       <a:r>
-                        <a:rPr lang="en-US" sz="1100" b="0" i="0" u="none" strike="noStrike" cap="none" baseline="0" dirty="0">
-                          <a:solidFill>
-                            <a:schemeClr val="tx1"/>
-                          </a:solidFill>
-                          <a:latin typeface="+mn-lt"/>
-                          <a:ea typeface="Arial"/>
-                          <a:cs typeface="Arial"/>
+                        <a:rPr lang="en-US" sz="1100" u="none" strike="noStrike" cap="none" baseline="0" dirty="0">
                           <a:sym typeface="Arial"/>
                         </a:rPr>
                         <a:t> works well on hard to be cropped image. </a:t>
@@ -17162,7 +16866,7 @@
               <a:buNone/>
             </a:pPr>
             <a:r>
-              <a:rPr lang="en-US" sz="1100" b="1"/>
+              <a:rPr lang="en-US" sz="1100" b="1" dirty="0"/>
               <a:t>SVM</a:t>
             </a:r>
           </a:p>
@@ -17177,7 +16881,7 @@
               <a:buNone/>
             </a:pPr>
             <a:r>
-              <a:rPr lang="en-US" sz="1100"/>
+              <a:rPr lang="en-US" sz="1100" dirty="0"/>
               <a:t>A set of supervised learning methods used for classification, regression and outliers detection. Analysis can efficiently perform a non-linear classification using Kernel trick.</a:t>
             </a:r>
           </a:p>
@@ -18294,7 +17998,11 @@
                 </a:spcAft>
                 <a:buNone/>
               </a:pPr>
-              <a:endParaRPr/>
+              <a:endParaRPr>
+                <a:solidFill>
+                  <a:schemeClr val="tx1"/>
+                </a:solidFill>
+              </a:endParaRPr>
             </a:p>
           </p:txBody>
         </p:sp>
@@ -18703,7 +18411,11 @@
                 </a:spcAft>
                 <a:buNone/>
               </a:pPr>
-              <a:endParaRPr/>
+              <a:endParaRPr>
+                <a:solidFill>
+                  <a:schemeClr val="tx1"/>
+                </a:solidFill>
+              </a:endParaRPr>
             </a:p>
           </p:txBody>
         </p:sp>

--- a/doc/Group9_Presentation.pptx
+++ b/doc/Group9_Presentation.pptx
@@ -6722,7 +6722,7 @@
           <p:cNvPr id="6" name="Shape 467">
             <a:extLst>
               <a:ext uri="{FF2B5EF4-FFF2-40B4-BE49-F238E27FC236}">
-                <a16:creationId xmlns:a16="http://schemas.microsoft.com/office/drawing/2014/main" xmlns="" id="{1685D1D0-19B9-C044-824E-693C7330FD1B}"/>
+                <a16:creationId xmlns="" xmlns:a16="http://schemas.microsoft.com/office/drawing/2014/main" id="{1685D1D0-19B9-C044-824E-693C7330FD1B}"/>
               </a:ext>
             </a:extLst>
           </p:cNvPr>
@@ -7324,7 +7324,7 @@
           <p:nvPr>
             <p:extLst>
               <p:ext uri="{D42A27DB-BD31-4B8C-83A1-F6EECF244321}">
-                <p14:modId xmlns:p14="http://schemas.microsoft.com/office/powerpoint/2010/main" val="1792882013"/>
+                <p14:modId xmlns:p14="http://schemas.microsoft.com/office/powerpoint/2010/main" val="605298120"/>
               </p:ext>
             </p:extLst>
           </p:nvPr>
@@ -7337,41 +7337,41 @@
           <a:graphicData uri="http://schemas.openxmlformats.org/drawingml/2006/table">
             <a:tbl>
               <a:tblPr firstRow="1" bandRow="1">
-                <a:tableStyleId>{9DCAF9ED-07DC-4A11-8D7F-57B35C25682E}</a:tableStyleId>
+                <a:tableStyleId>{21E4AEA4-8DFA-4A89-87EB-49C32662AFE0}</a:tableStyleId>
               </a:tblPr>
               <a:tblGrid>
                 <a:gridCol w="2122374">
                   <a:extLst>
                     <a:ext uri="{9D8B030D-6E8A-4147-A177-3AD203B41FA5}">
-                      <a16:colId xmlns:a16="http://schemas.microsoft.com/office/drawing/2014/main" xmlns="" val="20000"/>
+                      <a16:colId xmlns="" xmlns:a16="http://schemas.microsoft.com/office/drawing/2014/main" val="20000"/>
                     </a:ext>
                   </a:extLst>
                 </a:gridCol>
                 <a:gridCol w="1308797">
                   <a:extLst>
                     <a:ext uri="{9D8B030D-6E8A-4147-A177-3AD203B41FA5}">
-                      <a16:colId xmlns:a16="http://schemas.microsoft.com/office/drawing/2014/main" xmlns="" val="20001"/>
+                      <a16:colId xmlns="" xmlns:a16="http://schemas.microsoft.com/office/drawing/2014/main" val="20001"/>
                     </a:ext>
                   </a:extLst>
                 </a:gridCol>
                 <a:gridCol w="1308797">
                   <a:extLst>
                     <a:ext uri="{9D8B030D-6E8A-4147-A177-3AD203B41FA5}">
-                      <a16:colId xmlns:a16="http://schemas.microsoft.com/office/drawing/2014/main" xmlns="" val="20002"/>
+                      <a16:colId xmlns="" xmlns:a16="http://schemas.microsoft.com/office/drawing/2014/main" val="20002"/>
                     </a:ext>
                   </a:extLst>
                 </a:gridCol>
                 <a:gridCol w="871855">
                   <a:extLst>
                     <a:ext uri="{9D8B030D-6E8A-4147-A177-3AD203B41FA5}">
-                      <a16:colId xmlns:a16="http://schemas.microsoft.com/office/drawing/2014/main" xmlns="" val="698607680"/>
+                      <a16:colId xmlns="" xmlns:a16="http://schemas.microsoft.com/office/drawing/2014/main" val="698607680"/>
                     </a:ext>
                   </a:extLst>
                 </a:gridCol>
                 <a:gridCol w="1255303">
                   <a:extLst>
                     <a:ext uri="{9D8B030D-6E8A-4147-A177-3AD203B41FA5}">
-                      <a16:colId xmlns:a16="http://schemas.microsoft.com/office/drawing/2014/main" xmlns="" val="1331669779"/>
+                      <a16:colId xmlns="" xmlns:a16="http://schemas.microsoft.com/office/drawing/2014/main" val="1331669779"/>
                     </a:ext>
                   </a:extLst>
                 </a:gridCol>
@@ -7441,7 +7441,7 @@
                 </a:tc>
                 <a:extLst>
                   <a:ext uri="{0D108BD9-81ED-4DB2-BD59-A6C34878D82A}">
-                    <a16:rowId xmlns:a16="http://schemas.microsoft.com/office/drawing/2014/main" xmlns="" val="10000"/>
+                    <a16:rowId xmlns="" xmlns:a16="http://schemas.microsoft.com/office/drawing/2014/main" val="10000"/>
                   </a:ext>
                 </a:extLst>
               </a:tr>
@@ -7453,10 +7453,10 @@
                     <a:p>
                       <a:pPr algn="ctr"/>
                       <a:r>
-                        <a:rPr lang="en-US"/>
+                        <a:rPr lang="en-US" dirty="0"/>
                         <a:t>GBM</a:t>
                       </a:r>
-                      <a:endParaRPr lang="en-US" b="1"/>
+                      <a:endParaRPr lang="en-US" b="1" dirty="0"/>
                     </a:p>
                   </a:txBody>
                   <a:tcPr anchor="ctr"/>
@@ -7519,7 +7519,7 @@
                 </a:tc>
                 <a:extLst>
                   <a:ext uri="{0D108BD9-81ED-4DB2-BD59-A6C34878D82A}">
-                    <a16:rowId xmlns:a16="http://schemas.microsoft.com/office/drawing/2014/main" xmlns="" val="10001"/>
+                    <a16:rowId xmlns="" xmlns:a16="http://schemas.microsoft.com/office/drawing/2014/main" val="10001"/>
                   </a:ext>
                 </a:extLst>
               </a:tr>
@@ -7592,7 +7592,7 @@
                 </a:tc>
                 <a:extLst>
                   <a:ext uri="{0D108BD9-81ED-4DB2-BD59-A6C34878D82A}">
-                    <a16:rowId xmlns:a16="http://schemas.microsoft.com/office/drawing/2014/main" xmlns="" val="10002"/>
+                    <a16:rowId xmlns="" xmlns:a16="http://schemas.microsoft.com/office/drawing/2014/main" val="10002"/>
                   </a:ext>
                 </a:extLst>
               </a:tr>
@@ -7731,7 +7731,7 @@
                 </a:tc>
                 <a:extLst>
                   <a:ext uri="{0D108BD9-81ED-4DB2-BD59-A6C34878D82A}">
-                    <a16:rowId xmlns:a16="http://schemas.microsoft.com/office/drawing/2014/main" xmlns="" val="10003"/>
+                    <a16:rowId xmlns="" xmlns:a16="http://schemas.microsoft.com/office/drawing/2014/main" val="10003"/>
                   </a:ext>
                 </a:extLst>
               </a:tr>
@@ -7853,7 +7853,7 @@
                 </a:tc>
                 <a:extLst>
                   <a:ext uri="{0D108BD9-81ED-4DB2-BD59-A6C34878D82A}">
-                    <a16:rowId xmlns:a16="http://schemas.microsoft.com/office/drawing/2014/main" xmlns="" val="10004"/>
+                    <a16:rowId xmlns="" xmlns:a16="http://schemas.microsoft.com/office/drawing/2014/main" val="10004"/>
                   </a:ext>
                 </a:extLst>
               </a:tr>
@@ -7957,7 +7957,7 @@
                 </a:tc>
                 <a:extLst>
                   <a:ext uri="{0D108BD9-81ED-4DB2-BD59-A6C34878D82A}">
-                    <a16:rowId xmlns:a16="http://schemas.microsoft.com/office/drawing/2014/main" xmlns="" val="10005"/>
+                    <a16:rowId xmlns="" xmlns:a16="http://schemas.microsoft.com/office/drawing/2014/main" val="10005"/>
                   </a:ext>
                 </a:extLst>
               </a:tr>
@@ -8062,7 +8062,7 @@
                 </a:tc>
                 <a:extLst>
                   <a:ext uri="{0D108BD9-81ED-4DB2-BD59-A6C34878D82A}">
-                    <a16:rowId xmlns:a16="http://schemas.microsoft.com/office/drawing/2014/main" xmlns="" val="10006"/>
+                    <a16:rowId xmlns="" xmlns:a16="http://schemas.microsoft.com/office/drawing/2014/main" val="10006"/>
                   </a:ext>
                 </a:extLst>
               </a:tr>
@@ -8218,7 +8218,7 @@
                 </a:tc>
                 <a:extLst>
                   <a:ext uri="{0D108BD9-81ED-4DB2-BD59-A6C34878D82A}">
-                    <a16:rowId xmlns:a16="http://schemas.microsoft.com/office/drawing/2014/main" xmlns="" val="10007"/>
+                    <a16:rowId xmlns="" xmlns:a16="http://schemas.microsoft.com/office/drawing/2014/main" val="10007"/>
                   </a:ext>
                 </a:extLst>
               </a:tr>
@@ -8346,17 +8346,17 @@
                         <a:defRPr/>
                       </a:pPr>
                       <a:r>
-                        <a:rPr lang="en-US" sz="1400"/>
+                        <a:rPr lang="en-US" sz="1400" dirty="0"/>
                         <a:t>79.62 s</a:t>
                       </a:r>
-                      <a:endParaRPr lang="en-US" sz="1400" b="0"/>
+                      <a:endParaRPr lang="en-US" sz="1400" b="0" dirty="0"/>
                     </a:p>
                   </a:txBody>
                   <a:tcPr/>
                 </a:tc>
                 <a:extLst>
                   <a:ext uri="{0D108BD9-81ED-4DB2-BD59-A6C34878D82A}">
-                    <a16:rowId xmlns:a16="http://schemas.microsoft.com/office/drawing/2014/main" xmlns="" val="10008"/>
+                    <a16:rowId xmlns="" xmlns:a16="http://schemas.microsoft.com/office/drawing/2014/main" val="10008"/>
                   </a:ext>
                 </a:extLst>
               </a:tr>
@@ -8454,7 +8454,7 @@
                 </a:tc>
                 <a:extLst>
                   <a:ext uri="{0D108BD9-81ED-4DB2-BD59-A6C34878D82A}">
-                    <a16:rowId xmlns:a16="http://schemas.microsoft.com/office/drawing/2014/main" xmlns="" val="10009"/>
+                    <a16:rowId xmlns="" xmlns:a16="http://schemas.microsoft.com/office/drawing/2014/main" val="10009"/>
                   </a:ext>
                 </a:extLst>
               </a:tr>
@@ -8550,7 +8550,7 @@
                 </a:tc>
                 <a:extLst>
                   <a:ext uri="{0D108BD9-81ED-4DB2-BD59-A6C34878D82A}">
-                    <a16:rowId xmlns:a16="http://schemas.microsoft.com/office/drawing/2014/main" xmlns="" val="10010"/>
+                    <a16:rowId xmlns="" xmlns:a16="http://schemas.microsoft.com/office/drawing/2014/main" val="10010"/>
                   </a:ext>
                 </a:extLst>
               </a:tr>
@@ -8640,7 +8640,7 @@
                 </a:tc>
                 <a:extLst>
                   <a:ext uri="{0D108BD9-81ED-4DB2-BD59-A6C34878D82A}">
-                    <a16:rowId xmlns:a16="http://schemas.microsoft.com/office/drawing/2014/main" xmlns="" val="10011"/>
+                    <a16:rowId xmlns="" xmlns:a16="http://schemas.microsoft.com/office/drawing/2014/main" val="10011"/>
                   </a:ext>
                 </a:extLst>
               </a:tr>
@@ -8720,7 +8720,7 @@
                 </a:tc>
                 <a:extLst>
                   <a:ext uri="{0D108BD9-81ED-4DB2-BD59-A6C34878D82A}">
-                    <a16:rowId xmlns:a16="http://schemas.microsoft.com/office/drawing/2014/main" xmlns="" val="10012"/>
+                    <a16:rowId xmlns="" xmlns:a16="http://schemas.microsoft.com/office/drawing/2014/main" val="10012"/>
                   </a:ext>
                 </a:extLst>
               </a:tr>
@@ -8733,7 +8733,7 @@
           <p:cNvPr id="3" name="Rectangle 2">
             <a:extLst>
               <a:ext uri="{FF2B5EF4-FFF2-40B4-BE49-F238E27FC236}">
-                <a16:creationId xmlns:a16="http://schemas.microsoft.com/office/drawing/2014/main" xmlns="" id="{BE49DAFA-6BC3-FE47-B67A-5E0EBE2385B6}"/>
+                <a16:creationId xmlns="" xmlns:a16="http://schemas.microsoft.com/office/drawing/2014/main" id="{BE49DAFA-6BC3-FE47-B67A-5E0EBE2385B6}"/>
               </a:ext>
             </a:extLst>
           </p:cNvPr>
@@ -8743,7 +8743,7 @@
         <p:spPr>
           <a:xfrm>
             <a:off x="6731725" y="2574389"/>
-            <a:ext cx="1261230" cy="705394"/>
+            <a:ext cx="1261230" cy="667575"/>
           </a:xfrm>
           <a:prstGeom prst="rect">
             <a:avLst/>
@@ -8783,7 +8783,7 @@
           <p:cNvPr id="4" name="Rectangle 3">
             <a:extLst>
               <a:ext uri="{FF2B5EF4-FFF2-40B4-BE49-F238E27FC236}">
-                <a16:creationId xmlns:a16="http://schemas.microsoft.com/office/drawing/2014/main" xmlns="" id="{91DDDFBC-6FB4-6D49-838F-2DF302BE1468}"/>
+                <a16:creationId xmlns="" xmlns:a16="http://schemas.microsoft.com/office/drawing/2014/main" id="{91DDDFBC-6FB4-6D49-838F-2DF302BE1468}"/>
               </a:ext>
             </a:extLst>
           </p:cNvPr>
@@ -8910,7 +8910,7 @@
           <p:cNvPr id="7" name="Title 1">
             <a:extLst>
               <a:ext uri="{FF2B5EF4-FFF2-40B4-BE49-F238E27FC236}">
-                <a16:creationId xmlns:a16="http://schemas.microsoft.com/office/drawing/2014/main" xmlns="" id="{88BA3341-7B27-AC4A-8F4A-2A3298C9BC0D}"/>
+                <a16:creationId xmlns="" xmlns:a16="http://schemas.microsoft.com/office/drawing/2014/main" id="{88BA3341-7B27-AC4A-8F4A-2A3298C9BC0D}"/>
               </a:ext>
             </a:extLst>
           </p:cNvPr>
@@ -8947,7 +8947,7 @@
           <p:cNvPr id="8" name="Content Placeholder 5">
             <a:extLst>
               <a:ext uri="{FF2B5EF4-FFF2-40B4-BE49-F238E27FC236}">
-                <a16:creationId xmlns:a16="http://schemas.microsoft.com/office/drawing/2014/main" xmlns="" id="{0845D312-87B0-954C-B208-E6576F3D6410}"/>
+                <a16:creationId xmlns="" xmlns:a16="http://schemas.microsoft.com/office/drawing/2014/main" id="{0845D312-87B0-954C-B208-E6576F3D6410}"/>
               </a:ext>
             </a:extLst>
           </p:cNvPr>
@@ -8983,7 +8983,7 @@
           <p:cNvPr id="9" name="Content Placeholder 9">
             <a:extLst>
               <a:ext uri="{FF2B5EF4-FFF2-40B4-BE49-F238E27FC236}">
-                <a16:creationId xmlns:a16="http://schemas.microsoft.com/office/drawing/2014/main" xmlns="" id="{084226EB-EEAB-404D-A7D1-A3D4C727F42C}"/>
+                <a16:creationId xmlns="" xmlns:a16="http://schemas.microsoft.com/office/drawing/2014/main" id="{084226EB-EEAB-404D-A7D1-A3D4C727F42C}"/>
               </a:ext>
             </a:extLst>
           </p:cNvPr>
@@ -9012,7 +9012,7 @@
           <p:cNvPr id="11" name="Title 1">
             <a:extLst>
               <a:ext uri="{FF2B5EF4-FFF2-40B4-BE49-F238E27FC236}">
-                <a16:creationId xmlns:a16="http://schemas.microsoft.com/office/drawing/2014/main" xmlns="" id="{2415DD61-ACC0-5646-BE79-F68DA3266154}"/>
+                <a16:creationId xmlns="" xmlns:a16="http://schemas.microsoft.com/office/drawing/2014/main" id="{2415DD61-ACC0-5646-BE79-F68DA3266154}"/>
               </a:ext>
             </a:extLst>
           </p:cNvPr>
@@ -9305,7 +9305,7 @@
           <p:cNvPr id="12" name="Title 1">
             <a:extLst>
               <a:ext uri="{FF2B5EF4-FFF2-40B4-BE49-F238E27FC236}">
-                <a16:creationId xmlns:a16="http://schemas.microsoft.com/office/drawing/2014/main" xmlns="" id="{60A2FD62-40BC-C94E-AD65-0764E277DD1E}"/>
+                <a16:creationId xmlns="" xmlns:a16="http://schemas.microsoft.com/office/drawing/2014/main" id="{60A2FD62-40BC-C94E-AD65-0764E277DD1E}"/>
               </a:ext>
             </a:extLst>
           </p:cNvPr>
@@ -9639,7 +9639,7 @@
           <p:nvPr>
             <p:extLst>
               <p:ext uri="{D42A27DB-BD31-4B8C-83A1-F6EECF244321}">
-                <p14:modId xmlns:p14="http://schemas.microsoft.com/office/powerpoint/2010/main" val="1687126117"/>
+                <p14:modId xmlns:p14="http://schemas.microsoft.com/office/powerpoint/2010/main" val="615467001"/>
               </p:ext>
             </p:extLst>
           </p:nvPr>
@@ -9652,41 +9652,41 @@
           <a:graphicData uri="http://schemas.openxmlformats.org/drawingml/2006/table">
             <a:tbl>
               <a:tblPr firstRow="1" bandRow="1">
-                <a:tableStyleId>{9DCAF9ED-07DC-4A11-8D7F-57B35C25682E}</a:tableStyleId>
+                <a:tableStyleId>{21E4AEA4-8DFA-4A89-87EB-49C32662AFE0}</a:tableStyleId>
               </a:tblPr>
               <a:tblGrid>
                 <a:gridCol w="1128950">
                   <a:extLst>
                     <a:ext uri="{9D8B030D-6E8A-4147-A177-3AD203B41FA5}">
-                      <a16:colId xmlns:a16="http://schemas.microsoft.com/office/drawing/2014/main" xmlns="" val="20000"/>
+                      <a16:colId xmlns="" xmlns:a16="http://schemas.microsoft.com/office/drawing/2014/main" val="20000"/>
                     </a:ext>
                   </a:extLst>
                 </a:gridCol>
                 <a:gridCol w="1125897">
                   <a:extLst>
                     <a:ext uri="{9D8B030D-6E8A-4147-A177-3AD203B41FA5}">
-                      <a16:colId xmlns:a16="http://schemas.microsoft.com/office/drawing/2014/main" xmlns="" val="20001"/>
+                      <a16:colId xmlns="" xmlns:a16="http://schemas.microsoft.com/office/drawing/2014/main" val="20001"/>
                     </a:ext>
                   </a:extLst>
                 </a:gridCol>
                 <a:gridCol w="924535">
                   <a:extLst>
                     <a:ext uri="{9D8B030D-6E8A-4147-A177-3AD203B41FA5}">
-                      <a16:colId xmlns:a16="http://schemas.microsoft.com/office/drawing/2014/main" xmlns="" val="20002"/>
+                      <a16:colId xmlns="" xmlns:a16="http://schemas.microsoft.com/office/drawing/2014/main" val="20002"/>
                     </a:ext>
                   </a:extLst>
                 </a:gridCol>
                 <a:gridCol w="1142827">
                   <a:extLst>
                     <a:ext uri="{9D8B030D-6E8A-4147-A177-3AD203B41FA5}">
-                      <a16:colId xmlns:a16="http://schemas.microsoft.com/office/drawing/2014/main" xmlns="" val="20003"/>
+                      <a16:colId xmlns="" xmlns:a16="http://schemas.microsoft.com/office/drawing/2014/main" val="20003"/>
                     </a:ext>
                   </a:extLst>
                 </a:gridCol>
                 <a:gridCol w="1014418">
                   <a:extLst>
                     <a:ext uri="{9D8B030D-6E8A-4147-A177-3AD203B41FA5}">
-                      <a16:colId xmlns:a16="http://schemas.microsoft.com/office/drawing/2014/main" xmlns="" val="20004"/>
+                      <a16:colId xmlns="" xmlns:a16="http://schemas.microsoft.com/office/drawing/2014/main" val="20004"/>
                     </a:ext>
                   </a:extLst>
                 </a:gridCol>
@@ -9761,7 +9761,7 @@
                 </a:tc>
                 <a:extLst>
                   <a:ext uri="{0D108BD9-81ED-4DB2-BD59-A6C34878D82A}">
-                    <a16:rowId xmlns:a16="http://schemas.microsoft.com/office/drawing/2014/main" xmlns="" val="10000"/>
+                    <a16:rowId xmlns="" xmlns:a16="http://schemas.microsoft.com/office/drawing/2014/main" val="10000"/>
                   </a:ext>
                 </a:extLst>
               </a:tr>
@@ -9848,7 +9848,7 @@
                 </a:tc>
                 <a:extLst>
                   <a:ext uri="{0D108BD9-81ED-4DB2-BD59-A6C34878D82A}">
-                    <a16:rowId xmlns:a16="http://schemas.microsoft.com/office/drawing/2014/main" xmlns="" val="2455327945"/>
+                    <a16:rowId xmlns="" xmlns:a16="http://schemas.microsoft.com/office/drawing/2014/main" val="2455327945"/>
                   </a:ext>
                 </a:extLst>
               </a:tr>
@@ -9978,7 +9978,7 @@
                 </a:tc>
                 <a:extLst>
                   <a:ext uri="{0D108BD9-81ED-4DB2-BD59-A6C34878D82A}">
-                    <a16:rowId xmlns:a16="http://schemas.microsoft.com/office/drawing/2014/main" xmlns="" val="4280216352"/>
+                    <a16:rowId xmlns="" xmlns:a16="http://schemas.microsoft.com/office/drawing/2014/main" val="4280216352"/>
                   </a:ext>
                 </a:extLst>
               </a:tr>
@@ -10099,7 +10099,7 @@
                 </a:tc>
                 <a:extLst>
                   <a:ext uri="{0D108BD9-81ED-4DB2-BD59-A6C34878D82A}">
-                    <a16:rowId xmlns:a16="http://schemas.microsoft.com/office/drawing/2014/main" xmlns="" val="2414580013"/>
+                    <a16:rowId xmlns="" xmlns:a16="http://schemas.microsoft.com/office/drawing/2014/main" val="2414580013"/>
                   </a:ext>
                 </a:extLst>
               </a:tr>
@@ -10175,7 +10175,7 @@
                 </a:tc>
                 <a:extLst>
                   <a:ext uri="{0D108BD9-81ED-4DB2-BD59-A6C34878D82A}">
-                    <a16:rowId xmlns:a16="http://schemas.microsoft.com/office/drawing/2014/main" xmlns="" val="10001"/>
+                    <a16:rowId xmlns="" xmlns:a16="http://schemas.microsoft.com/office/drawing/2014/main" val="10001"/>
                   </a:ext>
                 </a:extLst>
               </a:tr>
@@ -10260,7 +10260,7 @@
                 </a:tc>
                 <a:extLst>
                   <a:ext uri="{0D108BD9-81ED-4DB2-BD59-A6C34878D82A}">
-                    <a16:rowId xmlns:a16="http://schemas.microsoft.com/office/drawing/2014/main" xmlns="" val="10002"/>
+                    <a16:rowId xmlns="" xmlns:a16="http://schemas.microsoft.com/office/drawing/2014/main" val="10002"/>
                   </a:ext>
                 </a:extLst>
               </a:tr>
@@ -10273,7 +10273,7 @@
           <p:cNvPr id="8" name="Rectangle 7">
             <a:extLst>
               <a:ext uri="{FF2B5EF4-FFF2-40B4-BE49-F238E27FC236}">
-                <a16:creationId xmlns:a16="http://schemas.microsoft.com/office/drawing/2014/main" xmlns="" id="{EBC808F9-3742-5842-971E-EE42B23054E3}"/>
+                <a16:creationId xmlns="" xmlns:a16="http://schemas.microsoft.com/office/drawing/2014/main" id="{EBC808F9-3742-5842-971E-EE42B23054E3}"/>
               </a:ext>
             </a:extLst>
           </p:cNvPr>
@@ -10396,7 +10396,7 @@
           <p:cNvPr id="7" name="Title 1">
             <a:extLst>
               <a:ext uri="{FF2B5EF4-FFF2-40B4-BE49-F238E27FC236}">
-                <a16:creationId xmlns:a16="http://schemas.microsoft.com/office/drawing/2014/main" xmlns="" id="{88BA3341-7B27-AC4A-8F4A-2A3298C9BC0D}"/>
+                <a16:creationId xmlns="" xmlns:a16="http://schemas.microsoft.com/office/drawing/2014/main" id="{88BA3341-7B27-AC4A-8F4A-2A3298C9BC0D}"/>
               </a:ext>
             </a:extLst>
           </p:cNvPr>
@@ -10433,7 +10433,7 @@
           <p:cNvPr id="11" name="Title 1">
             <a:extLst>
               <a:ext uri="{FF2B5EF4-FFF2-40B4-BE49-F238E27FC236}">
-                <a16:creationId xmlns:a16="http://schemas.microsoft.com/office/drawing/2014/main" xmlns="" id="{2415DD61-ACC0-5646-BE79-F68DA3266154}"/>
+                <a16:creationId xmlns="" xmlns:a16="http://schemas.microsoft.com/office/drawing/2014/main" id="{2415DD61-ACC0-5646-BE79-F68DA3266154}"/>
               </a:ext>
             </a:extLst>
           </p:cNvPr>
@@ -10726,7 +10726,7 @@
           <p:cNvPr id="3" name="Picture 2">
             <a:extLst>
               <a:ext uri="{FF2B5EF4-FFF2-40B4-BE49-F238E27FC236}">
-                <a16:creationId xmlns:a16="http://schemas.microsoft.com/office/drawing/2014/main" xmlns="" id="{132436B6-661F-D74E-8CBF-2750430282D3}"/>
+                <a16:creationId xmlns="" xmlns:a16="http://schemas.microsoft.com/office/drawing/2014/main" id="{132436B6-661F-D74E-8CBF-2750430282D3}"/>
               </a:ext>
             </a:extLst>
           </p:cNvPr>
@@ -10755,7 +10755,7 @@
           <p:cNvPr id="13" name="Title 1">
             <a:extLst>
               <a:ext uri="{FF2B5EF4-FFF2-40B4-BE49-F238E27FC236}">
-                <a16:creationId xmlns:a16="http://schemas.microsoft.com/office/drawing/2014/main" xmlns="" id="{DB90A835-4B77-7D47-8701-DA7D8879668D}"/>
+                <a16:creationId xmlns="" xmlns:a16="http://schemas.microsoft.com/office/drawing/2014/main" id="{DB90A835-4B77-7D47-8701-DA7D8879668D}"/>
               </a:ext>
             </a:extLst>
           </p:cNvPr>
@@ -11048,7 +11048,7 @@
           <p:cNvPr id="14" name="Title 1">
             <a:extLst>
               <a:ext uri="{FF2B5EF4-FFF2-40B4-BE49-F238E27FC236}">
-                <a16:creationId xmlns:a16="http://schemas.microsoft.com/office/drawing/2014/main" xmlns="" id="{6C23DFD3-9579-C741-8BB9-4B41C0C7D0FB}"/>
+                <a16:creationId xmlns="" xmlns:a16="http://schemas.microsoft.com/office/drawing/2014/main" id="{6C23DFD3-9579-C741-8BB9-4B41C0C7D0FB}"/>
               </a:ext>
             </a:extLst>
           </p:cNvPr>
@@ -11341,7 +11341,7 @@
           <p:cNvPr id="5" name="Picture 4">
             <a:extLst>
               <a:ext uri="{FF2B5EF4-FFF2-40B4-BE49-F238E27FC236}">
-                <a16:creationId xmlns:a16="http://schemas.microsoft.com/office/drawing/2014/main" xmlns="" id="{5A084DF1-2885-6946-BAE1-FC7490DEECA2}"/>
+                <a16:creationId xmlns="" xmlns:a16="http://schemas.microsoft.com/office/drawing/2014/main" id="{5A084DF1-2885-6946-BAE1-FC7490DEECA2}"/>
               </a:ext>
             </a:extLst>
           </p:cNvPr>
@@ -11370,7 +11370,7 @@
           <p:cNvPr id="15" name="Picture 14">
             <a:extLst>
               <a:ext uri="{FF2B5EF4-FFF2-40B4-BE49-F238E27FC236}">
-                <a16:creationId xmlns:a16="http://schemas.microsoft.com/office/drawing/2014/main" xmlns="" id="{2A049C45-D0BE-C849-B355-25DF28D9061D}"/>
+                <a16:creationId xmlns="" xmlns:a16="http://schemas.microsoft.com/office/drawing/2014/main" id="{2A049C45-D0BE-C849-B355-25DF28D9061D}"/>
               </a:ext>
             </a:extLst>
           </p:cNvPr>
@@ -11437,7 +11437,7 @@
           <p:cNvPr id="7" name="Title 1">
             <a:extLst>
               <a:ext uri="{FF2B5EF4-FFF2-40B4-BE49-F238E27FC236}">
-                <a16:creationId xmlns:a16="http://schemas.microsoft.com/office/drawing/2014/main" xmlns="" id="{88BA3341-7B27-AC4A-8F4A-2A3298C9BC0D}"/>
+                <a16:creationId xmlns="" xmlns:a16="http://schemas.microsoft.com/office/drawing/2014/main" id="{88BA3341-7B27-AC4A-8F4A-2A3298C9BC0D}"/>
               </a:ext>
             </a:extLst>
           </p:cNvPr>
@@ -11474,7 +11474,7 @@
           <p:cNvPr id="4" name="Picture 3">
             <a:extLst>
               <a:ext uri="{FF2B5EF4-FFF2-40B4-BE49-F238E27FC236}">
-                <a16:creationId xmlns:a16="http://schemas.microsoft.com/office/drawing/2014/main" xmlns="" id="{8FD9F724-56D1-D542-A70E-B103BBC3C903}"/>
+                <a16:creationId xmlns="" xmlns:a16="http://schemas.microsoft.com/office/drawing/2014/main" id="{8FD9F724-56D1-D542-A70E-B103BBC3C903}"/>
               </a:ext>
             </a:extLst>
           </p:cNvPr>
@@ -11503,7 +11503,7 @@
           <p:cNvPr id="5" name="TextBox 4">
             <a:extLst>
               <a:ext uri="{FF2B5EF4-FFF2-40B4-BE49-F238E27FC236}">
-                <a16:creationId xmlns:a16="http://schemas.microsoft.com/office/drawing/2014/main" xmlns="" id="{372A79CB-F766-094F-97A4-1456BD043C65}"/>
+                <a16:creationId xmlns="" xmlns:a16="http://schemas.microsoft.com/office/drawing/2014/main" id="{372A79CB-F766-094F-97A4-1456BD043C65}"/>
               </a:ext>
             </a:extLst>
           </p:cNvPr>
@@ -11711,7 +11711,7 @@
           <p:nvPr>
             <p:extLst>
               <p:ext uri="{D42A27DB-BD31-4B8C-83A1-F6EECF244321}">
-                <p14:modId xmlns:p14="http://schemas.microsoft.com/office/powerpoint/2010/main" val="1607925594"/>
+                <p14:modId xmlns:p14="http://schemas.microsoft.com/office/powerpoint/2010/main" val="1872641855"/>
               </p:ext>
             </p:extLst>
           </p:nvPr>
@@ -11724,62 +11724,62 @@
           <a:graphicData uri="http://schemas.openxmlformats.org/drawingml/2006/table">
             <a:tbl>
               <a:tblPr firstRow="1" bandRow="1">
-                <a:tableStyleId>{9DCAF9ED-07DC-4A11-8D7F-57B35C25682E}</a:tableStyleId>
+                <a:tableStyleId>{21E4AEA4-8DFA-4A89-87EB-49C32662AFE0}</a:tableStyleId>
               </a:tblPr>
               <a:tblGrid>
                 <a:gridCol w="1206941">
                   <a:extLst>
                     <a:ext uri="{9D8B030D-6E8A-4147-A177-3AD203B41FA5}">
-                      <a16:colId xmlns:a16="http://schemas.microsoft.com/office/drawing/2014/main" xmlns="" val="20000"/>
+                      <a16:colId xmlns="" xmlns:a16="http://schemas.microsoft.com/office/drawing/2014/main" val="20000"/>
                     </a:ext>
                   </a:extLst>
                 </a:gridCol>
                 <a:gridCol w="826649">
                   <a:extLst>
                     <a:ext uri="{9D8B030D-6E8A-4147-A177-3AD203B41FA5}">
-                      <a16:colId xmlns:a16="http://schemas.microsoft.com/office/drawing/2014/main" xmlns="" val="20001"/>
+                      <a16:colId xmlns="" xmlns:a16="http://schemas.microsoft.com/office/drawing/2014/main" val="20001"/>
                     </a:ext>
                   </a:extLst>
                 </a:gridCol>
                 <a:gridCol w="678806">
                   <a:extLst>
                     <a:ext uri="{9D8B030D-6E8A-4147-A177-3AD203B41FA5}">
-                      <a16:colId xmlns:a16="http://schemas.microsoft.com/office/drawing/2014/main" xmlns="" val="20002"/>
+                      <a16:colId xmlns="" xmlns:a16="http://schemas.microsoft.com/office/drawing/2014/main" val="20002"/>
                     </a:ext>
                   </a:extLst>
                 </a:gridCol>
                 <a:gridCol w="839080">
                   <a:extLst>
                     <a:ext uri="{9D8B030D-6E8A-4147-A177-3AD203B41FA5}">
-                      <a16:colId xmlns:a16="http://schemas.microsoft.com/office/drawing/2014/main" xmlns="" val="20003"/>
+                      <a16:colId xmlns="" xmlns:a16="http://schemas.microsoft.com/office/drawing/2014/main" val="20003"/>
                     </a:ext>
                   </a:extLst>
                 </a:gridCol>
                 <a:gridCol w="744800">
                   <a:extLst>
                     <a:ext uri="{9D8B030D-6E8A-4147-A177-3AD203B41FA5}">
-                      <a16:colId xmlns:a16="http://schemas.microsoft.com/office/drawing/2014/main" xmlns="" val="20004"/>
+                      <a16:colId xmlns="" xmlns:a16="http://schemas.microsoft.com/office/drawing/2014/main" val="20004"/>
                     </a:ext>
                   </a:extLst>
                 </a:gridCol>
                 <a:gridCol w="1037065">
                   <a:extLst>
                     <a:ext uri="{9D8B030D-6E8A-4147-A177-3AD203B41FA5}">
-                      <a16:colId xmlns:a16="http://schemas.microsoft.com/office/drawing/2014/main" xmlns="" val="20005"/>
+                      <a16:colId xmlns="" xmlns:a16="http://schemas.microsoft.com/office/drawing/2014/main" val="20005"/>
                     </a:ext>
                   </a:extLst>
                 </a:gridCol>
                 <a:gridCol w="1046492">
                   <a:extLst>
                     <a:ext uri="{9D8B030D-6E8A-4147-A177-3AD203B41FA5}">
-                      <a16:colId xmlns:a16="http://schemas.microsoft.com/office/drawing/2014/main" xmlns="" val="410906251"/>
+                      <a16:colId xmlns="" xmlns:a16="http://schemas.microsoft.com/office/drawing/2014/main" val="410906251"/>
                     </a:ext>
                   </a:extLst>
                 </a:gridCol>
                 <a:gridCol w="1395322">
                   <a:extLst>
                     <a:ext uri="{9D8B030D-6E8A-4147-A177-3AD203B41FA5}">
-                      <a16:colId xmlns:a16="http://schemas.microsoft.com/office/drawing/2014/main" xmlns="" val="20006"/>
+                      <a16:colId xmlns="" xmlns:a16="http://schemas.microsoft.com/office/drawing/2014/main" val="20006"/>
                     </a:ext>
                   </a:extLst>
                 </a:gridCol>
@@ -11814,10 +11814,10 @@
                     <a:p>
                       <a:pPr algn="ctr"/>
                       <a:r>
-                        <a:rPr lang="en-US" altLang="zh-CN" sz="1100"/>
+                        <a:rPr lang="en-US" altLang="zh-CN" sz="1100" dirty="0"/>
                         <a:t>SIFT</a:t>
                       </a:r>
-                      <a:endParaRPr lang="en-US" sz="1100"/>
+                      <a:endParaRPr lang="en-US" sz="1100" dirty="0"/>
                     </a:p>
                   </a:txBody>
                   <a:tcPr marL="68580" marR="68580" marT="34290" marB="34290"/>
@@ -11859,26 +11859,26 @@
                     <a:p>
                       <a:pPr algn="ctr"/>
                       <a:r>
-                        <a:rPr lang="en-US" altLang="zh-CN" sz="1100"/>
+                        <a:rPr lang="en-US" altLang="zh-CN" sz="1100" dirty="0"/>
                         <a:t>RGB</a:t>
                       </a:r>
                       <a:r>
-                        <a:rPr lang="zh-CN" altLang="en-US" sz="1100"/>
+                        <a:rPr lang="zh-CN" altLang="en-US" sz="1100" dirty="0"/>
                         <a:t> </a:t>
                       </a:r>
                       <a:r>
-                        <a:rPr lang="en-US" altLang="zh-CN" sz="1100"/>
+                        <a:rPr lang="en-US" altLang="zh-CN" sz="1100" dirty="0"/>
                         <a:t>+</a:t>
                       </a:r>
                       <a:r>
-                        <a:rPr lang="zh-CN" altLang="en-US" sz="1100"/>
+                        <a:rPr lang="zh-CN" altLang="en-US" sz="1100" dirty="0"/>
                         <a:t> </a:t>
                       </a:r>
                       <a:r>
-                        <a:rPr lang="en-US" altLang="zh-CN" sz="1100"/>
+                        <a:rPr lang="en-US" altLang="zh-CN" sz="1100" dirty="0"/>
                         <a:t>GIST</a:t>
                       </a:r>
-                      <a:endParaRPr lang="en-US" sz="1100"/>
+                      <a:endParaRPr lang="en-US" sz="1100" dirty="0"/>
                     </a:p>
                   </a:txBody>
                   <a:tcPr marL="68580" marR="68580" marT="34290" marB="34290"/>
@@ -11906,14 +11906,14 @@
                         <a:defRPr/>
                       </a:pPr>
                       <a:r>
-                        <a:rPr lang="en-US" altLang="zh-CN" sz="1100"/>
+                        <a:rPr lang="en-US" altLang="zh-CN" sz="1100" dirty="0"/>
                         <a:t>GIST + SIFT</a:t>
                       </a:r>
-                      <a:endParaRPr lang="en-US" sz="1100"/>
+                      <a:endParaRPr lang="en-US" sz="1100" dirty="0"/>
                     </a:p>
                     <a:p>
                       <a:pPr algn="ctr"/>
-                      <a:endParaRPr lang="en-US" sz="1100"/>
+                      <a:endParaRPr lang="en-US" sz="1100" dirty="0"/>
                     </a:p>
                   </a:txBody>
                   <a:tcPr marL="68580" marR="68580" marT="34290" marB="34290"/>
@@ -11987,7 +11987,7 @@
                 </a:tc>
                 <a:extLst>
                   <a:ext uri="{0D108BD9-81ED-4DB2-BD59-A6C34878D82A}">
-                    <a16:rowId xmlns:a16="http://schemas.microsoft.com/office/drawing/2014/main" xmlns="" val="10000"/>
+                    <a16:rowId xmlns="" xmlns:a16="http://schemas.microsoft.com/office/drawing/2014/main" val="10000"/>
                   </a:ext>
                 </a:extLst>
               </a:tr>
@@ -12013,7 +12013,7 @@
                     <a:lstStyle/>
                     <a:p>
                       <a:pPr algn="ctr"/>
-                      <a:endParaRPr lang="en-US" sz="1100"/>
+                      <a:endParaRPr lang="en-US" sz="1100" dirty="0"/>
                     </a:p>
                   </a:txBody>
                   <a:tcPr marL="68580" marR="68580" marT="34290" marB="34290"/>
@@ -12024,12 +12024,12 @@
                     <a:lstStyle/>
                     <a:p>
                       <a:pPr algn="ctr"/>
-                      <a:endParaRPr lang="en-US" sz="1100"/>
+                      <a:endParaRPr lang="en-US" sz="1100" dirty="0"/>
                     </a:p>
                     <a:p>
                       <a:pPr algn="ctr"/>
                       <a:r>
-                        <a:rPr lang="en-US" sz="1100"/>
+                        <a:rPr lang="en-US" sz="1100" dirty="0"/>
                         <a:t>2000</a:t>
                       </a:r>
                     </a:p>
@@ -12042,12 +12042,12 @@
                     <a:lstStyle/>
                     <a:p>
                       <a:pPr algn="ctr"/>
-                      <a:endParaRPr lang="en-US" sz="1100"/>
+                      <a:endParaRPr lang="en-US" sz="1100" dirty="0"/>
                     </a:p>
                     <a:p>
                       <a:pPr algn="ctr"/>
                       <a:r>
-                        <a:rPr lang="en-US" sz="1100"/>
+                        <a:rPr lang="en-US" sz="1100" dirty="0"/>
                         <a:t>512</a:t>
                       </a:r>
                     </a:p>
@@ -12128,7 +12128,7 @@
                 </a:tc>
                 <a:extLst>
                   <a:ext uri="{0D108BD9-81ED-4DB2-BD59-A6C34878D82A}">
-                    <a16:rowId xmlns:a16="http://schemas.microsoft.com/office/drawing/2014/main" xmlns="" val="2455327945"/>
+                    <a16:rowId xmlns="" xmlns:a16="http://schemas.microsoft.com/office/drawing/2014/main" val="2455327945"/>
                   </a:ext>
                 </a:extLst>
               </a:tr>
@@ -12192,10 +12192,10 @@
                     <a:p>
                       <a:pPr algn="ctr"/>
                       <a:r>
-                        <a:rPr lang="en-US" sz="1100"/>
+                        <a:rPr lang="en-US" sz="1100" dirty="0"/>
                         <a:t>29.29%</a:t>
                       </a:r>
-                      <a:endParaRPr lang="en-US" sz="1100" b="0"/>
+                      <a:endParaRPr lang="en-US" sz="1100" b="0" dirty="0"/>
                     </a:p>
                   </a:txBody>
                   <a:tcPr marL="68580" marR="68580" marT="34290" marB="34290"/>
@@ -12207,10 +12207,10 @@
                     <a:p>
                       <a:pPr algn="ctr"/>
                       <a:r>
-                        <a:rPr lang="en-US" sz="1100"/>
+                        <a:rPr lang="en-US" sz="1100" dirty="0"/>
                         <a:t>25.64%</a:t>
                       </a:r>
-                      <a:endParaRPr lang="en-US" sz="1100" b="0"/>
+                      <a:endParaRPr lang="en-US" sz="1100" b="0" dirty="0"/>
                     </a:p>
                   </a:txBody>
                   <a:tcPr marL="68580" marR="68580" marT="34290" marB="34290"/>
@@ -12303,7 +12303,7 @@
                 </a:tc>
                 <a:extLst>
                   <a:ext uri="{0D108BD9-81ED-4DB2-BD59-A6C34878D82A}">
-                    <a16:rowId xmlns:a16="http://schemas.microsoft.com/office/drawing/2014/main" xmlns="" val="4280216352"/>
+                    <a16:rowId xmlns="" xmlns:a16="http://schemas.microsoft.com/office/drawing/2014/main" val="4280216352"/>
                   </a:ext>
                 </a:extLst>
               </a:tr>
@@ -12444,10 +12444,10 @@
                     <a:p>
                       <a:pPr algn="ctr"/>
                       <a:r>
-                        <a:rPr lang="en-US" sz="1100"/>
+                        <a:rPr lang="en-US" sz="1100" dirty="0"/>
                         <a:t>0.0158</a:t>
                       </a:r>
-                      <a:endParaRPr lang="en-US" sz="1100" b="0"/>
+                      <a:endParaRPr lang="en-US" sz="1100" b="0" dirty="0"/>
                     </a:p>
                   </a:txBody>
                   <a:tcPr marL="68580" marR="68580" marT="34290" marB="34290"/>
@@ -12469,7 +12469,7 @@
                 </a:tc>
                 <a:extLst>
                   <a:ext uri="{0D108BD9-81ED-4DB2-BD59-A6C34878D82A}">
-                    <a16:rowId xmlns:a16="http://schemas.microsoft.com/office/drawing/2014/main" xmlns="" val="2414580013"/>
+                    <a16:rowId xmlns="" xmlns:a16="http://schemas.microsoft.com/office/drawing/2014/main" val="2414580013"/>
                   </a:ext>
                 </a:extLst>
               </a:tr>
@@ -12521,10 +12521,10 @@
                     <a:p>
                       <a:pPr algn="ctr"/>
                       <a:r>
-                        <a:rPr lang="en-US" sz="1100"/>
+                        <a:rPr lang="en-US" sz="1100" dirty="0"/>
                         <a:t>49.138</a:t>
                       </a:r>
-                      <a:endParaRPr lang="en-US" sz="1100" b="0"/>
+                      <a:endParaRPr lang="en-US" sz="1100" b="0" dirty="0"/>
                     </a:p>
                   </a:txBody>
                   <a:tcPr marL="68580" marR="68580" marT="34290" marB="34290"/>
@@ -12590,7 +12590,7 @@
                 </a:tc>
                 <a:extLst>
                   <a:ext uri="{0D108BD9-81ED-4DB2-BD59-A6C34878D82A}">
-                    <a16:rowId xmlns:a16="http://schemas.microsoft.com/office/drawing/2014/main" xmlns="" val="10001"/>
+                    <a16:rowId xmlns="" xmlns:a16="http://schemas.microsoft.com/office/drawing/2014/main" val="10001"/>
                   </a:ext>
                 </a:extLst>
               </a:tr>
@@ -12720,7 +12720,7 @@
                 </a:tc>
                 <a:extLst>
                   <a:ext uri="{0D108BD9-81ED-4DB2-BD59-A6C34878D82A}">
-                    <a16:rowId xmlns:a16="http://schemas.microsoft.com/office/drawing/2014/main" xmlns="" val="10002"/>
+                    <a16:rowId xmlns="" xmlns:a16="http://schemas.microsoft.com/office/drawing/2014/main" val="10002"/>
                   </a:ext>
                 </a:extLst>
               </a:tr>
@@ -12777,7 +12777,7 @@
                         <a:t>3.82 </a:t>
                       </a:r>
                       <a:r>
-                        <a:rPr lang="hr-HR" sz="1100" smtClean="0"/>
+                        <a:rPr lang="hr-HR" sz="1100" dirty="0" err="1" smtClean="0"/>
                         <a:t>kB</a:t>
                       </a:r>
                       <a:endParaRPr lang="en-US" sz="1100" b="0" dirty="0"/>
@@ -12895,7 +12895,7 @@
           <p:cNvPr id="5" name="Rectangle 4">
             <a:extLst>
               <a:ext uri="{FF2B5EF4-FFF2-40B4-BE49-F238E27FC236}">
-                <a16:creationId xmlns:a16="http://schemas.microsoft.com/office/drawing/2014/main" xmlns="" id="{080B599E-CFE2-3243-87DC-64185954EE5E}"/>
+                <a16:creationId xmlns="" xmlns:a16="http://schemas.microsoft.com/office/drawing/2014/main" id="{080B599E-CFE2-3243-87DC-64185954EE5E}"/>
               </a:ext>
             </a:extLst>
           </p:cNvPr>
@@ -12904,8 +12904,8 @@
         </p:nvSpPr>
         <p:spPr>
           <a:xfrm>
-            <a:off x="4963885" y="1123343"/>
-            <a:ext cx="1013756" cy="2999912"/>
+            <a:off x="4225635" y="1124466"/>
+            <a:ext cx="731520" cy="2999913"/>
           </a:xfrm>
           <a:prstGeom prst="rect">
             <a:avLst/>
@@ -12937,6 +12937,114 @@
           <a:p>
             <a:pPr algn="ctr"/>
             <a:endParaRPr lang="en-US"/>
+          </a:p>
+        </p:txBody>
+      </p:sp>
+      <p:sp>
+        <p:nvSpPr>
+          <p:cNvPr id="6" name="Rectangle 5">
+            <a:extLst>
+              <a:ext uri="{FF2B5EF4-FFF2-40B4-BE49-F238E27FC236}">
+                <a16:creationId xmlns="" xmlns:a16="http://schemas.microsoft.com/office/drawing/2014/main" id="{080B599E-CFE2-3243-87DC-64185954EE5E}"/>
+              </a:ext>
+            </a:extLst>
+          </p:cNvPr>
+          <p:cNvSpPr/>
+          <p:nvPr/>
+        </p:nvSpPr>
+        <p:spPr>
+          <a:xfrm>
+            <a:off x="3366653" y="1123342"/>
+            <a:ext cx="822960" cy="2999913"/>
+          </a:xfrm>
+          <a:prstGeom prst="rect">
+            <a:avLst/>
+          </a:prstGeom>
+          <a:noFill/>
+          <a:ln w="34925">
+            <a:solidFill>
+              <a:srgbClr val="92D050"/>
+            </a:solidFill>
+          </a:ln>
+        </p:spPr>
+        <p:style>
+          <a:lnRef idx="2">
+            <a:schemeClr val="accent6"/>
+          </a:lnRef>
+          <a:fillRef idx="1">
+            <a:schemeClr val="lt1"/>
+          </a:fillRef>
+          <a:effectRef idx="0">
+            <a:schemeClr val="accent6"/>
+          </a:effectRef>
+          <a:fontRef idx="minor">
+            <a:schemeClr val="dk1"/>
+          </a:fontRef>
+        </p:style>
+        <p:txBody>
+          <a:bodyPr rtlCol="0" anchor="ctr"/>
+          <a:lstStyle/>
+          <a:p>
+            <a:pPr algn="ctr"/>
+            <a:endParaRPr lang="en-US">
+              <a:solidFill>
+                <a:srgbClr val="00B050"/>
+              </a:solidFill>
+            </a:endParaRPr>
+          </a:p>
+        </p:txBody>
+      </p:sp>
+      <p:sp>
+        <p:nvSpPr>
+          <p:cNvPr id="7" name="Rectangle 6">
+            <a:extLst>
+              <a:ext uri="{FF2B5EF4-FFF2-40B4-BE49-F238E27FC236}">
+                <a16:creationId xmlns="" xmlns:a16="http://schemas.microsoft.com/office/drawing/2014/main" id="{080B599E-CFE2-3243-87DC-64185954EE5E}"/>
+              </a:ext>
+            </a:extLst>
+          </p:cNvPr>
+          <p:cNvSpPr/>
+          <p:nvPr/>
+        </p:nvSpPr>
+        <p:spPr>
+          <a:xfrm>
+            <a:off x="5999019" y="1123342"/>
+            <a:ext cx="1039090" cy="2999913"/>
+          </a:xfrm>
+          <a:prstGeom prst="rect">
+            <a:avLst/>
+          </a:prstGeom>
+          <a:noFill/>
+          <a:ln w="34925">
+            <a:solidFill>
+              <a:srgbClr val="92D050"/>
+            </a:solidFill>
+          </a:ln>
+        </p:spPr>
+        <p:style>
+          <a:lnRef idx="2">
+            <a:schemeClr val="accent6"/>
+          </a:lnRef>
+          <a:fillRef idx="1">
+            <a:schemeClr val="lt1"/>
+          </a:fillRef>
+          <a:effectRef idx="0">
+            <a:schemeClr val="accent6"/>
+          </a:effectRef>
+          <a:fontRef idx="minor">
+            <a:schemeClr val="dk1"/>
+          </a:fontRef>
+        </p:style>
+        <p:txBody>
+          <a:bodyPr rtlCol="0" anchor="ctr"/>
+          <a:lstStyle/>
+          <a:p>
+            <a:pPr algn="ctr"/>
+            <a:endParaRPr lang="en-US">
+              <a:solidFill>
+                <a:srgbClr val="00B050"/>
+              </a:solidFill>
+            </a:endParaRPr>
           </a:p>
         </p:txBody>
       </p:sp>
@@ -13157,11 +13265,6 @@
               </a:rPr>
               <a:t> = 1000</a:t>
             </a:r>
-            <a:endParaRPr lang="it-IT" sz="1000" b="1" dirty="0">
-              <a:solidFill>
-                <a:schemeClr val="tx1"/>
-              </a:solidFill>
-            </a:endParaRPr>
           </a:p>
           <a:p>
             <a:pPr marL="457200" lvl="2" indent="-355600">
@@ -13176,12 +13279,20 @@
               <a:buChar char="◉"/>
             </a:pPr>
             <a:r>
+              <a:rPr lang="en-US" sz="2000" b="1" dirty="0" smtClean="0">
+                <a:solidFill>
+                  <a:schemeClr val="tx1"/>
+                </a:solidFill>
+              </a:rPr>
+              <a:t>Classification </a:t>
+            </a:r>
+            <a:r>
               <a:rPr lang="en-US" sz="2000" b="1" dirty="0">
                 <a:solidFill>
                   <a:schemeClr val="tx1"/>
                 </a:solidFill>
               </a:rPr>
-              <a:t>Classification Model</a:t>
+              <a:t>Model</a:t>
             </a:r>
             <a:r>
               <a:rPr lang="it-IT" sz="2000" b="1" dirty="0">
@@ -13435,8 +13546,65 @@
                 <a:cs typeface="Source Sans Pro"/>
                 <a:sym typeface="Source Sans Pro"/>
               </a:rPr>
-              <a:t> :       8.10%</a:t>
-            </a:r>
+              <a:t> :       </a:t>
+            </a:r>
+            <a:r>
+              <a:rPr lang="en-US" altLang="zh-CN" sz="2000" b="1" dirty="0" smtClean="0">
+                <a:solidFill>
+                  <a:schemeClr val="tx1"/>
+                </a:solidFill>
+                <a:latin typeface="Source Sans Pro"/>
+                <a:ea typeface="Source Sans Pro"/>
+                <a:cs typeface="Source Sans Pro"/>
+                <a:sym typeface="Source Sans Pro"/>
+              </a:rPr>
+              <a:t>9</a:t>
+            </a:r>
+            <a:r>
+              <a:rPr lang="it-IT" sz="2000" b="1" dirty="0" smtClean="0">
+                <a:solidFill>
+                  <a:schemeClr val="tx1"/>
+                </a:solidFill>
+                <a:latin typeface="Source Sans Pro"/>
+                <a:ea typeface="Source Sans Pro"/>
+                <a:cs typeface="Source Sans Pro"/>
+                <a:sym typeface="Source Sans Pro"/>
+              </a:rPr>
+              <a:t>.</a:t>
+            </a:r>
+            <a:r>
+              <a:rPr lang="en-US" altLang="zh-CN" sz="2000" b="1" dirty="0" smtClean="0">
+                <a:solidFill>
+                  <a:schemeClr val="tx1"/>
+                </a:solidFill>
+                <a:latin typeface="Source Sans Pro"/>
+                <a:ea typeface="Source Sans Pro"/>
+                <a:cs typeface="Source Sans Pro"/>
+                <a:sym typeface="Source Sans Pro"/>
+              </a:rPr>
+              <a:t>77</a:t>
+            </a:r>
+            <a:r>
+              <a:rPr lang="it-IT" sz="2000" b="1" dirty="0" smtClean="0">
+                <a:solidFill>
+                  <a:schemeClr val="tx1"/>
+                </a:solidFill>
+                <a:latin typeface="Source Sans Pro"/>
+                <a:ea typeface="Source Sans Pro"/>
+                <a:cs typeface="Source Sans Pro"/>
+                <a:sym typeface="Source Sans Pro"/>
+              </a:rPr>
+              <a:t>%</a:t>
+            </a:r>
+            <a:endParaRPr lang="it-IT" sz="2000" b="1" dirty="0">
+              <a:solidFill>
+                <a:schemeClr val="tx1"/>
+              </a:solidFill>
+              <a:latin typeface="Source Sans Pro"/>
+              <a:ea typeface="Source Sans Pro"/>
+              <a:cs typeface="Source Sans Pro"/>
+              <a:sym typeface="Source Sans Pro"/>
+            </a:endParaRPr>
           </a:p>
           <a:p>
             <a:pPr marL="457200" lvl="0" indent="-355600">
@@ -13487,7 +13655,7 @@
               <a:t> </a:t>
             </a:r>
             <a:r>
-              <a:rPr lang="cs-CZ" sz="2000" b="1" dirty="0" smtClean="0">
+              <a:rPr lang="en-US" altLang="zh-CN" sz="2000" b="1" dirty="0" smtClean="0">
                 <a:solidFill>
                   <a:schemeClr val="tx1"/>
                 </a:solidFill>
@@ -13496,10 +13664,10 @@
                 <a:cs typeface="Source Sans Pro"/>
                 <a:sym typeface="Source Sans Pro"/>
               </a:rPr>
-              <a:t>83.249</a:t>
-            </a:r>
-            <a:r>
-              <a:rPr lang="en-US" altLang="zh-CN" sz="2000" b="1" dirty="0" smtClean="0">
+              <a:t>48</a:t>
+            </a:r>
+            <a:r>
+              <a:rPr lang="cs-CZ" sz="2000" b="1" smtClean="0">
                 <a:solidFill>
                   <a:schemeClr val="tx1"/>
                 </a:solidFill>
@@ -13508,7 +13676,19 @@
                 <a:cs typeface="Source Sans Pro"/>
                 <a:sym typeface="Source Sans Pro"/>
               </a:rPr>
-              <a:t>s</a:t>
+              <a:t>.</a:t>
+            </a:r>
+            <a:r>
+              <a:rPr lang="en-US" altLang="zh-CN" sz="2000" b="1" smtClean="0">
+                <a:solidFill>
+                  <a:schemeClr val="tx1"/>
+                </a:solidFill>
+                <a:latin typeface="Source Sans Pro"/>
+                <a:ea typeface="Source Sans Pro"/>
+                <a:cs typeface="Source Sans Pro"/>
+                <a:sym typeface="Source Sans Pro"/>
+              </a:rPr>
+              <a:t>467s</a:t>
             </a:r>
             <a:endParaRPr lang="cs-CZ" sz="2000" b="1" dirty="0">
               <a:solidFill>
@@ -14431,7 +14611,7 @@
           <p:cNvPr id="7" name="Shape 667">
             <a:extLst>
               <a:ext uri="{FF2B5EF4-FFF2-40B4-BE49-F238E27FC236}">
-                <a16:creationId xmlns:a16="http://schemas.microsoft.com/office/drawing/2014/main" xmlns="" id="{4ED33EE4-9A90-BA4F-9887-E6159A3C4FD9}"/>
+                <a16:creationId xmlns="" xmlns:a16="http://schemas.microsoft.com/office/drawing/2014/main" id="{4ED33EE4-9A90-BA4F-9887-E6159A3C4FD9}"/>
               </a:ext>
             </a:extLst>
           </p:cNvPr>
@@ -14758,7 +14938,7 @@
           <p:cNvPr id="8" name="Shape 667">
             <a:extLst>
               <a:ext uri="{FF2B5EF4-FFF2-40B4-BE49-F238E27FC236}">
-                <a16:creationId xmlns:a16="http://schemas.microsoft.com/office/drawing/2014/main" xmlns="" id="{6D9FDE64-5BCC-7B4B-8CDC-391E76042333}"/>
+                <a16:creationId xmlns="" xmlns:a16="http://schemas.microsoft.com/office/drawing/2014/main" id="{6D9FDE64-5BCC-7B4B-8CDC-391E76042333}"/>
               </a:ext>
             </a:extLst>
           </p:cNvPr>
@@ -15589,28 +15769,28 @@
                 <a:gridCol w="1587501">
                   <a:extLst>
                     <a:ext uri="{9D8B030D-6E8A-4147-A177-3AD203B41FA5}">
-                      <a16:colId xmlns:a16="http://schemas.microsoft.com/office/drawing/2014/main" xmlns="" val="20000"/>
+                      <a16:colId xmlns="" xmlns:a16="http://schemas.microsoft.com/office/drawing/2014/main" val="20000"/>
                     </a:ext>
                   </a:extLst>
                 </a:gridCol>
                 <a:gridCol w="2855163">
                   <a:extLst>
                     <a:ext uri="{9D8B030D-6E8A-4147-A177-3AD203B41FA5}">
-                      <a16:colId xmlns:a16="http://schemas.microsoft.com/office/drawing/2014/main" xmlns="" val="20001"/>
+                      <a16:colId xmlns="" xmlns:a16="http://schemas.microsoft.com/office/drawing/2014/main" val="20001"/>
                     </a:ext>
                   </a:extLst>
                 </a:gridCol>
                 <a:gridCol w="1759759">
                   <a:extLst>
                     <a:ext uri="{9D8B030D-6E8A-4147-A177-3AD203B41FA5}">
-                      <a16:colId xmlns:a16="http://schemas.microsoft.com/office/drawing/2014/main" xmlns="" val="20002"/>
+                      <a16:colId xmlns="" xmlns:a16="http://schemas.microsoft.com/office/drawing/2014/main" val="20002"/>
                     </a:ext>
                   </a:extLst>
                 </a:gridCol>
                 <a:gridCol w="2268478">
                   <a:extLst>
                     <a:ext uri="{9D8B030D-6E8A-4147-A177-3AD203B41FA5}">
-                      <a16:colId xmlns:a16="http://schemas.microsoft.com/office/drawing/2014/main" xmlns="" val="20004"/>
+                      <a16:colId xmlns="" xmlns:a16="http://schemas.microsoft.com/office/drawing/2014/main" val="20004"/>
                     </a:ext>
                   </a:extLst>
                 </a:gridCol>
@@ -15714,7 +15894,7 @@
                 </a:tc>
                 <a:extLst>
                   <a:ext uri="{0D108BD9-81ED-4DB2-BD59-A6C34878D82A}">
-                    <a16:rowId xmlns:a16="http://schemas.microsoft.com/office/drawing/2014/main" xmlns="" val="10000"/>
+                    <a16:rowId xmlns="" xmlns:a16="http://schemas.microsoft.com/office/drawing/2014/main" val="10000"/>
                   </a:ext>
                 </a:extLst>
               </a:tr>
@@ -15895,7 +16075,7 @@
                 </a:tc>
                 <a:extLst>
                   <a:ext uri="{0D108BD9-81ED-4DB2-BD59-A6C34878D82A}">
-                    <a16:rowId xmlns:a16="http://schemas.microsoft.com/office/drawing/2014/main" xmlns="" val="2455327945"/>
+                    <a16:rowId xmlns="" xmlns:a16="http://schemas.microsoft.com/office/drawing/2014/main" val="2455327945"/>
                   </a:ext>
                 </a:extLst>
               </a:tr>
@@ -16046,7 +16226,7 @@
                 </a:tc>
                 <a:extLst>
                   <a:ext uri="{0D108BD9-81ED-4DB2-BD59-A6C34878D82A}">
-                    <a16:rowId xmlns:a16="http://schemas.microsoft.com/office/drawing/2014/main" xmlns="" val="4280216352"/>
+                    <a16:rowId xmlns="" xmlns:a16="http://schemas.microsoft.com/office/drawing/2014/main" val="4280216352"/>
                   </a:ext>
                 </a:extLst>
               </a:tr>
@@ -16207,7 +16387,7 @@
                 </a:tc>
                 <a:extLst>
                   <a:ext uri="{0D108BD9-81ED-4DB2-BD59-A6C34878D82A}">
-                    <a16:rowId xmlns:a16="http://schemas.microsoft.com/office/drawing/2014/main" xmlns="" val="2414580013"/>
+                    <a16:rowId xmlns="" xmlns:a16="http://schemas.microsoft.com/office/drawing/2014/main" val="2414580013"/>
                   </a:ext>
                 </a:extLst>
               </a:tr>
@@ -16299,7 +16479,7 @@
           <p:cNvPr id="10" name="Shape 666">
             <a:extLst>
               <a:ext uri="{FF2B5EF4-FFF2-40B4-BE49-F238E27FC236}">
-                <a16:creationId xmlns:a16="http://schemas.microsoft.com/office/drawing/2014/main" xmlns="" id="{CFF12E7D-D1AD-6049-9F78-E73AF95BA285}"/>
+                <a16:creationId xmlns="" xmlns:a16="http://schemas.microsoft.com/office/drawing/2014/main" id="{CFF12E7D-D1AD-6049-9F78-E73AF95BA285}"/>
               </a:ext>
             </a:extLst>
           </p:cNvPr>
@@ -16587,7 +16767,7 @@
           <p:cNvPr id="9" name="Picture 8">
             <a:extLst>
               <a:ext uri="{FF2B5EF4-FFF2-40B4-BE49-F238E27FC236}">
-                <a16:creationId xmlns:a16="http://schemas.microsoft.com/office/drawing/2014/main" xmlns="" id="{DE92D77D-92F2-D048-9046-585BDD0FC153}"/>
+                <a16:creationId xmlns="" xmlns:a16="http://schemas.microsoft.com/office/drawing/2014/main" id="{DE92D77D-92F2-D048-9046-585BDD0FC153}"/>
               </a:ext>
             </a:extLst>
           </p:cNvPr>

--- a/doc/Group9_Presentation.pptx
+++ b/doc/Group9_Presentation.pptx
@@ -5,7 +5,7 @@
     <p:sldMasterId id="2147483708" r:id="rId1"/>
   </p:sldMasterIdLst>
   <p:notesMasterIdLst>
-    <p:notesMasterId r:id="rId21"/>
+    <p:notesMasterId r:id="rId22"/>
   </p:notesMasterIdLst>
   <p:sldIdLst>
     <p:sldId id="305" r:id="rId2"/>
@@ -26,7 +26,8 @@
     <p:sldId id="302" r:id="rId17"/>
     <p:sldId id="301" r:id="rId18"/>
     <p:sldId id="309" r:id="rId19"/>
-    <p:sldId id="280" r:id="rId20"/>
+    <p:sldId id="314" r:id="rId20"/>
+    <p:sldId id="280" r:id="rId21"/>
   </p:sldIdLst>
   <p:sldSz cx="9144000" cy="5143500" type="screen16x9"/>
   <p:notesSz cx="6858000" cy="9144000"/>
@@ -6722,7 +6723,7 @@
           <p:cNvPr id="6" name="Shape 467">
             <a:extLst>
               <a:ext uri="{FF2B5EF4-FFF2-40B4-BE49-F238E27FC236}">
-                <a16:creationId xmlns="" xmlns:a16="http://schemas.microsoft.com/office/drawing/2014/main" id="{1685D1D0-19B9-C044-824E-693C7330FD1B}"/>
+                <a16:creationId xmlns:a16="http://schemas.microsoft.com/office/drawing/2014/main" xmlns="" id="{1685D1D0-19B9-C044-824E-693C7330FD1B}"/>
               </a:ext>
             </a:extLst>
           </p:cNvPr>
@@ -7343,35 +7344,35 @@
                 <a:gridCol w="2122374">
                   <a:extLst>
                     <a:ext uri="{9D8B030D-6E8A-4147-A177-3AD203B41FA5}">
-                      <a16:colId xmlns="" xmlns:a16="http://schemas.microsoft.com/office/drawing/2014/main" val="20000"/>
+                      <a16:colId xmlns:a16="http://schemas.microsoft.com/office/drawing/2014/main" xmlns="" val="20000"/>
                     </a:ext>
                   </a:extLst>
                 </a:gridCol>
                 <a:gridCol w="1308797">
                   <a:extLst>
                     <a:ext uri="{9D8B030D-6E8A-4147-A177-3AD203B41FA5}">
-                      <a16:colId xmlns="" xmlns:a16="http://schemas.microsoft.com/office/drawing/2014/main" val="20001"/>
+                      <a16:colId xmlns:a16="http://schemas.microsoft.com/office/drawing/2014/main" xmlns="" val="20001"/>
                     </a:ext>
                   </a:extLst>
                 </a:gridCol>
                 <a:gridCol w="1308797">
                   <a:extLst>
                     <a:ext uri="{9D8B030D-6E8A-4147-A177-3AD203B41FA5}">
-                      <a16:colId xmlns="" xmlns:a16="http://schemas.microsoft.com/office/drawing/2014/main" val="20002"/>
+                      <a16:colId xmlns:a16="http://schemas.microsoft.com/office/drawing/2014/main" xmlns="" val="20002"/>
                     </a:ext>
                   </a:extLst>
                 </a:gridCol>
                 <a:gridCol w="871855">
                   <a:extLst>
                     <a:ext uri="{9D8B030D-6E8A-4147-A177-3AD203B41FA5}">
-                      <a16:colId xmlns="" xmlns:a16="http://schemas.microsoft.com/office/drawing/2014/main" val="698607680"/>
+                      <a16:colId xmlns:a16="http://schemas.microsoft.com/office/drawing/2014/main" xmlns="" val="698607680"/>
                     </a:ext>
                   </a:extLst>
                 </a:gridCol>
                 <a:gridCol w="1255303">
                   <a:extLst>
                     <a:ext uri="{9D8B030D-6E8A-4147-A177-3AD203B41FA5}">
-                      <a16:colId xmlns="" xmlns:a16="http://schemas.microsoft.com/office/drawing/2014/main" val="1331669779"/>
+                      <a16:colId xmlns:a16="http://schemas.microsoft.com/office/drawing/2014/main" xmlns="" val="1331669779"/>
                     </a:ext>
                   </a:extLst>
                 </a:gridCol>
@@ -7441,7 +7442,7 @@
                 </a:tc>
                 <a:extLst>
                   <a:ext uri="{0D108BD9-81ED-4DB2-BD59-A6C34878D82A}">
-                    <a16:rowId xmlns="" xmlns:a16="http://schemas.microsoft.com/office/drawing/2014/main" val="10000"/>
+                    <a16:rowId xmlns:a16="http://schemas.microsoft.com/office/drawing/2014/main" xmlns="" val="10000"/>
                   </a:ext>
                 </a:extLst>
               </a:tr>
@@ -7519,7 +7520,7 @@
                 </a:tc>
                 <a:extLst>
                   <a:ext uri="{0D108BD9-81ED-4DB2-BD59-A6C34878D82A}">
-                    <a16:rowId xmlns="" xmlns:a16="http://schemas.microsoft.com/office/drawing/2014/main" val="10001"/>
+                    <a16:rowId xmlns:a16="http://schemas.microsoft.com/office/drawing/2014/main" xmlns="" val="10001"/>
                   </a:ext>
                 </a:extLst>
               </a:tr>
@@ -7592,7 +7593,7 @@
                 </a:tc>
                 <a:extLst>
                   <a:ext uri="{0D108BD9-81ED-4DB2-BD59-A6C34878D82A}">
-                    <a16:rowId xmlns="" xmlns:a16="http://schemas.microsoft.com/office/drawing/2014/main" val="10002"/>
+                    <a16:rowId xmlns:a16="http://schemas.microsoft.com/office/drawing/2014/main" xmlns="" val="10002"/>
                   </a:ext>
                 </a:extLst>
               </a:tr>
@@ -7731,7 +7732,7 @@
                 </a:tc>
                 <a:extLst>
                   <a:ext uri="{0D108BD9-81ED-4DB2-BD59-A6C34878D82A}">
-                    <a16:rowId xmlns="" xmlns:a16="http://schemas.microsoft.com/office/drawing/2014/main" val="10003"/>
+                    <a16:rowId xmlns:a16="http://schemas.microsoft.com/office/drawing/2014/main" xmlns="" val="10003"/>
                   </a:ext>
                 </a:extLst>
               </a:tr>
@@ -7853,7 +7854,7 @@
                 </a:tc>
                 <a:extLst>
                   <a:ext uri="{0D108BD9-81ED-4DB2-BD59-A6C34878D82A}">
-                    <a16:rowId xmlns="" xmlns:a16="http://schemas.microsoft.com/office/drawing/2014/main" val="10004"/>
+                    <a16:rowId xmlns:a16="http://schemas.microsoft.com/office/drawing/2014/main" xmlns="" val="10004"/>
                   </a:ext>
                 </a:extLst>
               </a:tr>
@@ -7957,7 +7958,7 @@
                 </a:tc>
                 <a:extLst>
                   <a:ext uri="{0D108BD9-81ED-4DB2-BD59-A6C34878D82A}">
-                    <a16:rowId xmlns="" xmlns:a16="http://schemas.microsoft.com/office/drawing/2014/main" val="10005"/>
+                    <a16:rowId xmlns:a16="http://schemas.microsoft.com/office/drawing/2014/main" xmlns="" val="10005"/>
                   </a:ext>
                 </a:extLst>
               </a:tr>
@@ -8062,7 +8063,7 @@
                 </a:tc>
                 <a:extLst>
                   <a:ext uri="{0D108BD9-81ED-4DB2-BD59-A6C34878D82A}">
-                    <a16:rowId xmlns="" xmlns:a16="http://schemas.microsoft.com/office/drawing/2014/main" val="10006"/>
+                    <a16:rowId xmlns:a16="http://schemas.microsoft.com/office/drawing/2014/main" xmlns="" val="10006"/>
                   </a:ext>
                 </a:extLst>
               </a:tr>
@@ -8218,7 +8219,7 @@
                 </a:tc>
                 <a:extLst>
                   <a:ext uri="{0D108BD9-81ED-4DB2-BD59-A6C34878D82A}">
-                    <a16:rowId xmlns="" xmlns:a16="http://schemas.microsoft.com/office/drawing/2014/main" val="10007"/>
+                    <a16:rowId xmlns:a16="http://schemas.microsoft.com/office/drawing/2014/main" xmlns="" val="10007"/>
                   </a:ext>
                 </a:extLst>
               </a:tr>
@@ -8356,7 +8357,7 @@
                 </a:tc>
                 <a:extLst>
                   <a:ext uri="{0D108BD9-81ED-4DB2-BD59-A6C34878D82A}">
-                    <a16:rowId xmlns="" xmlns:a16="http://schemas.microsoft.com/office/drawing/2014/main" val="10008"/>
+                    <a16:rowId xmlns:a16="http://schemas.microsoft.com/office/drawing/2014/main" xmlns="" val="10008"/>
                   </a:ext>
                 </a:extLst>
               </a:tr>
@@ -8454,7 +8455,7 @@
                 </a:tc>
                 <a:extLst>
                   <a:ext uri="{0D108BD9-81ED-4DB2-BD59-A6C34878D82A}">
-                    <a16:rowId xmlns="" xmlns:a16="http://schemas.microsoft.com/office/drawing/2014/main" val="10009"/>
+                    <a16:rowId xmlns:a16="http://schemas.microsoft.com/office/drawing/2014/main" xmlns="" val="10009"/>
                   </a:ext>
                 </a:extLst>
               </a:tr>
@@ -8550,7 +8551,7 @@
                 </a:tc>
                 <a:extLst>
                   <a:ext uri="{0D108BD9-81ED-4DB2-BD59-A6C34878D82A}">
-                    <a16:rowId xmlns="" xmlns:a16="http://schemas.microsoft.com/office/drawing/2014/main" val="10010"/>
+                    <a16:rowId xmlns:a16="http://schemas.microsoft.com/office/drawing/2014/main" xmlns="" val="10010"/>
                   </a:ext>
                 </a:extLst>
               </a:tr>
@@ -8640,7 +8641,7 @@
                 </a:tc>
                 <a:extLst>
                   <a:ext uri="{0D108BD9-81ED-4DB2-BD59-A6C34878D82A}">
-                    <a16:rowId xmlns="" xmlns:a16="http://schemas.microsoft.com/office/drawing/2014/main" val="10011"/>
+                    <a16:rowId xmlns:a16="http://schemas.microsoft.com/office/drawing/2014/main" xmlns="" val="10011"/>
                   </a:ext>
                 </a:extLst>
               </a:tr>
@@ -8720,7 +8721,7 @@
                 </a:tc>
                 <a:extLst>
                   <a:ext uri="{0D108BD9-81ED-4DB2-BD59-A6C34878D82A}">
-                    <a16:rowId xmlns="" xmlns:a16="http://schemas.microsoft.com/office/drawing/2014/main" val="10012"/>
+                    <a16:rowId xmlns:a16="http://schemas.microsoft.com/office/drawing/2014/main" xmlns="" val="10012"/>
                   </a:ext>
                 </a:extLst>
               </a:tr>
@@ -8733,7 +8734,7 @@
           <p:cNvPr id="3" name="Rectangle 2">
             <a:extLst>
               <a:ext uri="{FF2B5EF4-FFF2-40B4-BE49-F238E27FC236}">
-                <a16:creationId xmlns="" xmlns:a16="http://schemas.microsoft.com/office/drawing/2014/main" id="{BE49DAFA-6BC3-FE47-B67A-5E0EBE2385B6}"/>
+                <a16:creationId xmlns:a16="http://schemas.microsoft.com/office/drawing/2014/main" xmlns="" id="{BE49DAFA-6BC3-FE47-B67A-5E0EBE2385B6}"/>
               </a:ext>
             </a:extLst>
           </p:cNvPr>
@@ -8783,7 +8784,7 @@
           <p:cNvPr id="4" name="Rectangle 3">
             <a:extLst>
               <a:ext uri="{FF2B5EF4-FFF2-40B4-BE49-F238E27FC236}">
-                <a16:creationId xmlns="" xmlns:a16="http://schemas.microsoft.com/office/drawing/2014/main" id="{91DDDFBC-6FB4-6D49-838F-2DF302BE1468}"/>
+                <a16:creationId xmlns:a16="http://schemas.microsoft.com/office/drawing/2014/main" xmlns="" id="{91DDDFBC-6FB4-6D49-838F-2DF302BE1468}"/>
               </a:ext>
             </a:extLst>
           </p:cNvPr>
@@ -8910,7 +8911,7 @@
           <p:cNvPr id="7" name="Title 1">
             <a:extLst>
               <a:ext uri="{FF2B5EF4-FFF2-40B4-BE49-F238E27FC236}">
-                <a16:creationId xmlns="" xmlns:a16="http://schemas.microsoft.com/office/drawing/2014/main" id="{88BA3341-7B27-AC4A-8F4A-2A3298C9BC0D}"/>
+                <a16:creationId xmlns:a16="http://schemas.microsoft.com/office/drawing/2014/main" xmlns="" id="{88BA3341-7B27-AC4A-8F4A-2A3298C9BC0D}"/>
               </a:ext>
             </a:extLst>
           </p:cNvPr>
@@ -8947,7 +8948,7 @@
           <p:cNvPr id="8" name="Content Placeholder 5">
             <a:extLst>
               <a:ext uri="{FF2B5EF4-FFF2-40B4-BE49-F238E27FC236}">
-                <a16:creationId xmlns="" xmlns:a16="http://schemas.microsoft.com/office/drawing/2014/main" id="{0845D312-87B0-954C-B208-E6576F3D6410}"/>
+                <a16:creationId xmlns:a16="http://schemas.microsoft.com/office/drawing/2014/main" xmlns="" id="{0845D312-87B0-954C-B208-E6576F3D6410}"/>
               </a:ext>
             </a:extLst>
           </p:cNvPr>
@@ -8983,7 +8984,7 @@
           <p:cNvPr id="9" name="Content Placeholder 9">
             <a:extLst>
               <a:ext uri="{FF2B5EF4-FFF2-40B4-BE49-F238E27FC236}">
-                <a16:creationId xmlns="" xmlns:a16="http://schemas.microsoft.com/office/drawing/2014/main" id="{084226EB-EEAB-404D-A7D1-A3D4C727F42C}"/>
+                <a16:creationId xmlns:a16="http://schemas.microsoft.com/office/drawing/2014/main" xmlns="" id="{084226EB-EEAB-404D-A7D1-A3D4C727F42C}"/>
               </a:ext>
             </a:extLst>
           </p:cNvPr>
@@ -9012,7 +9013,7 @@
           <p:cNvPr id="11" name="Title 1">
             <a:extLst>
               <a:ext uri="{FF2B5EF4-FFF2-40B4-BE49-F238E27FC236}">
-                <a16:creationId xmlns="" xmlns:a16="http://schemas.microsoft.com/office/drawing/2014/main" id="{2415DD61-ACC0-5646-BE79-F68DA3266154}"/>
+                <a16:creationId xmlns:a16="http://schemas.microsoft.com/office/drawing/2014/main" xmlns="" id="{2415DD61-ACC0-5646-BE79-F68DA3266154}"/>
               </a:ext>
             </a:extLst>
           </p:cNvPr>
@@ -9305,7 +9306,7 @@
           <p:cNvPr id="12" name="Title 1">
             <a:extLst>
               <a:ext uri="{FF2B5EF4-FFF2-40B4-BE49-F238E27FC236}">
-                <a16:creationId xmlns="" xmlns:a16="http://schemas.microsoft.com/office/drawing/2014/main" id="{60A2FD62-40BC-C94E-AD65-0764E277DD1E}"/>
+                <a16:creationId xmlns:a16="http://schemas.microsoft.com/office/drawing/2014/main" xmlns="" id="{60A2FD62-40BC-C94E-AD65-0764E277DD1E}"/>
               </a:ext>
             </a:extLst>
           </p:cNvPr>
@@ -9658,35 +9659,35 @@
                 <a:gridCol w="1128950">
                   <a:extLst>
                     <a:ext uri="{9D8B030D-6E8A-4147-A177-3AD203B41FA5}">
-                      <a16:colId xmlns="" xmlns:a16="http://schemas.microsoft.com/office/drawing/2014/main" val="20000"/>
+                      <a16:colId xmlns:a16="http://schemas.microsoft.com/office/drawing/2014/main" xmlns="" val="20000"/>
                     </a:ext>
                   </a:extLst>
                 </a:gridCol>
                 <a:gridCol w="1125897">
                   <a:extLst>
                     <a:ext uri="{9D8B030D-6E8A-4147-A177-3AD203B41FA5}">
-                      <a16:colId xmlns="" xmlns:a16="http://schemas.microsoft.com/office/drawing/2014/main" val="20001"/>
+                      <a16:colId xmlns:a16="http://schemas.microsoft.com/office/drawing/2014/main" xmlns="" val="20001"/>
                     </a:ext>
                   </a:extLst>
                 </a:gridCol>
                 <a:gridCol w="924535">
                   <a:extLst>
                     <a:ext uri="{9D8B030D-6E8A-4147-A177-3AD203B41FA5}">
-                      <a16:colId xmlns="" xmlns:a16="http://schemas.microsoft.com/office/drawing/2014/main" val="20002"/>
+                      <a16:colId xmlns:a16="http://schemas.microsoft.com/office/drawing/2014/main" xmlns="" val="20002"/>
                     </a:ext>
                   </a:extLst>
                 </a:gridCol>
                 <a:gridCol w="1142827">
                   <a:extLst>
                     <a:ext uri="{9D8B030D-6E8A-4147-A177-3AD203B41FA5}">
-                      <a16:colId xmlns="" xmlns:a16="http://schemas.microsoft.com/office/drawing/2014/main" val="20003"/>
+                      <a16:colId xmlns:a16="http://schemas.microsoft.com/office/drawing/2014/main" xmlns="" val="20003"/>
                     </a:ext>
                   </a:extLst>
                 </a:gridCol>
                 <a:gridCol w="1014418">
                   <a:extLst>
                     <a:ext uri="{9D8B030D-6E8A-4147-A177-3AD203B41FA5}">
-                      <a16:colId xmlns="" xmlns:a16="http://schemas.microsoft.com/office/drawing/2014/main" val="20004"/>
+                      <a16:colId xmlns:a16="http://schemas.microsoft.com/office/drawing/2014/main" xmlns="" val="20004"/>
                     </a:ext>
                   </a:extLst>
                 </a:gridCol>
@@ -9761,7 +9762,7 @@
                 </a:tc>
                 <a:extLst>
                   <a:ext uri="{0D108BD9-81ED-4DB2-BD59-A6C34878D82A}">
-                    <a16:rowId xmlns="" xmlns:a16="http://schemas.microsoft.com/office/drawing/2014/main" val="10000"/>
+                    <a16:rowId xmlns:a16="http://schemas.microsoft.com/office/drawing/2014/main" xmlns="" val="10000"/>
                   </a:ext>
                 </a:extLst>
               </a:tr>
@@ -9848,7 +9849,7 @@
                 </a:tc>
                 <a:extLst>
                   <a:ext uri="{0D108BD9-81ED-4DB2-BD59-A6C34878D82A}">
-                    <a16:rowId xmlns="" xmlns:a16="http://schemas.microsoft.com/office/drawing/2014/main" val="2455327945"/>
+                    <a16:rowId xmlns:a16="http://schemas.microsoft.com/office/drawing/2014/main" xmlns="" val="2455327945"/>
                   </a:ext>
                 </a:extLst>
               </a:tr>
@@ -9978,7 +9979,7 @@
                 </a:tc>
                 <a:extLst>
                   <a:ext uri="{0D108BD9-81ED-4DB2-BD59-A6C34878D82A}">
-                    <a16:rowId xmlns="" xmlns:a16="http://schemas.microsoft.com/office/drawing/2014/main" val="4280216352"/>
+                    <a16:rowId xmlns:a16="http://schemas.microsoft.com/office/drawing/2014/main" xmlns="" val="4280216352"/>
                   </a:ext>
                 </a:extLst>
               </a:tr>
@@ -10099,7 +10100,7 @@
                 </a:tc>
                 <a:extLst>
                   <a:ext uri="{0D108BD9-81ED-4DB2-BD59-A6C34878D82A}">
-                    <a16:rowId xmlns="" xmlns:a16="http://schemas.microsoft.com/office/drawing/2014/main" val="2414580013"/>
+                    <a16:rowId xmlns:a16="http://schemas.microsoft.com/office/drawing/2014/main" xmlns="" val="2414580013"/>
                   </a:ext>
                 </a:extLst>
               </a:tr>
@@ -10175,7 +10176,7 @@
                 </a:tc>
                 <a:extLst>
                   <a:ext uri="{0D108BD9-81ED-4DB2-BD59-A6C34878D82A}">
-                    <a16:rowId xmlns="" xmlns:a16="http://schemas.microsoft.com/office/drawing/2014/main" val="10001"/>
+                    <a16:rowId xmlns:a16="http://schemas.microsoft.com/office/drawing/2014/main" xmlns="" val="10001"/>
                   </a:ext>
                 </a:extLst>
               </a:tr>
@@ -10260,7 +10261,7 @@
                 </a:tc>
                 <a:extLst>
                   <a:ext uri="{0D108BD9-81ED-4DB2-BD59-A6C34878D82A}">
-                    <a16:rowId xmlns="" xmlns:a16="http://schemas.microsoft.com/office/drawing/2014/main" val="10002"/>
+                    <a16:rowId xmlns:a16="http://schemas.microsoft.com/office/drawing/2014/main" xmlns="" val="10002"/>
                   </a:ext>
                 </a:extLst>
               </a:tr>
@@ -10273,7 +10274,7 @@
           <p:cNvPr id="8" name="Rectangle 7">
             <a:extLst>
               <a:ext uri="{FF2B5EF4-FFF2-40B4-BE49-F238E27FC236}">
-                <a16:creationId xmlns="" xmlns:a16="http://schemas.microsoft.com/office/drawing/2014/main" id="{EBC808F9-3742-5842-971E-EE42B23054E3}"/>
+                <a16:creationId xmlns:a16="http://schemas.microsoft.com/office/drawing/2014/main" xmlns="" id="{EBC808F9-3742-5842-971E-EE42B23054E3}"/>
               </a:ext>
             </a:extLst>
           </p:cNvPr>
@@ -10396,7 +10397,7 @@
           <p:cNvPr id="7" name="Title 1">
             <a:extLst>
               <a:ext uri="{FF2B5EF4-FFF2-40B4-BE49-F238E27FC236}">
-                <a16:creationId xmlns="" xmlns:a16="http://schemas.microsoft.com/office/drawing/2014/main" id="{88BA3341-7B27-AC4A-8F4A-2A3298C9BC0D}"/>
+                <a16:creationId xmlns:a16="http://schemas.microsoft.com/office/drawing/2014/main" xmlns="" id="{88BA3341-7B27-AC4A-8F4A-2A3298C9BC0D}"/>
               </a:ext>
             </a:extLst>
           </p:cNvPr>
@@ -10433,7 +10434,7 @@
           <p:cNvPr id="11" name="Title 1">
             <a:extLst>
               <a:ext uri="{FF2B5EF4-FFF2-40B4-BE49-F238E27FC236}">
-                <a16:creationId xmlns="" xmlns:a16="http://schemas.microsoft.com/office/drawing/2014/main" id="{2415DD61-ACC0-5646-BE79-F68DA3266154}"/>
+                <a16:creationId xmlns:a16="http://schemas.microsoft.com/office/drawing/2014/main" xmlns="" id="{2415DD61-ACC0-5646-BE79-F68DA3266154}"/>
               </a:ext>
             </a:extLst>
           </p:cNvPr>
@@ -10726,7 +10727,7 @@
           <p:cNvPr id="3" name="Picture 2">
             <a:extLst>
               <a:ext uri="{FF2B5EF4-FFF2-40B4-BE49-F238E27FC236}">
-                <a16:creationId xmlns="" xmlns:a16="http://schemas.microsoft.com/office/drawing/2014/main" id="{132436B6-661F-D74E-8CBF-2750430282D3}"/>
+                <a16:creationId xmlns:a16="http://schemas.microsoft.com/office/drawing/2014/main" xmlns="" id="{132436B6-661F-D74E-8CBF-2750430282D3}"/>
               </a:ext>
             </a:extLst>
           </p:cNvPr>
@@ -10755,7 +10756,7 @@
           <p:cNvPr id="13" name="Title 1">
             <a:extLst>
               <a:ext uri="{FF2B5EF4-FFF2-40B4-BE49-F238E27FC236}">
-                <a16:creationId xmlns="" xmlns:a16="http://schemas.microsoft.com/office/drawing/2014/main" id="{DB90A835-4B77-7D47-8701-DA7D8879668D}"/>
+                <a16:creationId xmlns:a16="http://schemas.microsoft.com/office/drawing/2014/main" xmlns="" id="{DB90A835-4B77-7D47-8701-DA7D8879668D}"/>
               </a:ext>
             </a:extLst>
           </p:cNvPr>
@@ -11048,7 +11049,7 @@
           <p:cNvPr id="14" name="Title 1">
             <a:extLst>
               <a:ext uri="{FF2B5EF4-FFF2-40B4-BE49-F238E27FC236}">
-                <a16:creationId xmlns="" xmlns:a16="http://schemas.microsoft.com/office/drawing/2014/main" id="{6C23DFD3-9579-C741-8BB9-4B41C0C7D0FB}"/>
+                <a16:creationId xmlns:a16="http://schemas.microsoft.com/office/drawing/2014/main" xmlns="" id="{6C23DFD3-9579-C741-8BB9-4B41C0C7D0FB}"/>
               </a:ext>
             </a:extLst>
           </p:cNvPr>
@@ -11341,7 +11342,7 @@
           <p:cNvPr id="5" name="Picture 4">
             <a:extLst>
               <a:ext uri="{FF2B5EF4-FFF2-40B4-BE49-F238E27FC236}">
-                <a16:creationId xmlns="" xmlns:a16="http://schemas.microsoft.com/office/drawing/2014/main" id="{5A084DF1-2885-6946-BAE1-FC7490DEECA2}"/>
+                <a16:creationId xmlns:a16="http://schemas.microsoft.com/office/drawing/2014/main" xmlns="" id="{5A084DF1-2885-6946-BAE1-FC7490DEECA2}"/>
               </a:ext>
             </a:extLst>
           </p:cNvPr>
@@ -11370,7 +11371,7 @@
           <p:cNvPr id="15" name="Picture 14">
             <a:extLst>
               <a:ext uri="{FF2B5EF4-FFF2-40B4-BE49-F238E27FC236}">
-                <a16:creationId xmlns="" xmlns:a16="http://schemas.microsoft.com/office/drawing/2014/main" id="{2A049C45-D0BE-C849-B355-25DF28D9061D}"/>
+                <a16:creationId xmlns:a16="http://schemas.microsoft.com/office/drawing/2014/main" xmlns="" id="{2A049C45-D0BE-C849-B355-25DF28D9061D}"/>
               </a:ext>
             </a:extLst>
           </p:cNvPr>
@@ -11437,7 +11438,7 @@
           <p:cNvPr id="7" name="Title 1">
             <a:extLst>
               <a:ext uri="{FF2B5EF4-FFF2-40B4-BE49-F238E27FC236}">
-                <a16:creationId xmlns="" xmlns:a16="http://schemas.microsoft.com/office/drawing/2014/main" id="{88BA3341-7B27-AC4A-8F4A-2A3298C9BC0D}"/>
+                <a16:creationId xmlns:a16="http://schemas.microsoft.com/office/drawing/2014/main" xmlns="" id="{88BA3341-7B27-AC4A-8F4A-2A3298C9BC0D}"/>
               </a:ext>
             </a:extLst>
           </p:cNvPr>
@@ -11474,7 +11475,7 @@
           <p:cNvPr id="4" name="Picture 3">
             <a:extLst>
               <a:ext uri="{FF2B5EF4-FFF2-40B4-BE49-F238E27FC236}">
-                <a16:creationId xmlns="" xmlns:a16="http://schemas.microsoft.com/office/drawing/2014/main" id="{8FD9F724-56D1-D542-A70E-B103BBC3C903}"/>
+                <a16:creationId xmlns:a16="http://schemas.microsoft.com/office/drawing/2014/main" xmlns="" id="{8FD9F724-56D1-D542-A70E-B103BBC3C903}"/>
               </a:ext>
             </a:extLst>
           </p:cNvPr>
@@ -11503,7 +11504,7 @@
           <p:cNvPr id="5" name="TextBox 4">
             <a:extLst>
               <a:ext uri="{FF2B5EF4-FFF2-40B4-BE49-F238E27FC236}">
-                <a16:creationId xmlns="" xmlns:a16="http://schemas.microsoft.com/office/drawing/2014/main" id="{372A79CB-F766-094F-97A4-1456BD043C65}"/>
+                <a16:creationId xmlns:a16="http://schemas.microsoft.com/office/drawing/2014/main" xmlns="" id="{372A79CB-F766-094F-97A4-1456BD043C65}"/>
               </a:ext>
             </a:extLst>
           </p:cNvPr>
@@ -11730,56 +11731,56 @@
                 <a:gridCol w="1206941">
                   <a:extLst>
                     <a:ext uri="{9D8B030D-6E8A-4147-A177-3AD203B41FA5}">
-                      <a16:colId xmlns="" xmlns:a16="http://schemas.microsoft.com/office/drawing/2014/main" val="20000"/>
+                      <a16:colId xmlns:a16="http://schemas.microsoft.com/office/drawing/2014/main" xmlns="" val="20000"/>
                     </a:ext>
                   </a:extLst>
                 </a:gridCol>
                 <a:gridCol w="826649">
                   <a:extLst>
                     <a:ext uri="{9D8B030D-6E8A-4147-A177-3AD203B41FA5}">
-                      <a16:colId xmlns="" xmlns:a16="http://schemas.microsoft.com/office/drawing/2014/main" val="20001"/>
+                      <a16:colId xmlns:a16="http://schemas.microsoft.com/office/drawing/2014/main" xmlns="" val="20001"/>
                     </a:ext>
                   </a:extLst>
                 </a:gridCol>
                 <a:gridCol w="678806">
                   <a:extLst>
                     <a:ext uri="{9D8B030D-6E8A-4147-A177-3AD203B41FA5}">
-                      <a16:colId xmlns="" xmlns:a16="http://schemas.microsoft.com/office/drawing/2014/main" val="20002"/>
+                      <a16:colId xmlns:a16="http://schemas.microsoft.com/office/drawing/2014/main" xmlns="" val="20002"/>
                     </a:ext>
                   </a:extLst>
                 </a:gridCol>
                 <a:gridCol w="839080">
                   <a:extLst>
                     <a:ext uri="{9D8B030D-6E8A-4147-A177-3AD203B41FA5}">
-                      <a16:colId xmlns="" xmlns:a16="http://schemas.microsoft.com/office/drawing/2014/main" val="20003"/>
+                      <a16:colId xmlns:a16="http://schemas.microsoft.com/office/drawing/2014/main" xmlns="" val="20003"/>
                     </a:ext>
                   </a:extLst>
                 </a:gridCol>
                 <a:gridCol w="744800">
                   <a:extLst>
                     <a:ext uri="{9D8B030D-6E8A-4147-A177-3AD203B41FA5}">
-                      <a16:colId xmlns="" xmlns:a16="http://schemas.microsoft.com/office/drawing/2014/main" val="20004"/>
+                      <a16:colId xmlns:a16="http://schemas.microsoft.com/office/drawing/2014/main" xmlns="" val="20004"/>
                     </a:ext>
                   </a:extLst>
                 </a:gridCol>
                 <a:gridCol w="1037065">
                   <a:extLst>
                     <a:ext uri="{9D8B030D-6E8A-4147-A177-3AD203B41FA5}">
-                      <a16:colId xmlns="" xmlns:a16="http://schemas.microsoft.com/office/drawing/2014/main" val="20005"/>
+                      <a16:colId xmlns:a16="http://schemas.microsoft.com/office/drawing/2014/main" xmlns="" val="20005"/>
                     </a:ext>
                   </a:extLst>
                 </a:gridCol>
                 <a:gridCol w="1046492">
                   <a:extLst>
                     <a:ext uri="{9D8B030D-6E8A-4147-A177-3AD203B41FA5}">
-                      <a16:colId xmlns="" xmlns:a16="http://schemas.microsoft.com/office/drawing/2014/main" val="410906251"/>
+                      <a16:colId xmlns:a16="http://schemas.microsoft.com/office/drawing/2014/main" xmlns="" val="410906251"/>
                     </a:ext>
                   </a:extLst>
                 </a:gridCol>
                 <a:gridCol w="1395322">
                   <a:extLst>
                     <a:ext uri="{9D8B030D-6E8A-4147-A177-3AD203B41FA5}">
-                      <a16:colId xmlns="" xmlns:a16="http://schemas.microsoft.com/office/drawing/2014/main" val="20006"/>
+                      <a16:colId xmlns:a16="http://schemas.microsoft.com/office/drawing/2014/main" xmlns="" val="20006"/>
                     </a:ext>
                   </a:extLst>
                 </a:gridCol>
@@ -11987,7 +11988,7 @@
                 </a:tc>
                 <a:extLst>
                   <a:ext uri="{0D108BD9-81ED-4DB2-BD59-A6C34878D82A}">
-                    <a16:rowId xmlns="" xmlns:a16="http://schemas.microsoft.com/office/drawing/2014/main" val="10000"/>
+                    <a16:rowId xmlns:a16="http://schemas.microsoft.com/office/drawing/2014/main" xmlns="" val="10000"/>
                   </a:ext>
                 </a:extLst>
               </a:tr>
@@ -12128,7 +12129,7 @@
                 </a:tc>
                 <a:extLst>
                   <a:ext uri="{0D108BD9-81ED-4DB2-BD59-A6C34878D82A}">
-                    <a16:rowId xmlns="" xmlns:a16="http://schemas.microsoft.com/office/drawing/2014/main" val="2455327945"/>
+                    <a16:rowId xmlns:a16="http://schemas.microsoft.com/office/drawing/2014/main" xmlns="" val="2455327945"/>
                   </a:ext>
                 </a:extLst>
               </a:tr>
@@ -12303,7 +12304,7 @@
                 </a:tc>
                 <a:extLst>
                   <a:ext uri="{0D108BD9-81ED-4DB2-BD59-A6C34878D82A}">
-                    <a16:rowId xmlns="" xmlns:a16="http://schemas.microsoft.com/office/drawing/2014/main" val="4280216352"/>
+                    <a16:rowId xmlns:a16="http://schemas.microsoft.com/office/drawing/2014/main" xmlns="" val="4280216352"/>
                   </a:ext>
                 </a:extLst>
               </a:tr>
@@ -12469,7 +12470,7 @@
                 </a:tc>
                 <a:extLst>
                   <a:ext uri="{0D108BD9-81ED-4DB2-BD59-A6C34878D82A}">
-                    <a16:rowId xmlns="" xmlns:a16="http://schemas.microsoft.com/office/drawing/2014/main" val="2414580013"/>
+                    <a16:rowId xmlns:a16="http://schemas.microsoft.com/office/drawing/2014/main" xmlns="" val="2414580013"/>
                   </a:ext>
                 </a:extLst>
               </a:tr>
@@ -12590,7 +12591,7 @@
                 </a:tc>
                 <a:extLst>
                   <a:ext uri="{0D108BD9-81ED-4DB2-BD59-A6C34878D82A}">
-                    <a16:rowId xmlns="" xmlns:a16="http://schemas.microsoft.com/office/drawing/2014/main" val="10001"/>
+                    <a16:rowId xmlns:a16="http://schemas.microsoft.com/office/drawing/2014/main" xmlns="" val="10001"/>
                   </a:ext>
                 </a:extLst>
               </a:tr>
@@ -12720,7 +12721,7 @@
                 </a:tc>
                 <a:extLst>
                   <a:ext uri="{0D108BD9-81ED-4DB2-BD59-A6C34878D82A}">
-                    <a16:rowId xmlns="" xmlns:a16="http://schemas.microsoft.com/office/drawing/2014/main" val="10002"/>
+                    <a16:rowId xmlns:a16="http://schemas.microsoft.com/office/drawing/2014/main" xmlns="" val="10002"/>
                   </a:ext>
                 </a:extLst>
               </a:tr>
@@ -12895,7 +12896,7 @@
           <p:cNvPr id="5" name="Rectangle 4">
             <a:extLst>
               <a:ext uri="{FF2B5EF4-FFF2-40B4-BE49-F238E27FC236}">
-                <a16:creationId xmlns="" xmlns:a16="http://schemas.microsoft.com/office/drawing/2014/main" id="{080B599E-CFE2-3243-87DC-64185954EE5E}"/>
+                <a16:creationId xmlns:a16="http://schemas.microsoft.com/office/drawing/2014/main" xmlns="" id="{080B599E-CFE2-3243-87DC-64185954EE5E}"/>
               </a:ext>
             </a:extLst>
           </p:cNvPr>
@@ -12945,7 +12946,7 @@
           <p:cNvPr id="6" name="Rectangle 5">
             <a:extLst>
               <a:ext uri="{FF2B5EF4-FFF2-40B4-BE49-F238E27FC236}">
-                <a16:creationId xmlns="" xmlns:a16="http://schemas.microsoft.com/office/drawing/2014/main" id="{080B599E-CFE2-3243-87DC-64185954EE5E}"/>
+                <a16:creationId xmlns:a16="http://schemas.microsoft.com/office/drawing/2014/main" xmlns="" id="{080B599E-CFE2-3243-87DC-64185954EE5E}"/>
               </a:ext>
             </a:extLst>
           </p:cNvPr>
@@ -12999,7 +13000,7 @@
           <p:cNvPr id="7" name="Rectangle 6">
             <a:extLst>
               <a:ext uri="{FF2B5EF4-FFF2-40B4-BE49-F238E27FC236}">
-                <a16:creationId xmlns="" xmlns:a16="http://schemas.microsoft.com/office/drawing/2014/main" id="{080B599E-CFE2-3243-87DC-64185954EE5E}"/>
+                <a16:creationId xmlns:a16="http://schemas.microsoft.com/office/drawing/2014/main" xmlns="" id="{080B599E-CFE2-3243-87DC-64185954EE5E}"/>
               </a:ext>
             </a:extLst>
           </p:cNvPr>
@@ -13727,7 +13728,7 @@
   <p:cSld>
     <p:spTree>
       <p:nvGrpSpPr>
-        <p:cNvPr id="1" name="Shape 731"/>
+        <p:cNvPr id="1" name=""/>
         <p:cNvGrpSpPr/>
         <p:nvPr/>
       </p:nvGrpSpPr>
@@ -13739,457 +13740,46 @@
           <a:chExt cx="0" cy="0"/>
         </a:xfrm>
       </p:grpSpPr>
-      <p:sp>
-        <p:nvSpPr>
-          <p:cNvPr id="732" name="Shape 732"/>
-          <p:cNvSpPr txBox="1">
-            <a:spLocks noGrp="1"/>
-          </p:cNvSpPr>
-          <p:nvPr>
-            <p:ph type="ctrTitle" idx="4294967295"/>
-          </p:nvPr>
-        </p:nvSpPr>
+      <p:pic>
+        <p:nvPicPr>
+          <p:cNvPr id="2" name="Picture 1"/>
+          <p:cNvPicPr>
+            <a:picLocks noChangeAspect="1"/>
+          </p:cNvPicPr>
+          <p:nvPr/>
+        </p:nvPicPr>
+        <p:blipFill>
+          <a:blip r:embed="rId2">
+            <a:extLst>
+              <a:ext uri="{28A0092B-C50C-407E-A947-70E740481C1C}">
+                <a14:useLocalDpi xmlns:a14="http://schemas.microsoft.com/office/drawing/2010/main" val="0"/>
+              </a:ext>
+            </a:extLst>
+          </a:blip>
+          <a:stretch>
+            <a:fillRect/>
+          </a:stretch>
+        </p:blipFill>
         <p:spPr>
           <a:xfrm>
-            <a:off x="1345432" y="433753"/>
-            <a:ext cx="6646985" cy="1453662"/>
+            <a:off x="1295400" y="482600"/>
+            <a:ext cx="6540500" cy="4178300"/>
           </a:xfrm>
           <a:prstGeom prst="rect">
             <a:avLst/>
           </a:prstGeom>
         </p:spPr>
-        <p:txBody>
-          <a:bodyPr spcFirstLastPara="1" wrap="square" lIns="91425" tIns="91425" rIns="91425" bIns="91425" anchor="b" anchorCtr="0">
-            <a:noAutofit/>
-          </a:bodyPr>
-          <a:lstStyle/>
-          <a:p>
-            <a:pPr marL="0" lvl="0" indent="0" rtl="0">
-              <a:spcBef>
-                <a:spcPts val="0"/>
-              </a:spcBef>
-              <a:spcAft>
-                <a:spcPts val="0"/>
-              </a:spcAft>
-              <a:buNone/>
-            </a:pPr>
-            <a:r>
-              <a:rPr lang="en" sz="10000" dirty="0"/>
-              <a:t>THANKS!</a:t>
-            </a:r>
-            <a:endParaRPr sz="10000" dirty="0"/>
-          </a:p>
-        </p:txBody>
-      </p:sp>
-      <p:sp>
-        <p:nvSpPr>
-          <p:cNvPr id="4" name="Shape 733"/>
-          <p:cNvSpPr txBox="1">
-            <a:spLocks/>
-          </p:cNvSpPr>
-          <p:nvPr/>
-        </p:nvSpPr>
-        <p:spPr>
-          <a:xfrm>
-            <a:off x="1398717" y="2290069"/>
-            <a:ext cx="6593700" cy="2332749"/>
-          </a:xfrm>
-          <a:prstGeom prst="rect">
-            <a:avLst/>
-          </a:prstGeom>
-          <a:noFill/>
-          <a:ln>
-            <a:noFill/>
-          </a:ln>
-        </p:spPr>
-        <p:txBody>
-          <a:bodyPr spcFirstLastPara="1" wrap="square" lIns="91425" tIns="91425" rIns="91425" bIns="91425" anchor="t" anchorCtr="0">
-            <a:noAutofit/>
-          </a:bodyPr>
-          <a:lstStyle>
-            <a:defPPr marR="0" lvl="0" algn="l" rtl="0">
-              <a:lnSpc>
-                <a:spcPct val="100000"/>
-              </a:lnSpc>
-              <a:spcBef>
-                <a:spcPts val="0"/>
-              </a:spcBef>
-              <a:spcAft>
-                <a:spcPts val="0"/>
-              </a:spcAft>
-            </a:defPPr>
-            <a:lvl1pPr marL="457200" marR="0" lvl="0" indent="-355600" algn="l" rtl="0">
-              <a:lnSpc>
-                <a:spcPct val="100000"/>
-              </a:lnSpc>
-              <a:spcBef>
-                <a:spcPts val="600"/>
-              </a:spcBef>
-              <a:spcAft>
-                <a:spcPts val="0"/>
-              </a:spcAft>
-              <a:buClr>
-                <a:srgbClr val="28324A"/>
-              </a:buClr>
-              <a:buSzPts val="2000"/>
-              <a:buFont typeface="Source Sans Pro"/>
-              <a:buChar char="◉"/>
-              <a:defRPr sz="2000" b="0" i="0" u="none" strike="noStrike" cap="none">
-                <a:solidFill>
-                  <a:srgbClr val="28324A"/>
-                </a:solidFill>
-                <a:latin typeface="Source Sans Pro"/>
-                <a:ea typeface="Source Sans Pro"/>
-                <a:cs typeface="Source Sans Pro"/>
-                <a:sym typeface="Source Sans Pro"/>
-              </a:defRPr>
-            </a:lvl1pPr>
-            <a:lvl2pPr marL="914400" marR="0" lvl="1" indent="-342900" algn="l" rtl="0">
-              <a:lnSpc>
-                <a:spcPct val="100000"/>
-              </a:lnSpc>
-              <a:spcBef>
-                <a:spcPts val="0"/>
-              </a:spcBef>
-              <a:spcAft>
-                <a:spcPts val="0"/>
-              </a:spcAft>
-              <a:buClr>
-                <a:srgbClr val="28324A"/>
-              </a:buClr>
-              <a:buSzPts val="1800"/>
-              <a:buFont typeface="Source Sans Pro"/>
-              <a:buChar char="◉"/>
-              <a:defRPr sz="1800" b="0" i="0" u="none" strike="noStrike" cap="none">
-                <a:solidFill>
-                  <a:srgbClr val="28324A"/>
-                </a:solidFill>
-                <a:latin typeface="Source Sans Pro"/>
-                <a:ea typeface="Source Sans Pro"/>
-                <a:cs typeface="Source Sans Pro"/>
-                <a:sym typeface="Source Sans Pro"/>
-              </a:defRPr>
-            </a:lvl2pPr>
-            <a:lvl3pPr marL="1371600" marR="0" lvl="2" indent="-342900" algn="l" rtl="0">
-              <a:lnSpc>
-                <a:spcPct val="100000"/>
-              </a:lnSpc>
-              <a:spcBef>
-                <a:spcPts val="0"/>
-              </a:spcBef>
-              <a:spcAft>
-                <a:spcPts val="0"/>
-              </a:spcAft>
-              <a:buClr>
-                <a:srgbClr val="28324A"/>
-              </a:buClr>
-              <a:buSzPts val="1800"/>
-              <a:buFont typeface="Source Sans Pro"/>
-              <a:buChar char="■"/>
-              <a:defRPr sz="1800" b="0" i="0" u="none" strike="noStrike" cap="none">
-                <a:solidFill>
-                  <a:srgbClr val="28324A"/>
-                </a:solidFill>
-                <a:latin typeface="Source Sans Pro"/>
-                <a:ea typeface="Source Sans Pro"/>
-                <a:cs typeface="Source Sans Pro"/>
-                <a:sym typeface="Source Sans Pro"/>
-              </a:defRPr>
-            </a:lvl3pPr>
-            <a:lvl4pPr marL="1828800" marR="0" lvl="3" indent="-342900" algn="l" rtl="0">
-              <a:lnSpc>
-                <a:spcPct val="100000"/>
-              </a:lnSpc>
-              <a:spcBef>
-                <a:spcPts val="0"/>
-              </a:spcBef>
-              <a:spcAft>
-                <a:spcPts val="0"/>
-              </a:spcAft>
-              <a:buClr>
-                <a:srgbClr val="28324A"/>
-              </a:buClr>
-              <a:buSzPts val="1800"/>
-              <a:buFont typeface="Source Sans Pro"/>
-              <a:buChar char="●"/>
-              <a:defRPr sz="1800" b="0" i="0" u="none" strike="noStrike" cap="none">
-                <a:solidFill>
-                  <a:srgbClr val="28324A"/>
-                </a:solidFill>
-                <a:latin typeface="Source Sans Pro"/>
-                <a:ea typeface="Source Sans Pro"/>
-                <a:cs typeface="Source Sans Pro"/>
-                <a:sym typeface="Source Sans Pro"/>
-              </a:defRPr>
-            </a:lvl4pPr>
-            <a:lvl5pPr marL="2286000" marR="0" lvl="4" indent="-342900" algn="l" rtl="0">
-              <a:lnSpc>
-                <a:spcPct val="100000"/>
-              </a:lnSpc>
-              <a:spcBef>
-                <a:spcPts val="0"/>
-              </a:spcBef>
-              <a:spcAft>
-                <a:spcPts val="0"/>
-              </a:spcAft>
-              <a:buClr>
-                <a:srgbClr val="28324A"/>
-              </a:buClr>
-              <a:buSzPts val="1800"/>
-              <a:buFont typeface="Source Sans Pro"/>
-              <a:buChar char="○"/>
-              <a:defRPr sz="1800" b="0" i="0" u="none" strike="noStrike" cap="none">
-                <a:solidFill>
-                  <a:srgbClr val="28324A"/>
-                </a:solidFill>
-                <a:latin typeface="Source Sans Pro"/>
-                <a:ea typeface="Source Sans Pro"/>
-                <a:cs typeface="Source Sans Pro"/>
-                <a:sym typeface="Source Sans Pro"/>
-              </a:defRPr>
-            </a:lvl5pPr>
-            <a:lvl6pPr marL="2743200" marR="0" lvl="5" indent="-342900" algn="l" rtl="0">
-              <a:lnSpc>
-                <a:spcPct val="100000"/>
-              </a:lnSpc>
-              <a:spcBef>
-                <a:spcPts val="0"/>
-              </a:spcBef>
-              <a:spcAft>
-                <a:spcPts val="0"/>
-              </a:spcAft>
-              <a:buClr>
-                <a:srgbClr val="28324A"/>
-              </a:buClr>
-              <a:buSzPts val="1800"/>
-              <a:buFont typeface="Source Sans Pro"/>
-              <a:buChar char="■"/>
-              <a:defRPr sz="1800" b="0" i="0" u="none" strike="noStrike" cap="none">
-                <a:solidFill>
-                  <a:srgbClr val="28324A"/>
-                </a:solidFill>
-                <a:latin typeface="Source Sans Pro"/>
-                <a:ea typeface="Source Sans Pro"/>
-                <a:cs typeface="Source Sans Pro"/>
-                <a:sym typeface="Source Sans Pro"/>
-              </a:defRPr>
-            </a:lvl6pPr>
-            <a:lvl7pPr marL="3200400" marR="0" lvl="6" indent="-342900" algn="l" rtl="0">
-              <a:lnSpc>
-                <a:spcPct val="100000"/>
-              </a:lnSpc>
-              <a:spcBef>
-                <a:spcPts val="0"/>
-              </a:spcBef>
-              <a:spcAft>
-                <a:spcPts val="0"/>
-              </a:spcAft>
-              <a:buClr>
-                <a:srgbClr val="28324A"/>
-              </a:buClr>
-              <a:buSzPts val="1800"/>
-              <a:buFont typeface="Source Sans Pro"/>
-              <a:buChar char="●"/>
-              <a:defRPr sz="1800" b="0" i="0" u="none" strike="noStrike" cap="none">
-                <a:solidFill>
-                  <a:srgbClr val="28324A"/>
-                </a:solidFill>
-                <a:latin typeface="Source Sans Pro"/>
-                <a:ea typeface="Source Sans Pro"/>
-                <a:cs typeface="Source Sans Pro"/>
-                <a:sym typeface="Source Sans Pro"/>
-              </a:defRPr>
-            </a:lvl7pPr>
-            <a:lvl8pPr marL="3657600" marR="0" lvl="7" indent="-342900" algn="l" rtl="0">
-              <a:lnSpc>
-                <a:spcPct val="100000"/>
-              </a:lnSpc>
-              <a:spcBef>
-                <a:spcPts val="0"/>
-              </a:spcBef>
-              <a:spcAft>
-                <a:spcPts val="0"/>
-              </a:spcAft>
-              <a:buClr>
-                <a:srgbClr val="28324A"/>
-              </a:buClr>
-              <a:buSzPts val="1800"/>
-              <a:buFont typeface="Source Sans Pro"/>
-              <a:buChar char="○"/>
-              <a:defRPr sz="1800" b="0" i="0" u="none" strike="noStrike" cap="none">
-                <a:solidFill>
-                  <a:srgbClr val="28324A"/>
-                </a:solidFill>
-                <a:latin typeface="Source Sans Pro"/>
-                <a:ea typeface="Source Sans Pro"/>
-                <a:cs typeface="Source Sans Pro"/>
-                <a:sym typeface="Source Sans Pro"/>
-              </a:defRPr>
-            </a:lvl8pPr>
-            <a:lvl9pPr marL="4114800" marR="0" lvl="8" indent="-342900" algn="l" rtl="0">
-              <a:lnSpc>
-                <a:spcPct val="100000"/>
-              </a:lnSpc>
-              <a:spcBef>
-                <a:spcPts val="0"/>
-              </a:spcBef>
-              <a:spcAft>
-                <a:spcPts val="0"/>
-              </a:spcAft>
-              <a:buClr>
-                <a:srgbClr val="28324A"/>
-              </a:buClr>
-              <a:buSzPts val="1800"/>
-              <a:buFont typeface="Source Sans Pro"/>
-              <a:buChar char="■"/>
-              <a:defRPr sz="1800" b="0" i="0" u="none" strike="noStrike" cap="none">
-                <a:solidFill>
-                  <a:srgbClr val="28324A"/>
-                </a:solidFill>
-                <a:latin typeface="Source Sans Pro"/>
-                <a:ea typeface="Source Sans Pro"/>
-                <a:cs typeface="Source Sans Pro"/>
-                <a:sym typeface="Source Sans Pro"/>
-              </a:defRPr>
-            </a:lvl9pPr>
-          </a:lstStyle>
-          <a:p>
-            <a:pPr marL="0" indent="0" algn="ctr">
-              <a:buFont typeface="Source Sans Pro"/>
-              <a:buNone/>
-            </a:pPr>
-            <a:r>
-              <a:rPr lang="en" b="1" dirty="0">
-                <a:latin typeface="Arial" charset="0"/>
-                <a:ea typeface="Arial" charset="0"/>
-                <a:cs typeface="Arial" charset="0"/>
-              </a:rPr>
-              <a:t>Any questions?</a:t>
-            </a:r>
-          </a:p>
-          <a:p>
-            <a:pPr marL="0" indent="0" algn="ctr">
-              <a:buFont typeface="Source Sans Pro"/>
-              <a:buNone/>
-            </a:pPr>
-            <a:r>
-              <a:rPr lang="en" b="1" dirty="0">
-                <a:latin typeface="Arial" charset="0"/>
-                <a:ea typeface="Arial" charset="0"/>
-                <a:cs typeface="Arial" charset="0"/>
-              </a:rPr>
-              <a:t>You can find me at</a:t>
-            </a:r>
-            <a:endParaRPr lang="en-US" b="1" dirty="0">
-              <a:latin typeface="Arial" charset="0"/>
-              <a:ea typeface="Arial" charset="0"/>
-              <a:cs typeface="Arial" charset="0"/>
-            </a:endParaRPr>
-          </a:p>
-          <a:p>
-            <a:pPr marL="0" indent="0" algn="ctr">
-              <a:buNone/>
-            </a:pPr>
-            <a:r>
-              <a:rPr lang="en-US" sz="1600" dirty="0">
-                <a:latin typeface="Arial" charset="0"/>
-                <a:ea typeface="Arial" charset="0"/>
-                <a:cs typeface="Arial" charset="0"/>
-              </a:rPr>
-              <a:t>Fan Yang: fy2232@columbia.edu</a:t>
-            </a:r>
-            <a:endParaRPr lang="en" sz="1600" dirty="0">
-              <a:latin typeface="Arial" charset="0"/>
-              <a:ea typeface="Arial" charset="0"/>
-              <a:cs typeface="Arial" charset="0"/>
-            </a:endParaRPr>
-          </a:p>
-          <a:p>
-            <a:pPr marL="0" indent="0" algn="ctr">
-              <a:buFont typeface="Source Sans Pro"/>
-              <a:buNone/>
-            </a:pPr>
-            <a:r>
-              <a:rPr lang="en-US" sz="1600" dirty="0">
-                <a:latin typeface="Arial" charset="0"/>
-                <a:ea typeface="Arial" charset="0"/>
-                <a:cs typeface="Arial" charset="0"/>
-              </a:rPr>
-              <a:t>Jingyi Wang: jw3592@columbia.edu</a:t>
-            </a:r>
-          </a:p>
-          <a:p>
-            <a:pPr marL="0" indent="0" algn="ctr">
-              <a:buNone/>
-            </a:pPr>
-            <a:r>
-              <a:rPr lang="en-US" sz="1600" dirty="0" err="1">
-                <a:latin typeface="Arial" charset="0"/>
-                <a:ea typeface="Arial" charset="0"/>
-                <a:cs typeface="Arial" charset="0"/>
-              </a:rPr>
-              <a:t>Yiran</a:t>
-            </a:r>
-            <a:r>
-              <a:rPr lang="en-US" sz="1600" dirty="0">
-                <a:latin typeface="Arial" charset="0"/>
-                <a:ea typeface="Arial" charset="0"/>
-                <a:cs typeface="Arial" charset="0"/>
-              </a:rPr>
-              <a:t> Jiang: yj2462@columbia.edu</a:t>
-            </a:r>
-          </a:p>
-          <a:p>
-            <a:pPr marL="0" indent="0" algn="ctr">
-              <a:buNone/>
-            </a:pPr>
-            <a:r>
-              <a:rPr lang="en-US" sz="1600" dirty="0" err="1">
-                <a:latin typeface="Arial" charset="0"/>
-                <a:ea typeface="Arial" charset="0"/>
-                <a:cs typeface="Arial" charset="0"/>
-              </a:rPr>
-              <a:t>Xueyao</a:t>
-            </a:r>
-            <a:r>
-              <a:rPr lang="en-US" sz="1600" dirty="0">
-                <a:latin typeface="Arial" charset="0"/>
-                <a:ea typeface="Arial" charset="0"/>
-                <a:cs typeface="Arial" charset="0"/>
-              </a:rPr>
-              <a:t> Li: xl2719@columbia.edu</a:t>
-            </a:r>
-            <a:endParaRPr lang="en" sz="1600" dirty="0">
-              <a:latin typeface="Arial" charset="0"/>
-              <a:ea typeface="Arial" charset="0"/>
-              <a:cs typeface="Arial" charset="0"/>
-            </a:endParaRPr>
-          </a:p>
-          <a:p>
-            <a:pPr marL="0" indent="0" algn="ctr">
-              <a:buFont typeface="Source Sans Pro"/>
-              <a:buNone/>
-            </a:pPr>
-            <a:endParaRPr lang="en" sz="1600" dirty="0">
-              <a:latin typeface="Arial" charset="0"/>
-              <a:ea typeface="Arial" charset="0"/>
-              <a:cs typeface="Arial" charset="0"/>
-            </a:endParaRPr>
-          </a:p>
-        </p:txBody>
-      </p:sp>
+      </p:pic>
     </p:spTree>
+    <p:extLst>
+      <p:ext uri="{BB962C8B-B14F-4D97-AF65-F5344CB8AC3E}">
+        <p14:creationId xmlns:p14="http://schemas.microsoft.com/office/powerpoint/2010/main" val="34322358"/>
+      </p:ext>
+    </p:extLst>
   </p:cSld>
   <p:clrMapOvr>
     <a:masterClrMapping/>
   </p:clrMapOvr>
-  <p:timing>
-    <p:tnLst>
-      <p:par>
-        <p:cTn id="1" dur="indefinite" restart="never" nodeType="tmRoot"/>
-      </p:par>
-    </p:tnLst>
-  </p:timing>
 </p:sld>
 </file>
 
@@ -14388,6 +13978,477 @@
         <p14:creationId xmlns:p14="http://schemas.microsoft.com/office/powerpoint/2010/main" val="2050828036"/>
       </p:ext>
     </p:extLst>
+  </p:cSld>
+  <p:clrMapOvr>
+    <a:masterClrMapping/>
+  </p:clrMapOvr>
+  <p:timing>
+    <p:tnLst>
+      <p:par>
+        <p:cTn id="1" dur="indefinite" restart="never" nodeType="tmRoot"/>
+      </p:par>
+    </p:tnLst>
+  </p:timing>
+</p:sld>
+</file>
+
+<file path=ppt/slides/slide20.xml><?xml version="1.0" encoding="utf-8"?>
+<p:sld xmlns:a="http://schemas.openxmlformats.org/drawingml/2006/main" xmlns:r="http://schemas.openxmlformats.org/officeDocument/2006/relationships" xmlns:p="http://schemas.openxmlformats.org/presentationml/2006/main">
+  <p:cSld>
+    <p:spTree>
+      <p:nvGrpSpPr>
+        <p:cNvPr id="1" name="Shape 731"/>
+        <p:cNvGrpSpPr/>
+        <p:nvPr/>
+      </p:nvGrpSpPr>
+      <p:grpSpPr>
+        <a:xfrm>
+          <a:off x="0" y="0"/>
+          <a:ext cx="0" cy="0"/>
+          <a:chOff x="0" y="0"/>
+          <a:chExt cx="0" cy="0"/>
+        </a:xfrm>
+      </p:grpSpPr>
+      <p:sp>
+        <p:nvSpPr>
+          <p:cNvPr id="732" name="Shape 732"/>
+          <p:cNvSpPr txBox="1">
+            <a:spLocks noGrp="1"/>
+          </p:cNvSpPr>
+          <p:nvPr>
+            <p:ph type="ctrTitle" idx="4294967295"/>
+          </p:nvPr>
+        </p:nvSpPr>
+        <p:spPr>
+          <a:xfrm>
+            <a:off x="1345432" y="433753"/>
+            <a:ext cx="6646985" cy="1453662"/>
+          </a:xfrm>
+          <a:prstGeom prst="rect">
+            <a:avLst/>
+          </a:prstGeom>
+        </p:spPr>
+        <p:txBody>
+          <a:bodyPr spcFirstLastPara="1" wrap="square" lIns="91425" tIns="91425" rIns="91425" bIns="91425" anchor="b" anchorCtr="0">
+            <a:noAutofit/>
+          </a:bodyPr>
+          <a:lstStyle/>
+          <a:p>
+            <a:pPr marL="0" lvl="0" indent="0" rtl="0">
+              <a:spcBef>
+                <a:spcPts val="0"/>
+              </a:spcBef>
+              <a:spcAft>
+                <a:spcPts val="0"/>
+              </a:spcAft>
+              <a:buNone/>
+            </a:pPr>
+            <a:r>
+              <a:rPr lang="en" sz="10000" dirty="0"/>
+              <a:t>THANKS!</a:t>
+            </a:r>
+            <a:endParaRPr sz="10000" dirty="0"/>
+          </a:p>
+        </p:txBody>
+      </p:sp>
+      <p:sp>
+        <p:nvSpPr>
+          <p:cNvPr id="4" name="Shape 733"/>
+          <p:cNvSpPr txBox="1">
+            <a:spLocks/>
+          </p:cNvSpPr>
+          <p:nvPr/>
+        </p:nvSpPr>
+        <p:spPr>
+          <a:xfrm>
+            <a:off x="1398717" y="2290069"/>
+            <a:ext cx="6593700" cy="2332749"/>
+          </a:xfrm>
+          <a:prstGeom prst="rect">
+            <a:avLst/>
+          </a:prstGeom>
+          <a:noFill/>
+          <a:ln>
+            <a:noFill/>
+          </a:ln>
+        </p:spPr>
+        <p:txBody>
+          <a:bodyPr spcFirstLastPara="1" wrap="square" lIns="91425" tIns="91425" rIns="91425" bIns="91425" anchor="t" anchorCtr="0">
+            <a:noAutofit/>
+          </a:bodyPr>
+          <a:lstStyle>
+            <a:defPPr marR="0" lvl="0" algn="l" rtl="0">
+              <a:lnSpc>
+                <a:spcPct val="100000"/>
+              </a:lnSpc>
+              <a:spcBef>
+                <a:spcPts val="0"/>
+              </a:spcBef>
+              <a:spcAft>
+                <a:spcPts val="0"/>
+              </a:spcAft>
+            </a:defPPr>
+            <a:lvl1pPr marL="457200" marR="0" lvl="0" indent="-355600" algn="l" rtl="0">
+              <a:lnSpc>
+                <a:spcPct val="100000"/>
+              </a:lnSpc>
+              <a:spcBef>
+                <a:spcPts val="600"/>
+              </a:spcBef>
+              <a:spcAft>
+                <a:spcPts val="0"/>
+              </a:spcAft>
+              <a:buClr>
+                <a:srgbClr val="28324A"/>
+              </a:buClr>
+              <a:buSzPts val="2000"/>
+              <a:buFont typeface="Source Sans Pro"/>
+              <a:buChar char="◉"/>
+              <a:defRPr sz="2000" b="0" i="0" u="none" strike="noStrike" cap="none">
+                <a:solidFill>
+                  <a:srgbClr val="28324A"/>
+                </a:solidFill>
+                <a:latin typeface="Source Sans Pro"/>
+                <a:ea typeface="Source Sans Pro"/>
+                <a:cs typeface="Source Sans Pro"/>
+                <a:sym typeface="Source Sans Pro"/>
+              </a:defRPr>
+            </a:lvl1pPr>
+            <a:lvl2pPr marL="914400" marR="0" lvl="1" indent="-342900" algn="l" rtl="0">
+              <a:lnSpc>
+                <a:spcPct val="100000"/>
+              </a:lnSpc>
+              <a:spcBef>
+                <a:spcPts val="0"/>
+              </a:spcBef>
+              <a:spcAft>
+                <a:spcPts val="0"/>
+              </a:spcAft>
+              <a:buClr>
+                <a:srgbClr val="28324A"/>
+              </a:buClr>
+              <a:buSzPts val="1800"/>
+              <a:buFont typeface="Source Sans Pro"/>
+              <a:buChar char="◉"/>
+              <a:defRPr sz="1800" b="0" i="0" u="none" strike="noStrike" cap="none">
+                <a:solidFill>
+                  <a:srgbClr val="28324A"/>
+                </a:solidFill>
+                <a:latin typeface="Source Sans Pro"/>
+                <a:ea typeface="Source Sans Pro"/>
+                <a:cs typeface="Source Sans Pro"/>
+                <a:sym typeface="Source Sans Pro"/>
+              </a:defRPr>
+            </a:lvl2pPr>
+            <a:lvl3pPr marL="1371600" marR="0" lvl="2" indent="-342900" algn="l" rtl="0">
+              <a:lnSpc>
+                <a:spcPct val="100000"/>
+              </a:lnSpc>
+              <a:spcBef>
+                <a:spcPts val="0"/>
+              </a:spcBef>
+              <a:spcAft>
+                <a:spcPts val="0"/>
+              </a:spcAft>
+              <a:buClr>
+                <a:srgbClr val="28324A"/>
+              </a:buClr>
+              <a:buSzPts val="1800"/>
+              <a:buFont typeface="Source Sans Pro"/>
+              <a:buChar char="■"/>
+              <a:defRPr sz="1800" b="0" i="0" u="none" strike="noStrike" cap="none">
+                <a:solidFill>
+                  <a:srgbClr val="28324A"/>
+                </a:solidFill>
+                <a:latin typeface="Source Sans Pro"/>
+                <a:ea typeface="Source Sans Pro"/>
+                <a:cs typeface="Source Sans Pro"/>
+                <a:sym typeface="Source Sans Pro"/>
+              </a:defRPr>
+            </a:lvl3pPr>
+            <a:lvl4pPr marL="1828800" marR="0" lvl="3" indent="-342900" algn="l" rtl="0">
+              <a:lnSpc>
+                <a:spcPct val="100000"/>
+              </a:lnSpc>
+              <a:spcBef>
+                <a:spcPts val="0"/>
+              </a:spcBef>
+              <a:spcAft>
+                <a:spcPts val="0"/>
+              </a:spcAft>
+              <a:buClr>
+                <a:srgbClr val="28324A"/>
+              </a:buClr>
+              <a:buSzPts val="1800"/>
+              <a:buFont typeface="Source Sans Pro"/>
+              <a:buChar char="●"/>
+              <a:defRPr sz="1800" b="0" i="0" u="none" strike="noStrike" cap="none">
+                <a:solidFill>
+                  <a:srgbClr val="28324A"/>
+                </a:solidFill>
+                <a:latin typeface="Source Sans Pro"/>
+                <a:ea typeface="Source Sans Pro"/>
+                <a:cs typeface="Source Sans Pro"/>
+                <a:sym typeface="Source Sans Pro"/>
+              </a:defRPr>
+            </a:lvl4pPr>
+            <a:lvl5pPr marL="2286000" marR="0" lvl="4" indent="-342900" algn="l" rtl="0">
+              <a:lnSpc>
+                <a:spcPct val="100000"/>
+              </a:lnSpc>
+              <a:spcBef>
+                <a:spcPts val="0"/>
+              </a:spcBef>
+              <a:spcAft>
+                <a:spcPts val="0"/>
+              </a:spcAft>
+              <a:buClr>
+                <a:srgbClr val="28324A"/>
+              </a:buClr>
+              <a:buSzPts val="1800"/>
+              <a:buFont typeface="Source Sans Pro"/>
+              <a:buChar char="○"/>
+              <a:defRPr sz="1800" b="0" i="0" u="none" strike="noStrike" cap="none">
+                <a:solidFill>
+                  <a:srgbClr val="28324A"/>
+                </a:solidFill>
+                <a:latin typeface="Source Sans Pro"/>
+                <a:ea typeface="Source Sans Pro"/>
+                <a:cs typeface="Source Sans Pro"/>
+                <a:sym typeface="Source Sans Pro"/>
+              </a:defRPr>
+            </a:lvl5pPr>
+            <a:lvl6pPr marL="2743200" marR="0" lvl="5" indent="-342900" algn="l" rtl="0">
+              <a:lnSpc>
+                <a:spcPct val="100000"/>
+              </a:lnSpc>
+              <a:spcBef>
+                <a:spcPts val="0"/>
+              </a:spcBef>
+              <a:spcAft>
+                <a:spcPts val="0"/>
+              </a:spcAft>
+              <a:buClr>
+                <a:srgbClr val="28324A"/>
+              </a:buClr>
+              <a:buSzPts val="1800"/>
+              <a:buFont typeface="Source Sans Pro"/>
+              <a:buChar char="■"/>
+              <a:defRPr sz="1800" b="0" i="0" u="none" strike="noStrike" cap="none">
+                <a:solidFill>
+                  <a:srgbClr val="28324A"/>
+                </a:solidFill>
+                <a:latin typeface="Source Sans Pro"/>
+                <a:ea typeface="Source Sans Pro"/>
+                <a:cs typeface="Source Sans Pro"/>
+                <a:sym typeface="Source Sans Pro"/>
+              </a:defRPr>
+            </a:lvl6pPr>
+            <a:lvl7pPr marL="3200400" marR="0" lvl="6" indent="-342900" algn="l" rtl="0">
+              <a:lnSpc>
+                <a:spcPct val="100000"/>
+              </a:lnSpc>
+              <a:spcBef>
+                <a:spcPts val="0"/>
+              </a:spcBef>
+              <a:spcAft>
+                <a:spcPts val="0"/>
+              </a:spcAft>
+              <a:buClr>
+                <a:srgbClr val="28324A"/>
+              </a:buClr>
+              <a:buSzPts val="1800"/>
+              <a:buFont typeface="Source Sans Pro"/>
+              <a:buChar char="●"/>
+              <a:defRPr sz="1800" b="0" i="0" u="none" strike="noStrike" cap="none">
+                <a:solidFill>
+                  <a:srgbClr val="28324A"/>
+                </a:solidFill>
+                <a:latin typeface="Source Sans Pro"/>
+                <a:ea typeface="Source Sans Pro"/>
+                <a:cs typeface="Source Sans Pro"/>
+                <a:sym typeface="Source Sans Pro"/>
+              </a:defRPr>
+            </a:lvl7pPr>
+            <a:lvl8pPr marL="3657600" marR="0" lvl="7" indent="-342900" algn="l" rtl="0">
+              <a:lnSpc>
+                <a:spcPct val="100000"/>
+              </a:lnSpc>
+              <a:spcBef>
+                <a:spcPts val="0"/>
+              </a:spcBef>
+              <a:spcAft>
+                <a:spcPts val="0"/>
+              </a:spcAft>
+              <a:buClr>
+                <a:srgbClr val="28324A"/>
+              </a:buClr>
+              <a:buSzPts val="1800"/>
+              <a:buFont typeface="Source Sans Pro"/>
+              <a:buChar char="○"/>
+              <a:defRPr sz="1800" b="0" i="0" u="none" strike="noStrike" cap="none">
+                <a:solidFill>
+                  <a:srgbClr val="28324A"/>
+                </a:solidFill>
+                <a:latin typeface="Source Sans Pro"/>
+                <a:ea typeface="Source Sans Pro"/>
+                <a:cs typeface="Source Sans Pro"/>
+                <a:sym typeface="Source Sans Pro"/>
+              </a:defRPr>
+            </a:lvl8pPr>
+            <a:lvl9pPr marL="4114800" marR="0" lvl="8" indent="-342900" algn="l" rtl="0">
+              <a:lnSpc>
+                <a:spcPct val="100000"/>
+              </a:lnSpc>
+              <a:spcBef>
+                <a:spcPts val="0"/>
+              </a:spcBef>
+              <a:spcAft>
+                <a:spcPts val="0"/>
+              </a:spcAft>
+              <a:buClr>
+                <a:srgbClr val="28324A"/>
+              </a:buClr>
+              <a:buSzPts val="1800"/>
+              <a:buFont typeface="Source Sans Pro"/>
+              <a:buChar char="■"/>
+              <a:defRPr sz="1800" b="0" i="0" u="none" strike="noStrike" cap="none">
+                <a:solidFill>
+                  <a:srgbClr val="28324A"/>
+                </a:solidFill>
+                <a:latin typeface="Source Sans Pro"/>
+                <a:ea typeface="Source Sans Pro"/>
+                <a:cs typeface="Source Sans Pro"/>
+                <a:sym typeface="Source Sans Pro"/>
+              </a:defRPr>
+            </a:lvl9pPr>
+          </a:lstStyle>
+          <a:p>
+            <a:pPr marL="0" indent="0" algn="ctr">
+              <a:buFont typeface="Source Sans Pro"/>
+              <a:buNone/>
+            </a:pPr>
+            <a:r>
+              <a:rPr lang="en" b="1" dirty="0">
+                <a:latin typeface="Arial" charset="0"/>
+                <a:ea typeface="Arial" charset="0"/>
+                <a:cs typeface="Arial" charset="0"/>
+              </a:rPr>
+              <a:t>Any questions?</a:t>
+            </a:r>
+          </a:p>
+          <a:p>
+            <a:pPr marL="0" indent="0" algn="ctr">
+              <a:buFont typeface="Source Sans Pro"/>
+              <a:buNone/>
+            </a:pPr>
+            <a:r>
+              <a:rPr lang="en" b="1" dirty="0">
+                <a:latin typeface="Arial" charset="0"/>
+                <a:ea typeface="Arial" charset="0"/>
+                <a:cs typeface="Arial" charset="0"/>
+              </a:rPr>
+              <a:t>You can find me at</a:t>
+            </a:r>
+            <a:endParaRPr lang="en-US" b="1" dirty="0">
+              <a:latin typeface="Arial" charset="0"/>
+              <a:ea typeface="Arial" charset="0"/>
+              <a:cs typeface="Arial" charset="0"/>
+            </a:endParaRPr>
+          </a:p>
+          <a:p>
+            <a:pPr marL="0" indent="0" algn="ctr">
+              <a:buNone/>
+            </a:pPr>
+            <a:r>
+              <a:rPr lang="en-US" sz="1600" dirty="0">
+                <a:latin typeface="Arial" charset="0"/>
+                <a:ea typeface="Arial" charset="0"/>
+                <a:cs typeface="Arial" charset="0"/>
+              </a:rPr>
+              <a:t>Fan Yang: fy2232@columbia.edu</a:t>
+            </a:r>
+            <a:endParaRPr lang="en" sz="1600" dirty="0">
+              <a:latin typeface="Arial" charset="0"/>
+              <a:ea typeface="Arial" charset="0"/>
+              <a:cs typeface="Arial" charset="0"/>
+            </a:endParaRPr>
+          </a:p>
+          <a:p>
+            <a:pPr marL="0" indent="0" algn="ctr">
+              <a:buFont typeface="Source Sans Pro"/>
+              <a:buNone/>
+            </a:pPr>
+            <a:r>
+              <a:rPr lang="en-US" sz="1600" dirty="0">
+                <a:latin typeface="Arial" charset="0"/>
+                <a:ea typeface="Arial" charset="0"/>
+                <a:cs typeface="Arial" charset="0"/>
+              </a:rPr>
+              <a:t>Jingyi Wang: jw3592@columbia.edu</a:t>
+            </a:r>
+          </a:p>
+          <a:p>
+            <a:pPr marL="0" indent="0" algn="ctr">
+              <a:buNone/>
+            </a:pPr>
+            <a:r>
+              <a:rPr lang="en-US" sz="1600" dirty="0" err="1">
+                <a:latin typeface="Arial" charset="0"/>
+                <a:ea typeface="Arial" charset="0"/>
+                <a:cs typeface="Arial" charset="0"/>
+              </a:rPr>
+              <a:t>Yiran</a:t>
+            </a:r>
+            <a:r>
+              <a:rPr lang="en-US" sz="1600" dirty="0">
+                <a:latin typeface="Arial" charset="0"/>
+                <a:ea typeface="Arial" charset="0"/>
+                <a:cs typeface="Arial" charset="0"/>
+              </a:rPr>
+              <a:t> Jiang: yj2462@columbia.edu</a:t>
+            </a:r>
+          </a:p>
+          <a:p>
+            <a:pPr marL="0" indent="0" algn="ctr">
+              <a:buNone/>
+            </a:pPr>
+            <a:r>
+              <a:rPr lang="en-US" sz="1600" dirty="0" err="1">
+                <a:latin typeface="Arial" charset="0"/>
+                <a:ea typeface="Arial" charset="0"/>
+                <a:cs typeface="Arial" charset="0"/>
+              </a:rPr>
+              <a:t>Xueyao</a:t>
+            </a:r>
+            <a:r>
+              <a:rPr lang="en-US" sz="1600" dirty="0">
+                <a:latin typeface="Arial" charset="0"/>
+                <a:ea typeface="Arial" charset="0"/>
+                <a:cs typeface="Arial" charset="0"/>
+              </a:rPr>
+              <a:t> Li: xl2719@columbia.edu</a:t>
+            </a:r>
+            <a:endParaRPr lang="en" sz="1600" dirty="0">
+              <a:latin typeface="Arial" charset="0"/>
+              <a:ea typeface="Arial" charset="0"/>
+              <a:cs typeface="Arial" charset="0"/>
+            </a:endParaRPr>
+          </a:p>
+          <a:p>
+            <a:pPr marL="0" indent="0" algn="ctr">
+              <a:buFont typeface="Source Sans Pro"/>
+              <a:buNone/>
+            </a:pPr>
+            <a:endParaRPr lang="en" sz="1600" dirty="0">
+              <a:latin typeface="Arial" charset="0"/>
+              <a:ea typeface="Arial" charset="0"/>
+              <a:cs typeface="Arial" charset="0"/>
+            </a:endParaRPr>
+          </a:p>
+        </p:txBody>
+      </p:sp>
+    </p:spTree>
   </p:cSld>
   <p:clrMapOvr>
     <a:masterClrMapping/>
@@ -14611,7 +14672,7 @@
           <p:cNvPr id="7" name="Shape 667">
             <a:extLst>
               <a:ext uri="{FF2B5EF4-FFF2-40B4-BE49-F238E27FC236}">
-                <a16:creationId xmlns="" xmlns:a16="http://schemas.microsoft.com/office/drawing/2014/main" id="{4ED33EE4-9A90-BA4F-9887-E6159A3C4FD9}"/>
+                <a16:creationId xmlns:a16="http://schemas.microsoft.com/office/drawing/2014/main" xmlns="" id="{4ED33EE4-9A90-BA4F-9887-E6159A3C4FD9}"/>
               </a:ext>
             </a:extLst>
           </p:cNvPr>
@@ -14938,7 +14999,7 @@
           <p:cNvPr id="8" name="Shape 667">
             <a:extLst>
               <a:ext uri="{FF2B5EF4-FFF2-40B4-BE49-F238E27FC236}">
-                <a16:creationId xmlns="" xmlns:a16="http://schemas.microsoft.com/office/drawing/2014/main" id="{6D9FDE64-5BCC-7B4B-8CDC-391E76042333}"/>
+                <a16:creationId xmlns:a16="http://schemas.microsoft.com/office/drawing/2014/main" xmlns="" id="{6D9FDE64-5BCC-7B4B-8CDC-391E76042333}"/>
               </a:ext>
             </a:extLst>
           </p:cNvPr>
@@ -15769,28 +15830,28 @@
                 <a:gridCol w="1587501">
                   <a:extLst>
                     <a:ext uri="{9D8B030D-6E8A-4147-A177-3AD203B41FA5}">
-                      <a16:colId xmlns="" xmlns:a16="http://schemas.microsoft.com/office/drawing/2014/main" val="20000"/>
+                      <a16:colId xmlns:a16="http://schemas.microsoft.com/office/drawing/2014/main" xmlns="" val="20000"/>
                     </a:ext>
                   </a:extLst>
                 </a:gridCol>
                 <a:gridCol w="2855163">
                   <a:extLst>
                     <a:ext uri="{9D8B030D-6E8A-4147-A177-3AD203B41FA5}">
-                      <a16:colId xmlns="" xmlns:a16="http://schemas.microsoft.com/office/drawing/2014/main" val="20001"/>
+                      <a16:colId xmlns:a16="http://schemas.microsoft.com/office/drawing/2014/main" xmlns="" val="20001"/>
                     </a:ext>
                   </a:extLst>
                 </a:gridCol>
                 <a:gridCol w="1759759">
                   <a:extLst>
                     <a:ext uri="{9D8B030D-6E8A-4147-A177-3AD203B41FA5}">
-                      <a16:colId xmlns="" xmlns:a16="http://schemas.microsoft.com/office/drawing/2014/main" val="20002"/>
+                      <a16:colId xmlns:a16="http://schemas.microsoft.com/office/drawing/2014/main" xmlns="" val="20002"/>
                     </a:ext>
                   </a:extLst>
                 </a:gridCol>
                 <a:gridCol w="2268478">
                   <a:extLst>
                     <a:ext uri="{9D8B030D-6E8A-4147-A177-3AD203B41FA5}">
-                      <a16:colId xmlns="" xmlns:a16="http://schemas.microsoft.com/office/drawing/2014/main" val="20004"/>
+                      <a16:colId xmlns:a16="http://schemas.microsoft.com/office/drawing/2014/main" xmlns="" val="20004"/>
                     </a:ext>
                   </a:extLst>
                 </a:gridCol>
@@ -15894,7 +15955,7 @@
                 </a:tc>
                 <a:extLst>
                   <a:ext uri="{0D108BD9-81ED-4DB2-BD59-A6C34878D82A}">
-                    <a16:rowId xmlns="" xmlns:a16="http://schemas.microsoft.com/office/drawing/2014/main" val="10000"/>
+                    <a16:rowId xmlns:a16="http://schemas.microsoft.com/office/drawing/2014/main" xmlns="" val="10000"/>
                   </a:ext>
                 </a:extLst>
               </a:tr>
@@ -16075,7 +16136,7 @@
                 </a:tc>
                 <a:extLst>
                   <a:ext uri="{0D108BD9-81ED-4DB2-BD59-A6C34878D82A}">
-                    <a16:rowId xmlns="" xmlns:a16="http://schemas.microsoft.com/office/drawing/2014/main" val="2455327945"/>
+                    <a16:rowId xmlns:a16="http://schemas.microsoft.com/office/drawing/2014/main" xmlns="" val="2455327945"/>
                   </a:ext>
                 </a:extLst>
               </a:tr>
@@ -16226,7 +16287,7 @@
                 </a:tc>
                 <a:extLst>
                   <a:ext uri="{0D108BD9-81ED-4DB2-BD59-A6C34878D82A}">
-                    <a16:rowId xmlns="" xmlns:a16="http://schemas.microsoft.com/office/drawing/2014/main" val="4280216352"/>
+                    <a16:rowId xmlns:a16="http://schemas.microsoft.com/office/drawing/2014/main" xmlns="" val="4280216352"/>
                   </a:ext>
                 </a:extLst>
               </a:tr>
@@ -16387,7 +16448,7 @@
                 </a:tc>
                 <a:extLst>
                   <a:ext uri="{0D108BD9-81ED-4DB2-BD59-A6C34878D82A}">
-                    <a16:rowId xmlns="" xmlns:a16="http://schemas.microsoft.com/office/drawing/2014/main" val="2414580013"/>
+                    <a16:rowId xmlns:a16="http://schemas.microsoft.com/office/drawing/2014/main" xmlns="" val="2414580013"/>
                   </a:ext>
                 </a:extLst>
               </a:tr>
@@ -16479,7 +16540,7 @@
           <p:cNvPr id="10" name="Shape 666">
             <a:extLst>
               <a:ext uri="{FF2B5EF4-FFF2-40B4-BE49-F238E27FC236}">
-                <a16:creationId xmlns="" xmlns:a16="http://schemas.microsoft.com/office/drawing/2014/main" id="{CFF12E7D-D1AD-6049-9F78-E73AF95BA285}"/>
+                <a16:creationId xmlns:a16="http://schemas.microsoft.com/office/drawing/2014/main" xmlns="" id="{CFF12E7D-D1AD-6049-9F78-E73AF95BA285}"/>
               </a:ext>
             </a:extLst>
           </p:cNvPr>
@@ -16767,7 +16828,7 @@
           <p:cNvPr id="9" name="Picture 8">
             <a:extLst>
               <a:ext uri="{FF2B5EF4-FFF2-40B4-BE49-F238E27FC236}">
-                <a16:creationId xmlns="" xmlns:a16="http://schemas.microsoft.com/office/drawing/2014/main" id="{DE92D77D-92F2-D048-9046-585BDD0FC153}"/>
+                <a16:creationId xmlns:a16="http://schemas.microsoft.com/office/drawing/2014/main" xmlns="" id="{DE92D77D-92F2-D048-9046-585BDD0FC153}"/>
               </a:ext>
             </a:extLst>
           </p:cNvPr>
